--- a/总结汇报-余泳松.pptx
+++ b/总结汇报-余泳松.pptx
@@ -5,7 +5,7 @@
     <p:sldMasterId id="2147483648" r:id="rId1"/>
   </p:sldMasterIdLst>
   <p:notesMasterIdLst>
-    <p:notesMasterId r:id="rId38"/>
+    <p:notesMasterId r:id="rId45"/>
   </p:notesMasterIdLst>
   <p:sldIdLst>
     <p:sldId id="357" r:id="rId2"/>
@@ -44,11 +44,18 @@
     <p:sldId id="399" r:id="rId35"/>
     <p:sldId id="397" r:id="rId36"/>
     <p:sldId id="398" r:id="rId37"/>
+    <p:sldId id="400" r:id="rId38"/>
+    <p:sldId id="401" r:id="rId39"/>
+    <p:sldId id="402" r:id="rId40"/>
+    <p:sldId id="405" r:id="rId41"/>
+    <p:sldId id="403" r:id="rId42"/>
+    <p:sldId id="406" r:id="rId43"/>
+    <p:sldId id="407" r:id="rId44"/>
   </p:sldIdLst>
   <p:sldSz cx="12192000" cy="6858000"/>
   <p:notesSz cx="6858000" cy="9144000"/>
   <p:custDataLst>
-    <p:tags r:id="rId39"/>
+    <p:tags r:id="rId46"/>
   </p:custDataLst>
   <p:defaultTextStyle>
     <a:defPPr>
@@ -243,7 +250,7 @@
           <a:p>
             <a:fld id="{5D13BBE5-0BEA-4494-9BEF-C8C2F48C9E2D}" type="datetimeFigureOut">
               <a:rPr lang="zh-CN" altLang="en-US" smtClean="0"/>
-              <a:t>2024/8/8</a:t>
+              <a:t>2024/8/13</a:t>
             </a:fld>
             <a:endParaRPr lang="zh-CN" altLang="en-US"/>
           </a:p>
@@ -3025,6 +3032,463 @@
 </p:notes>
 </file>
 
+<file path=ppt/notesSlides/notesSlide37.xml><?xml version="1.0" encoding="utf-8"?>
+<p:notes xmlns:a="http://schemas.openxmlformats.org/drawingml/2006/main" xmlns:r="http://schemas.openxmlformats.org/officeDocument/2006/relationships" xmlns:p="http://schemas.openxmlformats.org/presentationml/2006/main">
+  <p:cSld>
+    <p:spTree>
+      <p:nvGrpSpPr>
+        <p:cNvPr id="1" name=""/>
+        <p:cNvGrpSpPr/>
+        <p:nvPr/>
+      </p:nvGrpSpPr>
+      <p:grpSpPr>
+        <a:xfrm>
+          <a:off x="0" y="0"/>
+          <a:ext cx="0" cy="0"/>
+          <a:chOff x="0" y="0"/>
+          <a:chExt cx="0" cy="0"/>
+        </a:xfrm>
+      </p:grpSpPr>
+      <p:sp>
+        <p:nvSpPr>
+          <p:cNvPr id="2" name="幻灯片图像占位符 1"/>
+          <p:cNvSpPr>
+            <a:spLocks noGrp="1" noRot="1" noChangeAspect="1"/>
+          </p:cNvSpPr>
+          <p:nvPr>
+            <p:ph type="sldImg"/>
+          </p:nvPr>
+        </p:nvSpPr>
+        <p:spPr/>
+      </p:sp>
+      <p:sp>
+        <p:nvSpPr>
+          <p:cNvPr id="3" name="备注占位符 2"/>
+          <p:cNvSpPr>
+            <a:spLocks noGrp="1"/>
+          </p:cNvSpPr>
+          <p:nvPr>
+            <p:ph type="body" idx="1"/>
+          </p:nvPr>
+        </p:nvSpPr>
+        <p:spPr/>
+        <p:txBody>
+          <a:bodyPr/>
+          <a:lstStyle/>
+          <a:p>
+            <a:endParaRPr lang="zh-CN" altLang="en-US" dirty="0"/>
+          </a:p>
+        </p:txBody>
+      </p:sp>
+      <p:sp>
+        <p:nvSpPr>
+          <p:cNvPr id="4" name="灯片编号占位符 3"/>
+          <p:cNvSpPr>
+            <a:spLocks noGrp="1"/>
+          </p:cNvSpPr>
+          <p:nvPr>
+            <p:ph type="sldNum" sz="quarter" idx="5"/>
+          </p:nvPr>
+        </p:nvSpPr>
+        <p:spPr/>
+        <p:txBody>
+          <a:bodyPr/>
+          <a:lstStyle/>
+          <a:p>
+            <a:fld id="{F1CB8912-F0BA-4AD8-8415-DA1F26BCB09F}" type="slidenum">
+              <a:rPr lang="zh-CN" altLang="en-US" smtClean="0"/>
+              <a:t>37</a:t>
+            </a:fld>
+            <a:endParaRPr lang="zh-CN" altLang="en-US"/>
+          </a:p>
+        </p:txBody>
+      </p:sp>
+    </p:spTree>
+    <p:extLst>
+      <p:ext uri="{BB962C8B-B14F-4D97-AF65-F5344CB8AC3E}">
+        <p14:creationId xmlns:p14="http://schemas.microsoft.com/office/powerpoint/2010/main" val="259383897"/>
+      </p:ext>
+    </p:extLst>
+  </p:cSld>
+  <p:clrMapOvr>
+    <a:masterClrMapping/>
+  </p:clrMapOvr>
+</p:notes>
+</file>
+
+<file path=ppt/notesSlides/notesSlide38.xml><?xml version="1.0" encoding="utf-8"?>
+<p:notes xmlns:a="http://schemas.openxmlformats.org/drawingml/2006/main" xmlns:r="http://schemas.openxmlformats.org/officeDocument/2006/relationships" xmlns:p="http://schemas.openxmlformats.org/presentationml/2006/main">
+  <p:cSld>
+    <p:spTree>
+      <p:nvGrpSpPr>
+        <p:cNvPr id="1" name=""/>
+        <p:cNvGrpSpPr/>
+        <p:nvPr/>
+      </p:nvGrpSpPr>
+      <p:grpSpPr>
+        <a:xfrm>
+          <a:off x="0" y="0"/>
+          <a:ext cx="0" cy="0"/>
+          <a:chOff x="0" y="0"/>
+          <a:chExt cx="0" cy="0"/>
+        </a:xfrm>
+      </p:grpSpPr>
+      <p:sp>
+        <p:nvSpPr>
+          <p:cNvPr id="2" name="幻灯片图像占位符 1"/>
+          <p:cNvSpPr>
+            <a:spLocks noGrp="1" noRot="1" noChangeAspect="1"/>
+          </p:cNvSpPr>
+          <p:nvPr>
+            <p:ph type="sldImg"/>
+          </p:nvPr>
+        </p:nvSpPr>
+        <p:spPr/>
+      </p:sp>
+      <p:sp>
+        <p:nvSpPr>
+          <p:cNvPr id="3" name="备注占位符 2"/>
+          <p:cNvSpPr>
+            <a:spLocks noGrp="1"/>
+          </p:cNvSpPr>
+          <p:nvPr>
+            <p:ph type="body" idx="1"/>
+          </p:nvPr>
+        </p:nvSpPr>
+        <p:spPr/>
+        <p:txBody>
+          <a:bodyPr/>
+          <a:lstStyle/>
+          <a:p>
+            <a:r>
+              <a:rPr lang="zh-CN" altLang="en-US" dirty="0"/>
+              <a:t>振动频率 快：</a:t>
+            </a:r>
+            <a:r>
+              <a:rPr lang="en-US" altLang="zh-CN" dirty="0"/>
+              <a:t>200hz </a:t>
+            </a:r>
+            <a:r>
+              <a:rPr lang="zh-CN" altLang="en-US" dirty="0"/>
+              <a:t>慢：</a:t>
+            </a:r>
+            <a:r>
+              <a:rPr lang="en-US" altLang="zh-CN" dirty="0"/>
+              <a:t>50hz  </a:t>
+            </a:r>
+            <a:r>
+              <a:rPr lang="zh-CN" altLang="en-US" dirty="0"/>
+              <a:t> 振动时间 长</a:t>
+            </a:r>
+            <a:r>
+              <a:rPr lang="en-US" altLang="zh-CN" dirty="0"/>
+              <a:t>:2500ms</a:t>
+            </a:r>
+            <a:r>
+              <a:rPr lang="zh-CN" altLang="en-US" dirty="0"/>
+              <a:t>，短</a:t>
+            </a:r>
+            <a:r>
+              <a:rPr lang="en-US" altLang="zh-CN" dirty="0"/>
+              <a:t>500ms    </a:t>
+            </a:r>
+            <a:r>
+              <a:rPr lang="zh-CN" altLang="en-US" dirty="0"/>
+              <a:t>参考：</a:t>
+            </a:r>
+            <a:r>
+              <a:rPr lang="en-US" altLang="zh-CN" dirty="0"/>
+              <a:t>Navigation by vibration: Effects of vibrotactile feedback on a navigation task</a:t>
+            </a:r>
+            <a:endParaRPr lang="zh-CN" altLang="en-US" dirty="0"/>
+          </a:p>
+        </p:txBody>
+      </p:sp>
+      <p:sp>
+        <p:nvSpPr>
+          <p:cNvPr id="4" name="灯片编号占位符 3"/>
+          <p:cNvSpPr>
+            <a:spLocks noGrp="1"/>
+          </p:cNvSpPr>
+          <p:nvPr>
+            <p:ph type="sldNum" sz="quarter" idx="5"/>
+          </p:nvPr>
+        </p:nvSpPr>
+        <p:spPr/>
+        <p:txBody>
+          <a:bodyPr/>
+          <a:lstStyle/>
+          <a:p>
+            <a:fld id="{F1CB8912-F0BA-4AD8-8415-DA1F26BCB09F}" type="slidenum">
+              <a:rPr lang="zh-CN" altLang="en-US" smtClean="0"/>
+              <a:t>38</a:t>
+            </a:fld>
+            <a:endParaRPr lang="zh-CN" altLang="en-US"/>
+          </a:p>
+        </p:txBody>
+      </p:sp>
+    </p:spTree>
+    <p:extLst>
+      <p:ext uri="{BB962C8B-B14F-4D97-AF65-F5344CB8AC3E}">
+        <p14:creationId xmlns:p14="http://schemas.microsoft.com/office/powerpoint/2010/main" val="4075599304"/>
+      </p:ext>
+    </p:extLst>
+  </p:cSld>
+  <p:clrMapOvr>
+    <a:masterClrMapping/>
+  </p:clrMapOvr>
+</p:notes>
+</file>
+
+<file path=ppt/notesSlides/notesSlide39.xml><?xml version="1.0" encoding="utf-8"?>
+<p:notes xmlns:a="http://schemas.openxmlformats.org/drawingml/2006/main" xmlns:r="http://schemas.openxmlformats.org/officeDocument/2006/relationships" xmlns:p="http://schemas.openxmlformats.org/presentationml/2006/main">
+  <p:cSld>
+    <p:spTree>
+      <p:nvGrpSpPr>
+        <p:cNvPr id="1" name=""/>
+        <p:cNvGrpSpPr/>
+        <p:nvPr/>
+      </p:nvGrpSpPr>
+      <p:grpSpPr>
+        <a:xfrm>
+          <a:off x="0" y="0"/>
+          <a:ext cx="0" cy="0"/>
+          <a:chOff x="0" y="0"/>
+          <a:chExt cx="0" cy="0"/>
+        </a:xfrm>
+      </p:grpSpPr>
+      <p:sp>
+        <p:nvSpPr>
+          <p:cNvPr id="2" name="幻灯片图像占位符 1"/>
+          <p:cNvSpPr>
+            <a:spLocks noGrp="1" noRot="1" noChangeAspect="1"/>
+          </p:cNvSpPr>
+          <p:nvPr>
+            <p:ph type="sldImg"/>
+          </p:nvPr>
+        </p:nvSpPr>
+        <p:spPr/>
+      </p:sp>
+      <p:sp>
+        <p:nvSpPr>
+          <p:cNvPr id="3" name="备注占位符 2"/>
+          <p:cNvSpPr>
+            <a:spLocks noGrp="1"/>
+          </p:cNvSpPr>
+          <p:nvPr>
+            <p:ph type="body" idx="1"/>
+          </p:nvPr>
+        </p:nvSpPr>
+        <p:spPr/>
+        <p:txBody>
+          <a:bodyPr/>
+          <a:lstStyle/>
+          <a:p>
+            <a:pPr marL="0" marR="0" lvl="0" indent="0" algn="l" defTabSz="914400" rtl="0" eaLnBrk="1" fontAlgn="auto" latinLnBrk="0" hangingPunct="1">
+              <a:lnSpc>
+                <a:spcPct val="100000"/>
+              </a:lnSpc>
+              <a:spcBef>
+                <a:spcPts val="0"/>
+              </a:spcBef>
+              <a:spcAft>
+                <a:spcPts val="0"/>
+              </a:spcAft>
+              <a:buClrTx/>
+              <a:buSzTx/>
+              <a:buFontTx/>
+              <a:buNone/>
+              <a:tabLst/>
+              <a:defRPr/>
+            </a:pPr>
+            <a:r>
+              <a:rPr lang="zh-CN" altLang="en-US" b="1" i="0" dirty="0">
+                <a:solidFill>
+                  <a:srgbClr val="666666"/>
+                </a:solidFill>
+                <a:effectLst/>
+                <a:highlight>
+                  <a:srgbClr val="FFFFFF"/>
+                </a:highlight>
+                <a:latin typeface="Noto sans" panose="020B0502040204020203" pitchFamily="34" charset="0"/>
+              </a:rPr>
+              <a:t>模式</a:t>
+            </a:r>
+            <a:r>
+              <a:rPr lang="en-US" altLang="zh-CN" b="1" i="0" dirty="0">
+                <a:solidFill>
+                  <a:srgbClr val="666666"/>
+                </a:solidFill>
+                <a:effectLst/>
+                <a:highlight>
+                  <a:srgbClr val="FFFFFF"/>
+                </a:highlight>
+                <a:latin typeface="Noto sans" panose="020B0502040204020203" pitchFamily="34" charset="0"/>
+              </a:rPr>
+              <a:t>1</a:t>
+            </a:r>
+            <a:r>
+              <a:rPr lang="zh-CN" altLang="en-US" b="0" i="0" dirty="0">
+                <a:solidFill>
+                  <a:srgbClr val="666666"/>
+                </a:solidFill>
+                <a:effectLst/>
+                <a:highlight>
+                  <a:srgbClr val="FFFFFF"/>
+                </a:highlight>
+                <a:latin typeface="Noto sans" panose="020B0502040204020203" pitchFamily="34" charset="0"/>
+              </a:rPr>
+              <a:t>：通过振动频率（快和慢）区分导航，例如，需要左转时，手表不断振动（频率慢，连续，时间短）提示用户左转，当转到正确方向时，手表振动（频率快，连续，时间短）</a:t>
+            </a:r>
+            <a:endParaRPr lang="en-US" altLang="zh-CN" b="0" i="0" dirty="0">
+              <a:solidFill>
+                <a:srgbClr val="666666"/>
+              </a:solidFill>
+              <a:effectLst/>
+              <a:highlight>
+                <a:srgbClr val="FFFFFF"/>
+              </a:highlight>
+              <a:latin typeface="Noto sans" panose="020B0502040204020203" pitchFamily="34" charset="0"/>
+            </a:endParaRPr>
+          </a:p>
+          <a:p>
+            <a:pPr marL="0" marR="0" lvl="0" indent="0" algn="l" defTabSz="914400" rtl="0" eaLnBrk="1" fontAlgn="auto" latinLnBrk="0" hangingPunct="1">
+              <a:lnSpc>
+                <a:spcPct val="100000"/>
+              </a:lnSpc>
+              <a:spcBef>
+                <a:spcPts val="0"/>
+              </a:spcBef>
+              <a:spcAft>
+                <a:spcPts val="0"/>
+              </a:spcAft>
+              <a:buClrTx/>
+              <a:buSzTx/>
+              <a:buFontTx/>
+              <a:buNone/>
+              <a:tabLst/>
+              <a:defRPr/>
+            </a:pPr>
+            <a:r>
+              <a:rPr lang="en-US" altLang="zh-CN" b="0" i="0" dirty="0">
+                <a:solidFill>
+                  <a:srgbClr val="666666"/>
+                </a:solidFill>
+                <a:effectLst/>
+                <a:highlight>
+                  <a:srgbClr val="FFFFFF"/>
+                </a:highlight>
+                <a:latin typeface="Noto sans" panose="020B0502040204020203" pitchFamily="34" charset="0"/>
+              </a:rPr>
+              <a:t>            </a:t>
+            </a:r>
+            <a:r>
+              <a:rPr lang="zh-CN" altLang="en-US" b="0" i="0" dirty="0">
+                <a:solidFill>
+                  <a:srgbClr val="666666"/>
+                </a:solidFill>
+                <a:effectLst/>
+                <a:highlight>
+                  <a:srgbClr val="FFFFFF"/>
+                </a:highlight>
+                <a:latin typeface="Noto sans" panose="020B0502040204020203" pitchFamily="34" charset="0"/>
+              </a:rPr>
+              <a:t>通过振动类型（连续和离散）区分</a:t>
+            </a:r>
+            <a:r>
+              <a:rPr lang="zh-CN" altLang="en-US" sz="1200" dirty="0"/>
+              <a:t>事件危险预警，</a:t>
+            </a:r>
+            <a:endParaRPr lang="en-US" altLang="zh-CN" sz="1200" dirty="0"/>
+          </a:p>
+          <a:p>
+            <a:pPr marL="0" marR="0" lvl="0" indent="0" algn="l" defTabSz="914400" rtl="0" eaLnBrk="1" fontAlgn="auto" latinLnBrk="0" hangingPunct="1">
+              <a:lnSpc>
+                <a:spcPct val="100000"/>
+              </a:lnSpc>
+              <a:spcBef>
+                <a:spcPts val="0"/>
+              </a:spcBef>
+              <a:spcAft>
+                <a:spcPts val="0"/>
+              </a:spcAft>
+              <a:buClrTx/>
+              <a:buSzTx/>
+              <a:buFontTx/>
+              <a:buNone/>
+              <a:tabLst/>
+              <a:defRPr/>
+            </a:pPr>
+            <a:r>
+              <a:rPr lang="en-US" altLang="zh-CN" sz="1200" b="0" i="0" dirty="0">
+                <a:solidFill>
+                  <a:srgbClr val="666666"/>
+                </a:solidFill>
+                <a:effectLst/>
+                <a:highlight>
+                  <a:srgbClr val="FFFFFF"/>
+                </a:highlight>
+                <a:latin typeface="Noto sans" panose="020B0502040204020203" pitchFamily="34" charset="0"/>
+              </a:rPr>
+              <a:t>            </a:t>
+            </a:r>
+            <a:r>
+              <a:rPr lang="zh-CN" altLang="en-US" b="0" i="0" dirty="0">
+                <a:solidFill>
+                  <a:srgbClr val="666666"/>
+                </a:solidFill>
+                <a:effectLst/>
+                <a:highlight>
+                  <a:srgbClr val="FFFFFF"/>
+                </a:highlight>
+                <a:latin typeface="Noto sans" panose="020B0502040204020203" pitchFamily="34" charset="0"/>
+              </a:rPr>
+              <a:t>通过振动时间（长和短）区分</a:t>
+            </a:r>
+            <a:r>
+              <a:rPr lang="zh-CN" altLang="en-US" sz="1200" dirty="0"/>
+              <a:t>动作行为辅助。</a:t>
+            </a:r>
+            <a:endParaRPr lang="zh-CN" altLang="en-US" dirty="0"/>
+          </a:p>
+        </p:txBody>
+      </p:sp>
+      <p:sp>
+        <p:nvSpPr>
+          <p:cNvPr id="4" name="灯片编号占位符 3"/>
+          <p:cNvSpPr>
+            <a:spLocks noGrp="1"/>
+          </p:cNvSpPr>
+          <p:nvPr>
+            <p:ph type="sldNum" sz="quarter" idx="5"/>
+          </p:nvPr>
+        </p:nvSpPr>
+        <p:spPr/>
+        <p:txBody>
+          <a:bodyPr/>
+          <a:lstStyle/>
+          <a:p>
+            <a:fld id="{F1CB8912-F0BA-4AD8-8415-DA1F26BCB09F}" type="slidenum">
+              <a:rPr lang="zh-CN" altLang="en-US" smtClean="0"/>
+              <a:t>39</a:t>
+            </a:fld>
+            <a:endParaRPr lang="zh-CN" altLang="en-US"/>
+          </a:p>
+        </p:txBody>
+      </p:sp>
+    </p:spTree>
+    <p:extLst>
+      <p:ext uri="{BB962C8B-B14F-4D97-AF65-F5344CB8AC3E}">
+        <p14:creationId xmlns:p14="http://schemas.microsoft.com/office/powerpoint/2010/main" val="43300235"/>
+      </p:ext>
+    </p:extLst>
+  </p:cSld>
+  <p:clrMapOvr>
+    <a:masterClrMapping/>
+  </p:clrMapOvr>
+</p:notes>
+</file>
+
 <file path=ppt/notesSlides/notesSlide4.xml><?xml version="1.0" encoding="utf-8"?>
 <p:notes xmlns:a="http://schemas.openxmlformats.org/drawingml/2006/main" xmlns:r="http://schemas.openxmlformats.org/officeDocument/2006/relationships" xmlns:p="http://schemas.openxmlformats.org/presentationml/2006/main">
   <p:cSld>
@@ -3100,6 +3564,843 @@
     <p:extLst>
       <p:ext uri="{BB962C8B-B14F-4D97-AF65-F5344CB8AC3E}">
         <p14:creationId xmlns:p14="http://schemas.microsoft.com/office/powerpoint/2010/main" val="2458072636"/>
+      </p:ext>
+    </p:extLst>
+  </p:cSld>
+  <p:clrMapOvr>
+    <a:masterClrMapping/>
+  </p:clrMapOvr>
+</p:notes>
+</file>
+
+<file path=ppt/notesSlides/notesSlide40.xml><?xml version="1.0" encoding="utf-8"?>
+<p:notes xmlns:a="http://schemas.openxmlformats.org/drawingml/2006/main" xmlns:r="http://schemas.openxmlformats.org/officeDocument/2006/relationships" xmlns:p="http://schemas.openxmlformats.org/presentationml/2006/main">
+  <p:cSld>
+    <p:spTree>
+      <p:nvGrpSpPr>
+        <p:cNvPr id="1" name=""/>
+        <p:cNvGrpSpPr/>
+        <p:nvPr/>
+      </p:nvGrpSpPr>
+      <p:grpSpPr>
+        <a:xfrm>
+          <a:off x="0" y="0"/>
+          <a:ext cx="0" cy="0"/>
+          <a:chOff x="0" y="0"/>
+          <a:chExt cx="0" cy="0"/>
+        </a:xfrm>
+      </p:grpSpPr>
+      <p:sp>
+        <p:nvSpPr>
+          <p:cNvPr id="2" name="幻灯片图像占位符 1"/>
+          <p:cNvSpPr>
+            <a:spLocks noGrp="1" noRot="1" noChangeAspect="1"/>
+          </p:cNvSpPr>
+          <p:nvPr>
+            <p:ph type="sldImg"/>
+          </p:nvPr>
+        </p:nvSpPr>
+        <p:spPr/>
+      </p:sp>
+      <p:sp>
+        <p:nvSpPr>
+          <p:cNvPr id="3" name="备注占位符 2"/>
+          <p:cNvSpPr>
+            <a:spLocks noGrp="1"/>
+          </p:cNvSpPr>
+          <p:nvPr>
+            <p:ph type="body" idx="1"/>
+          </p:nvPr>
+        </p:nvSpPr>
+        <p:spPr/>
+        <p:txBody>
+          <a:bodyPr/>
+          <a:lstStyle/>
+          <a:p>
+            <a:pPr marL="0" marR="0" lvl="0" indent="0" algn="l" defTabSz="914400" rtl="0" eaLnBrk="1" fontAlgn="auto" latinLnBrk="0" hangingPunct="1">
+              <a:lnSpc>
+                <a:spcPct val="100000"/>
+              </a:lnSpc>
+              <a:spcBef>
+                <a:spcPts val="0"/>
+              </a:spcBef>
+              <a:spcAft>
+                <a:spcPts val="0"/>
+              </a:spcAft>
+              <a:buClrTx/>
+              <a:buSzTx/>
+              <a:buFontTx/>
+              <a:buNone/>
+              <a:tabLst/>
+              <a:defRPr/>
+            </a:pPr>
+            <a:r>
+              <a:rPr lang="zh-CN" altLang="en-US" b="1" i="0" dirty="0">
+                <a:solidFill>
+                  <a:srgbClr val="666666"/>
+                </a:solidFill>
+                <a:effectLst/>
+                <a:highlight>
+                  <a:srgbClr val="FFFFFF"/>
+                </a:highlight>
+                <a:latin typeface="Noto sans" panose="020B0502040204020203" pitchFamily="34" charset="0"/>
+              </a:rPr>
+              <a:t>模式</a:t>
+            </a:r>
+            <a:r>
+              <a:rPr lang="en-US" altLang="zh-CN" b="1" i="0" dirty="0">
+                <a:solidFill>
+                  <a:srgbClr val="666666"/>
+                </a:solidFill>
+                <a:effectLst/>
+                <a:highlight>
+                  <a:srgbClr val="FFFFFF"/>
+                </a:highlight>
+                <a:latin typeface="Noto sans" panose="020B0502040204020203" pitchFamily="34" charset="0"/>
+              </a:rPr>
+              <a:t>2</a:t>
+            </a:r>
+            <a:r>
+              <a:rPr lang="zh-CN" altLang="en-US" b="0" i="0" dirty="0">
+                <a:solidFill>
+                  <a:srgbClr val="666666"/>
+                </a:solidFill>
+                <a:effectLst/>
+                <a:highlight>
+                  <a:srgbClr val="FFFFFF"/>
+                </a:highlight>
+                <a:latin typeface="Noto sans" panose="020B0502040204020203" pitchFamily="34" charset="0"/>
+              </a:rPr>
+              <a:t>：通过振动频率（快和慢）区分导航，例如，需要左转时，手表不断振动（频率慢，连续，时间短）提示用户左转，当转到正确方向时，手表振动（频率快，连续，时间短）</a:t>
+            </a:r>
+            <a:endParaRPr lang="en-US" altLang="zh-CN" b="0" i="0" dirty="0">
+              <a:solidFill>
+                <a:srgbClr val="666666"/>
+              </a:solidFill>
+              <a:effectLst/>
+              <a:highlight>
+                <a:srgbClr val="FFFFFF"/>
+              </a:highlight>
+              <a:latin typeface="Noto sans" panose="020B0502040204020203" pitchFamily="34" charset="0"/>
+            </a:endParaRPr>
+          </a:p>
+          <a:p>
+            <a:pPr marL="0" marR="0" lvl="0" indent="0" algn="l" defTabSz="914400" rtl="0" eaLnBrk="1" fontAlgn="auto" latinLnBrk="0" hangingPunct="1">
+              <a:lnSpc>
+                <a:spcPct val="100000"/>
+              </a:lnSpc>
+              <a:spcBef>
+                <a:spcPts val="0"/>
+              </a:spcBef>
+              <a:spcAft>
+                <a:spcPts val="0"/>
+              </a:spcAft>
+              <a:buClrTx/>
+              <a:buSzTx/>
+              <a:buFontTx/>
+              <a:buNone/>
+              <a:tabLst/>
+              <a:defRPr/>
+            </a:pPr>
+            <a:r>
+              <a:rPr lang="en-US" altLang="zh-CN" b="0" i="0" dirty="0">
+                <a:solidFill>
+                  <a:srgbClr val="666666"/>
+                </a:solidFill>
+                <a:effectLst/>
+                <a:highlight>
+                  <a:srgbClr val="FFFFFF"/>
+                </a:highlight>
+                <a:latin typeface="Noto sans" panose="020B0502040204020203" pitchFamily="34" charset="0"/>
+              </a:rPr>
+              <a:t>            </a:t>
+            </a:r>
+            <a:r>
+              <a:rPr lang="zh-CN" altLang="en-US" b="0" i="0" dirty="0">
+                <a:solidFill>
+                  <a:srgbClr val="666666"/>
+                </a:solidFill>
+                <a:effectLst/>
+                <a:highlight>
+                  <a:srgbClr val="FFFFFF"/>
+                </a:highlight>
+                <a:latin typeface="Noto sans" panose="020B0502040204020203" pitchFamily="34" charset="0"/>
+              </a:rPr>
+              <a:t>通过振动时间（长和短）区分</a:t>
+            </a:r>
+            <a:r>
+              <a:rPr lang="zh-CN" altLang="en-US" sz="1200" dirty="0"/>
+              <a:t>事件危险预警，</a:t>
+            </a:r>
+            <a:endParaRPr lang="en-US" altLang="zh-CN" sz="1200" dirty="0"/>
+          </a:p>
+          <a:p>
+            <a:pPr marL="0" marR="0" lvl="0" indent="0" algn="l" defTabSz="914400" rtl="0" eaLnBrk="1" fontAlgn="auto" latinLnBrk="0" hangingPunct="1">
+              <a:lnSpc>
+                <a:spcPct val="100000"/>
+              </a:lnSpc>
+              <a:spcBef>
+                <a:spcPts val="0"/>
+              </a:spcBef>
+              <a:spcAft>
+                <a:spcPts val="0"/>
+              </a:spcAft>
+              <a:buClrTx/>
+              <a:buSzTx/>
+              <a:buFontTx/>
+              <a:buNone/>
+              <a:tabLst/>
+              <a:defRPr/>
+            </a:pPr>
+            <a:r>
+              <a:rPr lang="en-US" altLang="zh-CN" sz="1200" b="0" i="0" dirty="0">
+                <a:solidFill>
+                  <a:srgbClr val="666666"/>
+                </a:solidFill>
+                <a:effectLst/>
+                <a:highlight>
+                  <a:srgbClr val="FFFFFF"/>
+                </a:highlight>
+                <a:latin typeface="Noto sans" panose="020B0502040204020203" pitchFamily="34" charset="0"/>
+              </a:rPr>
+              <a:t>            </a:t>
+            </a:r>
+            <a:r>
+              <a:rPr lang="zh-CN" altLang="en-US" b="0" i="0" dirty="0">
+                <a:solidFill>
+                  <a:srgbClr val="666666"/>
+                </a:solidFill>
+                <a:effectLst/>
+                <a:highlight>
+                  <a:srgbClr val="FFFFFF"/>
+                </a:highlight>
+                <a:latin typeface="Noto sans" panose="020B0502040204020203" pitchFamily="34" charset="0"/>
+              </a:rPr>
+              <a:t>通过振动类型（连续和离散）区分</a:t>
+            </a:r>
+            <a:r>
+              <a:rPr lang="zh-CN" altLang="en-US" sz="1200" dirty="0"/>
+              <a:t>动作行为辅助。</a:t>
+            </a:r>
+            <a:endParaRPr lang="zh-CN" altLang="en-US" dirty="0"/>
+          </a:p>
+        </p:txBody>
+      </p:sp>
+      <p:sp>
+        <p:nvSpPr>
+          <p:cNvPr id="4" name="灯片编号占位符 3"/>
+          <p:cNvSpPr>
+            <a:spLocks noGrp="1"/>
+          </p:cNvSpPr>
+          <p:nvPr>
+            <p:ph type="sldNum" sz="quarter" idx="5"/>
+          </p:nvPr>
+        </p:nvSpPr>
+        <p:spPr/>
+        <p:txBody>
+          <a:bodyPr/>
+          <a:lstStyle/>
+          <a:p>
+            <a:fld id="{F1CB8912-F0BA-4AD8-8415-DA1F26BCB09F}" type="slidenum">
+              <a:rPr lang="zh-CN" altLang="en-US" smtClean="0"/>
+              <a:t>40</a:t>
+            </a:fld>
+            <a:endParaRPr lang="zh-CN" altLang="en-US"/>
+          </a:p>
+        </p:txBody>
+      </p:sp>
+    </p:spTree>
+    <p:extLst>
+      <p:ext uri="{BB962C8B-B14F-4D97-AF65-F5344CB8AC3E}">
+        <p14:creationId xmlns:p14="http://schemas.microsoft.com/office/powerpoint/2010/main" val="2461476687"/>
+      </p:ext>
+    </p:extLst>
+  </p:cSld>
+  <p:clrMapOvr>
+    <a:masterClrMapping/>
+  </p:clrMapOvr>
+</p:notes>
+</file>
+
+<file path=ppt/notesSlides/notesSlide41.xml><?xml version="1.0" encoding="utf-8"?>
+<p:notes xmlns:a="http://schemas.openxmlformats.org/drawingml/2006/main" xmlns:r="http://schemas.openxmlformats.org/officeDocument/2006/relationships" xmlns:p="http://schemas.openxmlformats.org/presentationml/2006/main">
+  <p:cSld>
+    <p:spTree>
+      <p:nvGrpSpPr>
+        <p:cNvPr id="1" name=""/>
+        <p:cNvGrpSpPr/>
+        <p:nvPr/>
+      </p:nvGrpSpPr>
+      <p:grpSpPr>
+        <a:xfrm>
+          <a:off x="0" y="0"/>
+          <a:ext cx="0" cy="0"/>
+          <a:chOff x="0" y="0"/>
+          <a:chExt cx="0" cy="0"/>
+        </a:xfrm>
+      </p:grpSpPr>
+      <p:sp>
+        <p:nvSpPr>
+          <p:cNvPr id="2" name="幻灯片图像占位符 1"/>
+          <p:cNvSpPr>
+            <a:spLocks noGrp="1" noRot="1" noChangeAspect="1"/>
+          </p:cNvSpPr>
+          <p:nvPr>
+            <p:ph type="sldImg"/>
+          </p:nvPr>
+        </p:nvSpPr>
+        <p:spPr/>
+      </p:sp>
+      <p:sp>
+        <p:nvSpPr>
+          <p:cNvPr id="3" name="备注占位符 2"/>
+          <p:cNvSpPr>
+            <a:spLocks noGrp="1"/>
+          </p:cNvSpPr>
+          <p:nvPr>
+            <p:ph type="body" idx="1"/>
+          </p:nvPr>
+        </p:nvSpPr>
+        <p:spPr/>
+        <p:txBody>
+          <a:bodyPr/>
+          <a:lstStyle/>
+          <a:p>
+            <a:pPr marL="0" marR="0" lvl="0" indent="0" algn="l" defTabSz="914400" rtl="0" eaLnBrk="1" fontAlgn="auto" latinLnBrk="0" hangingPunct="1">
+              <a:lnSpc>
+                <a:spcPct val="100000"/>
+              </a:lnSpc>
+              <a:spcBef>
+                <a:spcPts val="0"/>
+              </a:spcBef>
+              <a:spcAft>
+                <a:spcPts val="0"/>
+              </a:spcAft>
+              <a:buClrTx/>
+              <a:buSzTx/>
+              <a:buFontTx/>
+              <a:buNone/>
+              <a:tabLst/>
+              <a:defRPr/>
+            </a:pPr>
+            <a:r>
+              <a:rPr lang="zh-CN" altLang="en-US" b="1" i="0" dirty="0">
+                <a:solidFill>
+                  <a:srgbClr val="666666"/>
+                </a:solidFill>
+                <a:effectLst/>
+                <a:highlight>
+                  <a:srgbClr val="FFFFFF"/>
+                </a:highlight>
+                <a:latin typeface="Noto sans" panose="020B0502040204020203" pitchFamily="34" charset="0"/>
+              </a:rPr>
+              <a:t>模式</a:t>
+            </a:r>
+            <a:r>
+              <a:rPr lang="en-US" altLang="zh-CN" b="1" i="0" dirty="0">
+                <a:solidFill>
+                  <a:srgbClr val="666666"/>
+                </a:solidFill>
+                <a:effectLst/>
+                <a:highlight>
+                  <a:srgbClr val="FFFFFF"/>
+                </a:highlight>
+                <a:latin typeface="Noto sans" panose="020B0502040204020203" pitchFamily="34" charset="0"/>
+              </a:rPr>
+              <a:t>3</a:t>
+            </a:r>
+            <a:r>
+              <a:rPr lang="zh-CN" altLang="en-US" b="0" i="0" dirty="0">
+                <a:solidFill>
+                  <a:srgbClr val="666666"/>
+                </a:solidFill>
+                <a:effectLst/>
+                <a:highlight>
+                  <a:srgbClr val="FFFFFF"/>
+                </a:highlight>
+                <a:latin typeface="Noto sans" panose="020B0502040204020203" pitchFamily="34" charset="0"/>
+              </a:rPr>
+              <a:t>：通过振动类型（连续和离散）区分导航，例如，需要左转时，手表不断振动（频率慢，连续，时间短）提示用户左转，当转到正确方向时，手表振动（频率慢，离散，时间短）</a:t>
+            </a:r>
+            <a:endParaRPr lang="en-US" altLang="zh-CN" b="0" i="0" dirty="0">
+              <a:solidFill>
+                <a:srgbClr val="666666"/>
+              </a:solidFill>
+              <a:effectLst/>
+              <a:highlight>
+                <a:srgbClr val="FFFFFF"/>
+              </a:highlight>
+              <a:latin typeface="Noto sans" panose="020B0502040204020203" pitchFamily="34" charset="0"/>
+            </a:endParaRPr>
+          </a:p>
+          <a:p>
+            <a:pPr marL="0" marR="0" lvl="0" indent="0" algn="l" defTabSz="914400" rtl="0" eaLnBrk="1" fontAlgn="auto" latinLnBrk="0" hangingPunct="1">
+              <a:lnSpc>
+                <a:spcPct val="100000"/>
+              </a:lnSpc>
+              <a:spcBef>
+                <a:spcPts val="0"/>
+              </a:spcBef>
+              <a:spcAft>
+                <a:spcPts val="0"/>
+              </a:spcAft>
+              <a:buClrTx/>
+              <a:buSzTx/>
+              <a:buFontTx/>
+              <a:buNone/>
+              <a:tabLst/>
+              <a:defRPr/>
+            </a:pPr>
+            <a:r>
+              <a:rPr lang="en-US" altLang="zh-CN" b="0" i="0" dirty="0">
+                <a:solidFill>
+                  <a:srgbClr val="666666"/>
+                </a:solidFill>
+                <a:effectLst/>
+                <a:highlight>
+                  <a:srgbClr val="FFFFFF"/>
+                </a:highlight>
+                <a:latin typeface="Noto sans" panose="020B0502040204020203" pitchFamily="34" charset="0"/>
+              </a:rPr>
+              <a:t>            </a:t>
+            </a:r>
+            <a:r>
+              <a:rPr lang="zh-CN" altLang="en-US" b="0" i="0" dirty="0">
+                <a:solidFill>
+                  <a:srgbClr val="666666"/>
+                </a:solidFill>
+                <a:effectLst/>
+                <a:highlight>
+                  <a:srgbClr val="FFFFFF"/>
+                </a:highlight>
+                <a:latin typeface="Noto sans" panose="020B0502040204020203" pitchFamily="34" charset="0"/>
+              </a:rPr>
+              <a:t>通过振动频率（快和慢）区分</a:t>
+            </a:r>
+            <a:r>
+              <a:rPr lang="zh-CN" altLang="en-US" sz="1200" dirty="0"/>
+              <a:t>事件危险预警，</a:t>
+            </a:r>
+            <a:endParaRPr lang="en-US" altLang="zh-CN" sz="1200" dirty="0"/>
+          </a:p>
+          <a:p>
+            <a:pPr marL="0" marR="0" lvl="0" indent="0" algn="l" defTabSz="914400" rtl="0" eaLnBrk="1" fontAlgn="auto" latinLnBrk="0" hangingPunct="1">
+              <a:lnSpc>
+                <a:spcPct val="100000"/>
+              </a:lnSpc>
+              <a:spcBef>
+                <a:spcPts val="0"/>
+              </a:spcBef>
+              <a:spcAft>
+                <a:spcPts val="0"/>
+              </a:spcAft>
+              <a:buClrTx/>
+              <a:buSzTx/>
+              <a:buFontTx/>
+              <a:buNone/>
+              <a:tabLst/>
+              <a:defRPr/>
+            </a:pPr>
+            <a:r>
+              <a:rPr lang="en-US" altLang="zh-CN" sz="1200" b="0" i="0" dirty="0">
+                <a:solidFill>
+                  <a:srgbClr val="666666"/>
+                </a:solidFill>
+                <a:effectLst/>
+                <a:highlight>
+                  <a:srgbClr val="FFFFFF"/>
+                </a:highlight>
+                <a:latin typeface="Noto sans" panose="020B0502040204020203" pitchFamily="34" charset="0"/>
+              </a:rPr>
+              <a:t>            </a:t>
+            </a:r>
+            <a:r>
+              <a:rPr lang="zh-CN" altLang="en-US" b="0" i="0" dirty="0">
+                <a:solidFill>
+                  <a:srgbClr val="666666"/>
+                </a:solidFill>
+                <a:effectLst/>
+                <a:highlight>
+                  <a:srgbClr val="FFFFFF"/>
+                </a:highlight>
+                <a:latin typeface="Noto sans" panose="020B0502040204020203" pitchFamily="34" charset="0"/>
+              </a:rPr>
+              <a:t>通过振动时间（长和短）区分</a:t>
+            </a:r>
+            <a:r>
+              <a:rPr lang="zh-CN" altLang="en-US" sz="1200" dirty="0"/>
+              <a:t>动作行为辅助。</a:t>
+            </a:r>
+            <a:endParaRPr lang="zh-CN" altLang="en-US" dirty="0"/>
+          </a:p>
+          <a:p>
+            <a:endParaRPr lang="zh-CN" altLang="en-US" dirty="0"/>
+          </a:p>
+        </p:txBody>
+      </p:sp>
+      <p:sp>
+        <p:nvSpPr>
+          <p:cNvPr id="4" name="灯片编号占位符 3"/>
+          <p:cNvSpPr>
+            <a:spLocks noGrp="1"/>
+          </p:cNvSpPr>
+          <p:nvPr>
+            <p:ph type="sldNum" sz="quarter" idx="5"/>
+          </p:nvPr>
+        </p:nvSpPr>
+        <p:spPr/>
+        <p:txBody>
+          <a:bodyPr/>
+          <a:lstStyle/>
+          <a:p>
+            <a:fld id="{F1CB8912-F0BA-4AD8-8415-DA1F26BCB09F}" type="slidenum">
+              <a:rPr lang="zh-CN" altLang="en-US" smtClean="0"/>
+              <a:t>41</a:t>
+            </a:fld>
+            <a:endParaRPr lang="zh-CN" altLang="en-US"/>
+          </a:p>
+        </p:txBody>
+      </p:sp>
+    </p:spTree>
+    <p:extLst>
+      <p:ext uri="{BB962C8B-B14F-4D97-AF65-F5344CB8AC3E}">
+        <p14:creationId xmlns:p14="http://schemas.microsoft.com/office/powerpoint/2010/main" val="1061488334"/>
+      </p:ext>
+    </p:extLst>
+  </p:cSld>
+  <p:clrMapOvr>
+    <a:masterClrMapping/>
+  </p:clrMapOvr>
+</p:notes>
+</file>
+
+<file path=ppt/notesSlides/notesSlide42.xml><?xml version="1.0" encoding="utf-8"?>
+<p:notes xmlns:a="http://schemas.openxmlformats.org/drawingml/2006/main" xmlns:r="http://schemas.openxmlformats.org/officeDocument/2006/relationships" xmlns:p="http://schemas.openxmlformats.org/presentationml/2006/main">
+  <p:cSld>
+    <p:spTree>
+      <p:nvGrpSpPr>
+        <p:cNvPr id="1" name=""/>
+        <p:cNvGrpSpPr/>
+        <p:nvPr/>
+      </p:nvGrpSpPr>
+      <p:grpSpPr>
+        <a:xfrm>
+          <a:off x="0" y="0"/>
+          <a:ext cx="0" cy="0"/>
+          <a:chOff x="0" y="0"/>
+          <a:chExt cx="0" cy="0"/>
+        </a:xfrm>
+      </p:grpSpPr>
+      <p:sp>
+        <p:nvSpPr>
+          <p:cNvPr id="2" name="幻灯片图像占位符 1"/>
+          <p:cNvSpPr>
+            <a:spLocks noGrp="1" noRot="1" noChangeAspect="1"/>
+          </p:cNvSpPr>
+          <p:nvPr>
+            <p:ph type="sldImg"/>
+          </p:nvPr>
+        </p:nvSpPr>
+        <p:spPr/>
+      </p:sp>
+      <p:sp>
+        <p:nvSpPr>
+          <p:cNvPr id="3" name="备注占位符 2"/>
+          <p:cNvSpPr>
+            <a:spLocks noGrp="1"/>
+          </p:cNvSpPr>
+          <p:nvPr>
+            <p:ph type="body" idx="1"/>
+          </p:nvPr>
+        </p:nvSpPr>
+        <p:spPr/>
+        <p:txBody>
+          <a:bodyPr/>
+          <a:lstStyle/>
+          <a:p>
+            <a:pPr marL="0" marR="0" lvl="0" indent="0" algn="l" defTabSz="914400" rtl="0" eaLnBrk="1" fontAlgn="auto" latinLnBrk="0" hangingPunct="1">
+              <a:lnSpc>
+                <a:spcPct val="100000"/>
+              </a:lnSpc>
+              <a:spcBef>
+                <a:spcPts val="0"/>
+              </a:spcBef>
+              <a:spcAft>
+                <a:spcPts val="0"/>
+              </a:spcAft>
+              <a:buClrTx/>
+              <a:buSzTx/>
+              <a:buFontTx/>
+              <a:buNone/>
+              <a:tabLst/>
+              <a:defRPr/>
+            </a:pPr>
+            <a:r>
+              <a:rPr lang="zh-CN" altLang="en-US" b="1" i="0" dirty="0">
+                <a:solidFill>
+                  <a:srgbClr val="666666"/>
+                </a:solidFill>
+                <a:effectLst/>
+                <a:highlight>
+                  <a:srgbClr val="FFFFFF"/>
+                </a:highlight>
+                <a:latin typeface="Noto sans" panose="020B0502040204020203" pitchFamily="34" charset="0"/>
+              </a:rPr>
+              <a:t>模式</a:t>
+            </a:r>
+            <a:r>
+              <a:rPr lang="en-US" altLang="zh-CN" b="1" i="0" dirty="0">
+                <a:solidFill>
+                  <a:srgbClr val="666666"/>
+                </a:solidFill>
+                <a:effectLst/>
+                <a:highlight>
+                  <a:srgbClr val="FFFFFF"/>
+                </a:highlight>
+                <a:latin typeface="Noto sans" panose="020B0502040204020203" pitchFamily="34" charset="0"/>
+              </a:rPr>
+              <a:t>3</a:t>
+            </a:r>
+            <a:r>
+              <a:rPr lang="zh-CN" altLang="en-US" b="0" i="0" dirty="0">
+                <a:solidFill>
+                  <a:srgbClr val="666666"/>
+                </a:solidFill>
+                <a:effectLst/>
+                <a:highlight>
+                  <a:srgbClr val="FFFFFF"/>
+                </a:highlight>
+                <a:latin typeface="Noto sans" panose="020B0502040204020203" pitchFamily="34" charset="0"/>
+              </a:rPr>
+              <a:t>：通过振动类型（连续和离散）区分导航，例如，需要左转时，手表不断振动（频率慢，连续，时间短）提示用户左转，当转到正确方向时，手表振动（频率慢，离散，时间短）</a:t>
+            </a:r>
+            <a:endParaRPr lang="en-US" altLang="zh-CN" b="0" i="0" dirty="0">
+              <a:solidFill>
+                <a:srgbClr val="666666"/>
+              </a:solidFill>
+              <a:effectLst/>
+              <a:highlight>
+                <a:srgbClr val="FFFFFF"/>
+              </a:highlight>
+              <a:latin typeface="Noto sans" panose="020B0502040204020203" pitchFamily="34" charset="0"/>
+            </a:endParaRPr>
+          </a:p>
+          <a:p>
+            <a:pPr marL="0" marR="0" lvl="0" indent="0" algn="l" defTabSz="914400" rtl="0" eaLnBrk="1" fontAlgn="auto" latinLnBrk="0" hangingPunct="1">
+              <a:lnSpc>
+                <a:spcPct val="100000"/>
+              </a:lnSpc>
+              <a:spcBef>
+                <a:spcPts val="0"/>
+              </a:spcBef>
+              <a:spcAft>
+                <a:spcPts val="0"/>
+              </a:spcAft>
+              <a:buClrTx/>
+              <a:buSzTx/>
+              <a:buFontTx/>
+              <a:buNone/>
+              <a:tabLst/>
+              <a:defRPr/>
+            </a:pPr>
+            <a:r>
+              <a:rPr lang="en-US" altLang="zh-CN" b="0" i="0" dirty="0">
+                <a:solidFill>
+                  <a:srgbClr val="666666"/>
+                </a:solidFill>
+                <a:effectLst/>
+                <a:highlight>
+                  <a:srgbClr val="FFFFFF"/>
+                </a:highlight>
+                <a:latin typeface="Noto sans" panose="020B0502040204020203" pitchFamily="34" charset="0"/>
+              </a:rPr>
+              <a:t>            </a:t>
+            </a:r>
+            <a:r>
+              <a:rPr lang="zh-CN" altLang="en-US" b="0" i="0" dirty="0">
+                <a:solidFill>
+                  <a:srgbClr val="666666"/>
+                </a:solidFill>
+                <a:effectLst/>
+                <a:highlight>
+                  <a:srgbClr val="FFFFFF"/>
+                </a:highlight>
+                <a:latin typeface="Noto sans" panose="020B0502040204020203" pitchFamily="34" charset="0"/>
+              </a:rPr>
+              <a:t>通过振动时间（长和短）区分</a:t>
+            </a:r>
+            <a:r>
+              <a:rPr lang="zh-CN" altLang="en-US" sz="1200" dirty="0"/>
+              <a:t>事件危险预警，</a:t>
+            </a:r>
+            <a:endParaRPr lang="en-US" altLang="zh-CN" sz="1200" dirty="0"/>
+          </a:p>
+          <a:p>
+            <a:pPr marL="0" marR="0" lvl="0" indent="0" algn="l" defTabSz="914400" rtl="0" eaLnBrk="1" fontAlgn="auto" latinLnBrk="0" hangingPunct="1">
+              <a:lnSpc>
+                <a:spcPct val="100000"/>
+              </a:lnSpc>
+              <a:spcBef>
+                <a:spcPts val="0"/>
+              </a:spcBef>
+              <a:spcAft>
+                <a:spcPts val="0"/>
+              </a:spcAft>
+              <a:buClrTx/>
+              <a:buSzTx/>
+              <a:buFontTx/>
+              <a:buNone/>
+              <a:tabLst/>
+              <a:defRPr/>
+            </a:pPr>
+            <a:r>
+              <a:rPr lang="en-US" altLang="zh-CN" sz="1200" b="0" i="0" dirty="0">
+                <a:solidFill>
+                  <a:srgbClr val="666666"/>
+                </a:solidFill>
+                <a:effectLst/>
+                <a:highlight>
+                  <a:srgbClr val="FFFFFF"/>
+                </a:highlight>
+                <a:latin typeface="Noto sans" panose="020B0502040204020203" pitchFamily="34" charset="0"/>
+              </a:rPr>
+              <a:t>            </a:t>
+            </a:r>
+            <a:r>
+              <a:rPr lang="zh-CN" altLang="en-US" b="0" i="0" dirty="0">
+                <a:solidFill>
+                  <a:srgbClr val="666666"/>
+                </a:solidFill>
+                <a:effectLst/>
+                <a:highlight>
+                  <a:srgbClr val="FFFFFF"/>
+                </a:highlight>
+                <a:latin typeface="Noto sans" panose="020B0502040204020203" pitchFamily="34" charset="0"/>
+              </a:rPr>
+              <a:t>通过振动频率（快和慢）区分</a:t>
+            </a:r>
+            <a:r>
+              <a:rPr lang="zh-CN" altLang="en-US" sz="1200" dirty="0"/>
+              <a:t>动作行为辅助。</a:t>
+            </a:r>
+            <a:endParaRPr lang="zh-CN" altLang="en-US" dirty="0"/>
+          </a:p>
+          <a:p>
+            <a:endParaRPr lang="zh-CN" altLang="en-US" dirty="0"/>
+          </a:p>
+        </p:txBody>
+      </p:sp>
+      <p:sp>
+        <p:nvSpPr>
+          <p:cNvPr id="4" name="灯片编号占位符 3"/>
+          <p:cNvSpPr>
+            <a:spLocks noGrp="1"/>
+          </p:cNvSpPr>
+          <p:nvPr>
+            <p:ph type="sldNum" sz="quarter" idx="5"/>
+          </p:nvPr>
+        </p:nvSpPr>
+        <p:spPr/>
+        <p:txBody>
+          <a:bodyPr/>
+          <a:lstStyle/>
+          <a:p>
+            <a:fld id="{F1CB8912-F0BA-4AD8-8415-DA1F26BCB09F}" type="slidenum">
+              <a:rPr lang="zh-CN" altLang="en-US" smtClean="0"/>
+              <a:t>42</a:t>
+            </a:fld>
+            <a:endParaRPr lang="zh-CN" altLang="en-US"/>
+          </a:p>
+        </p:txBody>
+      </p:sp>
+    </p:spTree>
+    <p:extLst>
+      <p:ext uri="{BB962C8B-B14F-4D97-AF65-F5344CB8AC3E}">
+        <p14:creationId xmlns:p14="http://schemas.microsoft.com/office/powerpoint/2010/main" val="886658805"/>
+      </p:ext>
+    </p:extLst>
+  </p:cSld>
+  <p:clrMapOvr>
+    <a:masterClrMapping/>
+  </p:clrMapOvr>
+</p:notes>
+</file>
+
+<file path=ppt/notesSlides/notesSlide43.xml><?xml version="1.0" encoding="utf-8"?>
+<p:notes xmlns:a="http://schemas.openxmlformats.org/drawingml/2006/main" xmlns:r="http://schemas.openxmlformats.org/officeDocument/2006/relationships" xmlns:p="http://schemas.openxmlformats.org/presentationml/2006/main">
+  <p:cSld>
+    <p:spTree>
+      <p:nvGrpSpPr>
+        <p:cNvPr id="1" name=""/>
+        <p:cNvGrpSpPr/>
+        <p:nvPr/>
+      </p:nvGrpSpPr>
+      <p:grpSpPr>
+        <a:xfrm>
+          <a:off x="0" y="0"/>
+          <a:ext cx="0" cy="0"/>
+          <a:chOff x="0" y="0"/>
+          <a:chExt cx="0" cy="0"/>
+        </a:xfrm>
+      </p:grpSpPr>
+      <p:sp>
+        <p:nvSpPr>
+          <p:cNvPr id="2" name="幻灯片图像占位符 1"/>
+          <p:cNvSpPr>
+            <a:spLocks noGrp="1" noRot="1" noChangeAspect="1"/>
+          </p:cNvSpPr>
+          <p:nvPr>
+            <p:ph type="sldImg"/>
+          </p:nvPr>
+        </p:nvSpPr>
+        <p:spPr/>
+      </p:sp>
+      <p:sp>
+        <p:nvSpPr>
+          <p:cNvPr id="3" name="备注占位符 2"/>
+          <p:cNvSpPr>
+            <a:spLocks noGrp="1"/>
+          </p:cNvSpPr>
+          <p:nvPr>
+            <p:ph type="body" idx="1"/>
+          </p:nvPr>
+        </p:nvSpPr>
+        <p:spPr/>
+        <p:txBody>
+          <a:bodyPr/>
+          <a:lstStyle/>
+          <a:p>
+            <a:endParaRPr lang="zh-CN" altLang="en-US" dirty="0"/>
+          </a:p>
+        </p:txBody>
+      </p:sp>
+      <p:sp>
+        <p:nvSpPr>
+          <p:cNvPr id="4" name="灯片编号占位符 3"/>
+          <p:cNvSpPr>
+            <a:spLocks noGrp="1"/>
+          </p:cNvSpPr>
+          <p:nvPr>
+            <p:ph type="sldNum" sz="quarter" idx="5"/>
+          </p:nvPr>
+        </p:nvSpPr>
+        <p:spPr/>
+        <p:txBody>
+          <a:bodyPr/>
+          <a:lstStyle/>
+          <a:p>
+            <a:fld id="{F1CB8912-F0BA-4AD8-8415-DA1F26BCB09F}" type="slidenum">
+              <a:rPr lang="zh-CN" altLang="en-US" smtClean="0"/>
+              <a:t>43</a:t>
+            </a:fld>
+            <a:endParaRPr lang="zh-CN" altLang="en-US"/>
+          </a:p>
+        </p:txBody>
+      </p:sp>
+    </p:spTree>
+    <p:extLst>
+      <p:ext uri="{BB962C8B-B14F-4D97-AF65-F5344CB8AC3E}">
+        <p14:creationId xmlns:p14="http://schemas.microsoft.com/office/powerpoint/2010/main" val="2105102579"/>
       </p:ext>
     </p:extLst>
   </p:cSld>
@@ -31252,7 +32553,7 @@
 </p:sld>
 </file>
 
-<file path=ppt/slides/slide4.xml><?xml version="1.0" encoding="utf-8"?>
+<file path=ppt/slides/slide37.xml><?xml version="1.0" encoding="utf-8"?>
 <p:sld xmlns:a="http://schemas.openxmlformats.org/drawingml/2006/main" xmlns:r="http://schemas.openxmlformats.org/officeDocument/2006/relationships" xmlns:p="http://schemas.openxmlformats.org/presentationml/2006/main">
   <p:cSld>
     <p:spTree>
@@ -31900,6 +33201,2703 @@
       </p:sp>
       <p:sp>
         <p:nvSpPr>
+          <p:cNvPr id="3" name="文本框 2">
+            <a:extLst>
+              <a:ext uri="{FF2B5EF4-FFF2-40B4-BE49-F238E27FC236}">
+                <a16:creationId xmlns:a16="http://schemas.microsoft.com/office/drawing/2014/main" id="{0011AECB-7C76-C412-F137-3B56F546F636}"/>
+              </a:ext>
+            </a:extLst>
+          </p:cNvPr>
+          <p:cNvSpPr txBox="1"/>
+          <p:nvPr/>
+        </p:nvSpPr>
+        <p:spPr>
+          <a:xfrm>
+            <a:off x="285075" y="1047087"/>
+            <a:ext cx="11621849" cy="2215991"/>
+          </a:xfrm>
+          <a:prstGeom prst="rect">
+            <a:avLst/>
+          </a:prstGeom>
+          <a:noFill/>
+        </p:spPr>
+        <p:txBody>
+          <a:bodyPr wrap="square" rtlCol="0">
+            <a:spAutoFit/>
+          </a:bodyPr>
+          <a:lstStyle/>
+          <a:p>
+            <a:r>
+              <a:rPr lang="en-US" altLang="zh-CN" dirty="0"/>
+              <a:t>20240812</a:t>
+            </a:r>
+          </a:p>
+          <a:p>
+            <a:endParaRPr lang="en-US" altLang="zh-CN" sz="2000" dirty="0"/>
+          </a:p>
+          <a:p>
+            <a:endParaRPr lang="en-US" altLang="zh-CN" sz="2000" dirty="0"/>
+          </a:p>
+          <a:p>
+            <a:endParaRPr lang="zh-CN" altLang="en-US" sz="2000" dirty="0"/>
+          </a:p>
+          <a:p>
+            <a:endParaRPr lang="en-US" altLang="zh-CN" sz="2000" dirty="0"/>
+          </a:p>
+          <a:p>
+            <a:endParaRPr lang="en-US" altLang="zh-CN" sz="2000" dirty="0"/>
+          </a:p>
+          <a:p>
+            <a:endParaRPr lang="en-US" altLang="zh-CN" sz="2000" dirty="0"/>
+          </a:p>
+        </p:txBody>
+      </p:sp>
+    </p:spTree>
+    <p:extLst>
+      <p:ext uri="{BB962C8B-B14F-4D97-AF65-F5344CB8AC3E}">
+        <p14:creationId xmlns:p14="http://schemas.microsoft.com/office/powerpoint/2010/main" val="3688213150"/>
+      </p:ext>
+    </p:extLst>
+  </p:cSld>
+  <p:clrMapOvr>
+    <a:masterClrMapping/>
+  </p:clrMapOvr>
+  <mc:AlternateContent xmlns:mc="http://schemas.openxmlformats.org/markup-compatibility/2006" xmlns:p14="http://schemas.microsoft.com/office/powerpoint/2010/main">
+    <mc:Choice Requires="p14">
+      <p:transition spd="slow" p14:dur="1500" advTm="0">
+        <p:random/>
+      </p:transition>
+    </mc:Choice>
+    <mc:Fallback xmlns="">
+      <p:transition spd="slow" advTm="0">
+        <p:random/>
+      </p:transition>
+    </mc:Fallback>
+  </mc:AlternateContent>
+</p:sld>
+</file>
+
+<file path=ppt/slides/slide38.xml><?xml version="1.0" encoding="utf-8"?>
+<p:sld xmlns:a="http://schemas.openxmlformats.org/drawingml/2006/main" xmlns:r="http://schemas.openxmlformats.org/officeDocument/2006/relationships" xmlns:p="http://schemas.openxmlformats.org/presentationml/2006/main">
+  <p:cSld>
+    <p:spTree>
+      <p:nvGrpSpPr>
+        <p:cNvPr id="1" name=""/>
+        <p:cNvGrpSpPr/>
+        <p:nvPr/>
+      </p:nvGrpSpPr>
+      <p:grpSpPr>
+        <a:xfrm>
+          <a:off x="0" y="0"/>
+          <a:ext cx="0" cy="0"/>
+          <a:chOff x="0" y="0"/>
+          <a:chExt cx="0" cy="0"/>
+        </a:xfrm>
+      </p:grpSpPr>
+      <p:grpSp>
+        <p:nvGrpSpPr>
+          <p:cNvPr id="21" name="组合 20"/>
+          <p:cNvGrpSpPr/>
+          <p:nvPr/>
+        </p:nvGrpSpPr>
+        <p:grpSpPr>
+          <a:xfrm>
+            <a:off x="5270500" y="510493"/>
+            <a:ext cx="7561033" cy="380555"/>
+            <a:chOff x="6997699" y="510493"/>
+            <a:chExt cx="5794625" cy="380555"/>
+          </a:xfrm>
+        </p:grpSpPr>
+        <p:sp>
+          <p:nvSpPr>
+            <p:cNvPr id="22" name="任意多边形: 形状 21"/>
+            <p:cNvSpPr/>
+            <p:nvPr userDrawn="1"/>
+          </p:nvSpPr>
+          <p:spPr>
+            <a:xfrm flipH="1">
+              <a:off x="6997699" y="764493"/>
+              <a:ext cx="5376633" cy="126555"/>
+            </a:xfrm>
+            <a:custGeom>
+              <a:avLst/>
+              <a:gdLst>
+                <a:gd name="connsiteX0" fmla="*/ 7367523 w 7367523"/>
+                <a:gd name="connsiteY0" fmla="*/ 0 h 173416"/>
+                <a:gd name="connsiteX1" fmla="*/ 6374783 w 7367523"/>
+                <a:gd name="connsiteY1" fmla="*/ 0 h 173416"/>
+                <a:gd name="connsiteX2" fmla="*/ 6240349 w 7367523"/>
+                <a:gd name="connsiteY2" fmla="*/ 0 h 173416"/>
+                <a:gd name="connsiteX3" fmla="*/ 5540227 w 7367523"/>
+                <a:gd name="connsiteY3" fmla="*/ 0 h 173416"/>
+                <a:gd name="connsiteX4" fmla="*/ 5247612 w 7367523"/>
+                <a:gd name="connsiteY4" fmla="*/ 0 h 173416"/>
+                <a:gd name="connsiteX5" fmla="*/ 4707193 w 7367523"/>
+                <a:gd name="connsiteY5" fmla="*/ 0 h 173416"/>
+                <a:gd name="connsiteX6" fmla="*/ 4413053 w 7367523"/>
+                <a:gd name="connsiteY6" fmla="*/ 0 h 173416"/>
+                <a:gd name="connsiteX7" fmla="*/ 3865356 w 7367523"/>
+                <a:gd name="connsiteY7" fmla="*/ 0 h 173416"/>
+                <a:gd name="connsiteX8" fmla="*/ 3580019 w 7367523"/>
+                <a:gd name="connsiteY8" fmla="*/ 0 h 173416"/>
+                <a:gd name="connsiteX9" fmla="*/ 2872616 w 7367523"/>
+                <a:gd name="connsiteY9" fmla="*/ 0 h 173416"/>
+                <a:gd name="connsiteX10" fmla="*/ 2738183 w 7367523"/>
+                <a:gd name="connsiteY10" fmla="*/ 0 h 173416"/>
+                <a:gd name="connsiteX11" fmla="*/ 2038060 w 7367523"/>
+                <a:gd name="connsiteY11" fmla="*/ 0 h 173416"/>
+                <a:gd name="connsiteX12" fmla="*/ 1745445 w 7367523"/>
+                <a:gd name="connsiteY12" fmla="*/ 0 h 173416"/>
+                <a:gd name="connsiteX13" fmla="*/ 1205026 w 7367523"/>
+                <a:gd name="connsiteY13" fmla="*/ 0 h 173416"/>
+                <a:gd name="connsiteX14" fmla="*/ 910887 w 7367523"/>
+                <a:gd name="connsiteY14" fmla="*/ 0 h 173416"/>
+                <a:gd name="connsiteX15" fmla="*/ 77853 w 7367523"/>
+                <a:gd name="connsiteY15" fmla="*/ 0 h 173416"/>
+                <a:gd name="connsiteX16" fmla="*/ 0 w 7367523"/>
+                <a:gd name="connsiteY16" fmla="*/ 173416 h 173416"/>
+                <a:gd name="connsiteX17" fmla="*/ 7289670 w 7367523"/>
+                <a:gd name="connsiteY17" fmla="*/ 173416 h 173416"/>
+              </a:gdLst>
+              <a:ahLst/>
+              <a:cxnLst>
+                <a:cxn ang="0">
+                  <a:pos x="connsiteX0" y="connsiteY0"/>
+                </a:cxn>
+                <a:cxn ang="0">
+                  <a:pos x="connsiteX1" y="connsiteY1"/>
+                </a:cxn>
+                <a:cxn ang="0">
+                  <a:pos x="connsiteX2" y="connsiteY2"/>
+                </a:cxn>
+                <a:cxn ang="0">
+                  <a:pos x="connsiteX3" y="connsiteY3"/>
+                </a:cxn>
+                <a:cxn ang="0">
+                  <a:pos x="connsiteX4" y="connsiteY4"/>
+                </a:cxn>
+                <a:cxn ang="0">
+                  <a:pos x="connsiteX5" y="connsiteY5"/>
+                </a:cxn>
+                <a:cxn ang="0">
+                  <a:pos x="connsiteX6" y="connsiteY6"/>
+                </a:cxn>
+                <a:cxn ang="0">
+                  <a:pos x="connsiteX7" y="connsiteY7"/>
+                </a:cxn>
+                <a:cxn ang="0">
+                  <a:pos x="connsiteX8" y="connsiteY8"/>
+                </a:cxn>
+                <a:cxn ang="0">
+                  <a:pos x="connsiteX9" y="connsiteY9"/>
+                </a:cxn>
+                <a:cxn ang="0">
+                  <a:pos x="connsiteX10" y="connsiteY10"/>
+                </a:cxn>
+                <a:cxn ang="0">
+                  <a:pos x="connsiteX11" y="connsiteY11"/>
+                </a:cxn>
+                <a:cxn ang="0">
+                  <a:pos x="connsiteX12" y="connsiteY12"/>
+                </a:cxn>
+                <a:cxn ang="0">
+                  <a:pos x="connsiteX13" y="connsiteY13"/>
+                </a:cxn>
+                <a:cxn ang="0">
+                  <a:pos x="connsiteX14" y="connsiteY14"/>
+                </a:cxn>
+                <a:cxn ang="0">
+                  <a:pos x="connsiteX15" y="connsiteY15"/>
+                </a:cxn>
+                <a:cxn ang="0">
+                  <a:pos x="connsiteX16" y="connsiteY16"/>
+                </a:cxn>
+                <a:cxn ang="0">
+                  <a:pos x="connsiteX17" y="connsiteY17"/>
+                </a:cxn>
+              </a:cxnLst>
+              <a:rect l="l" t="t" r="r" b="b"/>
+              <a:pathLst>
+                <a:path w="7367523" h="173416">
+                  <a:moveTo>
+                    <a:pt x="7367523" y="0"/>
+                  </a:moveTo>
+                  <a:lnTo>
+                    <a:pt x="6374783" y="0"/>
+                  </a:lnTo>
+                  <a:lnTo>
+                    <a:pt x="6240349" y="0"/>
+                  </a:lnTo>
+                  <a:lnTo>
+                    <a:pt x="5540227" y="0"/>
+                  </a:lnTo>
+                  <a:lnTo>
+                    <a:pt x="5247612" y="0"/>
+                  </a:lnTo>
+                  <a:lnTo>
+                    <a:pt x="4707193" y="0"/>
+                  </a:lnTo>
+                  <a:lnTo>
+                    <a:pt x="4413053" y="0"/>
+                  </a:lnTo>
+                  <a:lnTo>
+                    <a:pt x="3865356" y="0"/>
+                  </a:lnTo>
+                  <a:lnTo>
+                    <a:pt x="3580019" y="0"/>
+                  </a:lnTo>
+                  <a:lnTo>
+                    <a:pt x="2872616" y="0"/>
+                  </a:lnTo>
+                  <a:lnTo>
+                    <a:pt x="2738183" y="0"/>
+                  </a:lnTo>
+                  <a:lnTo>
+                    <a:pt x="2038060" y="0"/>
+                  </a:lnTo>
+                  <a:lnTo>
+                    <a:pt x="1745445" y="0"/>
+                  </a:lnTo>
+                  <a:lnTo>
+                    <a:pt x="1205026" y="0"/>
+                  </a:lnTo>
+                  <a:lnTo>
+                    <a:pt x="910887" y="0"/>
+                  </a:lnTo>
+                  <a:lnTo>
+                    <a:pt x="77853" y="0"/>
+                  </a:lnTo>
+                  <a:lnTo>
+                    <a:pt x="0" y="173416"/>
+                  </a:lnTo>
+                  <a:lnTo>
+                    <a:pt x="7289670" y="173416"/>
+                  </a:lnTo>
+                  <a:close/>
+                </a:path>
+              </a:pathLst>
+            </a:custGeom>
+            <a:gradFill flip="none" rotWithShape="0">
+              <a:gsLst>
+                <a:gs pos="0">
+                  <a:srgbClr val="228AF2"/>
+                </a:gs>
+                <a:gs pos="94000">
+                  <a:srgbClr val="7F12B6"/>
+                </a:gs>
+              </a:gsLst>
+              <a:lin ang="2700000" scaled="1"/>
+              <a:tileRect/>
+            </a:gradFill>
+            <a:ln>
+              <a:noFill/>
+            </a:ln>
+          </p:spPr>
+          <p:style>
+            <a:lnRef idx="2">
+              <a:schemeClr val="accent1">
+                <a:shade val="50000"/>
+              </a:schemeClr>
+            </a:lnRef>
+            <a:fillRef idx="1">
+              <a:schemeClr val="accent1"/>
+            </a:fillRef>
+            <a:effectRef idx="0">
+              <a:schemeClr val="accent1"/>
+            </a:effectRef>
+            <a:fontRef idx="minor">
+              <a:schemeClr val="lt1"/>
+            </a:fontRef>
+          </p:style>
+          <p:txBody>
+            <a:bodyPr rot="0" spcFirstLastPara="0" vertOverflow="overflow" horzOverflow="overflow" vert="horz" wrap="square" lIns="91440" tIns="45720" rIns="91440" bIns="45720" numCol="1" spcCol="0" rtlCol="0" fromWordArt="0" anchor="ctr" anchorCtr="0" forceAA="0" compatLnSpc="1">
+              <a:noAutofit/>
+            </a:bodyPr>
+            <a:lstStyle/>
+            <a:p>
+              <a:pPr algn="ctr"/>
+              <a:endParaRPr lang="zh-CN" altLang="en-US"/>
+            </a:p>
+          </p:txBody>
+        </p:sp>
+        <p:sp>
+          <p:nvSpPr>
+            <p:cNvPr id="23" name="任意多边形: 形状 22"/>
+            <p:cNvSpPr/>
+            <p:nvPr userDrawn="1"/>
+          </p:nvSpPr>
+          <p:spPr>
+            <a:xfrm flipH="1">
+              <a:off x="7415691" y="510493"/>
+              <a:ext cx="5376633" cy="126555"/>
+            </a:xfrm>
+            <a:custGeom>
+              <a:avLst/>
+              <a:gdLst>
+                <a:gd name="connsiteX0" fmla="*/ 7367523 w 7367523"/>
+                <a:gd name="connsiteY0" fmla="*/ 0 h 173416"/>
+                <a:gd name="connsiteX1" fmla="*/ 6374783 w 7367523"/>
+                <a:gd name="connsiteY1" fmla="*/ 0 h 173416"/>
+                <a:gd name="connsiteX2" fmla="*/ 6240349 w 7367523"/>
+                <a:gd name="connsiteY2" fmla="*/ 0 h 173416"/>
+                <a:gd name="connsiteX3" fmla="*/ 5540227 w 7367523"/>
+                <a:gd name="connsiteY3" fmla="*/ 0 h 173416"/>
+                <a:gd name="connsiteX4" fmla="*/ 5247612 w 7367523"/>
+                <a:gd name="connsiteY4" fmla="*/ 0 h 173416"/>
+                <a:gd name="connsiteX5" fmla="*/ 4707193 w 7367523"/>
+                <a:gd name="connsiteY5" fmla="*/ 0 h 173416"/>
+                <a:gd name="connsiteX6" fmla="*/ 4413053 w 7367523"/>
+                <a:gd name="connsiteY6" fmla="*/ 0 h 173416"/>
+                <a:gd name="connsiteX7" fmla="*/ 3865356 w 7367523"/>
+                <a:gd name="connsiteY7" fmla="*/ 0 h 173416"/>
+                <a:gd name="connsiteX8" fmla="*/ 3580019 w 7367523"/>
+                <a:gd name="connsiteY8" fmla="*/ 0 h 173416"/>
+                <a:gd name="connsiteX9" fmla="*/ 2872616 w 7367523"/>
+                <a:gd name="connsiteY9" fmla="*/ 0 h 173416"/>
+                <a:gd name="connsiteX10" fmla="*/ 2738183 w 7367523"/>
+                <a:gd name="connsiteY10" fmla="*/ 0 h 173416"/>
+                <a:gd name="connsiteX11" fmla="*/ 2038060 w 7367523"/>
+                <a:gd name="connsiteY11" fmla="*/ 0 h 173416"/>
+                <a:gd name="connsiteX12" fmla="*/ 1745445 w 7367523"/>
+                <a:gd name="connsiteY12" fmla="*/ 0 h 173416"/>
+                <a:gd name="connsiteX13" fmla="*/ 1205026 w 7367523"/>
+                <a:gd name="connsiteY13" fmla="*/ 0 h 173416"/>
+                <a:gd name="connsiteX14" fmla="*/ 910887 w 7367523"/>
+                <a:gd name="connsiteY14" fmla="*/ 0 h 173416"/>
+                <a:gd name="connsiteX15" fmla="*/ 77853 w 7367523"/>
+                <a:gd name="connsiteY15" fmla="*/ 0 h 173416"/>
+                <a:gd name="connsiteX16" fmla="*/ 0 w 7367523"/>
+                <a:gd name="connsiteY16" fmla="*/ 173416 h 173416"/>
+                <a:gd name="connsiteX17" fmla="*/ 7289670 w 7367523"/>
+                <a:gd name="connsiteY17" fmla="*/ 173416 h 173416"/>
+              </a:gdLst>
+              <a:ahLst/>
+              <a:cxnLst>
+                <a:cxn ang="0">
+                  <a:pos x="connsiteX0" y="connsiteY0"/>
+                </a:cxn>
+                <a:cxn ang="0">
+                  <a:pos x="connsiteX1" y="connsiteY1"/>
+                </a:cxn>
+                <a:cxn ang="0">
+                  <a:pos x="connsiteX2" y="connsiteY2"/>
+                </a:cxn>
+                <a:cxn ang="0">
+                  <a:pos x="connsiteX3" y="connsiteY3"/>
+                </a:cxn>
+                <a:cxn ang="0">
+                  <a:pos x="connsiteX4" y="connsiteY4"/>
+                </a:cxn>
+                <a:cxn ang="0">
+                  <a:pos x="connsiteX5" y="connsiteY5"/>
+                </a:cxn>
+                <a:cxn ang="0">
+                  <a:pos x="connsiteX6" y="connsiteY6"/>
+                </a:cxn>
+                <a:cxn ang="0">
+                  <a:pos x="connsiteX7" y="connsiteY7"/>
+                </a:cxn>
+                <a:cxn ang="0">
+                  <a:pos x="connsiteX8" y="connsiteY8"/>
+                </a:cxn>
+                <a:cxn ang="0">
+                  <a:pos x="connsiteX9" y="connsiteY9"/>
+                </a:cxn>
+                <a:cxn ang="0">
+                  <a:pos x="connsiteX10" y="connsiteY10"/>
+                </a:cxn>
+                <a:cxn ang="0">
+                  <a:pos x="connsiteX11" y="connsiteY11"/>
+                </a:cxn>
+                <a:cxn ang="0">
+                  <a:pos x="connsiteX12" y="connsiteY12"/>
+                </a:cxn>
+                <a:cxn ang="0">
+                  <a:pos x="connsiteX13" y="connsiteY13"/>
+                </a:cxn>
+                <a:cxn ang="0">
+                  <a:pos x="connsiteX14" y="connsiteY14"/>
+                </a:cxn>
+                <a:cxn ang="0">
+                  <a:pos x="connsiteX15" y="connsiteY15"/>
+                </a:cxn>
+                <a:cxn ang="0">
+                  <a:pos x="connsiteX16" y="connsiteY16"/>
+                </a:cxn>
+                <a:cxn ang="0">
+                  <a:pos x="connsiteX17" y="connsiteY17"/>
+                </a:cxn>
+              </a:cxnLst>
+              <a:rect l="l" t="t" r="r" b="b"/>
+              <a:pathLst>
+                <a:path w="7367523" h="173416">
+                  <a:moveTo>
+                    <a:pt x="7367523" y="0"/>
+                  </a:moveTo>
+                  <a:lnTo>
+                    <a:pt x="6374783" y="0"/>
+                  </a:lnTo>
+                  <a:lnTo>
+                    <a:pt x="6240349" y="0"/>
+                  </a:lnTo>
+                  <a:lnTo>
+                    <a:pt x="5540227" y="0"/>
+                  </a:lnTo>
+                  <a:lnTo>
+                    <a:pt x="5247612" y="0"/>
+                  </a:lnTo>
+                  <a:lnTo>
+                    <a:pt x="4707193" y="0"/>
+                  </a:lnTo>
+                  <a:lnTo>
+                    <a:pt x="4413053" y="0"/>
+                  </a:lnTo>
+                  <a:lnTo>
+                    <a:pt x="3865356" y="0"/>
+                  </a:lnTo>
+                  <a:lnTo>
+                    <a:pt x="3580019" y="0"/>
+                  </a:lnTo>
+                  <a:lnTo>
+                    <a:pt x="2872616" y="0"/>
+                  </a:lnTo>
+                  <a:lnTo>
+                    <a:pt x="2738183" y="0"/>
+                  </a:lnTo>
+                  <a:lnTo>
+                    <a:pt x="2038060" y="0"/>
+                  </a:lnTo>
+                  <a:lnTo>
+                    <a:pt x="1745445" y="0"/>
+                  </a:lnTo>
+                  <a:lnTo>
+                    <a:pt x="1205026" y="0"/>
+                  </a:lnTo>
+                  <a:lnTo>
+                    <a:pt x="910887" y="0"/>
+                  </a:lnTo>
+                  <a:lnTo>
+                    <a:pt x="77853" y="0"/>
+                  </a:lnTo>
+                  <a:lnTo>
+                    <a:pt x="0" y="173416"/>
+                  </a:lnTo>
+                  <a:lnTo>
+                    <a:pt x="7289670" y="173416"/>
+                  </a:lnTo>
+                  <a:close/>
+                </a:path>
+              </a:pathLst>
+            </a:custGeom>
+            <a:solidFill>
+              <a:schemeClr val="bg2"/>
+            </a:solidFill>
+            <a:ln>
+              <a:noFill/>
+            </a:ln>
+          </p:spPr>
+          <p:style>
+            <a:lnRef idx="2">
+              <a:schemeClr val="accent1">
+                <a:shade val="50000"/>
+              </a:schemeClr>
+            </a:lnRef>
+            <a:fillRef idx="1">
+              <a:schemeClr val="accent1"/>
+            </a:fillRef>
+            <a:effectRef idx="0">
+              <a:schemeClr val="accent1"/>
+            </a:effectRef>
+            <a:fontRef idx="minor">
+              <a:schemeClr val="lt1"/>
+            </a:fontRef>
+          </p:style>
+          <p:txBody>
+            <a:bodyPr rot="0" spcFirstLastPara="0" vertOverflow="overflow" horzOverflow="overflow" vert="horz" wrap="square" lIns="91440" tIns="45720" rIns="91440" bIns="45720" numCol="1" spcCol="0" rtlCol="0" fromWordArt="0" anchor="ctr" anchorCtr="0" forceAA="0" compatLnSpc="1">
+              <a:noAutofit/>
+            </a:bodyPr>
+            <a:lstStyle/>
+            <a:p>
+              <a:pPr algn="ctr"/>
+              <a:endParaRPr lang="zh-CN" altLang="en-US"/>
+            </a:p>
+          </p:txBody>
+        </p:sp>
+      </p:grpSp>
+      <p:sp>
+        <p:nvSpPr>
+          <p:cNvPr id="24" name="任意多边形: 形状 23"/>
+          <p:cNvSpPr/>
+          <p:nvPr/>
+        </p:nvSpPr>
+        <p:spPr>
+          <a:xfrm flipH="1">
+            <a:off x="129621" y="0"/>
+            <a:ext cx="586522" cy="1047087"/>
+          </a:xfrm>
+          <a:custGeom>
+            <a:avLst/>
+            <a:gdLst>
+              <a:gd name="connsiteX0" fmla="*/ 586522 w 586522"/>
+              <a:gd name="connsiteY0" fmla="*/ 0 h 1047087"/>
+              <a:gd name="connsiteX1" fmla="*/ 470079 w 586522"/>
+              <a:gd name="connsiteY1" fmla="*/ 0 h 1047087"/>
+              <a:gd name="connsiteX2" fmla="*/ 0 w 586522"/>
+              <a:gd name="connsiteY2" fmla="*/ 1047087 h 1047087"/>
+              <a:gd name="connsiteX3" fmla="*/ 116443 w 586522"/>
+              <a:gd name="connsiteY3" fmla="*/ 1047087 h 1047087"/>
+            </a:gdLst>
+            <a:ahLst/>
+            <a:cxnLst>
+              <a:cxn ang="0">
+                <a:pos x="connsiteX0" y="connsiteY0"/>
+              </a:cxn>
+              <a:cxn ang="0">
+                <a:pos x="connsiteX1" y="connsiteY1"/>
+              </a:cxn>
+              <a:cxn ang="0">
+                <a:pos x="connsiteX2" y="connsiteY2"/>
+              </a:cxn>
+              <a:cxn ang="0">
+                <a:pos x="connsiteX3" y="connsiteY3"/>
+              </a:cxn>
+            </a:cxnLst>
+            <a:rect l="l" t="t" r="r" b="b"/>
+            <a:pathLst>
+              <a:path w="586522" h="1047087">
+                <a:moveTo>
+                  <a:pt x="586522" y="0"/>
+                </a:moveTo>
+                <a:lnTo>
+                  <a:pt x="470079" y="0"/>
+                </a:lnTo>
+                <a:lnTo>
+                  <a:pt x="0" y="1047087"/>
+                </a:lnTo>
+                <a:lnTo>
+                  <a:pt x="116443" y="1047087"/>
+                </a:lnTo>
+                <a:close/>
+              </a:path>
+            </a:pathLst>
+          </a:custGeom>
+          <a:gradFill flip="none" rotWithShape="0">
+            <a:gsLst>
+              <a:gs pos="0">
+                <a:srgbClr val="53A5F5">
+                  <a:lumMod val="73000"/>
+                  <a:lumOff val="27000"/>
+                </a:srgbClr>
+              </a:gs>
+              <a:gs pos="94000">
+                <a:srgbClr val="9214CF">
+                  <a:lumMod val="73000"/>
+                  <a:lumOff val="27000"/>
+                </a:srgbClr>
+              </a:gs>
+            </a:gsLst>
+            <a:lin ang="2700000" scaled="1"/>
+            <a:tileRect/>
+          </a:gradFill>
+          <a:ln>
+            <a:noFill/>
+          </a:ln>
+        </p:spPr>
+        <p:style>
+          <a:lnRef idx="2">
+            <a:schemeClr val="accent1">
+              <a:shade val="50000"/>
+            </a:schemeClr>
+          </a:lnRef>
+          <a:fillRef idx="1">
+            <a:schemeClr val="accent1"/>
+          </a:fillRef>
+          <a:effectRef idx="0">
+            <a:schemeClr val="accent1"/>
+          </a:effectRef>
+          <a:fontRef idx="minor">
+            <a:schemeClr val="lt1"/>
+          </a:fontRef>
+        </p:style>
+        <p:txBody>
+          <a:bodyPr rot="0" spcFirstLastPara="0" vertOverflow="overflow" horzOverflow="overflow" vert="horz" wrap="square" lIns="91440" tIns="45720" rIns="91440" bIns="45720" numCol="1" spcCol="0" rtlCol="0" fromWordArt="0" anchor="ctr" anchorCtr="0" forceAA="0" compatLnSpc="1">
+            <a:noAutofit/>
+          </a:bodyPr>
+          <a:lstStyle/>
+          <a:p>
+            <a:pPr algn="ctr"/>
+            <a:endParaRPr lang="zh-CN" altLang="en-US"/>
+          </a:p>
+        </p:txBody>
+      </p:sp>
+      <p:sp>
+        <p:nvSpPr>
+          <p:cNvPr id="25" name="任意多边形: 形状 24"/>
+          <p:cNvSpPr/>
+          <p:nvPr/>
+        </p:nvSpPr>
+        <p:spPr>
+          <a:xfrm flipH="1">
+            <a:off x="581108" y="202981"/>
+            <a:ext cx="344503" cy="615023"/>
+          </a:xfrm>
+          <a:custGeom>
+            <a:avLst/>
+            <a:gdLst>
+              <a:gd name="connsiteX0" fmla="*/ 586522 w 586522"/>
+              <a:gd name="connsiteY0" fmla="*/ 0 h 1047087"/>
+              <a:gd name="connsiteX1" fmla="*/ 470079 w 586522"/>
+              <a:gd name="connsiteY1" fmla="*/ 0 h 1047087"/>
+              <a:gd name="connsiteX2" fmla="*/ 0 w 586522"/>
+              <a:gd name="connsiteY2" fmla="*/ 1047087 h 1047087"/>
+              <a:gd name="connsiteX3" fmla="*/ 116443 w 586522"/>
+              <a:gd name="connsiteY3" fmla="*/ 1047087 h 1047087"/>
+            </a:gdLst>
+            <a:ahLst/>
+            <a:cxnLst>
+              <a:cxn ang="0">
+                <a:pos x="connsiteX0" y="connsiteY0"/>
+              </a:cxn>
+              <a:cxn ang="0">
+                <a:pos x="connsiteX1" y="connsiteY1"/>
+              </a:cxn>
+              <a:cxn ang="0">
+                <a:pos x="connsiteX2" y="connsiteY2"/>
+              </a:cxn>
+              <a:cxn ang="0">
+                <a:pos x="connsiteX3" y="connsiteY3"/>
+              </a:cxn>
+            </a:cxnLst>
+            <a:rect l="l" t="t" r="r" b="b"/>
+            <a:pathLst>
+              <a:path w="586522" h="1047087">
+                <a:moveTo>
+                  <a:pt x="586522" y="0"/>
+                </a:moveTo>
+                <a:lnTo>
+                  <a:pt x="470079" y="0"/>
+                </a:lnTo>
+                <a:lnTo>
+                  <a:pt x="0" y="1047087"/>
+                </a:lnTo>
+                <a:lnTo>
+                  <a:pt x="116443" y="1047087"/>
+                </a:lnTo>
+                <a:close/>
+              </a:path>
+            </a:pathLst>
+          </a:custGeom>
+          <a:solidFill>
+            <a:schemeClr val="bg1">
+              <a:lumMod val="95000"/>
+            </a:schemeClr>
+          </a:solidFill>
+          <a:ln>
+            <a:noFill/>
+          </a:ln>
+        </p:spPr>
+        <p:style>
+          <a:lnRef idx="2">
+            <a:schemeClr val="accent1">
+              <a:shade val="50000"/>
+            </a:schemeClr>
+          </a:lnRef>
+          <a:fillRef idx="1">
+            <a:schemeClr val="accent1"/>
+          </a:fillRef>
+          <a:effectRef idx="0">
+            <a:schemeClr val="accent1"/>
+          </a:effectRef>
+          <a:fontRef idx="minor">
+            <a:schemeClr val="lt1"/>
+          </a:fontRef>
+        </p:style>
+        <p:txBody>
+          <a:bodyPr rot="0" spcFirstLastPara="0" vertOverflow="overflow" horzOverflow="overflow" vert="horz" wrap="square" lIns="91440" tIns="45720" rIns="91440" bIns="45720" numCol="1" spcCol="0" rtlCol="0" fromWordArt="0" anchor="ctr" anchorCtr="0" forceAA="0" compatLnSpc="1">
+            <a:noAutofit/>
+          </a:bodyPr>
+          <a:lstStyle/>
+          <a:p>
+            <a:pPr algn="ctr"/>
+            <a:endParaRPr lang="zh-CN" altLang="en-US"/>
+          </a:p>
+        </p:txBody>
+      </p:sp>
+      <p:sp>
+        <p:nvSpPr>
+          <p:cNvPr id="6" name="文本框 5">
+            <a:extLst>
+              <a:ext uri="{FF2B5EF4-FFF2-40B4-BE49-F238E27FC236}">
+                <a16:creationId xmlns:a16="http://schemas.microsoft.com/office/drawing/2014/main" id="{6EF55A2A-20C8-73A3-7635-D9F8FF1B0DF4}"/>
+              </a:ext>
+            </a:extLst>
+          </p:cNvPr>
+          <p:cNvSpPr txBox="1"/>
+          <p:nvPr/>
+        </p:nvSpPr>
+        <p:spPr>
+          <a:xfrm>
+            <a:off x="422882" y="1858490"/>
+            <a:ext cx="11540518" cy="2554545"/>
+          </a:xfrm>
+          <a:prstGeom prst="rect">
+            <a:avLst/>
+          </a:prstGeom>
+          <a:noFill/>
+        </p:spPr>
+        <p:txBody>
+          <a:bodyPr wrap="square" rtlCol="0">
+            <a:spAutoFit/>
+          </a:bodyPr>
+          <a:lstStyle/>
+          <a:p>
+            <a:r>
+              <a:rPr lang="zh-CN" altLang="en-US" sz="2000" dirty="0">
+                <a:highlight>
+                  <a:srgbClr val="FFFFFF"/>
+                </a:highlight>
+                <a:latin typeface="-apple-system"/>
+              </a:rPr>
+              <a:t>实验准备：实验者左手佩戴手表，右手携带手机</a:t>
+            </a:r>
+          </a:p>
+          <a:p>
+            <a:r>
+              <a:rPr lang="zh-CN" altLang="en-US" sz="2000" dirty="0">
+                <a:highlight>
+                  <a:srgbClr val="FFFFFF"/>
+                </a:highlight>
+                <a:latin typeface="-apple-system"/>
+              </a:rPr>
+              <a:t>实验条件：振动频率（快、慢）、振动类型（连续、离散）、振动时间（长、短）</a:t>
+            </a:r>
+            <a:endParaRPr lang="en-US" altLang="zh-CN" sz="2000" dirty="0">
+              <a:highlight>
+                <a:srgbClr val="FFFFFF"/>
+              </a:highlight>
+              <a:latin typeface="-apple-system"/>
+            </a:endParaRPr>
+          </a:p>
+          <a:p>
+            <a:r>
+              <a:rPr lang="zh-CN" altLang="en-US" sz="2000" dirty="0">
+                <a:highlight>
+                  <a:srgbClr val="FFFFFF"/>
+                </a:highlight>
+                <a:latin typeface="-apple-system"/>
+              </a:rPr>
+              <a:t>实验功能：导航、危险预警、行为辅助</a:t>
+            </a:r>
+            <a:endParaRPr lang="en-US" altLang="zh-CN" sz="2000" dirty="0">
+              <a:highlight>
+                <a:srgbClr val="FFFFFF"/>
+              </a:highlight>
+              <a:latin typeface="-apple-system"/>
+            </a:endParaRPr>
+          </a:p>
+          <a:p>
+            <a:r>
+              <a:rPr lang="zh-CN" altLang="en-US" sz="2000" dirty="0">
+                <a:highlight>
+                  <a:srgbClr val="FFFFFF"/>
+                </a:highlight>
+                <a:latin typeface="-apple-system"/>
+              </a:rPr>
+              <a:t>实验目的：了解用户对振动反馈系统</a:t>
+            </a:r>
+            <a:r>
+              <a:rPr lang="en-US" altLang="zh-CN" sz="2000" dirty="0">
+                <a:highlight>
+                  <a:srgbClr val="FFFFFF"/>
+                </a:highlight>
+                <a:latin typeface="-apple-system"/>
+              </a:rPr>
+              <a:t>4</a:t>
+            </a:r>
+            <a:r>
+              <a:rPr lang="zh-CN" altLang="en-US" sz="2000" dirty="0">
+                <a:highlight>
+                  <a:srgbClr val="FFFFFF"/>
+                </a:highlight>
+                <a:latin typeface="-apple-system"/>
+              </a:rPr>
+              <a:t>种模式的感知，根据实验结果评估最好的模式</a:t>
+            </a:r>
+            <a:endParaRPr lang="en-US" altLang="zh-CN" sz="2000" dirty="0">
+              <a:highlight>
+                <a:srgbClr val="FFFFFF"/>
+              </a:highlight>
+              <a:latin typeface="-apple-system"/>
+            </a:endParaRPr>
+          </a:p>
+          <a:p>
+            <a:endParaRPr lang="en-US" altLang="zh-CN" sz="2000" dirty="0">
+              <a:highlight>
+                <a:srgbClr val="FFFFFF"/>
+              </a:highlight>
+              <a:latin typeface="-apple-system"/>
+            </a:endParaRPr>
+          </a:p>
+          <a:p>
+            <a:pPr marL="457200" indent="-457200">
+              <a:buAutoNum type="arabicPeriod"/>
+            </a:pPr>
+            <a:endParaRPr lang="en-US" altLang="zh-CN" sz="2000" dirty="0"/>
+          </a:p>
+          <a:p>
+            <a:endParaRPr lang="en-US" altLang="zh-CN" sz="2000" dirty="0"/>
+          </a:p>
+          <a:p>
+            <a:endParaRPr lang="en-US" altLang="zh-CN" sz="2000" dirty="0"/>
+          </a:p>
+        </p:txBody>
+      </p:sp>
+      <p:sp>
+        <p:nvSpPr>
+          <p:cNvPr id="2" name="文本框 1">
+            <a:extLst>
+              <a:ext uri="{FF2B5EF4-FFF2-40B4-BE49-F238E27FC236}">
+                <a16:creationId xmlns:a16="http://schemas.microsoft.com/office/drawing/2014/main" id="{0F7D0A9B-401A-9893-DEF7-2C6FF8D47F90}"/>
+              </a:ext>
+            </a:extLst>
+          </p:cNvPr>
+          <p:cNvSpPr txBox="1"/>
+          <p:nvPr/>
+        </p:nvSpPr>
+        <p:spPr bwMode="auto">
+          <a:xfrm>
+            <a:off x="581108" y="1121890"/>
+            <a:ext cx="10675471" cy="523220"/>
+          </a:xfrm>
+          <a:prstGeom prst="rect">
+            <a:avLst/>
+          </a:prstGeom>
+          <a:noFill/>
+        </p:spPr>
+        <p:txBody>
+          <a:bodyPr wrap="square">
+            <a:spAutoFit/>
+            <a:scene3d>
+              <a:camera prst="orthographicFront"/>
+              <a:lightRig rig="threePt" dir="t"/>
+            </a:scene3d>
+            <a:sp3d contourW="12700"/>
+          </a:bodyPr>
+          <a:lstStyle/>
+          <a:p>
+            <a:pPr>
+              <a:defRPr/>
+            </a:pPr>
+            <a:r>
+              <a:rPr lang="zh-CN" altLang="en-US" sz="2800" b="1" dirty="0">
+                <a:solidFill>
+                  <a:srgbClr val="7F12B6"/>
+                </a:solidFill>
+                <a:latin typeface="时尚中黑简体" panose="01010104010101010101" pitchFamily="2" charset="-122"/>
+                <a:ea typeface="时尚中黑简体" panose="01010104010101010101" pitchFamily="2" charset="-122"/>
+              </a:rPr>
+              <a:t>实验设计 一</a:t>
+            </a:r>
+            <a:endParaRPr lang="en-US" altLang="zh-CN" sz="2800" b="1" dirty="0">
+              <a:solidFill>
+                <a:srgbClr val="7F12B6"/>
+              </a:solidFill>
+              <a:latin typeface="时尚中黑简体" panose="01010104010101010101" pitchFamily="2" charset="-122"/>
+              <a:ea typeface="时尚中黑简体" panose="01010104010101010101" pitchFamily="2" charset="-122"/>
+            </a:endParaRPr>
+          </a:p>
+        </p:txBody>
+      </p:sp>
+      <p:pic>
+        <p:nvPicPr>
+          <p:cNvPr id="11" name="图片 10">
+            <a:extLst>
+              <a:ext uri="{FF2B5EF4-FFF2-40B4-BE49-F238E27FC236}">
+                <a16:creationId xmlns:a16="http://schemas.microsoft.com/office/drawing/2014/main" id="{B35FDF8F-564D-E5E6-FF43-5C5480839A3D}"/>
+              </a:ext>
+            </a:extLst>
+          </p:cNvPr>
+          <p:cNvPicPr>
+            <a:picLocks noChangeAspect="1"/>
+          </p:cNvPicPr>
+          <p:nvPr/>
+        </p:nvPicPr>
+        <p:blipFill>
+          <a:blip r:embed="rId3"/>
+          <a:stretch>
+            <a:fillRect/>
+          </a:stretch>
+        </p:blipFill>
+        <p:spPr>
+          <a:xfrm>
+            <a:off x="5403309" y="3429000"/>
+            <a:ext cx="2727708" cy="2738322"/>
+          </a:xfrm>
+          <a:prstGeom prst="rect">
+            <a:avLst/>
+          </a:prstGeom>
+        </p:spPr>
+      </p:pic>
+      <p:pic>
+        <p:nvPicPr>
+          <p:cNvPr id="13" name="图片 12">
+            <a:extLst>
+              <a:ext uri="{FF2B5EF4-FFF2-40B4-BE49-F238E27FC236}">
+                <a16:creationId xmlns:a16="http://schemas.microsoft.com/office/drawing/2014/main" id="{155DBCFB-D7E8-91C4-8827-98712F742E3C}"/>
+              </a:ext>
+            </a:extLst>
+          </p:cNvPr>
+          <p:cNvPicPr>
+            <a:picLocks noChangeAspect="1"/>
+          </p:cNvPicPr>
+          <p:nvPr/>
+        </p:nvPicPr>
+        <p:blipFill>
+          <a:blip r:embed="rId4"/>
+          <a:stretch>
+            <a:fillRect/>
+          </a:stretch>
+        </p:blipFill>
+        <p:spPr>
+          <a:xfrm>
+            <a:off x="581108" y="3429000"/>
+            <a:ext cx="3023070" cy="3005460"/>
+          </a:xfrm>
+          <a:prstGeom prst="rect">
+            <a:avLst/>
+          </a:prstGeom>
+        </p:spPr>
+      </p:pic>
+    </p:spTree>
+    <p:extLst>
+      <p:ext uri="{BB962C8B-B14F-4D97-AF65-F5344CB8AC3E}">
+        <p14:creationId xmlns:p14="http://schemas.microsoft.com/office/powerpoint/2010/main" val="3015091464"/>
+      </p:ext>
+    </p:extLst>
+  </p:cSld>
+  <p:clrMapOvr>
+    <a:masterClrMapping/>
+  </p:clrMapOvr>
+  <mc:AlternateContent xmlns:mc="http://schemas.openxmlformats.org/markup-compatibility/2006" xmlns:p14="http://schemas.microsoft.com/office/powerpoint/2010/main">
+    <mc:Choice Requires="p14">
+      <p:transition spd="slow" p14:dur="1500" advTm="0">
+        <p:random/>
+      </p:transition>
+    </mc:Choice>
+    <mc:Fallback xmlns="">
+      <p:transition spd="slow" advTm="0">
+        <p:random/>
+      </p:transition>
+    </mc:Fallback>
+  </mc:AlternateContent>
+</p:sld>
+</file>
+
+<file path=ppt/slides/slide39.xml><?xml version="1.0" encoding="utf-8"?>
+<p:sld xmlns:a="http://schemas.openxmlformats.org/drawingml/2006/main" xmlns:r="http://schemas.openxmlformats.org/officeDocument/2006/relationships" xmlns:p="http://schemas.openxmlformats.org/presentationml/2006/main">
+  <p:cSld>
+    <p:spTree>
+      <p:nvGrpSpPr>
+        <p:cNvPr id="1" name=""/>
+        <p:cNvGrpSpPr/>
+        <p:nvPr/>
+      </p:nvGrpSpPr>
+      <p:grpSpPr>
+        <a:xfrm>
+          <a:off x="0" y="0"/>
+          <a:ext cx="0" cy="0"/>
+          <a:chOff x="0" y="0"/>
+          <a:chExt cx="0" cy="0"/>
+        </a:xfrm>
+      </p:grpSpPr>
+      <p:grpSp>
+        <p:nvGrpSpPr>
+          <p:cNvPr id="21" name="组合 20"/>
+          <p:cNvGrpSpPr/>
+          <p:nvPr/>
+        </p:nvGrpSpPr>
+        <p:grpSpPr>
+          <a:xfrm>
+            <a:off x="5270500" y="510493"/>
+            <a:ext cx="7561033" cy="380555"/>
+            <a:chOff x="6997699" y="510493"/>
+            <a:chExt cx="5794625" cy="380555"/>
+          </a:xfrm>
+        </p:grpSpPr>
+        <p:sp>
+          <p:nvSpPr>
+            <p:cNvPr id="22" name="任意多边形: 形状 21"/>
+            <p:cNvSpPr/>
+            <p:nvPr userDrawn="1"/>
+          </p:nvSpPr>
+          <p:spPr>
+            <a:xfrm flipH="1">
+              <a:off x="6997699" y="764493"/>
+              <a:ext cx="5376633" cy="126555"/>
+            </a:xfrm>
+            <a:custGeom>
+              <a:avLst/>
+              <a:gdLst>
+                <a:gd name="connsiteX0" fmla="*/ 7367523 w 7367523"/>
+                <a:gd name="connsiteY0" fmla="*/ 0 h 173416"/>
+                <a:gd name="connsiteX1" fmla="*/ 6374783 w 7367523"/>
+                <a:gd name="connsiteY1" fmla="*/ 0 h 173416"/>
+                <a:gd name="connsiteX2" fmla="*/ 6240349 w 7367523"/>
+                <a:gd name="connsiteY2" fmla="*/ 0 h 173416"/>
+                <a:gd name="connsiteX3" fmla="*/ 5540227 w 7367523"/>
+                <a:gd name="connsiteY3" fmla="*/ 0 h 173416"/>
+                <a:gd name="connsiteX4" fmla="*/ 5247612 w 7367523"/>
+                <a:gd name="connsiteY4" fmla="*/ 0 h 173416"/>
+                <a:gd name="connsiteX5" fmla="*/ 4707193 w 7367523"/>
+                <a:gd name="connsiteY5" fmla="*/ 0 h 173416"/>
+                <a:gd name="connsiteX6" fmla="*/ 4413053 w 7367523"/>
+                <a:gd name="connsiteY6" fmla="*/ 0 h 173416"/>
+                <a:gd name="connsiteX7" fmla="*/ 3865356 w 7367523"/>
+                <a:gd name="connsiteY7" fmla="*/ 0 h 173416"/>
+                <a:gd name="connsiteX8" fmla="*/ 3580019 w 7367523"/>
+                <a:gd name="connsiteY8" fmla="*/ 0 h 173416"/>
+                <a:gd name="connsiteX9" fmla="*/ 2872616 w 7367523"/>
+                <a:gd name="connsiteY9" fmla="*/ 0 h 173416"/>
+                <a:gd name="connsiteX10" fmla="*/ 2738183 w 7367523"/>
+                <a:gd name="connsiteY10" fmla="*/ 0 h 173416"/>
+                <a:gd name="connsiteX11" fmla="*/ 2038060 w 7367523"/>
+                <a:gd name="connsiteY11" fmla="*/ 0 h 173416"/>
+                <a:gd name="connsiteX12" fmla="*/ 1745445 w 7367523"/>
+                <a:gd name="connsiteY12" fmla="*/ 0 h 173416"/>
+                <a:gd name="connsiteX13" fmla="*/ 1205026 w 7367523"/>
+                <a:gd name="connsiteY13" fmla="*/ 0 h 173416"/>
+                <a:gd name="connsiteX14" fmla="*/ 910887 w 7367523"/>
+                <a:gd name="connsiteY14" fmla="*/ 0 h 173416"/>
+                <a:gd name="connsiteX15" fmla="*/ 77853 w 7367523"/>
+                <a:gd name="connsiteY15" fmla="*/ 0 h 173416"/>
+                <a:gd name="connsiteX16" fmla="*/ 0 w 7367523"/>
+                <a:gd name="connsiteY16" fmla="*/ 173416 h 173416"/>
+                <a:gd name="connsiteX17" fmla="*/ 7289670 w 7367523"/>
+                <a:gd name="connsiteY17" fmla="*/ 173416 h 173416"/>
+              </a:gdLst>
+              <a:ahLst/>
+              <a:cxnLst>
+                <a:cxn ang="0">
+                  <a:pos x="connsiteX0" y="connsiteY0"/>
+                </a:cxn>
+                <a:cxn ang="0">
+                  <a:pos x="connsiteX1" y="connsiteY1"/>
+                </a:cxn>
+                <a:cxn ang="0">
+                  <a:pos x="connsiteX2" y="connsiteY2"/>
+                </a:cxn>
+                <a:cxn ang="0">
+                  <a:pos x="connsiteX3" y="connsiteY3"/>
+                </a:cxn>
+                <a:cxn ang="0">
+                  <a:pos x="connsiteX4" y="connsiteY4"/>
+                </a:cxn>
+                <a:cxn ang="0">
+                  <a:pos x="connsiteX5" y="connsiteY5"/>
+                </a:cxn>
+                <a:cxn ang="0">
+                  <a:pos x="connsiteX6" y="connsiteY6"/>
+                </a:cxn>
+                <a:cxn ang="0">
+                  <a:pos x="connsiteX7" y="connsiteY7"/>
+                </a:cxn>
+                <a:cxn ang="0">
+                  <a:pos x="connsiteX8" y="connsiteY8"/>
+                </a:cxn>
+                <a:cxn ang="0">
+                  <a:pos x="connsiteX9" y="connsiteY9"/>
+                </a:cxn>
+                <a:cxn ang="0">
+                  <a:pos x="connsiteX10" y="connsiteY10"/>
+                </a:cxn>
+                <a:cxn ang="0">
+                  <a:pos x="connsiteX11" y="connsiteY11"/>
+                </a:cxn>
+                <a:cxn ang="0">
+                  <a:pos x="connsiteX12" y="connsiteY12"/>
+                </a:cxn>
+                <a:cxn ang="0">
+                  <a:pos x="connsiteX13" y="connsiteY13"/>
+                </a:cxn>
+                <a:cxn ang="0">
+                  <a:pos x="connsiteX14" y="connsiteY14"/>
+                </a:cxn>
+                <a:cxn ang="0">
+                  <a:pos x="connsiteX15" y="connsiteY15"/>
+                </a:cxn>
+                <a:cxn ang="0">
+                  <a:pos x="connsiteX16" y="connsiteY16"/>
+                </a:cxn>
+                <a:cxn ang="0">
+                  <a:pos x="connsiteX17" y="connsiteY17"/>
+                </a:cxn>
+              </a:cxnLst>
+              <a:rect l="l" t="t" r="r" b="b"/>
+              <a:pathLst>
+                <a:path w="7367523" h="173416">
+                  <a:moveTo>
+                    <a:pt x="7367523" y="0"/>
+                  </a:moveTo>
+                  <a:lnTo>
+                    <a:pt x="6374783" y="0"/>
+                  </a:lnTo>
+                  <a:lnTo>
+                    <a:pt x="6240349" y="0"/>
+                  </a:lnTo>
+                  <a:lnTo>
+                    <a:pt x="5540227" y="0"/>
+                  </a:lnTo>
+                  <a:lnTo>
+                    <a:pt x="5247612" y="0"/>
+                  </a:lnTo>
+                  <a:lnTo>
+                    <a:pt x="4707193" y="0"/>
+                  </a:lnTo>
+                  <a:lnTo>
+                    <a:pt x="4413053" y="0"/>
+                  </a:lnTo>
+                  <a:lnTo>
+                    <a:pt x="3865356" y="0"/>
+                  </a:lnTo>
+                  <a:lnTo>
+                    <a:pt x="3580019" y="0"/>
+                  </a:lnTo>
+                  <a:lnTo>
+                    <a:pt x="2872616" y="0"/>
+                  </a:lnTo>
+                  <a:lnTo>
+                    <a:pt x="2738183" y="0"/>
+                  </a:lnTo>
+                  <a:lnTo>
+                    <a:pt x="2038060" y="0"/>
+                  </a:lnTo>
+                  <a:lnTo>
+                    <a:pt x="1745445" y="0"/>
+                  </a:lnTo>
+                  <a:lnTo>
+                    <a:pt x="1205026" y="0"/>
+                  </a:lnTo>
+                  <a:lnTo>
+                    <a:pt x="910887" y="0"/>
+                  </a:lnTo>
+                  <a:lnTo>
+                    <a:pt x="77853" y="0"/>
+                  </a:lnTo>
+                  <a:lnTo>
+                    <a:pt x="0" y="173416"/>
+                  </a:lnTo>
+                  <a:lnTo>
+                    <a:pt x="7289670" y="173416"/>
+                  </a:lnTo>
+                  <a:close/>
+                </a:path>
+              </a:pathLst>
+            </a:custGeom>
+            <a:gradFill flip="none" rotWithShape="0">
+              <a:gsLst>
+                <a:gs pos="0">
+                  <a:srgbClr val="228AF2"/>
+                </a:gs>
+                <a:gs pos="94000">
+                  <a:srgbClr val="7F12B6"/>
+                </a:gs>
+              </a:gsLst>
+              <a:lin ang="2700000" scaled="1"/>
+              <a:tileRect/>
+            </a:gradFill>
+            <a:ln>
+              <a:noFill/>
+            </a:ln>
+          </p:spPr>
+          <p:style>
+            <a:lnRef idx="2">
+              <a:schemeClr val="accent1">
+                <a:shade val="50000"/>
+              </a:schemeClr>
+            </a:lnRef>
+            <a:fillRef idx="1">
+              <a:schemeClr val="accent1"/>
+            </a:fillRef>
+            <a:effectRef idx="0">
+              <a:schemeClr val="accent1"/>
+            </a:effectRef>
+            <a:fontRef idx="minor">
+              <a:schemeClr val="lt1"/>
+            </a:fontRef>
+          </p:style>
+          <p:txBody>
+            <a:bodyPr rot="0" spcFirstLastPara="0" vertOverflow="overflow" horzOverflow="overflow" vert="horz" wrap="square" lIns="91440" tIns="45720" rIns="91440" bIns="45720" numCol="1" spcCol="0" rtlCol="0" fromWordArt="0" anchor="ctr" anchorCtr="0" forceAA="0" compatLnSpc="1">
+              <a:noAutofit/>
+            </a:bodyPr>
+            <a:lstStyle/>
+            <a:p>
+              <a:pPr algn="ctr"/>
+              <a:endParaRPr lang="zh-CN" altLang="en-US"/>
+            </a:p>
+          </p:txBody>
+        </p:sp>
+        <p:sp>
+          <p:nvSpPr>
+            <p:cNvPr id="23" name="任意多边形: 形状 22"/>
+            <p:cNvSpPr/>
+            <p:nvPr userDrawn="1"/>
+          </p:nvSpPr>
+          <p:spPr>
+            <a:xfrm flipH="1">
+              <a:off x="7415691" y="510493"/>
+              <a:ext cx="5376633" cy="126555"/>
+            </a:xfrm>
+            <a:custGeom>
+              <a:avLst/>
+              <a:gdLst>
+                <a:gd name="connsiteX0" fmla="*/ 7367523 w 7367523"/>
+                <a:gd name="connsiteY0" fmla="*/ 0 h 173416"/>
+                <a:gd name="connsiteX1" fmla="*/ 6374783 w 7367523"/>
+                <a:gd name="connsiteY1" fmla="*/ 0 h 173416"/>
+                <a:gd name="connsiteX2" fmla="*/ 6240349 w 7367523"/>
+                <a:gd name="connsiteY2" fmla="*/ 0 h 173416"/>
+                <a:gd name="connsiteX3" fmla="*/ 5540227 w 7367523"/>
+                <a:gd name="connsiteY3" fmla="*/ 0 h 173416"/>
+                <a:gd name="connsiteX4" fmla="*/ 5247612 w 7367523"/>
+                <a:gd name="connsiteY4" fmla="*/ 0 h 173416"/>
+                <a:gd name="connsiteX5" fmla="*/ 4707193 w 7367523"/>
+                <a:gd name="connsiteY5" fmla="*/ 0 h 173416"/>
+                <a:gd name="connsiteX6" fmla="*/ 4413053 w 7367523"/>
+                <a:gd name="connsiteY6" fmla="*/ 0 h 173416"/>
+                <a:gd name="connsiteX7" fmla="*/ 3865356 w 7367523"/>
+                <a:gd name="connsiteY7" fmla="*/ 0 h 173416"/>
+                <a:gd name="connsiteX8" fmla="*/ 3580019 w 7367523"/>
+                <a:gd name="connsiteY8" fmla="*/ 0 h 173416"/>
+                <a:gd name="connsiteX9" fmla="*/ 2872616 w 7367523"/>
+                <a:gd name="connsiteY9" fmla="*/ 0 h 173416"/>
+                <a:gd name="connsiteX10" fmla="*/ 2738183 w 7367523"/>
+                <a:gd name="connsiteY10" fmla="*/ 0 h 173416"/>
+                <a:gd name="connsiteX11" fmla="*/ 2038060 w 7367523"/>
+                <a:gd name="connsiteY11" fmla="*/ 0 h 173416"/>
+                <a:gd name="connsiteX12" fmla="*/ 1745445 w 7367523"/>
+                <a:gd name="connsiteY12" fmla="*/ 0 h 173416"/>
+                <a:gd name="connsiteX13" fmla="*/ 1205026 w 7367523"/>
+                <a:gd name="connsiteY13" fmla="*/ 0 h 173416"/>
+                <a:gd name="connsiteX14" fmla="*/ 910887 w 7367523"/>
+                <a:gd name="connsiteY14" fmla="*/ 0 h 173416"/>
+                <a:gd name="connsiteX15" fmla="*/ 77853 w 7367523"/>
+                <a:gd name="connsiteY15" fmla="*/ 0 h 173416"/>
+                <a:gd name="connsiteX16" fmla="*/ 0 w 7367523"/>
+                <a:gd name="connsiteY16" fmla="*/ 173416 h 173416"/>
+                <a:gd name="connsiteX17" fmla="*/ 7289670 w 7367523"/>
+                <a:gd name="connsiteY17" fmla="*/ 173416 h 173416"/>
+              </a:gdLst>
+              <a:ahLst/>
+              <a:cxnLst>
+                <a:cxn ang="0">
+                  <a:pos x="connsiteX0" y="connsiteY0"/>
+                </a:cxn>
+                <a:cxn ang="0">
+                  <a:pos x="connsiteX1" y="connsiteY1"/>
+                </a:cxn>
+                <a:cxn ang="0">
+                  <a:pos x="connsiteX2" y="connsiteY2"/>
+                </a:cxn>
+                <a:cxn ang="0">
+                  <a:pos x="connsiteX3" y="connsiteY3"/>
+                </a:cxn>
+                <a:cxn ang="0">
+                  <a:pos x="connsiteX4" y="connsiteY4"/>
+                </a:cxn>
+                <a:cxn ang="0">
+                  <a:pos x="connsiteX5" y="connsiteY5"/>
+                </a:cxn>
+                <a:cxn ang="0">
+                  <a:pos x="connsiteX6" y="connsiteY6"/>
+                </a:cxn>
+                <a:cxn ang="0">
+                  <a:pos x="connsiteX7" y="connsiteY7"/>
+                </a:cxn>
+                <a:cxn ang="0">
+                  <a:pos x="connsiteX8" y="connsiteY8"/>
+                </a:cxn>
+                <a:cxn ang="0">
+                  <a:pos x="connsiteX9" y="connsiteY9"/>
+                </a:cxn>
+                <a:cxn ang="0">
+                  <a:pos x="connsiteX10" y="connsiteY10"/>
+                </a:cxn>
+                <a:cxn ang="0">
+                  <a:pos x="connsiteX11" y="connsiteY11"/>
+                </a:cxn>
+                <a:cxn ang="0">
+                  <a:pos x="connsiteX12" y="connsiteY12"/>
+                </a:cxn>
+                <a:cxn ang="0">
+                  <a:pos x="connsiteX13" y="connsiteY13"/>
+                </a:cxn>
+                <a:cxn ang="0">
+                  <a:pos x="connsiteX14" y="connsiteY14"/>
+                </a:cxn>
+                <a:cxn ang="0">
+                  <a:pos x="connsiteX15" y="connsiteY15"/>
+                </a:cxn>
+                <a:cxn ang="0">
+                  <a:pos x="connsiteX16" y="connsiteY16"/>
+                </a:cxn>
+                <a:cxn ang="0">
+                  <a:pos x="connsiteX17" y="connsiteY17"/>
+                </a:cxn>
+              </a:cxnLst>
+              <a:rect l="l" t="t" r="r" b="b"/>
+              <a:pathLst>
+                <a:path w="7367523" h="173416">
+                  <a:moveTo>
+                    <a:pt x="7367523" y="0"/>
+                  </a:moveTo>
+                  <a:lnTo>
+                    <a:pt x="6374783" y="0"/>
+                  </a:lnTo>
+                  <a:lnTo>
+                    <a:pt x="6240349" y="0"/>
+                  </a:lnTo>
+                  <a:lnTo>
+                    <a:pt x="5540227" y="0"/>
+                  </a:lnTo>
+                  <a:lnTo>
+                    <a:pt x="5247612" y="0"/>
+                  </a:lnTo>
+                  <a:lnTo>
+                    <a:pt x="4707193" y="0"/>
+                  </a:lnTo>
+                  <a:lnTo>
+                    <a:pt x="4413053" y="0"/>
+                  </a:lnTo>
+                  <a:lnTo>
+                    <a:pt x="3865356" y="0"/>
+                  </a:lnTo>
+                  <a:lnTo>
+                    <a:pt x="3580019" y="0"/>
+                  </a:lnTo>
+                  <a:lnTo>
+                    <a:pt x="2872616" y="0"/>
+                  </a:lnTo>
+                  <a:lnTo>
+                    <a:pt x="2738183" y="0"/>
+                  </a:lnTo>
+                  <a:lnTo>
+                    <a:pt x="2038060" y="0"/>
+                  </a:lnTo>
+                  <a:lnTo>
+                    <a:pt x="1745445" y="0"/>
+                  </a:lnTo>
+                  <a:lnTo>
+                    <a:pt x="1205026" y="0"/>
+                  </a:lnTo>
+                  <a:lnTo>
+                    <a:pt x="910887" y="0"/>
+                  </a:lnTo>
+                  <a:lnTo>
+                    <a:pt x="77853" y="0"/>
+                  </a:lnTo>
+                  <a:lnTo>
+                    <a:pt x="0" y="173416"/>
+                  </a:lnTo>
+                  <a:lnTo>
+                    <a:pt x="7289670" y="173416"/>
+                  </a:lnTo>
+                  <a:close/>
+                </a:path>
+              </a:pathLst>
+            </a:custGeom>
+            <a:solidFill>
+              <a:schemeClr val="bg2"/>
+            </a:solidFill>
+            <a:ln>
+              <a:noFill/>
+            </a:ln>
+          </p:spPr>
+          <p:style>
+            <a:lnRef idx="2">
+              <a:schemeClr val="accent1">
+                <a:shade val="50000"/>
+              </a:schemeClr>
+            </a:lnRef>
+            <a:fillRef idx="1">
+              <a:schemeClr val="accent1"/>
+            </a:fillRef>
+            <a:effectRef idx="0">
+              <a:schemeClr val="accent1"/>
+            </a:effectRef>
+            <a:fontRef idx="minor">
+              <a:schemeClr val="lt1"/>
+            </a:fontRef>
+          </p:style>
+          <p:txBody>
+            <a:bodyPr rot="0" spcFirstLastPara="0" vertOverflow="overflow" horzOverflow="overflow" vert="horz" wrap="square" lIns="91440" tIns="45720" rIns="91440" bIns="45720" numCol="1" spcCol="0" rtlCol="0" fromWordArt="0" anchor="ctr" anchorCtr="0" forceAA="0" compatLnSpc="1">
+              <a:noAutofit/>
+            </a:bodyPr>
+            <a:lstStyle/>
+            <a:p>
+              <a:pPr algn="ctr"/>
+              <a:endParaRPr lang="zh-CN" altLang="en-US"/>
+            </a:p>
+          </p:txBody>
+        </p:sp>
+      </p:grpSp>
+      <p:sp>
+        <p:nvSpPr>
+          <p:cNvPr id="24" name="任意多边形: 形状 23"/>
+          <p:cNvSpPr/>
+          <p:nvPr/>
+        </p:nvSpPr>
+        <p:spPr>
+          <a:xfrm flipH="1">
+            <a:off x="129621" y="0"/>
+            <a:ext cx="586522" cy="1047087"/>
+          </a:xfrm>
+          <a:custGeom>
+            <a:avLst/>
+            <a:gdLst>
+              <a:gd name="connsiteX0" fmla="*/ 586522 w 586522"/>
+              <a:gd name="connsiteY0" fmla="*/ 0 h 1047087"/>
+              <a:gd name="connsiteX1" fmla="*/ 470079 w 586522"/>
+              <a:gd name="connsiteY1" fmla="*/ 0 h 1047087"/>
+              <a:gd name="connsiteX2" fmla="*/ 0 w 586522"/>
+              <a:gd name="connsiteY2" fmla="*/ 1047087 h 1047087"/>
+              <a:gd name="connsiteX3" fmla="*/ 116443 w 586522"/>
+              <a:gd name="connsiteY3" fmla="*/ 1047087 h 1047087"/>
+            </a:gdLst>
+            <a:ahLst/>
+            <a:cxnLst>
+              <a:cxn ang="0">
+                <a:pos x="connsiteX0" y="connsiteY0"/>
+              </a:cxn>
+              <a:cxn ang="0">
+                <a:pos x="connsiteX1" y="connsiteY1"/>
+              </a:cxn>
+              <a:cxn ang="0">
+                <a:pos x="connsiteX2" y="connsiteY2"/>
+              </a:cxn>
+              <a:cxn ang="0">
+                <a:pos x="connsiteX3" y="connsiteY3"/>
+              </a:cxn>
+            </a:cxnLst>
+            <a:rect l="l" t="t" r="r" b="b"/>
+            <a:pathLst>
+              <a:path w="586522" h="1047087">
+                <a:moveTo>
+                  <a:pt x="586522" y="0"/>
+                </a:moveTo>
+                <a:lnTo>
+                  <a:pt x="470079" y="0"/>
+                </a:lnTo>
+                <a:lnTo>
+                  <a:pt x="0" y="1047087"/>
+                </a:lnTo>
+                <a:lnTo>
+                  <a:pt x="116443" y="1047087"/>
+                </a:lnTo>
+                <a:close/>
+              </a:path>
+            </a:pathLst>
+          </a:custGeom>
+          <a:gradFill flip="none" rotWithShape="0">
+            <a:gsLst>
+              <a:gs pos="0">
+                <a:srgbClr val="53A5F5">
+                  <a:lumMod val="73000"/>
+                  <a:lumOff val="27000"/>
+                </a:srgbClr>
+              </a:gs>
+              <a:gs pos="94000">
+                <a:srgbClr val="9214CF">
+                  <a:lumMod val="73000"/>
+                  <a:lumOff val="27000"/>
+                </a:srgbClr>
+              </a:gs>
+            </a:gsLst>
+            <a:lin ang="2700000" scaled="1"/>
+            <a:tileRect/>
+          </a:gradFill>
+          <a:ln>
+            <a:noFill/>
+          </a:ln>
+        </p:spPr>
+        <p:style>
+          <a:lnRef idx="2">
+            <a:schemeClr val="accent1">
+              <a:shade val="50000"/>
+            </a:schemeClr>
+          </a:lnRef>
+          <a:fillRef idx="1">
+            <a:schemeClr val="accent1"/>
+          </a:fillRef>
+          <a:effectRef idx="0">
+            <a:schemeClr val="accent1"/>
+          </a:effectRef>
+          <a:fontRef idx="minor">
+            <a:schemeClr val="lt1"/>
+          </a:fontRef>
+        </p:style>
+        <p:txBody>
+          <a:bodyPr rot="0" spcFirstLastPara="0" vertOverflow="overflow" horzOverflow="overflow" vert="horz" wrap="square" lIns="91440" tIns="45720" rIns="91440" bIns="45720" numCol="1" spcCol="0" rtlCol="0" fromWordArt="0" anchor="ctr" anchorCtr="0" forceAA="0" compatLnSpc="1">
+            <a:noAutofit/>
+          </a:bodyPr>
+          <a:lstStyle/>
+          <a:p>
+            <a:pPr algn="ctr"/>
+            <a:endParaRPr lang="zh-CN" altLang="en-US"/>
+          </a:p>
+        </p:txBody>
+      </p:sp>
+      <p:sp>
+        <p:nvSpPr>
+          <p:cNvPr id="25" name="任意多边形: 形状 24"/>
+          <p:cNvSpPr/>
+          <p:nvPr/>
+        </p:nvSpPr>
+        <p:spPr>
+          <a:xfrm flipH="1">
+            <a:off x="581108" y="202981"/>
+            <a:ext cx="344503" cy="615023"/>
+          </a:xfrm>
+          <a:custGeom>
+            <a:avLst/>
+            <a:gdLst>
+              <a:gd name="connsiteX0" fmla="*/ 586522 w 586522"/>
+              <a:gd name="connsiteY0" fmla="*/ 0 h 1047087"/>
+              <a:gd name="connsiteX1" fmla="*/ 470079 w 586522"/>
+              <a:gd name="connsiteY1" fmla="*/ 0 h 1047087"/>
+              <a:gd name="connsiteX2" fmla="*/ 0 w 586522"/>
+              <a:gd name="connsiteY2" fmla="*/ 1047087 h 1047087"/>
+              <a:gd name="connsiteX3" fmla="*/ 116443 w 586522"/>
+              <a:gd name="connsiteY3" fmla="*/ 1047087 h 1047087"/>
+            </a:gdLst>
+            <a:ahLst/>
+            <a:cxnLst>
+              <a:cxn ang="0">
+                <a:pos x="connsiteX0" y="connsiteY0"/>
+              </a:cxn>
+              <a:cxn ang="0">
+                <a:pos x="connsiteX1" y="connsiteY1"/>
+              </a:cxn>
+              <a:cxn ang="0">
+                <a:pos x="connsiteX2" y="connsiteY2"/>
+              </a:cxn>
+              <a:cxn ang="0">
+                <a:pos x="connsiteX3" y="connsiteY3"/>
+              </a:cxn>
+            </a:cxnLst>
+            <a:rect l="l" t="t" r="r" b="b"/>
+            <a:pathLst>
+              <a:path w="586522" h="1047087">
+                <a:moveTo>
+                  <a:pt x="586522" y="0"/>
+                </a:moveTo>
+                <a:lnTo>
+                  <a:pt x="470079" y="0"/>
+                </a:lnTo>
+                <a:lnTo>
+                  <a:pt x="0" y="1047087"/>
+                </a:lnTo>
+                <a:lnTo>
+                  <a:pt x="116443" y="1047087"/>
+                </a:lnTo>
+                <a:close/>
+              </a:path>
+            </a:pathLst>
+          </a:custGeom>
+          <a:solidFill>
+            <a:schemeClr val="bg1">
+              <a:lumMod val="95000"/>
+            </a:schemeClr>
+          </a:solidFill>
+          <a:ln>
+            <a:noFill/>
+          </a:ln>
+        </p:spPr>
+        <p:style>
+          <a:lnRef idx="2">
+            <a:schemeClr val="accent1">
+              <a:shade val="50000"/>
+            </a:schemeClr>
+          </a:lnRef>
+          <a:fillRef idx="1">
+            <a:schemeClr val="accent1"/>
+          </a:fillRef>
+          <a:effectRef idx="0">
+            <a:schemeClr val="accent1"/>
+          </a:effectRef>
+          <a:fontRef idx="minor">
+            <a:schemeClr val="lt1"/>
+          </a:fontRef>
+        </p:style>
+        <p:txBody>
+          <a:bodyPr rot="0" spcFirstLastPara="0" vertOverflow="overflow" horzOverflow="overflow" vert="horz" wrap="square" lIns="91440" tIns="45720" rIns="91440" bIns="45720" numCol="1" spcCol="0" rtlCol="0" fromWordArt="0" anchor="ctr" anchorCtr="0" forceAA="0" compatLnSpc="1">
+            <a:noAutofit/>
+          </a:bodyPr>
+          <a:lstStyle/>
+          <a:p>
+            <a:pPr algn="ctr"/>
+            <a:endParaRPr lang="zh-CN" altLang="en-US"/>
+          </a:p>
+        </p:txBody>
+      </p:sp>
+      <p:sp>
+        <p:nvSpPr>
+          <p:cNvPr id="6" name="文本框 5">
+            <a:extLst>
+              <a:ext uri="{FF2B5EF4-FFF2-40B4-BE49-F238E27FC236}">
+                <a16:creationId xmlns:a16="http://schemas.microsoft.com/office/drawing/2014/main" id="{6EF55A2A-20C8-73A3-7635-D9F8FF1B0DF4}"/>
+              </a:ext>
+            </a:extLst>
+          </p:cNvPr>
+          <p:cNvSpPr txBox="1"/>
+          <p:nvPr/>
+        </p:nvSpPr>
+        <p:spPr>
+          <a:xfrm>
+            <a:off x="422882" y="1858490"/>
+            <a:ext cx="11540518" cy="6247864"/>
+          </a:xfrm>
+          <a:prstGeom prst="rect">
+            <a:avLst/>
+          </a:prstGeom>
+          <a:noFill/>
+        </p:spPr>
+        <p:txBody>
+          <a:bodyPr wrap="square" rtlCol="0">
+            <a:spAutoFit/>
+          </a:bodyPr>
+          <a:lstStyle/>
+          <a:p>
+            <a:r>
+              <a:rPr lang="zh-CN" altLang="en-US" sz="2000" dirty="0">
+                <a:highlight>
+                  <a:srgbClr val="FFFFFF"/>
+                </a:highlight>
+                <a:latin typeface="-apple-system"/>
+              </a:rPr>
+              <a:t>导航功能：</a:t>
+            </a:r>
+            <a:endParaRPr lang="en-US" altLang="zh-CN" sz="2000" dirty="0">
+              <a:highlight>
+                <a:srgbClr val="FFFFFF"/>
+              </a:highlight>
+              <a:latin typeface="-apple-system"/>
+            </a:endParaRPr>
+          </a:p>
+          <a:p>
+            <a:pPr marL="457200" indent="-457200">
+              <a:buAutoNum type="arabicPeriod"/>
+            </a:pPr>
+            <a:r>
+              <a:rPr lang="zh-CN" altLang="en-US" sz="2000" dirty="0">
+                <a:highlight>
+                  <a:srgbClr val="FFFFFF"/>
+                </a:highlight>
+                <a:latin typeface="-apple-system"/>
+              </a:rPr>
+              <a:t>前进：手表与手机交替振动</a:t>
+            </a:r>
+            <a:endParaRPr lang="en-US" altLang="zh-CN" sz="2000" dirty="0">
+              <a:highlight>
+                <a:srgbClr val="FFFFFF"/>
+              </a:highlight>
+              <a:latin typeface="-apple-system"/>
+            </a:endParaRPr>
+          </a:p>
+          <a:p>
+            <a:pPr marL="457200" indent="-457200">
+              <a:buAutoNum type="arabicPeriod"/>
+            </a:pPr>
+            <a:r>
+              <a:rPr lang="zh-CN" altLang="en-US" sz="2000" dirty="0">
+                <a:highlight>
+                  <a:srgbClr val="FFFFFF"/>
+                </a:highlight>
+                <a:latin typeface="-apple-system"/>
+              </a:rPr>
+              <a:t>左转：手表与手机同时振动，手表单设备振动，（频率快，连续，时间短）</a:t>
+            </a:r>
+            <a:endParaRPr lang="en-US" altLang="zh-CN" sz="2000" dirty="0">
+              <a:highlight>
+                <a:srgbClr val="FFFFFF"/>
+              </a:highlight>
+              <a:latin typeface="-apple-system"/>
+            </a:endParaRPr>
+          </a:p>
+          <a:p>
+            <a:pPr marL="457200" indent="-457200">
+              <a:buAutoNum type="arabicPeriod"/>
+            </a:pPr>
+            <a:r>
+              <a:rPr lang="zh-CN" altLang="en-US" sz="2000" dirty="0">
+                <a:highlight>
+                  <a:srgbClr val="FFFFFF"/>
+                </a:highlight>
+                <a:latin typeface="-apple-system"/>
+              </a:rPr>
+              <a:t>右转：手表与手机同时振动，手机单设备振动，（频率快，连续，时间短）</a:t>
+            </a:r>
+            <a:endParaRPr lang="en-US" altLang="zh-CN" sz="2000" dirty="0">
+              <a:highlight>
+                <a:srgbClr val="FFFFFF"/>
+              </a:highlight>
+              <a:latin typeface="-apple-system"/>
+            </a:endParaRPr>
+          </a:p>
+          <a:p>
+            <a:pPr marL="457200" indent="-457200">
+              <a:buAutoNum type="arabicPeriod"/>
+            </a:pPr>
+            <a:r>
+              <a:rPr lang="zh-CN" altLang="en-US" sz="2000" dirty="0">
+                <a:highlight>
+                  <a:srgbClr val="FFFFFF"/>
+                </a:highlight>
+                <a:latin typeface="-apple-system"/>
+              </a:rPr>
+              <a:t>停止：手表与手机同时振动</a:t>
+            </a:r>
+            <a:endParaRPr lang="en-US" altLang="zh-CN" sz="2000" dirty="0">
+              <a:highlight>
+                <a:srgbClr val="FFFFFF"/>
+              </a:highlight>
+              <a:latin typeface="-apple-system"/>
+            </a:endParaRPr>
+          </a:p>
+          <a:p>
+            <a:pPr marL="457200" indent="-457200">
+              <a:buAutoNum type="arabicPeriod"/>
+            </a:pPr>
+            <a:endParaRPr lang="en-US" altLang="zh-CN" sz="2000" dirty="0">
+              <a:highlight>
+                <a:srgbClr val="FFFFFF"/>
+              </a:highlight>
+              <a:latin typeface="-apple-system"/>
+            </a:endParaRPr>
+          </a:p>
+          <a:p>
+            <a:r>
+              <a:rPr lang="zh-CN" altLang="en-US" sz="2000" dirty="0"/>
+              <a:t>事件危险预警功能：</a:t>
+            </a:r>
+            <a:endParaRPr lang="en-US" altLang="zh-CN" sz="2000" dirty="0"/>
+          </a:p>
+          <a:p>
+            <a:pPr marL="457200" indent="-457200">
+              <a:buAutoNum type="arabicPeriod"/>
+            </a:pPr>
+            <a:r>
+              <a:rPr lang="zh-CN" altLang="en-US" sz="2000" dirty="0"/>
+              <a:t>前方有障碍物：</a:t>
+            </a:r>
+            <a:endParaRPr lang="en-US" altLang="zh-CN" sz="2000" dirty="0"/>
+          </a:p>
+          <a:p>
+            <a:r>
+              <a:rPr lang="en-US" altLang="zh-CN" sz="2000" dirty="0"/>
+              <a:t>   	</a:t>
+            </a:r>
+            <a:r>
+              <a:rPr lang="zh-CN" altLang="en-US" sz="2000" dirty="0"/>
+              <a:t>左前方：</a:t>
+            </a:r>
+            <a:r>
+              <a:rPr lang="zh-CN" altLang="en-US" sz="2000" dirty="0">
+                <a:highlight>
+                  <a:srgbClr val="FFFFFF"/>
+                </a:highlight>
+                <a:latin typeface="-apple-system"/>
+              </a:rPr>
+              <a:t>手表单设备振动，（频率慢，离散，时间短）</a:t>
+            </a:r>
+            <a:endParaRPr lang="en-US" altLang="zh-CN" sz="2000" dirty="0">
+              <a:highlight>
+                <a:srgbClr val="FFFFFF"/>
+              </a:highlight>
+              <a:latin typeface="-apple-system"/>
+            </a:endParaRPr>
+          </a:p>
+          <a:p>
+            <a:r>
+              <a:rPr lang="en-US" altLang="zh-CN" sz="2000" dirty="0"/>
+              <a:t>	</a:t>
+            </a:r>
+            <a:r>
+              <a:rPr lang="zh-CN" altLang="en-US" sz="2000" dirty="0"/>
+              <a:t>右前方：</a:t>
+            </a:r>
+            <a:r>
+              <a:rPr lang="zh-CN" altLang="en-US" sz="2000" dirty="0">
+                <a:highlight>
+                  <a:srgbClr val="FFFFFF"/>
+                </a:highlight>
+                <a:latin typeface="-apple-system"/>
+              </a:rPr>
+              <a:t>手机单设备振动，（频率慢，离散，时间短）</a:t>
+            </a:r>
+            <a:endParaRPr lang="en-US" altLang="zh-CN" sz="2000" dirty="0"/>
+          </a:p>
+          <a:p>
+            <a:pPr marL="457200" indent="-457200">
+              <a:buAutoNum type="arabicPeriod"/>
+            </a:pPr>
+            <a:endParaRPr lang="en-US" altLang="zh-CN" sz="2000" dirty="0"/>
+          </a:p>
+          <a:p>
+            <a:r>
+              <a:rPr lang="zh-CN" altLang="en-US" sz="2000" dirty="0"/>
+              <a:t>动作行为辅助功能：</a:t>
+            </a:r>
+            <a:endParaRPr lang="en-US" altLang="zh-CN" sz="2000" dirty="0"/>
+          </a:p>
+          <a:p>
+            <a:pPr marL="457200" indent="-457200">
+              <a:buAutoNum type="arabicPeriod"/>
+            </a:pPr>
+            <a:r>
+              <a:rPr lang="zh-CN" altLang="en-US" sz="2000" dirty="0">
+                <a:highlight>
+                  <a:srgbClr val="FFFFFF"/>
+                </a:highlight>
+                <a:latin typeface="-apple-system"/>
+              </a:rPr>
+              <a:t>直线保持：</a:t>
+            </a:r>
+            <a:endParaRPr lang="en-US" altLang="zh-CN" sz="2000" dirty="0">
+              <a:highlight>
+                <a:srgbClr val="FFFFFF"/>
+              </a:highlight>
+              <a:latin typeface="-apple-system"/>
+            </a:endParaRPr>
+          </a:p>
+          <a:p>
+            <a:r>
+              <a:rPr lang="en-US" altLang="zh-CN" sz="2000" dirty="0">
+                <a:highlight>
+                  <a:srgbClr val="FFFFFF"/>
+                </a:highlight>
+                <a:latin typeface="-apple-system"/>
+              </a:rPr>
+              <a:t>	</a:t>
+            </a:r>
+            <a:r>
+              <a:rPr lang="zh-CN" altLang="en-US" sz="2000" dirty="0">
+                <a:highlight>
+                  <a:srgbClr val="FFFFFF"/>
+                </a:highlight>
+                <a:latin typeface="-apple-system"/>
+              </a:rPr>
+              <a:t>向左保持：手表单设备振动，（频率慢，连续，时间长）</a:t>
+            </a:r>
+            <a:endParaRPr lang="en-US" altLang="zh-CN" sz="2000" dirty="0">
+              <a:highlight>
+                <a:srgbClr val="FFFFFF"/>
+              </a:highlight>
+              <a:latin typeface="-apple-system"/>
+            </a:endParaRPr>
+          </a:p>
+          <a:p>
+            <a:r>
+              <a:rPr lang="en-US" altLang="zh-CN" sz="2000" dirty="0">
+                <a:highlight>
+                  <a:srgbClr val="FFFFFF"/>
+                </a:highlight>
+                <a:latin typeface="-apple-system"/>
+              </a:rPr>
+              <a:t>	</a:t>
+            </a:r>
+            <a:r>
+              <a:rPr lang="zh-CN" altLang="en-US" sz="2000" dirty="0">
+                <a:highlight>
+                  <a:srgbClr val="FFFFFF"/>
+                </a:highlight>
+                <a:latin typeface="-apple-system"/>
+              </a:rPr>
+              <a:t>向右保持：手机单设备振动，（频率慢，连续，时间长）</a:t>
+            </a:r>
+            <a:endParaRPr lang="en-US" altLang="zh-CN" sz="2000" dirty="0"/>
+          </a:p>
+          <a:p>
+            <a:endParaRPr lang="en-US" altLang="zh-CN" sz="2000" dirty="0">
+              <a:highlight>
+                <a:srgbClr val="FFFFFF"/>
+              </a:highlight>
+              <a:latin typeface="-apple-system"/>
+            </a:endParaRPr>
+          </a:p>
+          <a:p>
+            <a:endParaRPr lang="en-US" altLang="zh-CN" sz="2000" dirty="0">
+              <a:highlight>
+                <a:srgbClr val="FFFFFF"/>
+              </a:highlight>
+              <a:latin typeface="-apple-system"/>
+            </a:endParaRPr>
+          </a:p>
+          <a:p>
+            <a:pPr marL="457200" indent="-457200">
+              <a:buAutoNum type="arabicPeriod"/>
+            </a:pPr>
+            <a:endParaRPr lang="en-US" altLang="zh-CN" sz="2000" dirty="0"/>
+          </a:p>
+          <a:p>
+            <a:endParaRPr lang="en-US" altLang="zh-CN" sz="2000" dirty="0"/>
+          </a:p>
+          <a:p>
+            <a:endParaRPr lang="en-US" altLang="zh-CN" sz="2000" dirty="0"/>
+          </a:p>
+        </p:txBody>
+      </p:sp>
+      <p:sp>
+        <p:nvSpPr>
+          <p:cNvPr id="2" name="文本框 1">
+            <a:extLst>
+              <a:ext uri="{FF2B5EF4-FFF2-40B4-BE49-F238E27FC236}">
+                <a16:creationId xmlns:a16="http://schemas.microsoft.com/office/drawing/2014/main" id="{0F7D0A9B-401A-9893-DEF7-2C6FF8D47F90}"/>
+              </a:ext>
+            </a:extLst>
+          </p:cNvPr>
+          <p:cNvSpPr txBox="1"/>
+          <p:nvPr/>
+        </p:nvSpPr>
+        <p:spPr bwMode="auto">
+          <a:xfrm>
+            <a:off x="581108" y="1121890"/>
+            <a:ext cx="10675471" cy="523220"/>
+          </a:xfrm>
+          <a:prstGeom prst="rect">
+            <a:avLst/>
+          </a:prstGeom>
+          <a:noFill/>
+        </p:spPr>
+        <p:txBody>
+          <a:bodyPr wrap="square">
+            <a:spAutoFit/>
+            <a:scene3d>
+              <a:camera prst="orthographicFront"/>
+              <a:lightRig rig="threePt" dir="t"/>
+            </a:scene3d>
+            <a:sp3d contourW="12700"/>
+          </a:bodyPr>
+          <a:lstStyle/>
+          <a:p>
+            <a:pPr>
+              <a:defRPr/>
+            </a:pPr>
+            <a:r>
+              <a:rPr lang="zh-CN" altLang="en-US" sz="2800" b="1" dirty="0">
+                <a:solidFill>
+                  <a:srgbClr val="7F12B6"/>
+                </a:solidFill>
+                <a:latin typeface="时尚中黑简体" panose="01010104010101010101" pitchFamily="2" charset="-122"/>
+                <a:ea typeface="时尚中黑简体" panose="01010104010101010101" pitchFamily="2" charset="-122"/>
+              </a:rPr>
+              <a:t>实验设计</a:t>
+            </a:r>
+            <a:r>
+              <a:rPr lang="en-US" altLang="zh-CN" sz="2800" b="1" dirty="0">
+                <a:solidFill>
+                  <a:srgbClr val="7F12B6"/>
+                </a:solidFill>
+                <a:latin typeface="时尚中黑简体" panose="01010104010101010101" pitchFamily="2" charset="-122"/>
+                <a:ea typeface="时尚中黑简体" panose="01010104010101010101" pitchFamily="2" charset="-122"/>
+              </a:rPr>
+              <a:t>—</a:t>
+            </a:r>
+            <a:r>
+              <a:rPr lang="zh-CN" altLang="en-US" sz="2800" b="1" dirty="0">
+                <a:solidFill>
+                  <a:srgbClr val="7F12B6"/>
+                </a:solidFill>
+                <a:latin typeface="时尚中黑简体" panose="01010104010101010101" pitchFamily="2" charset="-122"/>
+                <a:ea typeface="时尚中黑简体" panose="01010104010101010101" pitchFamily="2" charset="-122"/>
+              </a:rPr>
+              <a:t>模式</a:t>
+            </a:r>
+            <a:r>
+              <a:rPr lang="en-US" altLang="zh-CN" sz="2800" b="1" dirty="0">
+                <a:solidFill>
+                  <a:srgbClr val="7F12B6"/>
+                </a:solidFill>
+                <a:latin typeface="时尚中黑简体" panose="01010104010101010101" pitchFamily="2" charset="-122"/>
+                <a:ea typeface="时尚中黑简体" panose="01010104010101010101" pitchFamily="2" charset="-122"/>
+              </a:rPr>
+              <a:t>1</a:t>
+            </a:r>
+          </a:p>
+        </p:txBody>
+      </p:sp>
+    </p:spTree>
+    <p:extLst>
+      <p:ext uri="{BB962C8B-B14F-4D97-AF65-F5344CB8AC3E}">
+        <p14:creationId xmlns:p14="http://schemas.microsoft.com/office/powerpoint/2010/main" val="2704314313"/>
+      </p:ext>
+    </p:extLst>
+  </p:cSld>
+  <p:clrMapOvr>
+    <a:masterClrMapping/>
+  </p:clrMapOvr>
+  <mc:AlternateContent xmlns:mc="http://schemas.openxmlformats.org/markup-compatibility/2006" xmlns:p14="http://schemas.microsoft.com/office/powerpoint/2010/main">
+    <mc:Choice Requires="p14">
+      <p:transition spd="slow" p14:dur="1500" advTm="0">
+        <p:random/>
+      </p:transition>
+    </mc:Choice>
+    <mc:Fallback xmlns="">
+      <p:transition spd="slow" advTm="0">
+        <p:random/>
+      </p:transition>
+    </mc:Fallback>
+  </mc:AlternateContent>
+</p:sld>
+</file>
+
+<file path=ppt/slides/slide4.xml><?xml version="1.0" encoding="utf-8"?>
+<p:sld xmlns:a="http://schemas.openxmlformats.org/drawingml/2006/main" xmlns:r="http://schemas.openxmlformats.org/officeDocument/2006/relationships" xmlns:p="http://schemas.openxmlformats.org/presentationml/2006/main">
+  <p:cSld>
+    <p:spTree>
+      <p:nvGrpSpPr>
+        <p:cNvPr id="1" name=""/>
+        <p:cNvGrpSpPr/>
+        <p:nvPr/>
+      </p:nvGrpSpPr>
+      <p:grpSpPr>
+        <a:xfrm>
+          <a:off x="0" y="0"/>
+          <a:ext cx="0" cy="0"/>
+          <a:chOff x="0" y="0"/>
+          <a:chExt cx="0" cy="0"/>
+        </a:xfrm>
+      </p:grpSpPr>
+      <p:grpSp>
+        <p:nvGrpSpPr>
+          <p:cNvPr id="21" name="组合 20"/>
+          <p:cNvGrpSpPr/>
+          <p:nvPr/>
+        </p:nvGrpSpPr>
+        <p:grpSpPr>
+          <a:xfrm>
+            <a:off x="5270500" y="510493"/>
+            <a:ext cx="7561033" cy="380555"/>
+            <a:chOff x="6997699" y="510493"/>
+            <a:chExt cx="5794625" cy="380555"/>
+          </a:xfrm>
+        </p:grpSpPr>
+        <p:sp>
+          <p:nvSpPr>
+            <p:cNvPr id="22" name="任意多边形: 形状 21"/>
+            <p:cNvSpPr/>
+            <p:nvPr userDrawn="1"/>
+          </p:nvSpPr>
+          <p:spPr>
+            <a:xfrm flipH="1">
+              <a:off x="6997699" y="764493"/>
+              <a:ext cx="5376633" cy="126555"/>
+            </a:xfrm>
+            <a:custGeom>
+              <a:avLst/>
+              <a:gdLst>
+                <a:gd name="connsiteX0" fmla="*/ 7367523 w 7367523"/>
+                <a:gd name="connsiteY0" fmla="*/ 0 h 173416"/>
+                <a:gd name="connsiteX1" fmla="*/ 6374783 w 7367523"/>
+                <a:gd name="connsiteY1" fmla="*/ 0 h 173416"/>
+                <a:gd name="connsiteX2" fmla="*/ 6240349 w 7367523"/>
+                <a:gd name="connsiteY2" fmla="*/ 0 h 173416"/>
+                <a:gd name="connsiteX3" fmla="*/ 5540227 w 7367523"/>
+                <a:gd name="connsiteY3" fmla="*/ 0 h 173416"/>
+                <a:gd name="connsiteX4" fmla="*/ 5247612 w 7367523"/>
+                <a:gd name="connsiteY4" fmla="*/ 0 h 173416"/>
+                <a:gd name="connsiteX5" fmla="*/ 4707193 w 7367523"/>
+                <a:gd name="connsiteY5" fmla="*/ 0 h 173416"/>
+                <a:gd name="connsiteX6" fmla="*/ 4413053 w 7367523"/>
+                <a:gd name="connsiteY6" fmla="*/ 0 h 173416"/>
+                <a:gd name="connsiteX7" fmla="*/ 3865356 w 7367523"/>
+                <a:gd name="connsiteY7" fmla="*/ 0 h 173416"/>
+                <a:gd name="connsiteX8" fmla="*/ 3580019 w 7367523"/>
+                <a:gd name="connsiteY8" fmla="*/ 0 h 173416"/>
+                <a:gd name="connsiteX9" fmla="*/ 2872616 w 7367523"/>
+                <a:gd name="connsiteY9" fmla="*/ 0 h 173416"/>
+                <a:gd name="connsiteX10" fmla="*/ 2738183 w 7367523"/>
+                <a:gd name="connsiteY10" fmla="*/ 0 h 173416"/>
+                <a:gd name="connsiteX11" fmla="*/ 2038060 w 7367523"/>
+                <a:gd name="connsiteY11" fmla="*/ 0 h 173416"/>
+                <a:gd name="connsiteX12" fmla="*/ 1745445 w 7367523"/>
+                <a:gd name="connsiteY12" fmla="*/ 0 h 173416"/>
+                <a:gd name="connsiteX13" fmla="*/ 1205026 w 7367523"/>
+                <a:gd name="connsiteY13" fmla="*/ 0 h 173416"/>
+                <a:gd name="connsiteX14" fmla="*/ 910887 w 7367523"/>
+                <a:gd name="connsiteY14" fmla="*/ 0 h 173416"/>
+                <a:gd name="connsiteX15" fmla="*/ 77853 w 7367523"/>
+                <a:gd name="connsiteY15" fmla="*/ 0 h 173416"/>
+                <a:gd name="connsiteX16" fmla="*/ 0 w 7367523"/>
+                <a:gd name="connsiteY16" fmla="*/ 173416 h 173416"/>
+                <a:gd name="connsiteX17" fmla="*/ 7289670 w 7367523"/>
+                <a:gd name="connsiteY17" fmla="*/ 173416 h 173416"/>
+              </a:gdLst>
+              <a:ahLst/>
+              <a:cxnLst>
+                <a:cxn ang="0">
+                  <a:pos x="connsiteX0" y="connsiteY0"/>
+                </a:cxn>
+                <a:cxn ang="0">
+                  <a:pos x="connsiteX1" y="connsiteY1"/>
+                </a:cxn>
+                <a:cxn ang="0">
+                  <a:pos x="connsiteX2" y="connsiteY2"/>
+                </a:cxn>
+                <a:cxn ang="0">
+                  <a:pos x="connsiteX3" y="connsiteY3"/>
+                </a:cxn>
+                <a:cxn ang="0">
+                  <a:pos x="connsiteX4" y="connsiteY4"/>
+                </a:cxn>
+                <a:cxn ang="0">
+                  <a:pos x="connsiteX5" y="connsiteY5"/>
+                </a:cxn>
+                <a:cxn ang="0">
+                  <a:pos x="connsiteX6" y="connsiteY6"/>
+                </a:cxn>
+                <a:cxn ang="0">
+                  <a:pos x="connsiteX7" y="connsiteY7"/>
+                </a:cxn>
+                <a:cxn ang="0">
+                  <a:pos x="connsiteX8" y="connsiteY8"/>
+                </a:cxn>
+                <a:cxn ang="0">
+                  <a:pos x="connsiteX9" y="connsiteY9"/>
+                </a:cxn>
+                <a:cxn ang="0">
+                  <a:pos x="connsiteX10" y="connsiteY10"/>
+                </a:cxn>
+                <a:cxn ang="0">
+                  <a:pos x="connsiteX11" y="connsiteY11"/>
+                </a:cxn>
+                <a:cxn ang="0">
+                  <a:pos x="connsiteX12" y="connsiteY12"/>
+                </a:cxn>
+                <a:cxn ang="0">
+                  <a:pos x="connsiteX13" y="connsiteY13"/>
+                </a:cxn>
+                <a:cxn ang="0">
+                  <a:pos x="connsiteX14" y="connsiteY14"/>
+                </a:cxn>
+                <a:cxn ang="0">
+                  <a:pos x="connsiteX15" y="connsiteY15"/>
+                </a:cxn>
+                <a:cxn ang="0">
+                  <a:pos x="connsiteX16" y="connsiteY16"/>
+                </a:cxn>
+                <a:cxn ang="0">
+                  <a:pos x="connsiteX17" y="connsiteY17"/>
+                </a:cxn>
+              </a:cxnLst>
+              <a:rect l="l" t="t" r="r" b="b"/>
+              <a:pathLst>
+                <a:path w="7367523" h="173416">
+                  <a:moveTo>
+                    <a:pt x="7367523" y="0"/>
+                  </a:moveTo>
+                  <a:lnTo>
+                    <a:pt x="6374783" y="0"/>
+                  </a:lnTo>
+                  <a:lnTo>
+                    <a:pt x="6240349" y="0"/>
+                  </a:lnTo>
+                  <a:lnTo>
+                    <a:pt x="5540227" y="0"/>
+                  </a:lnTo>
+                  <a:lnTo>
+                    <a:pt x="5247612" y="0"/>
+                  </a:lnTo>
+                  <a:lnTo>
+                    <a:pt x="4707193" y="0"/>
+                  </a:lnTo>
+                  <a:lnTo>
+                    <a:pt x="4413053" y="0"/>
+                  </a:lnTo>
+                  <a:lnTo>
+                    <a:pt x="3865356" y="0"/>
+                  </a:lnTo>
+                  <a:lnTo>
+                    <a:pt x="3580019" y="0"/>
+                  </a:lnTo>
+                  <a:lnTo>
+                    <a:pt x="2872616" y="0"/>
+                  </a:lnTo>
+                  <a:lnTo>
+                    <a:pt x="2738183" y="0"/>
+                  </a:lnTo>
+                  <a:lnTo>
+                    <a:pt x="2038060" y="0"/>
+                  </a:lnTo>
+                  <a:lnTo>
+                    <a:pt x="1745445" y="0"/>
+                  </a:lnTo>
+                  <a:lnTo>
+                    <a:pt x="1205026" y="0"/>
+                  </a:lnTo>
+                  <a:lnTo>
+                    <a:pt x="910887" y="0"/>
+                  </a:lnTo>
+                  <a:lnTo>
+                    <a:pt x="77853" y="0"/>
+                  </a:lnTo>
+                  <a:lnTo>
+                    <a:pt x="0" y="173416"/>
+                  </a:lnTo>
+                  <a:lnTo>
+                    <a:pt x="7289670" y="173416"/>
+                  </a:lnTo>
+                  <a:close/>
+                </a:path>
+              </a:pathLst>
+            </a:custGeom>
+            <a:gradFill flip="none" rotWithShape="0">
+              <a:gsLst>
+                <a:gs pos="0">
+                  <a:srgbClr val="228AF2"/>
+                </a:gs>
+                <a:gs pos="94000">
+                  <a:srgbClr val="7F12B6"/>
+                </a:gs>
+              </a:gsLst>
+              <a:lin ang="2700000" scaled="1"/>
+              <a:tileRect/>
+            </a:gradFill>
+            <a:ln>
+              <a:noFill/>
+            </a:ln>
+          </p:spPr>
+          <p:style>
+            <a:lnRef idx="2">
+              <a:schemeClr val="accent1">
+                <a:shade val="50000"/>
+              </a:schemeClr>
+            </a:lnRef>
+            <a:fillRef idx="1">
+              <a:schemeClr val="accent1"/>
+            </a:fillRef>
+            <a:effectRef idx="0">
+              <a:schemeClr val="accent1"/>
+            </a:effectRef>
+            <a:fontRef idx="minor">
+              <a:schemeClr val="lt1"/>
+            </a:fontRef>
+          </p:style>
+          <p:txBody>
+            <a:bodyPr rot="0" spcFirstLastPara="0" vertOverflow="overflow" horzOverflow="overflow" vert="horz" wrap="square" lIns="91440" tIns="45720" rIns="91440" bIns="45720" numCol="1" spcCol="0" rtlCol="0" fromWordArt="0" anchor="ctr" anchorCtr="0" forceAA="0" compatLnSpc="1">
+              <a:noAutofit/>
+            </a:bodyPr>
+            <a:lstStyle/>
+            <a:p>
+              <a:pPr algn="ctr"/>
+              <a:endParaRPr lang="zh-CN" altLang="en-US"/>
+            </a:p>
+          </p:txBody>
+        </p:sp>
+        <p:sp>
+          <p:nvSpPr>
+            <p:cNvPr id="23" name="任意多边形: 形状 22"/>
+            <p:cNvSpPr/>
+            <p:nvPr userDrawn="1"/>
+          </p:nvSpPr>
+          <p:spPr>
+            <a:xfrm flipH="1">
+              <a:off x="7415691" y="510493"/>
+              <a:ext cx="5376633" cy="126555"/>
+            </a:xfrm>
+            <a:custGeom>
+              <a:avLst/>
+              <a:gdLst>
+                <a:gd name="connsiteX0" fmla="*/ 7367523 w 7367523"/>
+                <a:gd name="connsiteY0" fmla="*/ 0 h 173416"/>
+                <a:gd name="connsiteX1" fmla="*/ 6374783 w 7367523"/>
+                <a:gd name="connsiteY1" fmla="*/ 0 h 173416"/>
+                <a:gd name="connsiteX2" fmla="*/ 6240349 w 7367523"/>
+                <a:gd name="connsiteY2" fmla="*/ 0 h 173416"/>
+                <a:gd name="connsiteX3" fmla="*/ 5540227 w 7367523"/>
+                <a:gd name="connsiteY3" fmla="*/ 0 h 173416"/>
+                <a:gd name="connsiteX4" fmla="*/ 5247612 w 7367523"/>
+                <a:gd name="connsiteY4" fmla="*/ 0 h 173416"/>
+                <a:gd name="connsiteX5" fmla="*/ 4707193 w 7367523"/>
+                <a:gd name="connsiteY5" fmla="*/ 0 h 173416"/>
+                <a:gd name="connsiteX6" fmla="*/ 4413053 w 7367523"/>
+                <a:gd name="connsiteY6" fmla="*/ 0 h 173416"/>
+                <a:gd name="connsiteX7" fmla="*/ 3865356 w 7367523"/>
+                <a:gd name="connsiteY7" fmla="*/ 0 h 173416"/>
+                <a:gd name="connsiteX8" fmla="*/ 3580019 w 7367523"/>
+                <a:gd name="connsiteY8" fmla="*/ 0 h 173416"/>
+                <a:gd name="connsiteX9" fmla="*/ 2872616 w 7367523"/>
+                <a:gd name="connsiteY9" fmla="*/ 0 h 173416"/>
+                <a:gd name="connsiteX10" fmla="*/ 2738183 w 7367523"/>
+                <a:gd name="connsiteY10" fmla="*/ 0 h 173416"/>
+                <a:gd name="connsiteX11" fmla="*/ 2038060 w 7367523"/>
+                <a:gd name="connsiteY11" fmla="*/ 0 h 173416"/>
+                <a:gd name="connsiteX12" fmla="*/ 1745445 w 7367523"/>
+                <a:gd name="connsiteY12" fmla="*/ 0 h 173416"/>
+                <a:gd name="connsiteX13" fmla="*/ 1205026 w 7367523"/>
+                <a:gd name="connsiteY13" fmla="*/ 0 h 173416"/>
+                <a:gd name="connsiteX14" fmla="*/ 910887 w 7367523"/>
+                <a:gd name="connsiteY14" fmla="*/ 0 h 173416"/>
+                <a:gd name="connsiteX15" fmla="*/ 77853 w 7367523"/>
+                <a:gd name="connsiteY15" fmla="*/ 0 h 173416"/>
+                <a:gd name="connsiteX16" fmla="*/ 0 w 7367523"/>
+                <a:gd name="connsiteY16" fmla="*/ 173416 h 173416"/>
+                <a:gd name="connsiteX17" fmla="*/ 7289670 w 7367523"/>
+                <a:gd name="connsiteY17" fmla="*/ 173416 h 173416"/>
+              </a:gdLst>
+              <a:ahLst/>
+              <a:cxnLst>
+                <a:cxn ang="0">
+                  <a:pos x="connsiteX0" y="connsiteY0"/>
+                </a:cxn>
+                <a:cxn ang="0">
+                  <a:pos x="connsiteX1" y="connsiteY1"/>
+                </a:cxn>
+                <a:cxn ang="0">
+                  <a:pos x="connsiteX2" y="connsiteY2"/>
+                </a:cxn>
+                <a:cxn ang="0">
+                  <a:pos x="connsiteX3" y="connsiteY3"/>
+                </a:cxn>
+                <a:cxn ang="0">
+                  <a:pos x="connsiteX4" y="connsiteY4"/>
+                </a:cxn>
+                <a:cxn ang="0">
+                  <a:pos x="connsiteX5" y="connsiteY5"/>
+                </a:cxn>
+                <a:cxn ang="0">
+                  <a:pos x="connsiteX6" y="connsiteY6"/>
+                </a:cxn>
+                <a:cxn ang="0">
+                  <a:pos x="connsiteX7" y="connsiteY7"/>
+                </a:cxn>
+                <a:cxn ang="0">
+                  <a:pos x="connsiteX8" y="connsiteY8"/>
+                </a:cxn>
+                <a:cxn ang="0">
+                  <a:pos x="connsiteX9" y="connsiteY9"/>
+                </a:cxn>
+                <a:cxn ang="0">
+                  <a:pos x="connsiteX10" y="connsiteY10"/>
+                </a:cxn>
+                <a:cxn ang="0">
+                  <a:pos x="connsiteX11" y="connsiteY11"/>
+                </a:cxn>
+                <a:cxn ang="0">
+                  <a:pos x="connsiteX12" y="connsiteY12"/>
+                </a:cxn>
+                <a:cxn ang="0">
+                  <a:pos x="connsiteX13" y="connsiteY13"/>
+                </a:cxn>
+                <a:cxn ang="0">
+                  <a:pos x="connsiteX14" y="connsiteY14"/>
+                </a:cxn>
+                <a:cxn ang="0">
+                  <a:pos x="connsiteX15" y="connsiteY15"/>
+                </a:cxn>
+                <a:cxn ang="0">
+                  <a:pos x="connsiteX16" y="connsiteY16"/>
+                </a:cxn>
+                <a:cxn ang="0">
+                  <a:pos x="connsiteX17" y="connsiteY17"/>
+                </a:cxn>
+              </a:cxnLst>
+              <a:rect l="l" t="t" r="r" b="b"/>
+              <a:pathLst>
+                <a:path w="7367523" h="173416">
+                  <a:moveTo>
+                    <a:pt x="7367523" y="0"/>
+                  </a:moveTo>
+                  <a:lnTo>
+                    <a:pt x="6374783" y="0"/>
+                  </a:lnTo>
+                  <a:lnTo>
+                    <a:pt x="6240349" y="0"/>
+                  </a:lnTo>
+                  <a:lnTo>
+                    <a:pt x="5540227" y="0"/>
+                  </a:lnTo>
+                  <a:lnTo>
+                    <a:pt x="5247612" y="0"/>
+                  </a:lnTo>
+                  <a:lnTo>
+                    <a:pt x="4707193" y="0"/>
+                  </a:lnTo>
+                  <a:lnTo>
+                    <a:pt x="4413053" y="0"/>
+                  </a:lnTo>
+                  <a:lnTo>
+                    <a:pt x="3865356" y="0"/>
+                  </a:lnTo>
+                  <a:lnTo>
+                    <a:pt x="3580019" y="0"/>
+                  </a:lnTo>
+                  <a:lnTo>
+                    <a:pt x="2872616" y="0"/>
+                  </a:lnTo>
+                  <a:lnTo>
+                    <a:pt x="2738183" y="0"/>
+                  </a:lnTo>
+                  <a:lnTo>
+                    <a:pt x="2038060" y="0"/>
+                  </a:lnTo>
+                  <a:lnTo>
+                    <a:pt x="1745445" y="0"/>
+                  </a:lnTo>
+                  <a:lnTo>
+                    <a:pt x="1205026" y="0"/>
+                  </a:lnTo>
+                  <a:lnTo>
+                    <a:pt x="910887" y="0"/>
+                  </a:lnTo>
+                  <a:lnTo>
+                    <a:pt x="77853" y="0"/>
+                  </a:lnTo>
+                  <a:lnTo>
+                    <a:pt x="0" y="173416"/>
+                  </a:lnTo>
+                  <a:lnTo>
+                    <a:pt x="7289670" y="173416"/>
+                  </a:lnTo>
+                  <a:close/>
+                </a:path>
+              </a:pathLst>
+            </a:custGeom>
+            <a:solidFill>
+              <a:schemeClr val="bg2"/>
+            </a:solidFill>
+            <a:ln>
+              <a:noFill/>
+            </a:ln>
+          </p:spPr>
+          <p:style>
+            <a:lnRef idx="2">
+              <a:schemeClr val="accent1">
+                <a:shade val="50000"/>
+              </a:schemeClr>
+            </a:lnRef>
+            <a:fillRef idx="1">
+              <a:schemeClr val="accent1"/>
+            </a:fillRef>
+            <a:effectRef idx="0">
+              <a:schemeClr val="accent1"/>
+            </a:effectRef>
+            <a:fontRef idx="minor">
+              <a:schemeClr val="lt1"/>
+            </a:fontRef>
+          </p:style>
+          <p:txBody>
+            <a:bodyPr rot="0" spcFirstLastPara="0" vertOverflow="overflow" horzOverflow="overflow" vert="horz" wrap="square" lIns="91440" tIns="45720" rIns="91440" bIns="45720" numCol="1" spcCol="0" rtlCol="0" fromWordArt="0" anchor="ctr" anchorCtr="0" forceAA="0" compatLnSpc="1">
+              <a:noAutofit/>
+            </a:bodyPr>
+            <a:lstStyle/>
+            <a:p>
+              <a:pPr algn="ctr"/>
+              <a:endParaRPr lang="zh-CN" altLang="en-US"/>
+            </a:p>
+          </p:txBody>
+        </p:sp>
+      </p:grpSp>
+      <p:sp>
+        <p:nvSpPr>
+          <p:cNvPr id="24" name="任意多边形: 形状 23"/>
+          <p:cNvSpPr/>
+          <p:nvPr/>
+        </p:nvSpPr>
+        <p:spPr>
+          <a:xfrm flipH="1">
+            <a:off x="129621" y="0"/>
+            <a:ext cx="586522" cy="1047087"/>
+          </a:xfrm>
+          <a:custGeom>
+            <a:avLst/>
+            <a:gdLst>
+              <a:gd name="connsiteX0" fmla="*/ 586522 w 586522"/>
+              <a:gd name="connsiteY0" fmla="*/ 0 h 1047087"/>
+              <a:gd name="connsiteX1" fmla="*/ 470079 w 586522"/>
+              <a:gd name="connsiteY1" fmla="*/ 0 h 1047087"/>
+              <a:gd name="connsiteX2" fmla="*/ 0 w 586522"/>
+              <a:gd name="connsiteY2" fmla="*/ 1047087 h 1047087"/>
+              <a:gd name="connsiteX3" fmla="*/ 116443 w 586522"/>
+              <a:gd name="connsiteY3" fmla="*/ 1047087 h 1047087"/>
+            </a:gdLst>
+            <a:ahLst/>
+            <a:cxnLst>
+              <a:cxn ang="0">
+                <a:pos x="connsiteX0" y="connsiteY0"/>
+              </a:cxn>
+              <a:cxn ang="0">
+                <a:pos x="connsiteX1" y="connsiteY1"/>
+              </a:cxn>
+              <a:cxn ang="0">
+                <a:pos x="connsiteX2" y="connsiteY2"/>
+              </a:cxn>
+              <a:cxn ang="0">
+                <a:pos x="connsiteX3" y="connsiteY3"/>
+              </a:cxn>
+            </a:cxnLst>
+            <a:rect l="l" t="t" r="r" b="b"/>
+            <a:pathLst>
+              <a:path w="586522" h="1047087">
+                <a:moveTo>
+                  <a:pt x="586522" y="0"/>
+                </a:moveTo>
+                <a:lnTo>
+                  <a:pt x="470079" y="0"/>
+                </a:lnTo>
+                <a:lnTo>
+                  <a:pt x="0" y="1047087"/>
+                </a:lnTo>
+                <a:lnTo>
+                  <a:pt x="116443" y="1047087"/>
+                </a:lnTo>
+                <a:close/>
+              </a:path>
+            </a:pathLst>
+          </a:custGeom>
+          <a:gradFill flip="none" rotWithShape="0">
+            <a:gsLst>
+              <a:gs pos="0">
+                <a:srgbClr val="53A5F5">
+                  <a:lumMod val="73000"/>
+                  <a:lumOff val="27000"/>
+                </a:srgbClr>
+              </a:gs>
+              <a:gs pos="94000">
+                <a:srgbClr val="9214CF">
+                  <a:lumMod val="73000"/>
+                  <a:lumOff val="27000"/>
+                </a:srgbClr>
+              </a:gs>
+            </a:gsLst>
+            <a:lin ang="2700000" scaled="1"/>
+            <a:tileRect/>
+          </a:gradFill>
+          <a:ln>
+            <a:noFill/>
+          </a:ln>
+        </p:spPr>
+        <p:style>
+          <a:lnRef idx="2">
+            <a:schemeClr val="accent1">
+              <a:shade val="50000"/>
+            </a:schemeClr>
+          </a:lnRef>
+          <a:fillRef idx="1">
+            <a:schemeClr val="accent1"/>
+          </a:fillRef>
+          <a:effectRef idx="0">
+            <a:schemeClr val="accent1"/>
+          </a:effectRef>
+          <a:fontRef idx="minor">
+            <a:schemeClr val="lt1"/>
+          </a:fontRef>
+        </p:style>
+        <p:txBody>
+          <a:bodyPr rot="0" spcFirstLastPara="0" vertOverflow="overflow" horzOverflow="overflow" vert="horz" wrap="square" lIns="91440" tIns="45720" rIns="91440" bIns="45720" numCol="1" spcCol="0" rtlCol="0" fromWordArt="0" anchor="ctr" anchorCtr="0" forceAA="0" compatLnSpc="1">
+            <a:noAutofit/>
+          </a:bodyPr>
+          <a:lstStyle/>
+          <a:p>
+            <a:pPr algn="ctr"/>
+            <a:endParaRPr lang="zh-CN" altLang="en-US"/>
+          </a:p>
+        </p:txBody>
+      </p:sp>
+      <p:sp>
+        <p:nvSpPr>
+          <p:cNvPr id="25" name="任意多边形: 形状 24"/>
+          <p:cNvSpPr/>
+          <p:nvPr/>
+        </p:nvSpPr>
+        <p:spPr>
+          <a:xfrm flipH="1">
+            <a:off x="581108" y="202981"/>
+            <a:ext cx="344503" cy="615023"/>
+          </a:xfrm>
+          <a:custGeom>
+            <a:avLst/>
+            <a:gdLst>
+              <a:gd name="connsiteX0" fmla="*/ 586522 w 586522"/>
+              <a:gd name="connsiteY0" fmla="*/ 0 h 1047087"/>
+              <a:gd name="connsiteX1" fmla="*/ 470079 w 586522"/>
+              <a:gd name="connsiteY1" fmla="*/ 0 h 1047087"/>
+              <a:gd name="connsiteX2" fmla="*/ 0 w 586522"/>
+              <a:gd name="connsiteY2" fmla="*/ 1047087 h 1047087"/>
+              <a:gd name="connsiteX3" fmla="*/ 116443 w 586522"/>
+              <a:gd name="connsiteY3" fmla="*/ 1047087 h 1047087"/>
+            </a:gdLst>
+            <a:ahLst/>
+            <a:cxnLst>
+              <a:cxn ang="0">
+                <a:pos x="connsiteX0" y="connsiteY0"/>
+              </a:cxn>
+              <a:cxn ang="0">
+                <a:pos x="connsiteX1" y="connsiteY1"/>
+              </a:cxn>
+              <a:cxn ang="0">
+                <a:pos x="connsiteX2" y="connsiteY2"/>
+              </a:cxn>
+              <a:cxn ang="0">
+                <a:pos x="connsiteX3" y="connsiteY3"/>
+              </a:cxn>
+            </a:cxnLst>
+            <a:rect l="l" t="t" r="r" b="b"/>
+            <a:pathLst>
+              <a:path w="586522" h="1047087">
+                <a:moveTo>
+                  <a:pt x="586522" y="0"/>
+                </a:moveTo>
+                <a:lnTo>
+                  <a:pt x="470079" y="0"/>
+                </a:lnTo>
+                <a:lnTo>
+                  <a:pt x="0" y="1047087"/>
+                </a:lnTo>
+                <a:lnTo>
+                  <a:pt x="116443" y="1047087"/>
+                </a:lnTo>
+                <a:close/>
+              </a:path>
+            </a:pathLst>
+          </a:custGeom>
+          <a:solidFill>
+            <a:schemeClr val="bg1">
+              <a:lumMod val="95000"/>
+            </a:schemeClr>
+          </a:solidFill>
+          <a:ln>
+            <a:noFill/>
+          </a:ln>
+        </p:spPr>
+        <p:style>
+          <a:lnRef idx="2">
+            <a:schemeClr val="accent1">
+              <a:shade val="50000"/>
+            </a:schemeClr>
+          </a:lnRef>
+          <a:fillRef idx="1">
+            <a:schemeClr val="accent1"/>
+          </a:fillRef>
+          <a:effectRef idx="0">
+            <a:schemeClr val="accent1"/>
+          </a:effectRef>
+          <a:fontRef idx="minor">
+            <a:schemeClr val="lt1"/>
+          </a:fontRef>
+        </p:style>
+        <p:txBody>
+          <a:bodyPr rot="0" spcFirstLastPara="0" vertOverflow="overflow" horzOverflow="overflow" vert="horz" wrap="square" lIns="91440" tIns="45720" rIns="91440" bIns="45720" numCol="1" spcCol="0" rtlCol="0" fromWordArt="0" anchor="ctr" anchorCtr="0" forceAA="0" compatLnSpc="1">
+            <a:noAutofit/>
+          </a:bodyPr>
+          <a:lstStyle/>
+          <a:p>
+            <a:pPr algn="ctr"/>
+            <a:endParaRPr lang="zh-CN" altLang="en-US"/>
+          </a:p>
+        </p:txBody>
+      </p:sp>
+      <p:sp>
+        <p:nvSpPr>
           <p:cNvPr id="6" name="文本框 5">
             <a:extLst>
               <a:ext uri="{FF2B5EF4-FFF2-40B4-BE49-F238E27FC236}">
@@ -32034,6 +36032,4015 @@
     <p:extLst>
       <p:ext uri="{BB962C8B-B14F-4D97-AF65-F5344CB8AC3E}">
         <p14:creationId xmlns:p14="http://schemas.microsoft.com/office/powerpoint/2010/main" val="312100148"/>
+      </p:ext>
+    </p:extLst>
+  </p:cSld>
+  <p:clrMapOvr>
+    <a:masterClrMapping/>
+  </p:clrMapOvr>
+  <mc:AlternateContent xmlns:mc="http://schemas.openxmlformats.org/markup-compatibility/2006" xmlns:p14="http://schemas.microsoft.com/office/powerpoint/2010/main">
+    <mc:Choice Requires="p14">
+      <p:transition spd="slow" p14:dur="1500" advTm="0">
+        <p:random/>
+      </p:transition>
+    </mc:Choice>
+    <mc:Fallback xmlns="">
+      <p:transition spd="slow" advTm="0">
+        <p:random/>
+      </p:transition>
+    </mc:Fallback>
+  </mc:AlternateContent>
+</p:sld>
+</file>
+
+<file path=ppt/slides/slide40.xml><?xml version="1.0" encoding="utf-8"?>
+<p:sld xmlns:a="http://schemas.openxmlformats.org/drawingml/2006/main" xmlns:r="http://schemas.openxmlformats.org/officeDocument/2006/relationships" xmlns:p="http://schemas.openxmlformats.org/presentationml/2006/main">
+  <p:cSld>
+    <p:spTree>
+      <p:nvGrpSpPr>
+        <p:cNvPr id="1" name=""/>
+        <p:cNvGrpSpPr/>
+        <p:nvPr/>
+      </p:nvGrpSpPr>
+      <p:grpSpPr>
+        <a:xfrm>
+          <a:off x="0" y="0"/>
+          <a:ext cx="0" cy="0"/>
+          <a:chOff x="0" y="0"/>
+          <a:chExt cx="0" cy="0"/>
+        </a:xfrm>
+      </p:grpSpPr>
+      <p:grpSp>
+        <p:nvGrpSpPr>
+          <p:cNvPr id="21" name="组合 20"/>
+          <p:cNvGrpSpPr/>
+          <p:nvPr/>
+        </p:nvGrpSpPr>
+        <p:grpSpPr>
+          <a:xfrm>
+            <a:off x="5270500" y="510493"/>
+            <a:ext cx="7561033" cy="380555"/>
+            <a:chOff x="6997699" y="510493"/>
+            <a:chExt cx="5794625" cy="380555"/>
+          </a:xfrm>
+        </p:grpSpPr>
+        <p:sp>
+          <p:nvSpPr>
+            <p:cNvPr id="22" name="任意多边形: 形状 21"/>
+            <p:cNvSpPr/>
+            <p:nvPr userDrawn="1"/>
+          </p:nvSpPr>
+          <p:spPr>
+            <a:xfrm flipH="1">
+              <a:off x="6997699" y="764493"/>
+              <a:ext cx="5376633" cy="126555"/>
+            </a:xfrm>
+            <a:custGeom>
+              <a:avLst/>
+              <a:gdLst>
+                <a:gd name="connsiteX0" fmla="*/ 7367523 w 7367523"/>
+                <a:gd name="connsiteY0" fmla="*/ 0 h 173416"/>
+                <a:gd name="connsiteX1" fmla="*/ 6374783 w 7367523"/>
+                <a:gd name="connsiteY1" fmla="*/ 0 h 173416"/>
+                <a:gd name="connsiteX2" fmla="*/ 6240349 w 7367523"/>
+                <a:gd name="connsiteY2" fmla="*/ 0 h 173416"/>
+                <a:gd name="connsiteX3" fmla="*/ 5540227 w 7367523"/>
+                <a:gd name="connsiteY3" fmla="*/ 0 h 173416"/>
+                <a:gd name="connsiteX4" fmla="*/ 5247612 w 7367523"/>
+                <a:gd name="connsiteY4" fmla="*/ 0 h 173416"/>
+                <a:gd name="connsiteX5" fmla="*/ 4707193 w 7367523"/>
+                <a:gd name="connsiteY5" fmla="*/ 0 h 173416"/>
+                <a:gd name="connsiteX6" fmla="*/ 4413053 w 7367523"/>
+                <a:gd name="connsiteY6" fmla="*/ 0 h 173416"/>
+                <a:gd name="connsiteX7" fmla="*/ 3865356 w 7367523"/>
+                <a:gd name="connsiteY7" fmla="*/ 0 h 173416"/>
+                <a:gd name="connsiteX8" fmla="*/ 3580019 w 7367523"/>
+                <a:gd name="connsiteY8" fmla="*/ 0 h 173416"/>
+                <a:gd name="connsiteX9" fmla="*/ 2872616 w 7367523"/>
+                <a:gd name="connsiteY9" fmla="*/ 0 h 173416"/>
+                <a:gd name="connsiteX10" fmla="*/ 2738183 w 7367523"/>
+                <a:gd name="connsiteY10" fmla="*/ 0 h 173416"/>
+                <a:gd name="connsiteX11" fmla="*/ 2038060 w 7367523"/>
+                <a:gd name="connsiteY11" fmla="*/ 0 h 173416"/>
+                <a:gd name="connsiteX12" fmla="*/ 1745445 w 7367523"/>
+                <a:gd name="connsiteY12" fmla="*/ 0 h 173416"/>
+                <a:gd name="connsiteX13" fmla="*/ 1205026 w 7367523"/>
+                <a:gd name="connsiteY13" fmla="*/ 0 h 173416"/>
+                <a:gd name="connsiteX14" fmla="*/ 910887 w 7367523"/>
+                <a:gd name="connsiteY14" fmla="*/ 0 h 173416"/>
+                <a:gd name="connsiteX15" fmla="*/ 77853 w 7367523"/>
+                <a:gd name="connsiteY15" fmla="*/ 0 h 173416"/>
+                <a:gd name="connsiteX16" fmla="*/ 0 w 7367523"/>
+                <a:gd name="connsiteY16" fmla="*/ 173416 h 173416"/>
+                <a:gd name="connsiteX17" fmla="*/ 7289670 w 7367523"/>
+                <a:gd name="connsiteY17" fmla="*/ 173416 h 173416"/>
+              </a:gdLst>
+              <a:ahLst/>
+              <a:cxnLst>
+                <a:cxn ang="0">
+                  <a:pos x="connsiteX0" y="connsiteY0"/>
+                </a:cxn>
+                <a:cxn ang="0">
+                  <a:pos x="connsiteX1" y="connsiteY1"/>
+                </a:cxn>
+                <a:cxn ang="0">
+                  <a:pos x="connsiteX2" y="connsiteY2"/>
+                </a:cxn>
+                <a:cxn ang="0">
+                  <a:pos x="connsiteX3" y="connsiteY3"/>
+                </a:cxn>
+                <a:cxn ang="0">
+                  <a:pos x="connsiteX4" y="connsiteY4"/>
+                </a:cxn>
+                <a:cxn ang="0">
+                  <a:pos x="connsiteX5" y="connsiteY5"/>
+                </a:cxn>
+                <a:cxn ang="0">
+                  <a:pos x="connsiteX6" y="connsiteY6"/>
+                </a:cxn>
+                <a:cxn ang="0">
+                  <a:pos x="connsiteX7" y="connsiteY7"/>
+                </a:cxn>
+                <a:cxn ang="0">
+                  <a:pos x="connsiteX8" y="connsiteY8"/>
+                </a:cxn>
+                <a:cxn ang="0">
+                  <a:pos x="connsiteX9" y="connsiteY9"/>
+                </a:cxn>
+                <a:cxn ang="0">
+                  <a:pos x="connsiteX10" y="connsiteY10"/>
+                </a:cxn>
+                <a:cxn ang="0">
+                  <a:pos x="connsiteX11" y="connsiteY11"/>
+                </a:cxn>
+                <a:cxn ang="0">
+                  <a:pos x="connsiteX12" y="connsiteY12"/>
+                </a:cxn>
+                <a:cxn ang="0">
+                  <a:pos x="connsiteX13" y="connsiteY13"/>
+                </a:cxn>
+                <a:cxn ang="0">
+                  <a:pos x="connsiteX14" y="connsiteY14"/>
+                </a:cxn>
+                <a:cxn ang="0">
+                  <a:pos x="connsiteX15" y="connsiteY15"/>
+                </a:cxn>
+                <a:cxn ang="0">
+                  <a:pos x="connsiteX16" y="connsiteY16"/>
+                </a:cxn>
+                <a:cxn ang="0">
+                  <a:pos x="connsiteX17" y="connsiteY17"/>
+                </a:cxn>
+              </a:cxnLst>
+              <a:rect l="l" t="t" r="r" b="b"/>
+              <a:pathLst>
+                <a:path w="7367523" h="173416">
+                  <a:moveTo>
+                    <a:pt x="7367523" y="0"/>
+                  </a:moveTo>
+                  <a:lnTo>
+                    <a:pt x="6374783" y="0"/>
+                  </a:lnTo>
+                  <a:lnTo>
+                    <a:pt x="6240349" y="0"/>
+                  </a:lnTo>
+                  <a:lnTo>
+                    <a:pt x="5540227" y="0"/>
+                  </a:lnTo>
+                  <a:lnTo>
+                    <a:pt x="5247612" y="0"/>
+                  </a:lnTo>
+                  <a:lnTo>
+                    <a:pt x="4707193" y="0"/>
+                  </a:lnTo>
+                  <a:lnTo>
+                    <a:pt x="4413053" y="0"/>
+                  </a:lnTo>
+                  <a:lnTo>
+                    <a:pt x="3865356" y="0"/>
+                  </a:lnTo>
+                  <a:lnTo>
+                    <a:pt x="3580019" y="0"/>
+                  </a:lnTo>
+                  <a:lnTo>
+                    <a:pt x="2872616" y="0"/>
+                  </a:lnTo>
+                  <a:lnTo>
+                    <a:pt x="2738183" y="0"/>
+                  </a:lnTo>
+                  <a:lnTo>
+                    <a:pt x="2038060" y="0"/>
+                  </a:lnTo>
+                  <a:lnTo>
+                    <a:pt x="1745445" y="0"/>
+                  </a:lnTo>
+                  <a:lnTo>
+                    <a:pt x="1205026" y="0"/>
+                  </a:lnTo>
+                  <a:lnTo>
+                    <a:pt x="910887" y="0"/>
+                  </a:lnTo>
+                  <a:lnTo>
+                    <a:pt x="77853" y="0"/>
+                  </a:lnTo>
+                  <a:lnTo>
+                    <a:pt x="0" y="173416"/>
+                  </a:lnTo>
+                  <a:lnTo>
+                    <a:pt x="7289670" y="173416"/>
+                  </a:lnTo>
+                  <a:close/>
+                </a:path>
+              </a:pathLst>
+            </a:custGeom>
+            <a:gradFill flip="none" rotWithShape="0">
+              <a:gsLst>
+                <a:gs pos="0">
+                  <a:srgbClr val="228AF2"/>
+                </a:gs>
+                <a:gs pos="94000">
+                  <a:srgbClr val="7F12B6"/>
+                </a:gs>
+              </a:gsLst>
+              <a:lin ang="2700000" scaled="1"/>
+              <a:tileRect/>
+            </a:gradFill>
+            <a:ln>
+              <a:noFill/>
+            </a:ln>
+          </p:spPr>
+          <p:style>
+            <a:lnRef idx="2">
+              <a:schemeClr val="accent1">
+                <a:shade val="50000"/>
+              </a:schemeClr>
+            </a:lnRef>
+            <a:fillRef idx="1">
+              <a:schemeClr val="accent1"/>
+            </a:fillRef>
+            <a:effectRef idx="0">
+              <a:schemeClr val="accent1"/>
+            </a:effectRef>
+            <a:fontRef idx="minor">
+              <a:schemeClr val="lt1"/>
+            </a:fontRef>
+          </p:style>
+          <p:txBody>
+            <a:bodyPr rot="0" spcFirstLastPara="0" vertOverflow="overflow" horzOverflow="overflow" vert="horz" wrap="square" lIns="91440" tIns="45720" rIns="91440" bIns="45720" numCol="1" spcCol="0" rtlCol="0" fromWordArt="0" anchor="ctr" anchorCtr="0" forceAA="0" compatLnSpc="1">
+              <a:noAutofit/>
+            </a:bodyPr>
+            <a:lstStyle/>
+            <a:p>
+              <a:pPr algn="ctr"/>
+              <a:endParaRPr lang="zh-CN" altLang="en-US"/>
+            </a:p>
+          </p:txBody>
+        </p:sp>
+        <p:sp>
+          <p:nvSpPr>
+            <p:cNvPr id="23" name="任意多边形: 形状 22"/>
+            <p:cNvSpPr/>
+            <p:nvPr userDrawn="1"/>
+          </p:nvSpPr>
+          <p:spPr>
+            <a:xfrm flipH="1">
+              <a:off x="7415691" y="510493"/>
+              <a:ext cx="5376633" cy="126555"/>
+            </a:xfrm>
+            <a:custGeom>
+              <a:avLst/>
+              <a:gdLst>
+                <a:gd name="connsiteX0" fmla="*/ 7367523 w 7367523"/>
+                <a:gd name="connsiteY0" fmla="*/ 0 h 173416"/>
+                <a:gd name="connsiteX1" fmla="*/ 6374783 w 7367523"/>
+                <a:gd name="connsiteY1" fmla="*/ 0 h 173416"/>
+                <a:gd name="connsiteX2" fmla="*/ 6240349 w 7367523"/>
+                <a:gd name="connsiteY2" fmla="*/ 0 h 173416"/>
+                <a:gd name="connsiteX3" fmla="*/ 5540227 w 7367523"/>
+                <a:gd name="connsiteY3" fmla="*/ 0 h 173416"/>
+                <a:gd name="connsiteX4" fmla="*/ 5247612 w 7367523"/>
+                <a:gd name="connsiteY4" fmla="*/ 0 h 173416"/>
+                <a:gd name="connsiteX5" fmla="*/ 4707193 w 7367523"/>
+                <a:gd name="connsiteY5" fmla="*/ 0 h 173416"/>
+                <a:gd name="connsiteX6" fmla="*/ 4413053 w 7367523"/>
+                <a:gd name="connsiteY6" fmla="*/ 0 h 173416"/>
+                <a:gd name="connsiteX7" fmla="*/ 3865356 w 7367523"/>
+                <a:gd name="connsiteY7" fmla="*/ 0 h 173416"/>
+                <a:gd name="connsiteX8" fmla="*/ 3580019 w 7367523"/>
+                <a:gd name="connsiteY8" fmla="*/ 0 h 173416"/>
+                <a:gd name="connsiteX9" fmla="*/ 2872616 w 7367523"/>
+                <a:gd name="connsiteY9" fmla="*/ 0 h 173416"/>
+                <a:gd name="connsiteX10" fmla="*/ 2738183 w 7367523"/>
+                <a:gd name="connsiteY10" fmla="*/ 0 h 173416"/>
+                <a:gd name="connsiteX11" fmla="*/ 2038060 w 7367523"/>
+                <a:gd name="connsiteY11" fmla="*/ 0 h 173416"/>
+                <a:gd name="connsiteX12" fmla="*/ 1745445 w 7367523"/>
+                <a:gd name="connsiteY12" fmla="*/ 0 h 173416"/>
+                <a:gd name="connsiteX13" fmla="*/ 1205026 w 7367523"/>
+                <a:gd name="connsiteY13" fmla="*/ 0 h 173416"/>
+                <a:gd name="connsiteX14" fmla="*/ 910887 w 7367523"/>
+                <a:gd name="connsiteY14" fmla="*/ 0 h 173416"/>
+                <a:gd name="connsiteX15" fmla="*/ 77853 w 7367523"/>
+                <a:gd name="connsiteY15" fmla="*/ 0 h 173416"/>
+                <a:gd name="connsiteX16" fmla="*/ 0 w 7367523"/>
+                <a:gd name="connsiteY16" fmla="*/ 173416 h 173416"/>
+                <a:gd name="connsiteX17" fmla="*/ 7289670 w 7367523"/>
+                <a:gd name="connsiteY17" fmla="*/ 173416 h 173416"/>
+              </a:gdLst>
+              <a:ahLst/>
+              <a:cxnLst>
+                <a:cxn ang="0">
+                  <a:pos x="connsiteX0" y="connsiteY0"/>
+                </a:cxn>
+                <a:cxn ang="0">
+                  <a:pos x="connsiteX1" y="connsiteY1"/>
+                </a:cxn>
+                <a:cxn ang="0">
+                  <a:pos x="connsiteX2" y="connsiteY2"/>
+                </a:cxn>
+                <a:cxn ang="0">
+                  <a:pos x="connsiteX3" y="connsiteY3"/>
+                </a:cxn>
+                <a:cxn ang="0">
+                  <a:pos x="connsiteX4" y="connsiteY4"/>
+                </a:cxn>
+                <a:cxn ang="0">
+                  <a:pos x="connsiteX5" y="connsiteY5"/>
+                </a:cxn>
+                <a:cxn ang="0">
+                  <a:pos x="connsiteX6" y="connsiteY6"/>
+                </a:cxn>
+                <a:cxn ang="0">
+                  <a:pos x="connsiteX7" y="connsiteY7"/>
+                </a:cxn>
+                <a:cxn ang="0">
+                  <a:pos x="connsiteX8" y="connsiteY8"/>
+                </a:cxn>
+                <a:cxn ang="0">
+                  <a:pos x="connsiteX9" y="connsiteY9"/>
+                </a:cxn>
+                <a:cxn ang="0">
+                  <a:pos x="connsiteX10" y="connsiteY10"/>
+                </a:cxn>
+                <a:cxn ang="0">
+                  <a:pos x="connsiteX11" y="connsiteY11"/>
+                </a:cxn>
+                <a:cxn ang="0">
+                  <a:pos x="connsiteX12" y="connsiteY12"/>
+                </a:cxn>
+                <a:cxn ang="0">
+                  <a:pos x="connsiteX13" y="connsiteY13"/>
+                </a:cxn>
+                <a:cxn ang="0">
+                  <a:pos x="connsiteX14" y="connsiteY14"/>
+                </a:cxn>
+                <a:cxn ang="0">
+                  <a:pos x="connsiteX15" y="connsiteY15"/>
+                </a:cxn>
+                <a:cxn ang="0">
+                  <a:pos x="connsiteX16" y="connsiteY16"/>
+                </a:cxn>
+                <a:cxn ang="0">
+                  <a:pos x="connsiteX17" y="connsiteY17"/>
+                </a:cxn>
+              </a:cxnLst>
+              <a:rect l="l" t="t" r="r" b="b"/>
+              <a:pathLst>
+                <a:path w="7367523" h="173416">
+                  <a:moveTo>
+                    <a:pt x="7367523" y="0"/>
+                  </a:moveTo>
+                  <a:lnTo>
+                    <a:pt x="6374783" y="0"/>
+                  </a:lnTo>
+                  <a:lnTo>
+                    <a:pt x="6240349" y="0"/>
+                  </a:lnTo>
+                  <a:lnTo>
+                    <a:pt x="5540227" y="0"/>
+                  </a:lnTo>
+                  <a:lnTo>
+                    <a:pt x="5247612" y="0"/>
+                  </a:lnTo>
+                  <a:lnTo>
+                    <a:pt x="4707193" y="0"/>
+                  </a:lnTo>
+                  <a:lnTo>
+                    <a:pt x="4413053" y="0"/>
+                  </a:lnTo>
+                  <a:lnTo>
+                    <a:pt x="3865356" y="0"/>
+                  </a:lnTo>
+                  <a:lnTo>
+                    <a:pt x="3580019" y="0"/>
+                  </a:lnTo>
+                  <a:lnTo>
+                    <a:pt x="2872616" y="0"/>
+                  </a:lnTo>
+                  <a:lnTo>
+                    <a:pt x="2738183" y="0"/>
+                  </a:lnTo>
+                  <a:lnTo>
+                    <a:pt x="2038060" y="0"/>
+                  </a:lnTo>
+                  <a:lnTo>
+                    <a:pt x="1745445" y="0"/>
+                  </a:lnTo>
+                  <a:lnTo>
+                    <a:pt x="1205026" y="0"/>
+                  </a:lnTo>
+                  <a:lnTo>
+                    <a:pt x="910887" y="0"/>
+                  </a:lnTo>
+                  <a:lnTo>
+                    <a:pt x="77853" y="0"/>
+                  </a:lnTo>
+                  <a:lnTo>
+                    <a:pt x="0" y="173416"/>
+                  </a:lnTo>
+                  <a:lnTo>
+                    <a:pt x="7289670" y="173416"/>
+                  </a:lnTo>
+                  <a:close/>
+                </a:path>
+              </a:pathLst>
+            </a:custGeom>
+            <a:solidFill>
+              <a:schemeClr val="bg2"/>
+            </a:solidFill>
+            <a:ln>
+              <a:noFill/>
+            </a:ln>
+          </p:spPr>
+          <p:style>
+            <a:lnRef idx="2">
+              <a:schemeClr val="accent1">
+                <a:shade val="50000"/>
+              </a:schemeClr>
+            </a:lnRef>
+            <a:fillRef idx="1">
+              <a:schemeClr val="accent1"/>
+            </a:fillRef>
+            <a:effectRef idx="0">
+              <a:schemeClr val="accent1"/>
+            </a:effectRef>
+            <a:fontRef idx="minor">
+              <a:schemeClr val="lt1"/>
+            </a:fontRef>
+          </p:style>
+          <p:txBody>
+            <a:bodyPr rot="0" spcFirstLastPara="0" vertOverflow="overflow" horzOverflow="overflow" vert="horz" wrap="square" lIns="91440" tIns="45720" rIns="91440" bIns="45720" numCol="1" spcCol="0" rtlCol="0" fromWordArt="0" anchor="ctr" anchorCtr="0" forceAA="0" compatLnSpc="1">
+              <a:noAutofit/>
+            </a:bodyPr>
+            <a:lstStyle/>
+            <a:p>
+              <a:pPr algn="ctr"/>
+              <a:endParaRPr lang="zh-CN" altLang="en-US"/>
+            </a:p>
+          </p:txBody>
+        </p:sp>
+      </p:grpSp>
+      <p:sp>
+        <p:nvSpPr>
+          <p:cNvPr id="24" name="任意多边形: 形状 23"/>
+          <p:cNvSpPr/>
+          <p:nvPr/>
+        </p:nvSpPr>
+        <p:spPr>
+          <a:xfrm flipH="1">
+            <a:off x="129621" y="0"/>
+            <a:ext cx="586522" cy="1047087"/>
+          </a:xfrm>
+          <a:custGeom>
+            <a:avLst/>
+            <a:gdLst>
+              <a:gd name="connsiteX0" fmla="*/ 586522 w 586522"/>
+              <a:gd name="connsiteY0" fmla="*/ 0 h 1047087"/>
+              <a:gd name="connsiteX1" fmla="*/ 470079 w 586522"/>
+              <a:gd name="connsiteY1" fmla="*/ 0 h 1047087"/>
+              <a:gd name="connsiteX2" fmla="*/ 0 w 586522"/>
+              <a:gd name="connsiteY2" fmla="*/ 1047087 h 1047087"/>
+              <a:gd name="connsiteX3" fmla="*/ 116443 w 586522"/>
+              <a:gd name="connsiteY3" fmla="*/ 1047087 h 1047087"/>
+            </a:gdLst>
+            <a:ahLst/>
+            <a:cxnLst>
+              <a:cxn ang="0">
+                <a:pos x="connsiteX0" y="connsiteY0"/>
+              </a:cxn>
+              <a:cxn ang="0">
+                <a:pos x="connsiteX1" y="connsiteY1"/>
+              </a:cxn>
+              <a:cxn ang="0">
+                <a:pos x="connsiteX2" y="connsiteY2"/>
+              </a:cxn>
+              <a:cxn ang="0">
+                <a:pos x="connsiteX3" y="connsiteY3"/>
+              </a:cxn>
+            </a:cxnLst>
+            <a:rect l="l" t="t" r="r" b="b"/>
+            <a:pathLst>
+              <a:path w="586522" h="1047087">
+                <a:moveTo>
+                  <a:pt x="586522" y="0"/>
+                </a:moveTo>
+                <a:lnTo>
+                  <a:pt x="470079" y="0"/>
+                </a:lnTo>
+                <a:lnTo>
+                  <a:pt x="0" y="1047087"/>
+                </a:lnTo>
+                <a:lnTo>
+                  <a:pt x="116443" y="1047087"/>
+                </a:lnTo>
+                <a:close/>
+              </a:path>
+            </a:pathLst>
+          </a:custGeom>
+          <a:gradFill flip="none" rotWithShape="0">
+            <a:gsLst>
+              <a:gs pos="0">
+                <a:srgbClr val="53A5F5">
+                  <a:lumMod val="73000"/>
+                  <a:lumOff val="27000"/>
+                </a:srgbClr>
+              </a:gs>
+              <a:gs pos="94000">
+                <a:srgbClr val="9214CF">
+                  <a:lumMod val="73000"/>
+                  <a:lumOff val="27000"/>
+                </a:srgbClr>
+              </a:gs>
+            </a:gsLst>
+            <a:lin ang="2700000" scaled="1"/>
+            <a:tileRect/>
+          </a:gradFill>
+          <a:ln>
+            <a:noFill/>
+          </a:ln>
+        </p:spPr>
+        <p:style>
+          <a:lnRef idx="2">
+            <a:schemeClr val="accent1">
+              <a:shade val="50000"/>
+            </a:schemeClr>
+          </a:lnRef>
+          <a:fillRef idx="1">
+            <a:schemeClr val="accent1"/>
+          </a:fillRef>
+          <a:effectRef idx="0">
+            <a:schemeClr val="accent1"/>
+          </a:effectRef>
+          <a:fontRef idx="minor">
+            <a:schemeClr val="lt1"/>
+          </a:fontRef>
+        </p:style>
+        <p:txBody>
+          <a:bodyPr rot="0" spcFirstLastPara="0" vertOverflow="overflow" horzOverflow="overflow" vert="horz" wrap="square" lIns="91440" tIns="45720" rIns="91440" bIns="45720" numCol="1" spcCol="0" rtlCol="0" fromWordArt="0" anchor="ctr" anchorCtr="0" forceAA="0" compatLnSpc="1">
+            <a:noAutofit/>
+          </a:bodyPr>
+          <a:lstStyle/>
+          <a:p>
+            <a:pPr algn="ctr"/>
+            <a:endParaRPr lang="zh-CN" altLang="en-US"/>
+          </a:p>
+        </p:txBody>
+      </p:sp>
+      <p:sp>
+        <p:nvSpPr>
+          <p:cNvPr id="25" name="任意多边形: 形状 24"/>
+          <p:cNvSpPr/>
+          <p:nvPr/>
+        </p:nvSpPr>
+        <p:spPr>
+          <a:xfrm flipH="1">
+            <a:off x="581108" y="202981"/>
+            <a:ext cx="344503" cy="615023"/>
+          </a:xfrm>
+          <a:custGeom>
+            <a:avLst/>
+            <a:gdLst>
+              <a:gd name="connsiteX0" fmla="*/ 586522 w 586522"/>
+              <a:gd name="connsiteY0" fmla="*/ 0 h 1047087"/>
+              <a:gd name="connsiteX1" fmla="*/ 470079 w 586522"/>
+              <a:gd name="connsiteY1" fmla="*/ 0 h 1047087"/>
+              <a:gd name="connsiteX2" fmla="*/ 0 w 586522"/>
+              <a:gd name="connsiteY2" fmla="*/ 1047087 h 1047087"/>
+              <a:gd name="connsiteX3" fmla="*/ 116443 w 586522"/>
+              <a:gd name="connsiteY3" fmla="*/ 1047087 h 1047087"/>
+            </a:gdLst>
+            <a:ahLst/>
+            <a:cxnLst>
+              <a:cxn ang="0">
+                <a:pos x="connsiteX0" y="connsiteY0"/>
+              </a:cxn>
+              <a:cxn ang="0">
+                <a:pos x="connsiteX1" y="connsiteY1"/>
+              </a:cxn>
+              <a:cxn ang="0">
+                <a:pos x="connsiteX2" y="connsiteY2"/>
+              </a:cxn>
+              <a:cxn ang="0">
+                <a:pos x="connsiteX3" y="connsiteY3"/>
+              </a:cxn>
+            </a:cxnLst>
+            <a:rect l="l" t="t" r="r" b="b"/>
+            <a:pathLst>
+              <a:path w="586522" h="1047087">
+                <a:moveTo>
+                  <a:pt x="586522" y="0"/>
+                </a:moveTo>
+                <a:lnTo>
+                  <a:pt x="470079" y="0"/>
+                </a:lnTo>
+                <a:lnTo>
+                  <a:pt x="0" y="1047087"/>
+                </a:lnTo>
+                <a:lnTo>
+                  <a:pt x="116443" y="1047087"/>
+                </a:lnTo>
+                <a:close/>
+              </a:path>
+            </a:pathLst>
+          </a:custGeom>
+          <a:solidFill>
+            <a:schemeClr val="bg1">
+              <a:lumMod val="95000"/>
+            </a:schemeClr>
+          </a:solidFill>
+          <a:ln>
+            <a:noFill/>
+          </a:ln>
+        </p:spPr>
+        <p:style>
+          <a:lnRef idx="2">
+            <a:schemeClr val="accent1">
+              <a:shade val="50000"/>
+            </a:schemeClr>
+          </a:lnRef>
+          <a:fillRef idx="1">
+            <a:schemeClr val="accent1"/>
+          </a:fillRef>
+          <a:effectRef idx="0">
+            <a:schemeClr val="accent1"/>
+          </a:effectRef>
+          <a:fontRef idx="minor">
+            <a:schemeClr val="lt1"/>
+          </a:fontRef>
+        </p:style>
+        <p:txBody>
+          <a:bodyPr rot="0" spcFirstLastPara="0" vertOverflow="overflow" horzOverflow="overflow" vert="horz" wrap="square" lIns="91440" tIns="45720" rIns="91440" bIns="45720" numCol="1" spcCol="0" rtlCol="0" fromWordArt="0" anchor="ctr" anchorCtr="0" forceAA="0" compatLnSpc="1">
+            <a:noAutofit/>
+          </a:bodyPr>
+          <a:lstStyle/>
+          <a:p>
+            <a:pPr algn="ctr"/>
+            <a:endParaRPr lang="zh-CN" altLang="en-US"/>
+          </a:p>
+        </p:txBody>
+      </p:sp>
+      <p:sp>
+        <p:nvSpPr>
+          <p:cNvPr id="6" name="文本框 5">
+            <a:extLst>
+              <a:ext uri="{FF2B5EF4-FFF2-40B4-BE49-F238E27FC236}">
+                <a16:creationId xmlns:a16="http://schemas.microsoft.com/office/drawing/2014/main" id="{6EF55A2A-20C8-73A3-7635-D9F8FF1B0DF4}"/>
+              </a:ext>
+            </a:extLst>
+          </p:cNvPr>
+          <p:cNvSpPr txBox="1"/>
+          <p:nvPr/>
+        </p:nvSpPr>
+        <p:spPr>
+          <a:xfrm>
+            <a:off x="422882" y="1858490"/>
+            <a:ext cx="11540518" cy="6247864"/>
+          </a:xfrm>
+          <a:prstGeom prst="rect">
+            <a:avLst/>
+          </a:prstGeom>
+          <a:noFill/>
+        </p:spPr>
+        <p:txBody>
+          <a:bodyPr wrap="square" rtlCol="0">
+            <a:spAutoFit/>
+          </a:bodyPr>
+          <a:lstStyle/>
+          <a:p>
+            <a:r>
+              <a:rPr lang="zh-CN" altLang="en-US" sz="2000" dirty="0">
+                <a:highlight>
+                  <a:srgbClr val="FFFFFF"/>
+                </a:highlight>
+                <a:latin typeface="-apple-system"/>
+              </a:rPr>
+              <a:t>导航功能：</a:t>
+            </a:r>
+            <a:endParaRPr lang="en-US" altLang="zh-CN" sz="2000" dirty="0">
+              <a:highlight>
+                <a:srgbClr val="FFFFFF"/>
+              </a:highlight>
+              <a:latin typeface="-apple-system"/>
+            </a:endParaRPr>
+          </a:p>
+          <a:p>
+            <a:pPr marL="457200" indent="-457200">
+              <a:buAutoNum type="arabicPeriod"/>
+            </a:pPr>
+            <a:r>
+              <a:rPr lang="zh-CN" altLang="en-US" sz="2000" dirty="0">
+                <a:highlight>
+                  <a:srgbClr val="FFFFFF"/>
+                </a:highlight>
+                <a:latin typeface="-apple-system"/>
+              </a:rPr>
+              <a:t>前进：手表与手机交替振动</a:t>
+            </a:r>
+            <a:endParaRPr lang="en-US" altLang="zh-CN" sz="2000" dirty="0">
+              <a:highlight>
+                <a:srgbClr val="FFFFFF"/>
+              </a:highlight>
+              <a:latin typeface="-apple-system"/>
+            </a:endParaRPr>
+          </a:p>
+          <a:p>
+            <a:pPr marL="457200" indent="-457200">
+              <a:buAutoNum type="arabicPeriod"/>
+            </a:pPr>
+            <a:r>
+              <a:rPr lang="zh-CN" altLang="en-US" sz="2000" dirty="0">
+                <a:highlight>
+                  <a:srgbClr val="FFFFFF"/>
+                </a:highlight>
+                <a:latin typeface="-apple-system"/>
+              </a:rPr>
+              <a:t>左转：手表与手机同时振动，手表单设备振动，（频率快，连续，时间短）</a:t>
+            </a:r>
+            <a:endParaRPr lang="en-US" altLang="zh-CN" sz="2000" dirty="0">
+              <a:highlight>
+                <a:srgbClr val="FFFFFF"/>
+              </a:highlight>
+              <a:latin typeface="-apple-system"/>
+            </a:endParaRPr>
+          </a:p>
+          <a:p>
+            <a:pPr marL="457200" indent="-457200">
+              <a:buAutoNum type="arabicPeriod"/>
+            </a:pPr>
+            <a:r>
+              <a:rPr lang="zh-CN" altLang="en-US" sz="2000" dirty="0">
+                <a:highlight>
+                  <a:srgbClr val="FFFFFF"/>
+                </a:highlight>
+                <a:latin typeface="-apple-system"/>
+              </a:rPr>
+              <a:t>右转：手表与手机同时振动，手机单设备振动，（频率快，连续，时间短）</a:t>
+            </a:r>
+            <a:endParaRPr lang="en-US" altLang="zh-CN" sz="2000" dirty="0">
+              <a:highlight>
+                <a:srgbClr val="FFFFFF"/>
+              </a:highlight>
+              <a:latin typeface="-apple-system"/>
+            </a:endParaRPr>
+          </a:p>
+          <a:p>
+            <a:pPr marL="457200" indent="-457200">
+              <a:buAutoNum type="arabicPeriod"/>
+            </a:pPr>
+            <a:r>
+              <a:rPr lang="zh-CN" altLang="en-US" sz="2000" dirty="0">
+                <a:highlight>
+                  <a:srgbClr val="FFFFFF"/>
+                </a:highlight>
+                <a:latin typeface="-apple-system"/>
+              </a:rPr>
+              <a:t>停止：手表与手机同时振动</a:t>
+            </a:r>
+            <a:endParaRPr lang="en-US" altLang="zh-CN" sz="2000" dirty="0">
+              <a:highlight>
+                <a:srgbClr val="FFFFFF"/>
+              </a:highlight>
+              <a:latin typeface="-apple-system"/>
+            </a:endParaRPr>
+          </a:p>
+          <a:p>
+            <a:pPr marL="457200" indent="-457200">
+              <a:buAutoNum type="arabicPeriod"/>
+            </a:pPr>
+            <a:endParaRPr lang="en-US" altLang="zh-CN" sz="2000" dirty="0">
+              <a:highlight>
+                <a:srgbClr val="FFFFFF"/>
+              </a:highlight>
+              <a:latin typeface="-apple-system"/>
+            </a:endParaRPr>
+          </a:p>
+          <a:p>
+            <a:r>
+              <a:rPr lang="zh-CN" altLang="en-US" sz="2000" dirty="0"/>
+              <a:t>事件危险预警功能：</a:t>
+            </a:r>
+            <a:endParaRPr lang="en-US" altLang="zh-CN" sz="2000" dirty="0"/>
+          </a:p>
+          <a:p>
+            <a:pPr marL="457200" indent="-457200">
+              <a:buAutoNum type="arabicPeriod"/>
+            </a:pPr>
+            <a:r>
+              <a:rPr lang="zh-CN" altLang="en-US" sz="2000" dirty="0"/>
+              <a:t>前方有障碍物：</a:t>
+            </a:r>
+            <a:endParaRPr lang="en-US" altLang="zh-CN" sz="2000" dirty="0"/>
+          </a:p>
+          <a:p>
+            <a:r>
+              <a:rPr lang="en-US" altLang="zh-CN" sz="2000" dirty="0"/>
+              <a:t>   	</a:t>
+            </a:r>
+            <a:r>
+              <a:rPr lang="zh-CN" altLang="en-US" sz="2000" dirty="0"/>
+              <a:t>左前方：</a:t>
+            </a:r>
+            <a:r>
+              <a:rPr lang="zh-CN" altLang="en-US" sz="2000" dirty="0">
+                <a:highlight>
+                  <a:srgbClr val="FFFFFF"/>
+                </a:highlight>
+                <a:latin typeface="-apple-system"/>
+              </a:rPr>
+              <a:t>手表单设备振动，（频率慢，连续，时间长）</a:t>
+            </a:r>
+            <a:endParaRPr lang="en-US" altLang="zh-CN" sz="2000" dirty="0">
+              <a:highlight>
+                <a:srgbClr val="FFFFFF"/>
+              </a:highlight>
+              <a:latin typeface="-apple-system"/>
+            </a:endParaRPr>
+          </a:p>
+          <a:p>
+            <a:r>
+              <a:rPr lang="en-US" altLang="zh-CN" sz="2000" dirty="0"/>
+              <a:t>	</a:t>
+            </a:r>
+            <a:r>
+              <a:rPr lang="zh-CN" altLang="en-US" sz="2000" dirty="0"/>
+              <a:t>右前方：</a:t>
+            </a:r>
+            <a:r>
+              <a:rPr lang="zh-CN" altLang="en-US" sz="2000" dirty="0">
+                <a:highlight>
+                  <a:srgbClr val="FFFFFF"/>
+                </a:highlight>
+                <a:latin typeface="-apple-system"/>
+              </a:rPr>
+              <a:t>手机单设备振动，（频率慢，连续，时间长）</a:t>
+            </a:r>
+            <a:endParaRPr lang="en-US" altLang="zh-CN" sz="2000" dirty="0"/>
+          </a:p>
+          <a:p>
+            <a:pPr marL="457200" indent="-457200">
+              <a:buAutoNum type="arabicPeriod"/>
+            </a:pPr>
+            <a:endParaRPr lang="en-US" altLang="zh-CN" sz="2000" dirty="0"/>
+          </a:p>
+          <a:p>
+            <a:r>
+              <a:rPr lang="zh-CN" altLang="en-US" sz="2000" dirty="0"/>
+              <a:t>动作行为辅助功能：</a:t>
+            </a:r>
+            <a:endParaRPr lang="en-US" altLang="zh-CN" sz="2000" dirty="0"/>
+          </a:p>
+          <a:p>
+            <a:pPr marL="457200" indent="-457200">
+              <a:buAutoNum type="arabicPeriod"/>
+            </a:pPr>
+            <a:r>
+              <a:rPr lang="zh-CN" altLang="en-US" sz="2000" dirty="0">
+                <a:highlight>
+                  <a:srgbClr val="FFFFFF"/>
+                </a:highlight>
+                <a:latin typeface="-apple-system"/>
+              </a:rPr>
+              <a:t>直线保持：</a:t>
+            </a:r>
+            <a:endParaRPr lang="en-US" altLang="zh-CN" sz="2000" dirty="0">
+              <a:highlight>
+                <a:srgbClr val="FFFFFF"/>
+              </a:highlight>
+              <a:latin typeface="-apple-system"/>
+            </a:endParaRPr>
+          </a:p>
+          <a:p>
+            <a:r>
+              <a:rPr lang="en-US" altLang="zh-CN" sz="2000" dirty="0">
+                <a:highlight>
+                  <a:srgbClr val="FFFFFF"/>
+                </a:highlight>
+                <a:latin typeface="-apple-system"/>
+              </a:rPr>
+              <a:t>	</a:t>
+            </a:r>
+            <a:r>
+              <a:rPr lang="zh-CN" altLang="en-US" sz="2000" dirty="0">
+                <a:highlight>
+                  <a:srgbClr val="FFFFFF"/>
+                </a:highlight>
+                <a:latin typeface="-apple-system"/>
+              </a:rPr>
+              <a:t>向左保持：手表单设备振动，（频率慢，离散，时间短）</a:t>
+            </a:r>
+            <a:endParaRPr lang="en-US" altLang="zh-CN" sz="2000" dirty="0">
+              <a:highlight>
+                <a:srgbClr val="FFFFFF"/>
+              </a:highlight>
+              <a:latin typeface="-apple-system"/>
+            </a:endParaRPr>
+          </a:p>
+          <a:p>
+            <a:r>
+              <a:rPr lang="en-US" altLang="zh-CN" sz="2000" dirty="0">
+                <a:highlight>
+                  <a:srgbClr val="FFFFFF"/>
+                </a:highlight>
+                <a:latin typeface="-apple-system"/>
+              </a:rPr>
+              <a:t>	</a:t>
+            </a:r>
+            <a:r>
+              <a:rPr lang="zh-CN" altLang="en-US" sz="2000" dirty="0">
+                <a:highlight>
+                  <a:srgbClr val="FFFFFF"/>
+                </a:highlight>
+                <a:latin typeface="-apple-system"/>
+              </a:rPr>
+              <a:t>向右保持：手机单设备振动，（频率慢，离散，时间短）</a:t>
+            </a:r>
+            <a:endParaRPr lang="en-US" altLang="zh-CN" sz="2000" dirty="0"/>
+          </a:p>
+          <a:p>
+            <a:endParaRPr lang="en-US" altLang="zh-CN" sz="2000" dirty="0">
+              <a:highlight>
+                <a:srgbClr val="FFFFFF"/>
+              </a:highlight>
+              <a:latin typeface="-apple-system"/>
+            </a:endParaRPr>
+          </a:p>
+          <a:p>
+            <a:endParaRPr lang="en-US" altLang="zh-CN" sz="2000" dirty="0">
+              <a:highlight>
+                <a:srgbClr val="FFFFFF"/>
+              </a:highlight>
+              <a:latin typeface="-apple-system"/>
+            </a:endParaRPr>
+          </a:p>
+          <a:p>
+            <a:pPr marL="457200" indent="-457200">
+              <a:buAutoNum type="arabicPeriod"/>
+            </a:pPr>
+            <a:endParaRPr lang="en-US" altLang="zh-CN" sz="2000" dirty="0"/>
+          </a:p>
+          <a:p>
+            <a:endParaRPr lang="en-US" altLang="zh-CN" sz="2000" dirty="0"/>
+          </a:p>
+          <a:p>
+            <a:endParaRPr lang="en-US" altLang="zh-CN" sz="2000" dirty="0"/>
+          </a:p>
+        </p:txBody>
+      </p:sp>
+      <p:sp>
+        <p:nvSpPr>
+          <p:cNvPr id="2" name="文本框 1">
+            <a:extLst>
+              <a:ext uri="{FF2B5EF4-FFF2-40B4-BE49-F238E27FC236}">
+                <a16:creationId xmlns:a16="http://schemas.microsoft.com/office/drawing/2014/main" id="{0F7D0A9B-401A-9893-DEF7-2C6FF8D47F90}"/>
+              </a:ext>
+            </a:extLst>
+          </p:cNvPr>
+          <p:cNvSpPr txBox="1"/>
+          <p:nvPr/>
+        </p:nvSpPr>
+        <p:spPr bwMode="auto">
+          <a:xfrm>
+            <a:off x="581108" y="1121890"/>
+            <a:ext cx="10675471" cy="523220"/>
+          </a:xfrm>
+          <a:prstGeom prst="rect">
+            <a:avLst/>
+          </a:prstGeom>
+          <a:noFill/>
+        </p:spPr>
+        <p:txBody>
+          <a:bodyPr wrap="square">
+            <a:spAutoFit/>
+            <a:scene3d>
+              <a:camera prst="orthographicFront"/>
+              <a:lightRig rig="threePt" dir="t"/>
+            </a:scene3d>
+            <a:sp3d contourW="12700"/>
+          </a:bodyPr>
+          <a:lstStyle/>
+          <a:p>
+            <a:pPr>
+              <a:defRPr/>
+            </a:pPr>
+            <a:r>
+              <a:rPr lang="zh-CN" altLang="en-US" sz="2800" b="1" dirty="0">
+                <a:solidFill>
+                  <a:srgbClr val="7F12B6"/>
+                </a:solidFill>
+                <a:latin typeface="时尚中黑简体" panose="01010104010101010101" pitchFamily="2" charset="-122"/>
+                <a:ea typeface="时尚中黑简体" panose="01010104010101010101" pitchFamily="2" charset="-122"/>
+              </a:rPr>
+              <a:t>实验设计</a:t>
+            </a:r>
+            <a:r>
+              <a:rPr lang="en-US" altLang="zh-CN" sz="2800" b="1" dirty="0">
+                <a:solidFill>
+                  <a:srgbClr val="7F12B6"/>
+                </a:solidFill>
+                <a:latin typeface="时尚中黑简体" panose="01010104010101010101" pitchFamily="2" charset="-122"/>
+                <a:ea typeface="时尚中黑简体" panose="01010104010101010101" pitchFamily="2" charset="-122"/>
+              </a:rPr>
+              <a:t>—</a:t>
+            </a:r>
+            <a:r>
+              <a:rPr lang="zh-CN" altLang="en-US" sz="2800" b="1" dirty="0">
+                <a:solidFill>
+                  <a:srgbClr val="7F12B6"/>
+                </a:solidFill>
+                <a:latin typeface="时尚中黑简体" panose="01010104010101010101" pitchFamily="2" charset="-122"/>
+                <a:ea typeface="时尚中黑简体" panose="01010104010101010101" pitchFamily="2" charset="-122"/>
+              </a:rPr>
+              <a:t>模式</a:t>
+            </a:r>
+            <a:r>
+              <a:rPr lang="en-US" altLang="zh-CN" sz="2800" b="1" dirty="0">
+                <a:solidFill>
+                  <a:srgbClr val="7F12B6"/>
+                </a:solidFill>
+                <a:latin typeface="时尚中黑简体" panose="01010104010101010101" pitchFamily="2" charset="-122"/>
+                <a:ea typeface="时尚中黑简体" panose="01010104010101010101" pitchFamily="2" charset="-122"/>
+              </a:rPr>
+              <a:t>2</a:t>
+            </a:r>
+          </a:p>
+        </p:txBody>
+      </p:sp>
+    </p:spTree>
+    <p:extLst>
+      <p:ext uri="{BB962C8B-B14F-4D97-AF65-F5344CB8AC3E}">
+        <p14:creationId xmlns:p14="http://schemas.microsoft.com/office/powerpoint/2010/main" val="39586489"/>
+      </p:ext>
+    </p:extLst>
+  </p:cSld>
+  <p:clrMapOvr>
+    <a:masterClrMapping/>
+  </p:clrMapOvr>
+  <mc:AlternateContent xmlns:mc="http://schemas.openxmlformats.org/markup-compatibility/2006" xmlns:p14="http://schemas.microsoft.com/office/powerpoint/2010/main">
+    <mc:Choice Requires="p14">
+      <p:transition spd="slow" p14:dur="1500" advTm="0">
+        <p:random/>
+      </p:transition>
+    </mc:Choice>
+    <mc:Fallback xmlns="">
+      <p:transition spd="slow" advTm="0">
+        <p:random/>
+      </p:transition>
+    </mc:Fallback>
+  </mc:AlternateContent>
+</p:sld>
+</file>
+
+<file path=ppt/slides/slide41.xml><?xml version="1.0" encoding="utf-8"?>
+<p:sld xmlns:a="http://schemas.openxmlformats.org/drawingml/2006/main" xmlns:r="http://schemas.openxmlformats.org/officeDocument/2006/relationships" xmlns:p="http://schemas.openxmlformats.org/presentationml/2006/main">
+  <p:cSld>
+    <p:spTree>
+      <p:nvGrpSpPr>
+        <p:cNvPr id="1" name=""/>
+        <p:cNvGrpSpPr/>
+        <p:nvPr/>
+      </p:nvGrpSpPr>
+      <p:grpSpPr>
+        <a:xfrm>
+          <a:off x="0" y="0"/>
+          <a:ext cx="0" cy="0"/>
+          <a:chOff x="0" y="0"/>
+          <a:chExt cx="0" cy="0"/>
+        </a:xfrm>
+      </p:grpSpPr>
+      <p:grpSp>
+        <p:nvGrpSpPr>
+          <p:cNvPr id="21" name="组合 20"/>
+          <p:cNvGrpSpPr/>
+          <p:nvPr/>
+        </p:nvGrpSpPr>
+        <p:grpSpPr>
+          <a:xfrm>
+            <a:off x="5270500" y="510493"/>
+            <a:ext cx="7561033" cy="380555"/>
+            <a:chOff x="6997699" y="510493"/>
+            <a:chExt cx="5794625" cy="380555"/>
+          </a:xfrm>
+        </p:grpSpPr>
+        <p:sp>
+          <p:nvSpPr>
+            <p:cNvPr id="22" name="任意多边形: 形状 21"/>
+            <p:cNvSpPr/>
+            <p:nvPr userDrawn="1"/>
+          </p:nvSpPr>
+          <p:spPr>
+            <a:xfrm flipH="1">
+              <a:off x="6997699" y="764493"/>
+              <a:ext cx="5376633" cy="126555"/>
+            </a:xfrm>
+            <a:custGeom>
+              <a:avLst/>
+              <a:gdLst>
+                <a:gd name="connsiteX0" fmla="*/ 7367523 w 7367523"/>
+                <a:gd name="connsiteY0" fmla="*/ 0 h 173416"/>
+                <a:gd name="connsiteX1" fmla="*/ 6374783 w 7367523"/>
+                <a:gd name="connsiteY1" fmla="*/ 0 h 173416"/>
+                <a:gd name="connsiteX2" fmla="*/ 6240349 w 7367523"/>
+                <a:gd name="connsiteY2" fmla="*/ 0 h 173416"/>
+                <a:gd name="connsiteX3" fmla="*/ 5540227 w 7367523"/>
+                <a:gd name="connsiteY3" fmla="*/ 0 h 173416"/>
+                <a:gd name="connsiteX4" fmla="*/ 5247612 w 7367523"/>
+                <a:gd name="connsiteY4" fmla="*/ 0 h 173416"/>
+                <a:gd name="connsiteX5" fmla="*/ 4707193 w 7367523"/>
+                <a:gd name="connsiteY5" fmla="*/ 0 h 173416"/>
+                <a:gd name="connsiteX6" fmla="*/ 4413053 w 7367523"/>
+                <a:gd name="connsiteY6" fmla="*/ 0 h 173416"/>
+                <a:gd name="connsiteX7" fmla="*/ 3865356 w 7367523"/>
+                <a:gd name="connsiteY7" fmla="*/ 0 h 173416"/>
+                <a:gd name="connsiteX8" fmla="*/ 3580019 w 7367523"/>
+                <a:gd name="connsiteY8" fmla="*/ 0 h 173416"/>
+                <a:gd name="connsiteX9" fmla="*/ 2872616 w 7367523"/>
+                <a:gd name="connsiteY9" fmla="*/ 0 h 173416"/>
+                <a:gd name="connsiteX10" fmla="*/ 2738183 w 7367523"/>
+                <a:gd name="connsiteY10" fmla="*/ 0 h 173416"/>
+                <a:gd name="connsiteX11" fmla="*/ 2038060 w 7367523"/>
+                <a:gd name="connsiteY11" fmla="*/ 0 h 173416"/>
+                <a:gd name="connsiteX12" fmla="*/ 1745445 w 7367523"/>
+                <a:gd name="connsiteY12" fmla="*/ 0 h 173416"/>
+                <a:gd name="connsiteX13" fmla="*/ 1205026 w 7367523"/>
+                <a:gd name="connsiteY13" fmla="*/ 0 h 173416"/>
+                <a:gd name="connsiteX14" fmla="*/ 910887 w 7367523"/>
+                <a:gd name="connsiteY14" fmla="*/ 0 h 173416"/>
+                <a:gd name="connsiteX15" fmla="*/ 77853 w 7367523"/>
+                <a:gd name="connsiteY15" fmla="*/ 0 h 173416"/>
+                <a:gd name="connsiteX16" fmla="*/ 0 w 7367523"/>
+                <a:gd name="connsiteY16" fmla="*/ 173416 h 173416"/>
+                <a:gd name="connsiteX17" fmla="*/ 7289670 w 7367523"/>
+                <a:gd name="connsiteY17" fmla="*/ 173416 h 173416"/>
+              </a:gdLst>
+              <a:ahLst/>
+              <a:cxnLst>
+                <a:cxn ang="0">
+                  <a:pos x="connsiteX0" y="connsiteY0"/>
+                </a:cxn>
+                <a:cxn ang="0">
+                  <a:pos x="connsiteX1" y="connsiteY1"/>
+                </a:cxn>
+                <a:cxn ang="0">
+                  <a:pos x="connsiteX2" y="connsiteY2"/>
+                </a:cxn>
+                <a:cxn ang="0">
+                  <a:pos x="connsiteX3" y="connsiteY3"/>
+                </a:cxn>
+                <a:cxn ang="0">
+                  <a:pos x="connsiteX4" y="connsiteY4"/>
+                </a:cxn>
+                <a:cxn ang="0">
+                  <a:pos x="connsiteX5" y="connsiteY5"/>
+                </a:cxn>
+                <a:cxn ang="0">
+                  <a:pos x="connsiteX6" y="connsiteY6"/>
+                </a:cxn>
+                <a:cxn ang="0">
+                  <a:pos x="connsiteX7" y="connsiteY7"/>
+                </a:cxn>
+                <a:cxn ang="0">
+                  <a:pos x="connsiteX8" y="connsiteY8"/>
+                </a:cxn>
+                <a:cxn ang="0">
+                  <a:pos x="connsiteX9" y="connsiteY9"/>
+                </a:cxn>
+                <a:cxn ang="0">
+                  <a:pos x="connsiteX10" y="connsiteY10"/>
+                </a:cxn>
+                <a:cxn ang="0">
+                  <a:pos x="connsiteX11" y="connsiteY11"/>
+                </a:cxn>
+                <a:cxn ang="0">
+                  <a:pos x="connsiteX12" y="connsiteY12"/>
+                </a:cxn>
+                <a:cxn ang="0">
+                  <a:pos x="connsiteX13" y="connsiteY13"/>
+                </a:cxn>
+                <a:cxn ang="0">
+                  <a:pos x="connsiteX14" y="connsiteY14"/>
+                </a:cxn>
+                <a:cxn ang="0">
+                  <a:pos x="connsiteX15" y="connsiteY15"/>
+                </a:cxn>
+                <a:cxn ang="0">
+                  <a:pos x="connsiteX16" y="connsiteY16"/>
+                </a:cxn>
+                <a:cxn ang="0">
+                  <a:pos x="connsiteX17" y="connsiteY17"/>
+                </a:cxn>
+              </a:cxnLst>
+              <a:rect l="l" t="t" r="r" b="b"/>
+              <a:pathLst>
+                <a:path w="7367523" h="173416">
+                  <a:moveTo>
+                    <a:pt x="7367523" y="0"/>
+                  </a:moveTo>
+                  <a:lnTo>
+                    <a:pt x="6374783" y="0"/>
+                  </a:lnTo>
+                  <a:lnTo>
+                    <a:pt x="6240349" y="0"/>
+                  </a:lnTo>
+                  <a:lnTo>
+                    <a:pt x="5540227" y="0"/>
+                  </a:lnTo>
+                  <a:lnTo>
+                    <a:pt x="5247612" y="0"/>
+                  </a:lnTo>
+                  <a:lnTo>
+                    <a:pt x="4707193" y="0"/>
+                  </a:lnTo>
+                  <a:lnTo>
+                    <a:pt x="4413053" y="0"/>
+                  </a:lnTo>
+                  <a:lnTo>
+                    <a:pt x="3865356" y="0"/>
+                  </a:lnTo>
+                  <a:lnTo>
+                    <a:pt x="3580019" y="0"/>
+                  </a:lnTo>
+                  <a:lnTo>
+                    <a:pt x="2872616" y="0"/>
+                  </a:lnTo>
+                  <a:lnTo>
+                    <a:pt x="2738183" y="0"/>
+                  </a:lnTo>
+                  <a:lnTo>
+                    <a:pt x="2038060" y="0"/>
+                  </a:lnTo>
+                  <a:lnTo>
+                    <a:pt x="1745445" y="0"/>
+                  </a:lnTo>
+                  <a:lnTo>
+                    <a:pt x="1205026" y="0"/>
+                  </a:lnTo>
+                  <a:lnTo>
+                    <a:pt x="910887" y="0"/>
+                  </a:lnTo>
+                  <a:lnTo>
+                    <a:pt x="77853" y="0"/>
+                  </a:lnTo>
+                  <a:lnTo>
+                    <a:pt x="0" y="173416"/>
+                  </a:lnTo>
+                  <a:lnTo>
+                    <a:pt x="7289670" y="173416"/>
+                  </a:lnTo>
+                  <a:close/>
+                </a:path>
+              </a:pathLst>
+            </a:custGeom>
+            <a:gradFill flip="none" rotWithShape="0">
+              <a:gsLst>
+                <a:gs pos="0">
+                  <a:srgbClr val="228AF2"/>
+                </a:gs>
+                <a:gs pos="94000">
+                  <a:srgbClr val="7F12B6"/>
+                </a:gs>
+              </a:gsLst>
+              <a:lin ang="2700000" scaled="1"/>
+              <a:tileRect/>
+            </a:gradFill>
+            <a:ln>
+              <a:noFill/>
+            </a:ln>
+          </p:spPr>
+          <p:style>
+            <a:lnRef idx="2">
+              <a:schemeClr val="accent1">
+                <a:shade val="50000"/>
+              </a:schemeClr>
+            </a:lnRef>
+            <a:fillRef idx="1">
+              <a:schemeClr val="accent1"/>
+            </a:fillRef>
+            <a:effectRef idx="0">
+              <a:schemeClr val="accent1"/>
+            </a:effectRef>
+            <a:fontRef idx="minor">
+              <a:schemeClr val="lt1"/>
+            </a:fontRef>
+          </p:style>
+          <p:txBody>
+            <a:bodyPr rot="0" spcFirstLastPara="0" vertOverflow="overflow" horzOverflow="overflow" vert="horz" wrap="square" lIns="91440" tIns="45720" rIns="91440" bIns="45720" numCol="1" spcCol="0" rtlCol="0" fromWordArt="0" anchor="ctr" anchorCtr="0" forceAA="0" compatLnSpc="1">
+              <a:noAutofit/>
+            </a:bodyPr>
+            <a:lstStyle/>
+            <a:p>
+              <a:pPr algn="ctr"/>
+              <a:endParaRPr lang="zh-CN" altLang="en-US"/>
+            </a:p>
+          </p:txBody>
+        </p:sp>
+        <p:sp>
+          <p:nvSpPr>
+            <p:cNvPr id="23" name="任意多边形: 形状 22"/>
+            <p:cNvSpPr/>
+            <p:nvPr userDrawn="1"/>
+          </p:nvSpPr>
+          <p:spPr>
+            <a:xfrm flipH="1">
+              <a:off x="7415691" y="510493"/>
+              <a:ext cx="5376633" cy="126555"/>
+            </a:xfrm>
+            <a:custGeom>
+              <a:avLst/>
+              <a:gdLst>
+                <a:gd name="connsiteX0" fmla="*/ 7367523 w 7367523"/>
+                <a:gd name="connsiteY0" fmla="*/ 0 h 173416"/>
+                <a:gd name="connsiteX1" fmla="*/ 6374783 w 7367523"/>
+                <a:gd name="connsiteY1" fmla="*/ 0 h 173416"/>
+                <a:gd name="connsiteX2" fmla="*/ 6240349 w 7367523"/>
+                <a:gd name="connsiteY2" fmla="*/ 0 h 173416"/>
+                <a:gd name="connsiteX3" fmla="*/ 5540227 w 7367523"/>
+                <a:gd name="connsiteY3" fmla="*/ 0 h 173416"/>
+                <a:gd name="connsiteX4" fmla="*/ 5247612 w 7367523"/>
+                <a:gd name="connsiteY4" fmla="*/ 0 h 173416"/>
+                <a:gd name="connsiteX5" fmla="*/ 4707193 w 7367523"/>
+                <a:gd name="connsiteY5" fmla="*/ 0 h 173416"/>
+                <a:gd name="connsiteX6" fmla="*/ 4413053 w 7367523"/>
+                <a:gd name="connsiteY6" fmla="*/ 0 h 173416"/>
+                <a:gd name="connsiteX7" fmla="*/ 3865356 w 7367523"/>
+                <a:gd name="connsiteY7" fmla="*/ 0 h 173416"/>
+                <a:gd name="connsiteX8" fmla="*/ 3580019 w 7367523"/>
+                <a:gd name="connsiteY8" fmla="*/ 0 h 173416"/>
+                <a:gd name="connsiteX9" fmla="*/ 2872616 w 7367523"/>
+                <a:gd name="connsiteY9" fmla="*/ 0 h 173416"/>
+                <a:gd name="connsiteX10" fmla="*/ 2738183 w 7367523"/>
+                <a:gd name="connsiteY10" fmla="*/ 0 h 173416"/>
+                <a:gd name="connsiteX11" fmla="*/ 2038060 w 7367523"/>
+                <a:gd name="connsiteY11" fmla="*/ 0 h 173416"/>
+                <a:gd name="connsiteX12" fmla="*/ 1745445 w 7367523"/>
+                <a:gd name="connsiteY12" fmla="*/ 0 h 173416"/>
+                <a:gd name="connsiteX13" fmla="*/ 1205026 w 7367523"/>
+                <a:gd name="connsiteY13" fmla="*/ 0 h 173416"/>
+                <a:gd name="connsiteX14" fmla="*/ 910887 w 7367523"/>
+                <a:gd name="connsiteY14" fmla="*/ 0 h 173416"/>
+                <a:gd name="connsiteX15" fmla="*/ 77853 w 7367523"/>
+                <a:gd name="connsiteY15" fmla="*/ 0 h 173416"/>
+                <a:gd name="connsiteX16" fmla="*/ 0 w 7367523"/>
+                <a:gd name="connsiteY16" fmla="*/ 173416 h 173416"/>
+                <a:gd name="connsiteX17" fmla="*/ 7289670 w 7367523"/>
+                <a:gd name="connsiteY17" fmla="*/ 173416 h 173416"/>
+              </a:gdLst>
+              <a:ahLst/>
+              <a:cxnLst>
+                <a:cxn ang="0">
+                  <a:pos x="connsiteX0" y="connsiteY0"/>
+                </a:cxn>
+                <a:cxn ang="0">
+                  <a:pos x="connsiteX1" y="connsiteY1"/>
+                </a:cxn>
+                <a:cxn ang="0">
+                  <a:pos x="connsiteX2" y="connsiteY2"/>
+                </a:cxn>
+                <a:cxn ang="0">
+                  <a:pos x="connsiteX3" y="connsiteY3"/>
+                </a:cxn>
+                <a:cxn ang="0">
+                  <a:pos x="connsiteX4" y="connsiteY4"/>
+                </a:cxn>
+                <a:cxn ang="0">
+                  <a:pos x="connsiteX5" y="connsiteY5"/>
+                </a:cxn>
+                <a:cxn ang="0">
+                  <a:pos x="connsiteX6" y="connsiteY6"/>
+                </a:cxn>
+                <a:cxn ang="0">
+                  <a:pos x="connsiteX7" y="connsiteY7"/>
+                </a:cxn>
+                <a:cxn ang="0">
+                  <a:pos x="connsiteX8" y="connsiteY8"/>
+                </a:cxn>
+                <a:cxn ang="0">
+                  <a:pos x="connsiteX9" y="connsiteY9"/>
+                </a:cxn>
+                <a:cxn ang="0">
+                  <a:pos x="connsiteX10" y="connsiteY10"/>
+                </a:cxn>
+                <a:cxn ang="0">
+                  <a:pos x="connsiteX11" y="connsiteY11"/>
+                </a:cxn>
+                <a:cxn ang="0">
+                  <a:pos x="connsiteX12" y="connsiteY12"/>
+                </a:cxn>
+                <a:cxn ang="0">
+                  <a:pos x="connsiteX13" y="connsiteY13"/>
+                </a:cxn>
+                <a:cxn ang="0">
+                  <a:pos x="connsiteX14" y="connsiteY14"/>
+                </a:cxn>
+                <a:cxn ang="0">
+                  <a:pos x="connsiteX15" y="connsiteY15"/>
+                </a:cxn>
+                <a:cxn ang="0">
+                  <a:pos x="connsiteX16" y="connsiteY16"/>
+                </a:cxn>
+                <a:cxn ang="0">
+                  <a:pos x="connsiteX17" y="connsiteY17"/>
+                </a:cxn>
+              </a:cxnLst>
+              <a:rect l="l" t="t" r="r" b="b"/>
+              <a:pathLst>
+                <a:path w="7367523" h="173416">
+                  <a:moveTo>
+                    <a:pt x="7367523" y="0"/>
+                  </a:moveTo>
+                  <a:lnTo>
+                    <a:pt x="6374783" y="0"/>
+                  </a:lnTo>
+                  <a:lnTo>
+                    <a:pt x="6240349" y="0"/>
+                  </a:lnTo>
+                  <a:lnTo>
+                    <a:pt x="5540227" y="0"/>
+                  </a:lnTo>
+                  <a:lnTo>
+                    <a:pt x="5247612" y="0"/>
+                  </a:lnTo>
+                  <a:lnTo>
+                    <a:pt x="4707193" y="0"/>
+                  </a:lnTo>
+                  <a:lnTo>
+                    <a:pt x="4413053" y="0"/>
+                  </a:lnTo>
+                  <a:lnTo>
+                    <a:pt x="3865356" y="0"/>
+                  </a:lnTo>
+                  <a:lnTo>
+                    <a:pt x="3580019" y="0"/>
+                  </a:lnTo>
+                  <a:lnTo>
+                    <a:pt x="2872616" y="0"/>
+                  </a:lnTo>
+                  <a:lnTo>
+                    <a:pt x="2738183" y="0"/>
+                  </a:lnTo>
+                  <a:lnTo>
+                    <a:pt x="2038060" y="0"/>
+                  </a:lnTo>
+                  <a:lnTo>
+                    <a:pt x="1745445" y="0"/>
+                  </a:lnTo>
+                  <a:lnTo>
+                    <a:pt x="1205026" y="0"/>
+                  </a:lnTo>
+                  <a:lnTo>
+                    <a:pt x="910887" y="0"/>
+                  </a:lnTo>
+                  <a:lnTo>
+                    <a:pt x="77853" y="0"/>
+                  </a:lnTo>
+                  <a:lnTo>
+                    <a:pt x="0" y="173416"/>
+                  </a:lnTo>
+                  <a:lnTo>
+                    <a:pt x="7289670" y="173416"/>
+                  </a:lnTo>
+                  <a:close/>
+                </a:path>
+              </a:pathLst>
+            </a:custGeom>
+            <a:solidFill>
+              <a:schemeClr val="bg2"/>
+            </a:solidFill>
+            <a:ln>
+              <a:noFill/>
+            </a:ln>
+          </p:spPr>
+          <p:style>
+            <a:lnRef idx="2">
+              <a:schemeClr val="accent1">
+                <a:shade val="50000"/>
+              </a:schemeClr>
+            </a:lnRef>
+            <a:fillRef idx="1">
+              <a:schemeClr val="accent1"/>
+            </a:fillRef>
+            <a:effectRef idx="0">
+              <a:schemeClr val="accent1"/>
+            </a:effectRef>
+            <a:fontRef idx="minor">
+              <a:schemeClr val="lt1"/>
+            </a:fontRef>
+          </p:style>
+          <p:txBody>
+            <a:bodyPr rot="0" spcFirstLastPara="0" vertOverflow="overflow" horzOverflow="overflow" vert="horz" wrap="square" lIns="91440" tIns="45720" rIns="91440" bIns="45720" numCol="1" spcCol="0" rtlCol="0" fromWordArt="0" anchor="ctr" anchorCtr="0" forceAA="0" compatLnSpc="1">
+              <a:noAutofit/>
+            </a:bodyPr>
+            <a:lstStyle/>
+            <a:p>
+              <a:pPr algn="ctr"/>
+              <a:endParaRPr lang="zh-CN" altLang="en-US"/>
+            </a:p>
+          </p:txBody>
+        </p:sp>
+      </p:grpSp>
+      <p:sp>
+        <p:nvSpPr>
+          <p:cNvPr id="24" name="任意多边形: 形状 23"/>
+          <p:cNvSpPr/>
+          <p:nvPr/>
+        </p:nvSpPr>
+        <p:spPr>
+          <a:xfrm flipH="1">
+            <a:off x="129621" y="0"/>
+            <a:ext cx="586522" cy="1047087"/>
+          </a:xfrm>
+          <a:custGeom>
+            <a:avLst/>
+            <a:gdLst>
+              <a:gd name="connsiteX0" fmla="*/ 586522 w 586522"/>
+              <a:gd name="connsiteY0" fmla="*/ 0 h 1047087"/>
+              <a:gd name="connsiteX1" fmla="*/ 470079 w 586522"/>
+              <a:gd name="connsiteY1" fmla="*/ 0 h 1047087"/>
+              <a:gd name="connsiteX2" fmla="*/ 0 w 586522"/>
+              <a:gd name="connsiteY2" fmla="*/ 1047087 h 1047087"/>
+              <a:gd name="connsiteX3" fmla="*/ 116443 w 586522"/>
+              <a:gd name="connsiteY3" fmla="*/ 1047087 h 1047087"/>
+            </a:gdLst>
+            <a:ahLst/>
+            <a:cxnLst>
+              <a:cxn ang="0">
+                <a:pos x="connsiteX0" y="connsiteY0"/>
+              </a:cxn>
+              <a:cxn ang="0">
+                <a:pos x="connsiteX1" y="connsiteY1"/>
+              </a:cxn>
+              <a:cxn ang="0">
+                <a:pos x="connsiteX2" y="connsiteY2"/>
+              </a:cxn>
+              <a:cxn ang="0">
+                <a:pos x="connsiteX3" y="connsiteY3"/>
+              </a:cxn>
+            </a:cxnLst>
+            <a:rect l="l" t="t" r="r" b="b"/>
+            <a:pathLst>
+              <a:path w="586522" h="1047087">
+                <a:moveTo>
+                  <a:pt x="586522" y="0"/>
+                </a:moveTo>
+                <a:lnTo>
+                  <a:pt x="470079" y="0"/>
+                </a:lnTo>
+                <a:lnTo>
+                  <a:pt x="0" y="1047087"/>
+                </a:lnTo>
+                <a:lnTo>
+                  <a:pt x="116443" y="1047087"/>
+                </a:lnTo>
+                <a:close/>
+              </a:path>
+            </a:pathLst>
+          </a:custGeom>
+          <a:gradFill flip="none" rotWithShape="0">
+            <a:gsLst>
+              <a:gs pos="0">
+                <a:srgbClr val="53A5F5">
+                  <a:lumMod val="73000"/>
+                  <a:lumOff val="27000"/>
+                </a:srgbClr>
+              </a:gs>
+              <a:gs pos="94000">
+                <a:srgbClr val="9214CF">
+                  <a:lumMod val="73000"/>
+                  <a:lumOff val="27000"/>
+                </a:srgbClr>
+              </a:gs>
+            </a:gsLst>
+            <a:lin ang="2700000" scaled="1"/>
+            <a:tileRect/>
+          </a:gradFill>
+          <a:ln>
+            <a:noFill/>
+          </a:ln>
+        </p:spPr>
+        <p:style>
+          <a:lnRef idx="2">
+            <a:schemeClr val="accent1">
+              <a:shade val="50000"/>
+            </a:schemeClr>
+          </a:lnRef>
+          <a:fillRef idx="1">
+            <a:schemeClr val="accent1"/>
+          </a:fillRef>
+          <a:effectRef idx="0">
+            <a:schemeClr val="accent1"/>
+          </a:effectRef>
+          <a:fontRef idx="minor">
+            <a:schemeClr val="lt1"/>
+          </a:fontRef>
+        </p:style>
+        <p:txBody>
+          <a:bodyPr rot="0" spcFirstLastPara="0" vertOverflow="overflow" horzOverflow="overflow" vert="horz" wrap="square" lIns="91440" tIns="45720" rIns="91440" bIns="45720" numCol="1" spcCol="0" rtlCol="0" fromWordArt="0" anchor="ctr" anchorCtr="0" forceAA="0" compatLnSpc="1">
+            <a:noAutofit/>
+          </a:bodyPr>
+          <a:lstStyle/>
+          <a:p>
+            <a:pPr algn="ctr"/>
+            <a:endParaRPr lang="zh-CN" altLang="en-US"/>
+          </a:p>
+        </p:txBody>
+      </p:sp>
+      <p:sp>
+        <p:nvSpPr>
+          <p:cNvPr id="25" name="任意多边形: 形状 24"/>
+          <p:cNvSpPr/>
+          <p:nvPr/>
+        </p:nvSpPr>
+        <p:spPr>
+          <a:xfrm flipH="1">
+            <a:off x="581108" y="202981"/>
+            <a:ext cx="344503" cy="615023"/>
+          </a:xfrm>
+          <a:custGeom>
+            <a:avLst/>
+            <a:gdLst>
+              <a:gd name="connsiteX0" fmla="*/ 586522 w 586522"/>
+              <a:gd name="connsiteY0" fmla="*/ 0 h 1047087"/>
+              <a:gd name="connsiteX1" fmla="*/ 470079 w 586522"/>
+              <a:gd name="connsiteY1" fmla="*/ 0 h 1047087"/>
+              <a:gd name="connsiteX2" fmla="*/ 0 w 586522"/>
+              <a:gd name="connsiteY2" fmla="*/ 1047087 h 1047087"/>
+              <a:gd name="connsiteX3" fmla="*/ 116443 w 586522"/>
+              <a:gd name="connsiteY3" fmla="*/ 1047087 h 1047087"/>
+            </a:gdLst>
+            <a:ahLst/>
+            <a:cxnLst>
+              <a:cxn ang="0">
+                <a:pos x="connsiteX0" y="connsiteY0"/>
+              </a:cxn>
+              <a:cxn ang="0">
+                <a:pos x="connsiteX1" y="connsiteY1"/>
+              </a:cxn>
+              <a:cxn ang="0">
+                <a:pos x="connsiteX2" y="connsiteY2"/>
+              </a:cxn>
+              <a:cxn ang="0">
+                <a:pos x="connsiteX3" y="connsiteY3"/>
+              </a:cxn>
+            </a:cxnLst>
+            <a:rect l="l" t="t" r="r" b="b"/>
+            <a:pathLst>
+              <a:path w="586522" h="1047087">
+                <a:moveTo>
+                  <a:pt x="586522" y="0"/>
+                </a:moveTo>
+                <a:lnTo>
+                  <a:pt x="470079" y="0"/>
+                </a:lnTo>
+                <a:lnTo>
+                  <a:pt x="0" y="1047087"/>
+                </a:lnTo>
+                <a:lnTo>
+                  <a:pt x="116443" y="1047087"/>
+                </a:lnTo>
+                <a:close/>
+              </a:path>
+            </a:pathLst>
+          </a:custGeom>
+          <a:solidFill>
+            <a:schemeClr val="bg1">
+              <a:lumMod val="95000"/>
+            </a:schemeClr>
+          </a:solidFill>
+          <a:ln>
+            <a:noFill/>
+          </a:ln>
+        </p:spPr>
+        <p:style>
+          <a:lnRef idx="2">
+            <a:schemeClr val="accent1">
+              <a:shade val="50000"/>
+            </a:schemeClr>
+          </a:lnRef>
+          <a:fillRef idx="1">
+            <a:schemeClr val="accent1"/>
+          </a:fillRef>
+          <a:effectRef idx="0">
+            <a:schemeClr val="accent1"/>
+          </a:effectRef>
+          <a:fontRef idx="minor">
+            <a:schemeClr val="lt1"/>
+          </a:fontRef>
+        </p:style>
+        <p:txBody>
+          <a:bodyPr rot="0" spcFirstLastPara="0" vertOverflow="overflow" horzOverflow="overflow" vert="horz" wrap="square" lIns="91440" tIns="45720" rIns="91440" bIns="45720" numCol="1" spcCol="0" rtlCol="0" fromWordArt="0" anchor="ctr" anchorCtr="0" forceAA="0" compatLnSpc="1">
+            <a:noAutofit/>
+          </a:bodyPr>
+          <a:lstStyle/>
+          <a:p>
+            <a:pPr algn="ctr"/>
+            <a:endParaRPr lang="zh-CN" altLang="en-US"/>
+          </a:p>
+        </p:txBody>
+      </p:sp>
+      <p:sp>
+        <p:nvSpPr>
+          <p:cNvPr id="6" name="文本框 5">
+            <a:extLst>
+              <a:ext uri="{FF2B5EF4-FFF2-40B4-BE49-F238E27FC236}">
+                <a16:creationId xmlns:a16="http://schemas.microsoft.com/office/drawing/2014/main" id="{6EF55A2A-20C8-73A3-7635-D9F8FF1B0DF4}"/>
+              </a:ext>
+            </a:extLst>
+          </p:cNvPr>
+          <p:cNvSpPr txBox="1"/>
+          <p:nvPr/>
+        </p:nvSpPr>
+        <p:spPr>
+          <a:xfrm>
+            <a:off x="422882" y="1858490"/>
+            <a:ext cx="11540518" cy="6247864"/>
+          </a:xfrm>
+          <a:prstGeom prst="rect">
+            <a:avLst/>
+          </a:prstGeom>
+          <a:noFill/>
+        </p:spPr>
+        <p:txBody>
+          <a:bodyPr wrap="square" rtlCol="0">
+            <a:spAutoFit/>
+          </a:bodyPr>
+          <a:lstStyle/>
+          <a:p>
+            <a:r>
+              <a:rPr lang="zh-CN" altLang="en-US" sz="2000" dirty="0">
+                <a:highlight>
+                  <a:srgbClr val="FFFFFF"/>
+                </a:highlight>
+                <a:latin typeface="-apple-system"/>
+              </a:rPr>
+              <a:t>导航功能：</a:t>
+            </a:r>
+            <a:endParaRPr lang="en-US" altLang="zh-CN" sz="2000" dirty="0">
+              <a:highlight>
+                <a:srgbClr val="FFFFFF"/>
+              </a:highlight>
+              <a:latin typeface="-apple-system"/>
+            </a:endParaRPr>
+          </a:p>
+          <a:p>
+            <a:pPr marL="457200" indent="-457200">
+              <a:buAutoNum type="arabicPeriod"/>
+            </a:pPr>
+            <a:r>
+              <a:rPr lang="zh-CN" altLang="en-US" sz="2000" dirty="0">
+                <a:highlight>
+                  <a:srgbClr val="FFFFFF"/>
+                </a:highlight>
+                <a:latin typeface="-apple-system"/>
+              </a:rPr>
+              <a:t>前进：手表与手机交替振动</a:t>
+            </a:r>
+            <a:endParaRPr lang="en-US" altLang="zh-CN" sz="2000" dirty="0">
+              <a:highlight>
+                <a:srgbClr val="FFFFFF"/>
+              </a:highlight>
+              <a:latin typeface="-apple-system"/>
+            </a:endParaRPr>
+          </a:p>
+          <a:p>
+            <a:pPr marL="457200" indent="-457200">
+              <a:buAutoNum type="arabicPeriod"/>
+            </a:pPr>
+            <a:r>
+              <a:rPr lang="zh-CN" altLang="en-US" sz="2000" dirty="0">
+                <a:highlight>
+                  <a:srgbClr val="FFFFFF"/>
+                </a:highlight>
+                <a:latin typeface="-apple-system"/>
+              </a:rPr>
+              <a:t>左转：手表与手机同时振动，手表单设备振动，（频率慢，离散，时间短）</a:t>
+            </a:r>
+            <a:endParaRPr lang="en-US" altLang="zh-CN" sz="2000" dirty="0">
+              <a:highlight>
+                <a:srgbClr val="FFFFFF"/>
+              </a:highlight>
+              <a:latin typeface="-apple-system"/>
+            </a:endParaRPr>
+          </a:p>
+          <a:p>
+            <a:pPr marL="457200" indent="-457200">
+              <a:buAutoNum type="arabicPeriod"/>
+            </a:pPr>
+            <a:r>
+              <a:rPr lang="zh-CN" altLang="en-US" sz="2000" dirty="0">
+                <a:highlight>
+                  <a:srgbClr val="FFFFFF"/>
+                </a:highlight>
+                <a:latin typeface="-apple-system"/>
+              </a:rPr>
+              <a:t>右转：手表与手机同时振动，手机单设备振动，（频率慢，离散，时间短）</a:t>
+            </a:r>
+            <a:endParaRPr lang="en-US" altLang="zh-CN" sz="2000" dirty="0">
+              <a:highlight>
+                <a:srgbClr val="FFFFFF"/>
+              </a:highlight>
+              <a:latin typeface="-apple-system"/>
+            </a:endParaRPr>
+          </a:p>
+          <a:p>
+            <a:pPr marL="457200" indent="-457200">
+              <a:buAutoNum type="arabicPeriod"/>
+            </a:pPr>
+            <a:r>
+              <a:rPr lang="zh-CN" altLang="en-US" sz="2000" dirty="0">
+                <a:highlight>
+                  <a:srgbClr val="FFFFFF"/>
+                </a:highlight>
+                <a:latin typeface="-apple-system"/>
+              </a:rPr>
+              <a:t>停止：手表与手机同时振动</a:t>
+            </a:r>
+            <a:endParaRPr lang="en-US" altLang="zh-CN" sz="2000" dirty="0">
+              <a:highlight>
+                <a:srgbClr val="FFFFFF"/>
+              </a:highlight>
+              <a:latin typeface="-apple-system"/>
+            </a:endParaRPr>
+          </a:p>
+          <a:p>
+            <a:pPr marL="457200" indent="-457200">
+              <a:buAutoNum type="arabicPeriod"/>
+            </a:pPr>
+            <a:endParaRPr lang="en-US" altLang="zh-CN" sz="2000" dirty="0">
+              <a:highlight>
+                <a:srgbClr val="FFFFFF"/>
+              </a:highlight>
+              <a:latin typeface="-apple-system"/>
+            </a:endParaRPr>
+          </a:p>
+          <a:p>
+            <a:r>
+              <a:rPr lang="zh-CN" altLang="en-US" sz="2000" dirty="0"/>
+              <a:t>事件危险预警功能：</a:t>
+            </a:r>
+            <a:endParaRPr lang="en-US" altLang="zh-CN" sz="2000" dirty="0"/>
+          </a:p>
+          <a:p>
+            <a:pPr marL="457200" indent="-457200">
+              <a:buAutoNum type="arabicPeriod"/>
+            </a:pPr>
+            <a:r>
+              <a:rPr lang="zh-CN" altLang="en-US" sz="2000" dirty="0"/>
+              <a:t>前方有障碍物：</a:t>
+            </a:r>
+            <a:endParaRPr lang="en-US" altLang="zh-CN" sz="2000" dirty="0"/>
+          </a:p>
+          <a:p>
+            <a:r>
+              <a:rPr lang="en-US" altLang="zh-CN" sz="2000" dirty="0"/>
+              <a:t>   	</a:t>
+            </a:r>
+            <a:r>
+              <a:rPr lang="zh-CN" altLang="en-US" sz="2000" dirty="0"/>
+              <a:t>左前方：</a:t>
+            </a:r>
+            <a:r>
+              <a:rPr lang="zh-CN" altLang="en-US" sz="2000" dirty="0">
+                <a:highlight>
+                  <a:srgbClr val="FFFFFF"/>
+                </a:highlight>
+                <a:latin typeface="-apple-system"/>
+              </a:rPr>
+              <a:t>手表单设备振动，（频率快，连续，时间短）</a:t>
+            </a:r>
+            <a:endParaRPr lang="en-US" altLang="zh-CN" sz="2000" dirty="0">
+              <a:highlight>
+                <a:srgbClr val="FFFFFF"/>
+              </a:highlight>
+              <a:latin typeface="-apple-system"/>
+            </a:endParaRPr>
+          </a:p>
+          <a:p>
+            <a:r>
+              <a:rPr lang="en-US" altLang="zh-CN" sz="2000" dirty="0"/>
+              <a:t>	</a:t>
+            </a:r>
+            <a:r>
+              <a:rPr lang="zh-CN" altLang="en-US" sz="2000" dirty="0"/>
+              <a:t>右前方：</a:t>
+            </a:r>
+            <a:r>
+              <a:rPr lang="zh-CN" altLang="en-US" sz="2000" dirty="0">
+                <a:highlight>
+                  <a:srgbClr val="FFFFFF"/>
+                </a:highlight>
+                <a:latin typeface="-apple-system"/>
+              </a:rPr>
+              <a:t>手机单设备振动，（频率快，连续，时间短）</a:t>
+            </a:r>
+            <a:endParaRPr lang="en-US" altLang="zh-CN" sz="2000" dirty="0"/>
+          </a:p>
+          <a:p>
+            <a:pPr marL="457200" indent="-457200">
+              <a:buAutoNum type="arabicPeriod"/>
+            </a:pPr>
+            <a:endParaRPr lang="en-US" altLang="zh-CN" sz="2000" dirty="0"/>
+          </a:p>
+          <a:p>
+            <a:r>
+              <a:rPr lang="zh-CN" altLang="en-US" sz="2000" dirty="0"/>
+              <a:t>动作行为辅助功能：</a:t>
+            </a:r>
+            <a:endParaRPr lang="en-US" altLang="zh-CN" sz="2000" dirty="0"/>
+          </a:p>
+          <a:p>
+            <a:pPr marL="457200" indent="-457200">
+              <a:buAutoNum type="arabicPeriod"/>
+            </a:pPr>
+            <a:r>
+              <a:rPr lang="zh-CN" altLang="en-US" sz="2000" dirty="0">
+                <a:highlight>
+                  <a:srgbClr val="FFFFFF"/>
+                </a:highlight>
+                <a:latin typeface="-apple-system"/>
+              </a:rPr>
+              <a:t>直线保持：</a:t>
+            </a:r>
+            <a:endParaRPr lang="en-US" altLang="zh-CN" sz="2000" dirty="0">
+              <a:highlight>
+                <a:srgbClr val="FFFFFF"/>
+              </a:highlight>
+              <a:latin typeface="-apple-system"/>
+            </a:endParaRPr>
+          </a:p>
+          <a:p>
+            <a:r>
+              <a:rPr lang="en-US" altLang="zh-CN" sz="2000" dirty="0">
+                <a:highlight>
+                  <a:srgbClr val="FFFFFF"/>
+                </a:highlight>
+                <a:latin typeface="-apple-system"/>
+              </a:rPr>
+              <a:t>	</a:t>
+            </a:r>
+            <a:r>
+              <a:rPr lang="zh-CN" altLang="en-US" sz="2000" dirty="0">
+                <a:highlight>
+                  <a:srgbClr val="FFFFFF"/>
+                </a:highlight>
+                <a:latin typeface="-apple-system"/>
+              </a:rPr>
+              <a:t>向左保持：手表单设备振动，（频率慢，连续，时间长）</a:t>
+            </a:r>
+            <a:endParaRPr lang="en-US" altLang="zh-CN" sz="2000" dirty="0">
+              <a:highlight>
+                <a:srgbClr val="FFFFFF"/>
+              </a:highlight>
+              <a:latin typeface="-apple-system"/>
+            </a:endParaRPr>
+          </a:p>
+          <a:p>
+            <a:r>
+              <a:rPr lang="en-US" altLang="zh-CN" sz="2000" dirty="0">
+                <a:highlight>
+                  <a:srgbClr val="FFFFFF"/>
+                </a:highlight>
+                <a:latin typeface="-apple-system"/>
+              </a:rPr>
+              <a:t>	</a:t>
+            </a:r>
+            <a:r>
+              <a:rPr lang="zh-CN" altLang="en-US" sz="2000" dirty="0">
+                <a:highlight>
+                  <a:srgbClr val="FFFFFF"/>
+                </a:highlight>
+                <a:latin typeface="-apple-system"/>
+              </a:rPr>
+              <a:t>向右保持：手机单设备振动，（频率慢，连续，时间长）</a:t>
+            </a:r>
+            <a:endParaRPr lang="en-US" altLang="zh-CN" sz="2000" dirty="0"/>
+          </a:p>
+          <a:p>
+            <a:endParaRPr lang="en-US" altLang="zh-CN" sz="2000" dirty="0">
+              <a:highlight>
+                <a:srgbClr val="FFFFFF"/>
+              </a:highlight>
+              <a:latin typeface="-apple-system"/>
+            </a:endParaRPr>
+          </a:p>
+          <a:p>
+            <a:endParaRPr lang="en-US" altLang="zh-CN" sz="2000" dirty="0">
+              <a:highlight>
+                <a:srgbClr val="FFFFFF"/>
+              </a:highlight>
+              <a:latin typeface="-apple-system"/>
+            </a:endParaRPr>
+          </a:p>
+          <a:p>
+            <a:pPr marL="457200" indent="-457200">
+              <a:buAutoNum type="arabicPeriod"/>
+            </a:pPr>
+            <a:endParaRPr lang="en-US" altLang="zh-CN" sz="2000" dirty="0"/>
+          </a:p>
+          <a:p>
+            <a:endParaRPr lang="en-US" altLang="zh-CN" sz="2000" dirty="0"/>
+          </a:p>
+          <a:p>
+            <a:endParaRPr lang="en-US" altLang="zh-CN" sz="2000" dirty="0"/>
+          </a:p>
+        </p:txBody>
+      </p:sp>
+      <p:sp>
+        <p:nvSpPr>
+          <p:cNvPr id="2" name="文本框 1">
+            <a:extLst>
+              <a:ext uri="{FF2B5EF4-FFF2-40B4-BE49-F238E27FC236}">
+                <a16:creationId xmlns:a16="http://schemas.microsoft.com/office/drawing/2014/main" id="{0F7D0A9B-401A-9893-DEF7-2C6FF8D47F90}"/>
+              </a:ext>
+            </a:extLst>
+          </p:cNvPr>
+          <p:cNvSpPr txBox="1"/>
+          <p:nvPr/>
+        </p:nvSpPr>
+        <p:spPr bwMode="auto">
+          <a:xfrm>
+            <a:off x="581108" y="1121890"/>
+            <a:ext cx="10675471" cy="523220"/>
+          </a:xfrm>
+          <a:prstGeom prst="rect">
+            <a:avLst/>
+          </a:prstGeom>
+          <a:noFill/>
+        </p:spPr>
+        <p:txBody>
+          <a:bodyPr wrap="square">
+            <a:spAutoFit/>
+            <a:scene3d>
+              <a:camera prst="orthographicFront"/>
+              <a:lightRig rig="threePt" dir="t"/>
+            </a:scene3d>
+            <a:sp3d contourW="12700"/>
+          </a:bodyPr>
+          <a:lstStyle/>
+          <a:p>
+            <a:pPr>
+              <a:defRPr/>
+            </a:pPr>
+            <a:r>
+              <a:rPr lang="zh-CN" altLang="en-US" sz="2800" b="1" dirty="0">
+                <a:solidFill>
+                  <a:srgbClr val="7F12B6"/>
+                </a:solidFill>
+                <a:latin typeface="时尚中黑简体" panose="01010104010101010101" pitchFamily="2" charset="-122"/>
+                <a:ea typeface="时尚中黑简体" panose="01010104010101010101" pitchFamily="2" charset="-122"/>
+              </a:rPr>
+              <a:t>实验设计</a:t>
+            </a:r>
+            <a:r>
+              <a:rPr lang="en-US" altLang="zh-CN" sz="2800" b="1" dirty="0">
+                <a:solidFill>
+                  <a:srgbClr val="7F12B6"/>
+                </a:solidFill>
+                <a:latin typeface="时尚中黑简体" panose="01010104010101010101" pitchFamily="2" charset="-122"/>
+                <a:ea typeface="时尚中黑简体" panose="01010104010101010101" pitchFamily="2" charset="-122"/>
+              </a:rPr>
+              <a:t>—</a:t>
+            </a:r>
+            <a:r>
+              <a:rPr lang="zh-CN" altLang="en-US" sz="2800" b="1" dirty="0">
+                <a:solidFill>
+                  <a:srgbClr val="7F12B6"/>
+                </a:solidFill>
+                <a:latin typeface="时尚中黑简体" panose="01010104010101010101" pitchFamily="2" charset="-122"/>
+                <a:ea typeface="时尚中黑简体" panose="01010104010101010101" pitchFamily="2" charset="-122"/>
+              </a:rPr>
+              <a:t>模式</a:t>
+            </a:r>
+            <a:r>
+              <a:rPr lang="en-US" altLang="zh-CN" sz="2800" b="1" dirty="0">
+                <a:solidFill>
+                  <a:srgbClr val="7F12B6"/>
+                </a:solidFill>
+                <a:latin typeface="时尚中黑简体" panose="01010104010101010101" pitchFamily="2" charset="-122"/>
+                <a:ea typeface="时尚中黑简体" panose="01010104010101010101" pitchFamily="2" charset="-122"/>
+              </a:rPr>
+              <a:t>3</a:t>
+            </a:r>
+          </a:p>
+        </p:txBody>
+      </p:sp>
+    </p:spTree>
+    <p:extLst>
+      <p:ext uri="{BB962C8B-B14F-4D97-AF65-F5344CB8AC3E}">
+        <p14:creationId xmlns:p14="http://schemas.microsoft.com/office/powerpoint/2010/main" val="2338273033"/>
+      </p:ext>
+    </p:extLst>
+  </p:cSld>
+  <p:clrMapOvr>
+    <a:masterClrMapping/>
+  </p:clrMapOvr>
+  <mc:AlternateContent xmlns:mc="http://schemas.openxmlformats.org/markup-compatibility/2006" xmlns:p14="http://schemas.microsoft.com/office/powerpoint/2010/main">
+    <mc:Choice Requires="p14">
+      <p:transition spd="slow" p14:dur="1500" advTm="0">
+        <p:random/>
+      </p:transition>
+    </mc:Choice>
+    <mc:Fallback xmlns="">
+      <p:transition spd="slow" advTm="0">
+        <p:random/>
+      </p:transition>
+    </mc:Fallback>
+  </mc:AlternateContent>
+</p:sld>
+</file>
+
+<file path=ppt/slides/slide42.xml><?xml version="1.0" encoding="utf-8"?>
+<p:sld xmlns:a="http://schemas.openxmlformats.org/drawingml/2006/main" xmlns:r="http://schemas.openxmlformats.org/officeDocument/2006/relationships" xmlns:p="http://schemas.openxmlformats.org/presentationml/2006/main">
+  <p:cSld>
+    <p:spTree>
+      <p:nvGrpSpPr>
+        <p:cNvPr id="1" name=""/>
+        <p:cNvGrpSpPr/>
+        <p:nvPr/>
+      </p:nvGrpSpPr>
+      <p:grpSpPr>
+        <a:xfrm>
+          <a:off x="0" y="0"/>
+          <a:ext cx="0" cy="0"/>
+          <a:chOff x="0" y="0"/>
+          <a:chExt cx="0" cy="0"/>
+        </a:xfrm>
+      </p:grpSpPr>
+      <p:grpSp>
+        <p:nvGrpSpPr>
+          <p:cNvPr id="21" name="组合 20"/>
+          <p:cNvGrpSpPr/>
+          <p:nvPr/>
+        </p:nvGrpSpPr>
+        <p:grpSpPr>
+          <a:xfrm>
+            <a:off x="5270500" y="510493"/>
+            <a:ext cx="7561033" cy="380555"/>
+            <a:chOff x="6997699" y="510493"/>
+            <a:chExt cx="5794625" cy="380555"/>
+          </a:xfrm>
+        </p:grpSpPr>
+        <p:sp>
+          <p:nvSpPr>
+            <p:cNvPr id="22" name="任意多边形: 形状 21"/>
+            <p:cNvSpPr/>
+            <p:nvPr userDrawn="1"/>
+          </p:nvSpPr>
+          <p:spPr>
+            <a:xfrm flipH="1">
+              <a:off x="6997699" y="764493"/>
+              <a:ext cx="5376633" cy="126555"/>
+            </a:xfrm>
+            <a:custGeom>
+              <a:avLst/>
+              <a:gdLst>
+                <a:gd name="connsiteX0" fmla="*/ 7367523 w 7367523"/>
+                <a:gd name="connsiteY0" fmla="*/ 0 h 173416"/>
+                <a:gd name="connsiteX1" fmla="*/ 6374783 w 7367523"/>
+                <a:gd name="connsiteY1" fmla="*/ 0 h 173416"/>
+                <a:gd name="connsiteX2" fmla="*/ 6240349 w 7367523"/>
+                <a:gd name="connsiteY2" fmla="*/ 0 h 173416"/>
+                <a:gd name="connsiteX3" fmla="*/ 5540227 w 7367523"/>
+                <a:gd name="connsiteY3" fmla="*/ 0 h 173416"/>
+                <a:gd name="connsiteX4" fmla="*/ 5247612 w 7367523"/>
+                <a:gd name="connsiteY4" fmla="*/ 0 h 173416"/>
+                <a:gd name="connsiteX5" fmla="*/ 4707193 w 7367523"/>
+                <a:gd name="connsiteY5" fmla="*/ 0 h 173416"/>
+                <a:gd name="connsiteX6" fmla="*/ 4413053 w 7367523"/>
+                <a:gd name="connsiteY6" fmla="*/ 0 h 173416"/>
+                <a:gd name="connsiteX7" fmla="*/ 3865356 w 7367523"/>
+                <a:gd name="connsiteY7" fmla="*/ 0 h 173416"/>
+                <a:gd name="connsiteX8" fmla="*/ 3580019 w 7367523"/>
+                <a:gd name="connsiteY8" fmla="*/ 0 h 173416"/>
+                <a:gd name="connsiteX9" fmla="*/ 2872616 w 7367523"/>
+                <a:gd name="connsiteY9" fmla="*/ 0 h 173416"/>
+                <a:gd name="connsiteX10" fmla="*/ 2738183 w 7367523"/>
+                <a:gd name="connsiteY10" fmla="*/ 0 h 173416"/>
+                <a:gd name="connsiteX11" fmla="*/ 2038060 w 7367523"/>
+                <a:gd name="connsiteY11" fmla="*/ 0 h 173416"/>
+                <a:gd name="connsiteX12" fmla="*/ 1745445 w 7367523"/>
+                <a:gd name="connsiteY12" fmla="*/ 0 h 173416"/>
+                <a:gd name="connsiteX13" fmla="*/ 1205026 w 7367523"/>
+                <a:gd name="connsiteY13" fmla="*/ 0 h 173416"/>
+                <a:gd name="connsiteX14" fmla="*/ 910887 w 7367523"/>
+                <a:gd name="connsiteY14" fmla="*/ 0 h 173416"/>
+                <a:gd name="connsiteX15" fmla="*/ 77853 w 7367523"/>
+                <a:gd name="connsiteY15" fmla="*/ 0 h 173416"/>
+                <a:gd name="connsiteX16" fmla="*/ 0 w 7367523"/>
+                <a:gd name="connsiteY16" fmla="*/ 173416 h 173416"/>
+                <a:gd name="connsiteX17" fmla="*/ 7289670 w 7367523"/>
+                <a:gd name="connsiteY17" fmla="*/ 173416 h 173416"/>
+              </a:gdLst>
+              <a:ahLst/>
+              <a:cxnLst>
+                <a:cxn ang="0">
+                  <a:pos x="connsiteX0" y="connsiteY0"/>
+                </a:cxn>
+                <a:cxn ang="0">
+                  <a:pos x="connsiteX1" y="connsiteY1"/>
+                </a:cxn>
+                <a:cxn ang="0">
+                  <a:pos x="connsiteX2" y="connsiteY2"/>
+                </a:cxn>
+                <a:cxn ang="0">
+                  <a:pos x="connsiteX3" y="connsiteY3"/>
+                </a:cxn>
+                <a:cxn ang="0">
+                  <a:pos x="connsiteX4" y="connsiteY4"/>
+                </a:cxn>
+                <a:cxn ang="0">
+                  <a:pos x="connsiteX5" y="connsiteY5"/>
+                </a:cxn>
+                <a:cxn ang="0">
+                  <a:pos x="connsiteX6" y="connsiteY6"/>
+                </a:cxn>
+                <a:cxn ang="0">
+                  <a:pos x="connsiteX7" y="connsiteY7"/>
+                </a:cxn>
+                <a:cxn ang="0">
+                  <a:pos x="connsiteX8" y="connsiteY8"/>
+                </a:cxn>
+                <a:cxn ang="0">
+                  <a:pos x="connsiteX9" y="connsiteY9"/>
+                </a:cxn>
+                <a:cxn ang="0">
+                  <a:pos x="connsiteX10" y="connsiteY10"/>
+                </a:cxn>
+                <a:cxn ang="0">
+                  <a:pos x="connsiteX11" y="connsiteY11"/>
+                </a:cxn>
+                <a:cxn ang="0">
+                  <a:pos x="connsiteX12" y="connsiteY12"/>
+                </a:cxn>
+                <a:cxn ang="0">
+                  <a:pos x="connsiteX13" y="connsiteY13"/>
+                </a:cxn>
+                <a:cxn ang="0">
+                  <a:pos x="connsiteX14" y="connsiteY14"/>
+                </a:cxn>
+                <a:cxn ang="0">
+                  <a:pos x="connsiteX15" y="connsiteY15"/>
+                </a:cxn>
+                <a:cxn ang="0">
+                  <a:pos x="connsiteX16" y="connsiteY16"/>
+                </a:cxn>
+                <a:cxn ang="0">
+                  <a:pos x="connsiteX17" y="connsiteY17"/>
+                </a:cxn>
+              </a:cxnLst>
+              <a:rect l="l" t="t" r="r" b="b"/>
+              <a:pathLst>
+                <a:path w="7367523" h="173416">
+                  <a:moveTo>
+                    <a:pt x="7367523" y="0"/>
+                  </a:moveTo>
+                  <a:lnTo>
+                    <a:pt x="6374783" y="0"/>
+                  </a:lnTo>
+                  <a:lnTo>
+                    <a:pt x="6240349" y="0"/>
+                  </a:lnTo>
+                  <a:lnTo>
+                    <a:pt x="5540227" y="0"/>
+                  </a:lnTo>
+                  <a:lnTo>
+                    <a:pt x="5247612" y="0"/>
+                  </a:lnTo>
+                  <a:lnTo>
+                    <a:pt x="4707193" y="0"/>
+                  </a:lnTo>
+                  <a:lnTo>
+                    <a:pt x="4413053" y="0"/>
+                  </a:lnTo>
+                  <a:lnTo>
+                    <a:pt x="3865356" y="0"/>
+                  </a:lnTo>
+                  <a:lnTo>
+                    <a:pt x="3580019" y="0"/>
+                  </a:lnTo>
+                  <a:lnTo>
+                    <a:pt x="2872616" y="0"/>
+                  </a:lnTo>
+                  <a:lnTo>
+                    <a:pt x="2738183" y="0"/>
+                  </a:lnTo>
+                  <a:lnTo>
+                    <a:pt x="2038060" y="0"/>
+                  </a:lnTo>
+                  <a:lnTo>
+                    <a:pt x="1745445" y="0"/>
+                  </a:lnTo>
+                  <a:lnTo>
+                    <a:pt x="1205026" y="0"/>
+                  </a:lnTo>
+                  <a:lnTo>
+                    <a:pt x="910887" y="0"/>
+                  </a:lnTo>
+                  <a:lnTo>
+                    <a:pt x="77853" y="0"/>
+                  </a:lnTo>
+                  <a:lnTo>
+                    <a:pt x="0" y="173416"/>
+                  </a:lnTo>
+                  <a:lnTo>
+                    <a:pt x="7289670" y="173416"/>
+                  </a:lnTo>
+                  <a:close/>
+                </a:path>
+              </a:pathLst>
+            </a:custGeom>
+            <a:gradFill flip="none" rotWithShape="0">
+              <a:gsLst>
+                <a:gs pos="0">
+                  <a:srgbClr val="228AF2"/>
+                </a:gs>
+                <a:gs pos="94000">
+                  <a:srgbClr val="7F12B6"/>
+                </a:gs>
+              </a:gsLst>
+              <a:lin ang="2700000" scaled="1"/>
+              <a:tileRect/>
+            </a:gradFill>
+            <a:ln>
+              <a:noFill/>
+            </a:ln>
+          </p:spPr>
+          <p:style>
+            <a:lnRef idx="2">
+              <a:schemeClr val="accent1">
+                <a:shade val="50000"/>
+              </a:schemeClr>
+            </a:lnRef>
+            <a:fillRef idx="1">
+              <a:schemeClr val="accent1"/>
+            </a:fillRef>
+            <a:effectRef idx="0">
+              <a:schemeClr val="accent1"/>
+            </a:effectRef>
+            <a:fontRef idx="minor">
+              <a:schemeClr val="lt1"/>
+            </a:fontRef>
+          </p:style>
+          <p:txBody>
+            <a:bodyPr rot="0" spcFirstLastPara="0" vertOverflow="overflow" horzOverflow="overflow" vert="horz" wrap="square" lIns="91440" tIns="45720" rIns="91440" bIns="45720" numCol="1" spcCol="0" rtlCol="0" fromWordArt="0" anchor="ctr" anchorCtr="0" forceAA="0" compatLnSpc="1">
+              <a:noAutofit/>
+            </a:bodyPr>
+            <a:lstStyle/>
+            <a:p>
+              <a:pPr algn="ctr"/>
+              <a:endParaRPr lang="zh-CN" altLang="en-US"/>
+            </a:p>
+          </p:txBody>
+        </p:sp>
+        <p:sp>
+          <p:nvSpPr>
+            <p:cNvPr id="23" name="任意多边形: 形状 22"/>
+            <p:cNvSpPr/>
+            <p:nvPr userDrawn="1"/>
+          </p:nvSpPr>
+          <p:spPr>
+            <a:xfrm flipH="1">
+              <a:off x="7415691" y="510493"/>
+              <a:ext cx="5376633" cy="126555"/>
+            </a:xfrm>
+            <a:custGeom>
+              <a:avLst/>
+              <a:gdLst>
+                <a:gd name="connsiteX0" fmla="*/ 7367523 w 7367523"/>
+                <a:gd name="connsiteY0" fmla="*/ 0 h 173416"/>
+                <a:gd name="connsiteX1" fmla="*/ 6374783 w 7367523"/>
+                <a:gd name="connsiteY1" fmla="*/ 0 h 173416"/>
+                <a:gd name="connsiteX2" fmla="*/ 6240349 w 7367523"/>
+                <a:gd name="connsiteY2" fmla="*/ 0 h 173416"/>
+                <a:gd name="connsiteX3" fmla="*/ 5540227 w 7367523"/>
+                <a:gd name="connsiteY3" fmla="*/ 0 h 173416"/>
+                <a:gd name="connsiteX4" fmla="*/ 5247612 w 7367523"/>
+                <a:gd name="connsiteY4" fmla="*/ 0 h 173416"/>
+                <a:gd name="connsiteX5" fmla="*/ 4707193 w 7367523"/>
+                <a:gd name="connsiteY5" fmla="*/ 0 h 173416"/>
+                <a:gd name="connsiteX6" fmla="*/ 4413053 w 7367523"/>
+                <a:gd name="connsiteY6" fmla="*/ 0 h 173416"/>
+                <a:gd name="connsiteX7" fmla="*/ 3865356 w 7367523"/>
+                <a:gd name="connsiteY7" fmla="*/ 0 h 173416"/>
+                <a:gd name="connsiteX8" fmla="*/ 3580019 w 7367523"/>
+                <a:gd name="connsiteY8" fmla="*/ 0 h 173416"/>
+                <a:gd name="connsiteX9" fmla="*/ 2872616 w 7367523"/>
+                <a:gd name="connsiteY9" fmla="*/ 0 h 173416"/>
+                <a:gd name="connsiteX10" fmla="*/ 2738183 w 7367523"/>
+                <a:gd name="connsiteY10" fmla="*/ 0 h 173416"/>
+                <a:gd name="connsiteX11" fmla="*/ 2038060 w 7367523"/>
+                <a:gd name="connsiteY11" fmla="*/ 0 h 173416"/>
+                <a:gd name="connsiteX12" fmla="*/ 1745445 w 7367523"/>
+                <a:gd name="connsiteY12" fmla="*/ 0 h 173416"/>
+                <a:gd name="connsiteX13" fmla="*/ 1205026 w 7367523"/>
+                <a:gd name="connsiteY13" fmla="*/ 0 h 173416"/>
+                <a:gd name="connsiteX14" fmla="*/ 910887 w 7367523"/>
+                <a:gd name="connsiteY14" fmla="*/ 0 h 173416"/>
+                <a:gd name="connsiteX15" fmla="*/ 77853 w 7367523"/>
+                <a:gd name="connsiteY15" fmla="*/ 0 h 173416"/>
+                <a:gd name="connsiteX16" fmla="*/ 0 w 7367523"/>
+                <a:gd name="connsiteY16" fmla="*/ 173416 h 173416"/>
+                <a:gd name="connsiteX17" fmla="*/ 7289670 w 7367523"/>
+                <a:gd name="connsiteY17" fmla="*/ 173416 h 173416"/>
+              </a:gdLst>
+              <a:ahLst/>
+              <a:cxnLst>
+                <a:cxn ang="0">
+                  <a:pos x="connsiteX0" y="connsiteY0"/>
+                </a:cxn>
+                <a:cxn ang="0">
+                  <a:pos x="connsiteX1" y="connsiteY1"/>
+                </a:cxn>
+                <a:cxn ang="0">
+                  <a:pos x="connsiteX2" y="connsiteY2"/>
+                </a:cxn>
+                <a:cxn ang="0">
+                  <a:pos x="connsiteX3" y="connsiteY3"/>
+                </a:cxn>
+                <a:cxn ang="0">
+                  <a:pos x="connsiteX4" y="connsiteY4"/>
+                </a:cxn>
+                <a:cxn ang="0">
+                  <a:pos x="connsiteX5" y="connsiteY5"/>
+                </a:cxn>
+                <a:cxn ang="0">
+                  <a:pos x="connsiteX6" y="connsiteY6"/>
+                </a:cxn>
+                <a:cxn ang="0">
+                  <a:pos x="connsiteX7" y="connsiteY7"/>
+                </a:cxn>
+                <a:cxn ang="0">
+                  <a:pos x="connsiteX8" y="connsiteY8"/>
+                </a:cxn>
+                <a:cxn ang="0">
+                  <a:pos x="connsiteX9" y="connsiteY9"/>
+                </a:cxn>
+                <a:cxn ang="0">
+                  <a:pos x="connsiteX10" y="connsiteY10"/>
+                </a:cxn>
+                <a:cxn ang="0">
+                  <a:pos x="connsiteX11" y="connsiteY11"/>
+                </a:cxn>
+                <a:cxn ang="0">
+                  <a:pos x="connsiteX12" y="connsiteY12"/>
+                </a:cxn>
+                <a:cxn ang="0">
+                  <a:pos x="connsiteX13" y="connsiteY13"/>
+                </a:cxn>
+                <a:cxn ang="0">
+                  <a:pos x="connsiteX14" y="connsiteY14"/>
+                </a:cxn>
+                <a:cxn ang="0">
+                  <a:pos x="connsiteX15" y="connsiteY15"/>
+                </a:cxn>
+                <a:cxn ang="0">
+                  <a:pos x="connsiteX16" y="connsiteY16"/>
+                </a:cxn>
+                <a:cxn ang="0">
+                  <a:pos x="connsiteX17" y="connsiteY17"/>
+                </a:cxn>
+              </a:cxnLst>
+              <a:rect l="l" t="t" r="r" b="b"/>
+              <a:pathLst>
+                <a:path w="7367523" h="173416">
+                  <a:moveTo>
+                    <a:pt x="7367523" y="0"/>
+                  </a:moveTo>
+                  <a:lnTo>
+                    <a:pt x="6374783" y="0"/>
+                  </a:lnTo>
+                  <a:lnTo>
+                    <a:pt x="6240349" y="0"/>
+                  </a:lnTo>
+                  <a:lnTo>
+                    <a:pt x="5540227" y="0"/>
+                  </a:lnTo>
+                  <a:lnTo>
+                    <a:pt x="5247612" y="0"/>
+                  </a:lnTo>
+                  <a:lnTo>
+                    <a:pt x="4707193" y="0"/>
+                  </a:lnTo>
+                  <a:lnTo>
+                    <a:pt x="4413053" y="0"/>
+                  </a:lnTo>
+                  <a:lnTo>
+                    <a:pt x="3865356" y="0"/>
+                  </a:lnTo>
+                  <a:lnTo>
+                    <a:pt x="3580019" y="0"/>
+                  </a:lnTo>
+                  <a:lnTo>
+                    <a:pt x="2872616" y="0"/>
+                  </a:lnTo>
+                  <a:lnTo>
+                    <a:pt x="2738183" y="0"/>
+                  </a:lnTo>
+                  <a:lnTo>
+                    <a:pt x="2038060" y="0"/>
+                  </a:lnTo>
+                  <a:lnTo>
+                    <a:pt x="1745445" y="0"/>
+                  </a:lnTo>
+                  <a:lnTo>
+                    <a:pt x="1205026" y="0"/>
+                  </a:lnTo>
+                  <a:lnTo>
+                    <a:pt x="910887" y="0"/>
+                  </a:lnTo>
+                  <a:lnTo>
+                    <a:pt x="77853" y="0"/>
+                  </a:lnTo>
+                  <a:lnTo>
+                    <a:pt x="0" y="173416"/>
+                  </a:lnTo>
+                  <a:lnTo>
+                    <a:pt x="7289670" y="173416"/>
+                  </a:lnTo>
+                  <a:close/>
+                </a:path>
+              </a:pathLst>
+            </a:custGeom>
+            <a:solidFill>
+              <a:schemeClr val="bg2"/>
+            </a:solidFill>
+            <a:ln>
+              <a:noFill/>
+            </a:ln>
+          </p:spPr>
+          <p:style>
+            <a:lnRef idx="2">
+              <a:schemeClr val="accent1">
+                <a:shade val="50000"/>
+              </a:schemeClr>
+            </a:lnRef>
+            <a:fillRef idx="1">
+              <a:schemeClr val="accent1"/>
+            </a:fillRef>
+            <a:effectRef idx="0">
+              <a:schemeClr val="accent1"/>
+            </a:effectRef>
+            <a:fontRef idx="minor">
+              <a:schemeClr val="lt1"/>
+            </a:fontRef>
+          </p:style>
+          <p:txBody>
+            <a:bodyPr rot="0" spcFirstLastPara="0" vertOverflow="overflow" horzOverflow="overflow" vert="horz" wrap="square" lIns="91440" tIns="45720" rIns="91440" bIns="45720" numCol="1" spcCol="0" rtlCol="0" fromWordArt="0" anchor="ctr" anchorCtr="0" forceAA="0" compatLnSpc="1">
+              <a:noAutofit/>
+            </a:bodyPr>
+            <a:lstStyle/>
+            <a:p>
+              <a:pPr algn="ctr"/>
+              <a:endParaRPr lang="zh-CN" altLang="en-US"/>
+            </a:p>
+          </p:txBody>
+        </p:sp>
+      </p:grpSp>
+      <p:sp>
+        <p:nvSpPr>
+          <p:cNvPr id="24" name="任意多边形: 形状 23"/>
+          <p:cNvSpPr/>
+          <p:nvPr/>
+        </p:nvSpPr>
+        <p:spPr>
+          <a:xfrm flipH="1">
+            <a:off x="129621" y="0"/>
+            <a:ext cx="586522" cy="1047087"/>
+          </a:xfrm>
+          <a:custGeom>
+            <a:avLst/>
+            <a:gdLst>
+              <a:gd name="connsiteX0" fmla="*/ 586522 w 586522"/>
+              <a:gd name="connsiteY0" fmla="*/ 0 h 1047087"/>
+              <a:gd name="connsiteX1" fmla="*/ 470079 w 586522"/>
+              <a:gd name="connsiteY1" fmla="*/ 0 h 1047087"/>
+              <a:gd name="connsiteX2" fmla="*/ 0 w 586522"/>
+              <a:gd name="connsiteY2" fmla="*/ 1047087 h 1047087"/>
+              <a:gd name="connsiteX3" fmla="*/ 116443 w 586522"/>
+              <a:gd name="connsiteY3" fmla="*/ 1047087 h 1047087"/>
+            </a:gdLst>
+            <a:ahLst/>
+            <a:cxnLst>
+              <a:cxn ang="0">
+                <a:pos x="connsiteX0" y="connsiteY0"/>
+              </a:cxn>
+              <a:cxn ang="0">
+                <a:pos x="connsiteX1" y="connsiteY1"/>
+              </a:cxn>
+              <a:cxn ang="0">
+                <a:pos x="connsiteX2" y="connsiteY2"/>
+              </a:cxn>
+              <a:cxn ang="0">
+                <a:pos x="connsiteX3" y="connsiteY3"/>
+              </a:cxn>
+            </a:cxnLst>
+            <a:rect l="l" t="t" r="r" b="b"/>
+            <a:pathLst>
+              <a:path w="586522" h="1047087">
+                <a:moveTo>
+                  <a:pt x="586522" y="0"/>
+                </a:moveTo>
+                <a:lnTo>
+                  <a:pt x="470079" y="0"/>
+                </a:lnTo>
+                <a:lnTo>
+                  <a:pt x="0" y="1047087"/>
+                </a:lnTo>
+                <a:lnTo>
+                  <a:pt x="116443" y="1047087"/>
+                </a:lnTo>
+                <a:close/>
+              </a:path>
+            </a:pathLst>
+          </a:custGeom>
+          <a:gradFill flip="none" rotWithShape="0">
+            <a:gsLst>
+              <a:gs pos="0">
+                <a:srgbClr val="53A5F5">
+                  <a:lumMod val="73000"/>
+                  <a:lumOff val="27000"/>
+                </a:srgbClr>
+              </a:gs>
+              <a:gs pos="94000">
+                <a:srgbClr val="9214CF">
+                  <a:lumMod val="73000"/>
+                  <a:lumOff val="27000"/>
+                </a:srgbClr>
+              </a:gs>
+            </a:gsLst>
+            <a:lin ang="2700000" scaled="1"/>
+            <a:tileRect/>
+          </a:gradFill>
+          <a:ln>
+            <a:noFill/>
+          </a:ln>
+        </p:spPr>
+        <p:style>
+          <a:lnRef idx="2">
+            <a:schemeClr val="accent1">
+              <a:shade val="50000"/>
+            </a:schemeClr>
+          </a:lnRef>
+          <a:fillRef idx="1">
+            <a:schemeClr val="accent1"/>
+          </a:fillRef>
+          <a:effectRef idx="0">
+            <a:schemeClr val="accent1"/>
+          </a:effectRef>
+          <a:fontRef idx="minor">
+            <a:schemeClr val="lt1"/>
+          </a:fontRef>
+        </p:style>
+        <p:txBody>
+          <a:bodyPr rot="0" spcFirstLastPara="0" vertOverflow="overflow" horzOverflow="overflow" vert="horz" wrap="square" lIns="91440" tIns="45720" rIns="91440" bIns="45720" numCol="1" spcCol="0" rtlCol="0" fromWordArt="0" anchor="ctr" anchorCtr="0" forceAA="0" compatLnSpc="1">
+            <a:noAutofit/>
+          </a:bodyPr>
+          <a:lstStyle/>
+          <a:p>
+            <a:pPr algn="ctr"/>
+            <a:endParaRPr lang="zh-CN" altLang="en-US"/>
+          </a:p>
+        </p:txBody>
+      </p:sp>
+      <p:sp>
+        <p:nvSpPr>
+          <p:cNvPr id="25" name="任意多边形: 形状 24"/>
+          <p:cNvSpPr/>
+          <p:nvPr/>
+        </p:nvSpPr>
+        <p:spPr>
+          <a:xfrm flipH="1">
+            <a:off x="581108" y="202981"/>
+            <a:ext cx="344503" cy="615023"/>
+          </a:xfrm>
+          <a:custGeom>
+            <a:avLst/>
+            <a:gdLst>
+              <a:gd name="connsiteX0" fmla="*/ 586522 w 586522"/>
+              <a:gd name="connsiteY0" fmla="*/ 0 h 1047087"/>
+              <a:gd name="connsiteX1" fmla="*/ 470079 w 586522"/>
+              <a:gd name="connsiteY1" fmla="*/ 0 h 1047087"/>
+              <a:gd name="connsiteX2" fmla="*/ 0 w 586522"/>
+              <a:gd name="connsiteY2" fmla="*/ 1047087 h 1047087"/>
+              <a:gd name="connsiteX3" fmla="*/ 116443 w 586522"/>
+              <a:gd name="connsiteY3" fmla="*/ 1047087 h 1047087"/>
+            </a:gdLst>
+            <a:ahLst/>
+            <a:cxnLst>
+              <a:cxn ang="0">
+                <a:pos x="connsiteX0" y="connsiteY0"/>
+              </a:cxn>
+              <a:cxn ang="0">
+                <a:pos x="connsiteX1" y="connsiteY1"/>
+              </a:cxn>
+              <a:cxn ang="0">
+                <a:pos x="connsiteX2" y="connsiteY2"/>
+              </a:cxn>
+              <a:cxn ang="0">
+                <a:pos x="connsiteX3" y="connsiteY3"/>
+              </a:cxn>
+            </a:cxnLst>
+            <a:rect l="l" t="t" r="r" b="b"/>
+            <a:pathLst>
+              <a:path w="586522" h="1047087">
+                <a:moveTo>
+                  <a:pt x="586522" y="0"/>
+                </a:moveTo>
+                <a:lnTo>
+                  <a:pt x="470079" y="0"/>
+                </a:lnTo>
+                <a:lnTo>
+                  <a:pt x="0" y="1047087"/>
+                </a:lnTo>
+                <a:lnTo>
+                  <a:pt x="116443" y="1047087"/>
+                </a:lnTo>
+                <a:close/>
+              </a:path>
+            </a:pathLst>
+          </a:custGeom>
+          <a:solidFill>
+            <a:schemeClr val="bg1">
+              <a:lumMod val="95000"/>
+            </a:schemeClr>
+          </a:solidFill>
+          <a:ln>
+            <a:noFill/>
+          </a:ln>
+        </p:spPr>
+        <p:style>
+          <a:lnRef idx="2">
+            <a:schemeClr val="accent1">
+              <a:shade val="50000"/>
+            </a:schemeClr>
+          </a:lnRef>
+          <a:fillRef idx="1">
+            <a:schemeClr val="accent1"/>
+          </a:fillRef>
+          <a:effectRef idx="0">
+            <a:schemeClr val="accent1"/>
+          </a:effectRef>
+          <a:fontRef idx="minor">
+            <a:schemeClr val="lt1"/>
+          </a:fontRef>
+        </p:style>
+        <p:txBody>
+          <a:bodyPr rot="0" spcFirstLastPara="0" vertOverflow="overflow" horzOverflow="overflow" vert="horz" wrap="square" lIns="91440" tIns="45720" rIns="91440" bIns="45720" numCol="1" spcCol="0" rtlCol="0" fromWordArt="0" anchor="ctr" anchorCtr="0" forceAA="0" compatLnSpc="1">
+            <a:noAutofit/>
+          </a:bodyPr>
+          <a:lstStyle/>
+          <a:p>
+            <a:pPr algn="ctr"/>
+            <a:endParaRPr lang="zh-CN" altLang="en-US"/>
+          </a:p>
+        </p:txBody>
+      </p:sp>
+      <p:sp>
+        <p:nvSpPr>
+          <p:cNvPr id="6" name="文本框 5">
+            <a:extLst>
+              <a:ext uri="{FF2B5EF4-FFF2-40B4-BE49-F238E27FC236}">
+                <a16:creationId xmlns:a16="http://schemas.microsoft.com/office/drawing/2014/main" id="{6EF55A2A-20C8-73A3-7635-D9F8FF1B0DF4}"/>
+              </a:ext>
+            </a:extLst>
+          </p:cNvPr>
+          <p:cNvSpPr txBox="1"/>
+          <p:nvPr/>
+        </p:nvSpPr>
+        <p:spPr>
+          <a:xfrm>
+            <a:off x="422882" y="1858490"/>
+            <a:ext cx="11540518" cy="6247864"/>
+          </a:xfrm>
+          <a:prstGeom prst="rect">
+            <a:avLst/>
+          </a:prstGeom>
+          <a:noFill/>
+        </p:spPr>
+        <p:txBody>
+          <a:bodyPr wrap="square" rtlCol="0">
+            <a:spAutoFit/>
+          </a:bodyPr>
+          <a:lstStyle/>
+          <a:p>
+            <a:r>
+              <a:rPr lang="zh-CN" altLang="en-US" sz="2000" dirty="0">
+                <a:highlight>
+                  <a:srgbClr val="FFFFFF"/>
+                </a:highlight>
+                <a:latin typeface="-apple-system"/>
+              </a:rPr>
+              <a:t>导航功能：</a:t>
+            </a:r>
+            <a:endParaRPr lang="en-US" altLang="zh-CN" sz="2000" dirty="0">
+              <a:highlight>
+                <a:srgbClr val="FFFFFF"/>
+              </a:highlight>
+              <a:latin typeface="-apple-system"/>
+            </a:endParaRPr>
+          </a:p>
+          <a:p>
+            <a:pPr marL="457200" indent="-457200">
+              <a:buAutoNum type="arabicPeriod"/>
+            </a:pPr>
+            <a:r>
+              <a:rPr lang="zh-CN" altLang="en-US" sz="2000" dirty="0">
+                <a:highlight>
+                  <a:srgbClr val="FFFFFF"/>
+                </a:highlight>
+                <a:latin typeface="-apple-system"/>
+              </a:rPr>
+              <a:t>前进：手表与手机交替振动</a:t>
+            </a:r>
+            <a:endParaRPr lang="en-US" altLang="zh-CN" sz="2000" dirty="0">
+              <a:highlight>
+                <a:srgbClr val="FFFFFF"/>
+              </a:highlight>
+              <a:latin typeface="-apple-system"/>
+            </a:endParaRPr>
+          </a:p>
+          <a:p>
+            <a:pPr marL="457200" indent="-457200">
+              <a:buAutoNum type="arabicPeriod"/>
+            </a:pPr>
+            <a:r>
+              <a:rPr lang="zh-CN" altLang="en-US" sz="2000" dirty="0">
+                <a:highlight>
+                  <a:srgbClr val="FFFFFF"/>
+                </a:highlight>
+                <a:latin typeface="-apple-system"/>
+              </a:rPr>
+              <a:t>左转：手表与手机同时振动，手表单设备振动，（频率慢，离散，时间短）</a:t>
+            </a:r>
+            <a:endParaRPr lang="en-US" altLang="zh-CN" sz="2000" dirty="0">
+              <a:highlight>
+                <a:srgbClr val="FFFFFF"/>
+              </a:highlight>
+              <a:latin typeface="-apple-system"/>
+            </a:endParaRPr>
+          </a:p>
+          <a:p>
+            <a:pPr marL="457200" indent="-457200">
+              <a:buAutoNum type="arabicPeriod"/>
+            </a:pPr>
+            <a:r>
+              <a:rPr lang="zh-CN" altLang="en-US" sz="2000" dirty="0">
+                <a:highlight>
+                  <a:srgbClr val="FFFFFF"/>
+                </a:highlight>
+                <a:latin typeface="-apple-system"/>
+              </a:rPr>
+              <a:t>右转：手表与手机同时振动，手机单设备振动，（频率慢，离散，时间短）</a:t>
+            </a:r>
+            <a:endParaRPr lang="en-US" altLang="zh-CN" sz="2000" dirty="0">
+              <a:highlight>
+                <a:srgbClr val="FFFFFF"/>
+              </a:highlight>
+              <a:latin typeface="-apple-system"/>
+            </a:endParaRPr>
+          </a:p>
+          <a:p>
+            <a:pPr marL="457200" indent="-457200">
+              <a:buAutoNum type="arabicPeriod"/>
+            </a:pPr>
+            <a:r>
+              <a:rPr lang="zh-CN" altLang="en-US" sz="2000" dirty="0">
+                <a:highlight>
+                  <a:srgbClr val="FFFFFF"/>
+                </a:highlight>
+                <a:latin typeface="-apple-system"/>
+              </a:rPr>
+              <a:t>停止：手表与手机同时振动</a:t>
+            </a:r>
+            <a:endParaRPr lang="en-US" altLang="zh-CN" sz="2000" dirty="0">
+              <a:highlight>
+                <a:srgbClr val="FFFFFF"/>
+              </a:highlight>
+              <a:latin typeface="-apple-system"/>
+            </a:endParaRPr>
+          </a:p>
+          <a:p>
+            <a:pPr marL="457200" indent="-457200">
+              <a:buAutoNum type="arabicPeriod"/>
+            </a:pPr>
+            <a:endParaRPr lang="en-US" altLang="zh-CN" sz="2000" dirty="0">
+              <a:highlight>
+                <a:srgbClr val="FFFFFF"/>
+              </a:highlight>
+              <a:latin typeface="-apple-system"/>
+            </a:endParaRPr>
+          </a:p>
+          <a:p>
+            <a:r>
+              <a:rPr lang="zh-CN" altLang="en-US" sz="2000" dirty="0"/>
+              <a:t>事件危险预警功能：</a:t>
+            </a:r>
+            <a:endParaRPr lang="en-US" altLang="zh-CN" sz="2000" dirty="0"/>
+          </a:p>
+          <a:p>
+            <a:pPr marL="457200" indent="-457200">
+              <a:buAutoNum type="arabicPeriod"/>
+            </a:pPr>
+            <a:r>
+              <a:rPr lang="zh-CN" altLang="en-US" sz="2000" dirty="0"/>
+              <a:t>前方有障碍物：</a:t>
+            </a:r>
+            <a:endParaRPr lang="en-US" altLang="zh-CN" sz="2000" dirty="0"/>
+          </a:p>
+          <a:p>
+            <a:r>
+              <a:rPr lang="en-US" altLang="zh-CN" sz="2000" dirty="0"/>
+              <a:t>   	</a:t>
+            </a:r>
+            <a:r>
+              <a:rPr lang="zh-CN" altLang="en-US" sz="2000" dirty="0"/>
+              <a:t>左前方：</a:t>
+            </a:r>
+            <a:r>
+              <a:rPr lang="zh-CN" altLang="en-US" sz="2000" dirty="0">
+                <a:highlight>
+                  <a:srgbClr val="FFFFFF"/>
+                </a:highlight>
+                <a:latin typeface="-apple-system"/>
+              </a:rPr>
+              <a:t>手表单设备振动，（频率慢，连续，时间长）</a:t>
+            </a:r>
+            <a:endParaRPr lang="en-US" altLang="zh-CN" sz="2000" dirty="0">
+              <a:highlight>
+                <a:srgbClr val="FFFFFF"/>
+              </a:highlight>
+              <a:latin typeface="-apple-system"/>
+            </a:endParaRPr>
+          </a:p>
+          <a:p>
+            <a:r>
+              <a:rPr lang="en-US" altLang="zh-CN" sz="2000" dirty="0"/>
+              <a:t>	</a:t>
+            </a:r>
+            <a:r>
+              <a:rPr lang="zh-CN" altLang="en-US" sz="2000" dirty="0"/>
+              <a:t>右前方：</a:t>
+            </a:r>
+            <a:r>
+              <a:rPr lang="zh-CN" altLang="en-US" sz="2000" dirty="0">
+                <a:highlight>
+                  <a:srgbClr val="FFFFFF"/>
+                </a:highlight>
+                <a:latin typeface="-apple-system"/>
+              </a:rPr>
+              <a:t>手机单设备振动，（频率慢，连续，时间长）</a:t>
+            </a:r>
+            <a:endParaRPr lang="en-US" altLang="zh-CN" sz="2000" dirty="0"/>
+          </a:p>
+          <a:p>
+            <a:pPr marL="457200" indent="-457200">
+              <a:buAutoNum type="arabicPeriod"/>
+            </a:pPr>
+            <a:endParaRPr lang="en-US" altLang="zh-CN" sz="2000" dirty="0"/>
+          </a:p>
+          <a:p>
+            <a:r>
+              <a:rPr lang="zh-CN" altLang="en-US" sz="2000" dirty="0"/>
+              <a:t>动作行为辅助功能：</a:t>
+            </a:r>
+            <a:endParaRPr lang="en-US" altLang="zh-CN" sz="2000" dirty="0"/>
+          </a:p>
+          <a:p>
+            <a:pPr marL="457200" indent="-457200">
+              <a:buAutoNum type="arabicPeriod"/>
+            </a:pPr>
+            <a:r>
+              <a:rPr lang="zh-CN" altLang="en-US" sz="2000" dirty="0">
+                <a:highlight>
+                  <a:srgbClr val="FFFFFF"/>
+                </a:highlight>
+                <a:latin typeface="-apple-system"/>
+              </a:rPr>
+              <a:t>直线保持：</a:t>
+            </a:r>
+            <a:endParaRPr lang="en-US" altLang="zh-CN" sz="2000" dirty="0">
+              <a:highlight>
+                <a:srgbClr val="FFFFFF"/>
+              </a:highlight>
+              <a:latin typeface="-apple-system"/>
+            </a:endParaRPr>
+          </a:p>
+          <a:p>
+            <a:r>
+              <a:rPr lang="en-US" altLang="zh-CN" sz="2000" dirty="0">
+                <a:highlight>
+                  <a:srgbClr val="FFFFFF"/>
+                </a:highlight>
+                <a:latin typeface="-apple-system"/>
+              </a:rPr>
+              <a:t>	</a:t>
+            </a:r>
+            <a:r>
+              <a:rPr lang="zh-CN" altLang="en-US" sz="2000" dirty="0">
+                <a:highlight>
+                  <a:srgbClr val="FFFFFF"/>
+                </a:highlight>
+                <a:latin typeface="-apple-system"/>
+              </a:rPr>
+              <a:t>向左保持：手表单设备振动，（频率快，连续，时间短）</a:t>
+            </a:r>
+            <a:endParaRPr lang="en-US" altLang="zh-CN" sz="2000" dirty="0">
+              <a:highlight>
+                <a:srgbClr val="FFFFFF"/>
+              </a:highlight>
+              <a:latin typeface="-apple-system"/>
+            </a:endParaRPr>
+          </a:p>
+          <a:p>
+            <a:r>
+              <a:rPr lang="en-US" altLang="zh-CN" sz="2000" dirty="0">
+                <a:highlight>
+                  <a:srgbClr val="FFFFFF"/>
+                </a:highlight>
+                <a:latin typeface="-apple-system"/>
+              </a:rPr>
+              <a:t>	</a:t>
+            </a:r>
+            <a:r>
+              <a:rPr lang="zh-CN" altLang="en-US" sz="2000" dirty="0">
+                <a:highlight>
+                  <a:srgbClr val="FFFFFF"/>
+                </a:highlight>
+                <a:latin typeface="-apple-system"/>
+              </a:rPr>
+              <a:t>向右保持：手机单设备振动，（频率快，连续，时间短）</a:t>
+            </a:r>
+            <a:endParaRPr lang="en-US" altLang="zh-CN" sz="2000" dirty="0"/>
+          </a:p>
+          <a:p>
+            <a:endParaRPr lang="en-US" altLang="zh-CN" sz="2000" dirty="0">
+              <a:highlight>
+                <a:srgbClr val="FFFFFF"/>
+              </a:highlight>
+              <a:latin typeface="-apple-system"/>
+            </a:endParaRPr>
+          </a:p>
+          <a:p>
+            <a:endParaRPr lang="en-US" altLang="zh-CN" sz="2000" dirty="0">
+              <a:highlight>
+                <a:srgbClr val="FFFFFF"/>
+              </a:highlight>
+              <a:latin typeface="-apple-system"/>
+            </a:endParaRPr>
+          </a:p>
+          <a:p>
+            <a:pPr marL="457200" indent="-457200">
+              <a:buAutoNum type="arabicPeriod"/>
+            </a:pPr>
+            <a:endParaRPr lang="en-US" altLang="zh-CN" sz="2000" dirty="0"/>
+          </a:p>
+          <a:p>
+            <a:endParaRPr lang="en-US" altLang="zh-CN" sz="2000" dirty="0"/>
+          </a:p>
+          <a:p>
+            <a:endParaRPr lang="en-US" altLang="zh-CN" sz="2000" dirty="0"/>
+          </a:p>
+        </p:txBody>
+      </p:sp>
+      <p:sp>
+        <p:nvSpPr>
+          <p:cNvPr id="2" name="文本框 1">
+            <a:extLst>
+              <a:ext uri="{FF2B5EF4-FFF2-40B4-BE49-F238E27FC236}">
+                <a16:creationId xmlns:a16="http://schemas.microsoft.com/office/drawing/2014/main" id="{0F7D0A9B-401A-9893-DEF7-2C6FF8D47F90}"/>
+              </a:ext>
+            </a:extLst>
+          </p:cNvPr>
+          <p:cNvSpPr txBox="1"/>
+          <p:nvPr/>
+        </p:nvSpPr>
+        <p:spPr bwMode="auto">
+          <a:xfrm>
+            <a:off x="581108" y="1121890"/>
+            <a:ext cx="10675471" cy="523220"/>
+          </a:xfrm>
+          <a:prstGeom prst="rect">
+            <a:avLst/>
+          </a:prstGeom>
+          <a:noFill/>
+        </p:spPr>
+        <p:txBody>
+          <a:bodyPr wrap="square">
+            <a:spAutoFit/>
+            <a:scene3d>
+              <a:camera prst="orthographicFront"/>
+              <a:lightRig rig="threePt" dir="t"/>
+            </a:scene3d>
+            <a:sp3d contourW="12700"/>
+          </a:bodyPr>
+          <a:lstStyle/>
+          <a:p>
+            <a:pPr>
+              <a:defRPr/>
+            </a:pPr>
+            <a:r>
+              <a:rPr lang="zh-CN" altLang="en-US" sz="2800" b="1" dirty="0">
+                <a:solidFill>
+                  <a:srgbClr val="7F12B6"/>
+                </a:solidFill>
+                <a:latin typeface="时尚中黑简体" panose="01010104010101010101" pitchFamily="2" charset="-122"/>
+                <a:ea typeface="时尚中黑简体" panose="01010104010101010101" pitchFamily="2" charset="-122"/>
+              </a:rPr>
+              <a:t>实验设计</a:t>
+            </a:r>
+            <a:r>
+              <a:rPr lang="en-US" altLang="zh-CN" sz="2800" b="1" dirty="0">
+                <a:solidFill>
+                  <a:srgbClr val="7F12B6"/>
+                </a:solidFill>
+                <a:latin typeface="时尚中黑简体" panose="01010104010101010101" pitchFamily="2" charset="-122"/>
+                <a:ea typeface="时尚中黑简体" panose="01010104010101010101" pitchFamily="2" charset="-122"/>
+              </a:rPr>
+              <a:t>—</a:t>
+            </a:r>
+            <a:r>
+              <a:rPr lang="zh-CN" altLang="en-US" sz="2800" b="1" dirty="0">
+                <a:solidFill>
+                  <a:srgbClr val="7F12B6"/>
+                </a:solidFill>
+                <a:latin typeface="时尚中黑简体" panose="01010104010101010101" pitchFamily="2" charset="-122"/>
+                <a:ea typeface="时尚中黑简体" panose="01010104010101010101" pitchFamily="2" charset="-122"/>
+              </a:rPr>
+              <a:t>模式</a:t>
+            </a:r>
+            <a:r>
+              <a:rPr lang="en-US" altLang="zh-CN" sz="2800" b="1" dirty="0">
+                <a:solidFill>
+                  <a:srgbClr val="7F12B6"/>
+                </a:solidFill>
+                <a:latin typeface="时尚中黑简体" panose="01010104010101010101" pitchFamily="2" charset="-122"/>
+                <a:ea typeface="时尚中黑简体" panose="01010104010101010101" pitchFamily="2" charset="-122"/>
+              </a:rPr>
+              <a:t>4</a:t>
+            </a:r>
+          </a:p>
+        </p:txBody>
+      </p:sp>
+    </p:spTree>
+    <p:extLst>
+      <p:ext uri="{BB962C8B-B14F-4D97-AF65-F5344CB8AC3E}">
+        <p14:creationId xmlns:p14="http://schemas.microsoft.com/office/powerpoint/2010/main" val="2680782653"/>
+      </p:ext>
+    </p:extLst>
+  </p:cSld>
+  <p:clrMapOvr>
+    <a:masterClrMapping/>
+  </p:clrMapOvr>
+  <mc:AlternateContent xmlns:mc="http://schemas.openxmlformats.org/markup-compatibility/2006" xmlns:p14="http://schemas.microsoft.com/office/powerpoint/2010/main">
+    <mc:Choice Requires="p14">
+      <p:transition spd="slow" p14:dur="1500" advTm="0">
+        <p:random/>
+      </p:transition>
+    </mc:Choice>
+    <mc:Fallback xmlns="">
+      <p:transition spd="slow" advTm="0">
+        <p:random/>
+      </p:transition>
+    </mc:Fallback>
+  </mc:AlternateContent>
+</p:sld>
+</file>
+
+<file path=ppt/slides/slide43.xml><?xml version="1.0" encoding="utf-8"?>
+<p:sld xmlns:a="http://schemas.openxmlformats.org/drawingml/2006/main" xmlns:r="http://schemas.openxmlformats.org/officeDocument/2006/relationships" xmlns:p="http://schemas.openxmlformats.org/presentationml/2006/main">
+  <p:cSld>
+    <p:spTree>
+      <p:nvGrpSpPr>
+        <p:cNvPr id="1" name=""/>
+        <p:cNvGrpSpPr/>
+        <p:nvPr/>
+      </p:nvGrpSpPr>
+      <p:grpSpPr>
+        <a:xfrm>
+          <a:off x="0" y="0"/>
+          <a:ext cx="0" cy="0"/>
+          <a:chOff x="0" y="0"/>
+          <a:chExt cx="0" cy="0"/>
+        </a:xfrm>
+      </p:grpSpPr>
+      <p:grpSp>
+        <p:nvGrpSpPr>
+          <p:cNvPr id="21" name="组合 20"/>
+          <p:cNvGrpSpPr/>
+          <p:nvPr/>
+        </p:nvGrpSpPr>
+        <p:grpSpPr>
+          <a:xfrm>
+            <a:off x="5270500" y="510493"/>
+            <a:ext cx="7561033" cy="380555"/>
+            <a:chOff x="6997699" y="510493"/>
+            <a:chExt cx="5794625" cy="380555"/>
+          </a:xfrm>
+        </p:grpSpPr>
+        <p:sp>
+          <p:nvSpPr>
+            <p:cNvPr id="22" name="任意多边形: 形状 21"/>
+            <p:cNvSpPr/>
+            <p:nvPr userDrawn="1"/>
+          </p:nvSpPr>
+          <p:spPr>
+            <a:xfrm flipH="1">
+              <a:off x="6997699" y="764493"/>
+              <a:ext cx="5376633" cy="126555"/>
+            </a:xfrm>
+            <a:custGeom>
+              <a:avLst/>
+              <a:gdLst>
+                <a:gd name="connsiteX0" fmla="*/ 7367523 w 7367523"/>
+                <a:gd name="connsiteY0" fmla="*/ 0 h 173416"/>
+                <a:gd name="connsiteX1" fmla="*/ 6374783 w 7367523"/>
+                <a:gd name="connsiteY1" fmla="*/ 0 h 173416"/>
+                <a:gd name="connsiteX2" fmla="*/ 6240349 w 7367523"/>
+                <a:gd name="connsiteY2" fmla="*/ 0 h 173416"/>
+                <a:gd name="connsiteX3" fmla="*/ 5540227 w 7367523"/>
+                <a:gd name="connsiteY3" fmla="*/ 0 h 173416"/>
+                <a:gd name="connsiteX4" fmla="*/ 5247612 w 7367523"/>
+                <a:gd name="connsiteY4" fmla="*/ 0 h 173416"/>
+                <a:gd name="connsiteX5" fmla="*/ 4707193 w 7367523"/>
+                <a:gd name="connsiteY5" fmla="*/ 0 h 173416"/>
+                <a:gd name="connsiteX6" fmla="*/ 4413053 w 7367523"/>
+                <a:gd name="connsiteY6" fmla="*/ 0 h 173416"/>
+                <a:gd name="connsiteX7" fmla="*/ 3865356 w 7367523"/>
+                <a:gd name="connsiteY7" fmla="*/ 0 h 173416"/>
+                <a:gd name="connsiteX8" fmla="*/ 3580019 w 7367523"/>
+                <a:gd name="connsiteY8" fmla="*/ 0 h 173416"/>
+                <a:gd name="connsiteX9" fmla="*/ 2872616 w 7367523"/>
+                <a:gd name="connsiteY9" fmla="*/ 0 h 173416"/>
+                <a:gd name="connsiteX10" fmla="*/ 2738183 w 7367523"/>
+                <a:gd name="connsiteY10" fmla="*/ 0 h 173416"/>
+                <a:gd name="connsiteX11" fmla="*/ 2038060 w 7367523"/>
+                <a:gd name="connsiteY11" fmla="*/ 0 h 173416"/>
+                <a:gd name="connsiteX12" fmla="*/ 1745445 w 7367523"/>
+                <a:gd name="connsiteY12" fmla="*/ 0 h 173416"/>
+                <a:gd name="connsiteX13" fmla="*/ 1205026 w 7367523"/>
+                <a:gd name="connsiteY13" fmla="*/ 0 h 173416"/>
+                <a:gd name="connsiteX14" fmla="*/ 910887 w 7367523"/>
+                <a:gd name="connsiteY14" fmla="*/ 0 h 173416"/>
+                <a:gd name="connsiteX15" fmla="*/ 77853 w 7367523"/>
+                <a:gd name="connsiteY15" fmla="*/ 0 h 173416"/>
+                <a:gd name="connsiteX16" fmla="*/ 0 w 7367523"/>
+                <a:gd name="connsiteY16" fmla="*/ 173416 h 173416"/>
+                <a:gd name="connsiteX17" fmla="*/ 7289670 w 7367523"/>
+                <a:gd name="connsiteY17" fmla="*/ 173416 h 173416"/>
+              </a:gdLst>
+              <a:ahLst/>
+              <a:cxnLst>
+                <a:cxn ang="0">
+                  <a:pos x="connsiteX0" y="connsiteY0"/>
+                </a:cxn>
+                <a:cxn ang="0">
+                  <a:pos x="connsiteX1" y="connsiteY1"/>
+                </a:cxn>
+                <a:cxn ang="0">
+                  <a:pos x="connsiteX2" y="connsiteY2"/>
+                </a:cxn>
+                <a:cxn ang="0">
+                  <a:pos x="connsiteX3" y="connsiteY3"/>
+                </a:cxn>
+                <a:cxn ang="0">
+                  <a:pos x="connsiteX4" y="connsiteY4"/>
+                </a:cxn>
+                <a:cxn ang="0">
+                  <a:pos x="connsiteX5" y="connsiteY5"/>
+                </a:cxn>
+                <a:cxn ang="0">
+                  <a:pos x="connsiteX6" y="connsiteY6"/>
+                </a:cxn>
+                <a:cxn ang="0">
+                  <a:pos x="connsiteX7" y="connsiteY7"/>
+                </a:cxn>
+                <a:cxn ang="0">
+                  <a:pos x="connsiteX8" y="connsiteY8"/>
+                </a:cxn>
+                <a:cxn ang="0">
+                  <a:pos x="connsiteX9" y="connsiteY9"/>
+                </a:cxn>
+                <a:cxn ang="0">
+                  <a:pos x="connsiteX10" y="connsiteY10"/>
+                </a:cxn>
+                <a:cxn ang="0">
+                  <a:pos x="connsiteX11" y="connsiteY11"/>
+                </a:cxn>
+                <a:cxn ang="0">
+                  <a:pos x="connsiteX12" y="connsiteY12"/>
+                </a:cxn>
+                <a:cxn ang="0">
+                  <a:pos x="connsiteX13" y="connsiteY13"/>
+                </a:cxn>
+                <a:cxn ang="0">
+                  <a:pos x="connsiteX14" y="connsiteY14"/>
+                </a:cxn>
+                <a:cxn ang="0">
+                  <a:pos x="connsiteX15" y="connsiteY15"/>
+                </a:cxn>
+                <a:cxn ang="0">
+                  <a:pos x="connsiteX16" y="connsiteY16"/>
+                </a:cxn>
+                <a:cxn ang="0">
+                  <a:pos x="connsiteX17" y="connsiteY17"/>
+                </a:cxn>
+              </a:cxnLst>
+              <a:rect l="l" t="t" r="r" b="b"/>
+              <a:pathLst>
+                <a:path w="7367523" h="173416">
+                  <a:moveTo>
+                    <a:pt x="7367523" y="0"/>
+                  </a:moveTo>
+                  <a:lnTo>
+                    <a:pt x="6374783" y="0"/>
+                  </a:lnTo>
+                  <a:lnTo>
+                    <a:pt x="6240349" y="0"/>
+                  </a:lnTo>
+                  <a:lnTo>
+                    <a:pt x="5540227" y="0"/>
+                  </a:lnTo>
+                  <a:lnTo>
+                    <a:pt x="5247612" y="0"/>
+                  </a:lnTo>
+                  <a:lnTo>
+                    <a:pt x="4707193" y="0"/>
+                  </a:lnTo>
+                  <a:lnTo>
+                    <a:pt x="4413053" y="0"/>
+                  </a:lnTo>
+                  <a:lnTo>
+                    <a:pt x="3865356" y="0"/>
+                  </a:lnTo>
+                  <a:lnTo>
+                    <a:pt x="3580019" y="0"/>
+                  </a:lnTo>
+                  <a:lnTo>
+                    <a:pt x="2872616" y="0"/>
+                  </a:lnTo>
+                  <a:lnTo>
+                    <a:pt x="2738183" y="0"/>
+                  </a:lnTo>
+                  <a:lnTo>
+                    <a:pt x="2038060" y="0"/>
+                  </a:lnTo>
+                  <a:lnTo>
+                    <a:pt x="1745445" y="0"/>
+                  </a:lnTo>
+                  <a:lnTo>
+                    <a:pt x="1205026" y="0"/>
+                  </a:lnTo>
+                  <a:lnTo>
+                    <a:pt x="910887" y="0"/>
+                  </a:lnTo>
+                  <a:lnTo>
+                    <a:pt x="77853" y="0"/>
+                  </a:lnTo>
+                  <a:lnTo>
+                    <a:pt x="0" y="173416"/>
+                  </a:lnTo>
+                  <a:lnTo>
+                    <a:pt x="7289670" y="173416"/>
+                  </a:lnTo>
+                  <a:close/>
+                </a:path>
+              </a:pathLst>
+            </a:custGeom>
+            <a:gradFill flip="none" rotWithShape="0">
+              <a:gsLst>
+                <a:gs pos="0">
+                  <a:srgbClr val="228AF2"/>
+                </a:gs>
+                <a:gs pos="94000">
+                  <a:srgbClr val="7F12B6"/>
+                </a:gs>
+              </a:gsLst>
+              <a:lin ang="2700000" scaled="1"/>
+              <a:tileRect/>
+            </a:gradFill>
+            <a:ln>
+              <a:noFill/>
+            </a:ln>
+          </p:spPr>
+          <p:style>
+            <a:lnRef idx="2">
+              <a:schemeClr val="accent1">
+                <a:shade val="50000"/>
+              </a:schemeClr>
+            </a:lnRef>
+            <a:fillRef idx="1">
+              <a:schemeClr val="accent1"/>
+            </a:fillRef>
+            <a:effectRef idx="0">
+              <a:schemeClr val="accent1"/>
+            </a:effectRef>
+            <a:fontRef idx="minor">
+              <a:schemeClr val="lt1"/>
+            </a:fontRef>
+          </p:style>
+          <p:txBody>
+            <a:bodyPr rot="0" spcFirstLastPara="0" vertOverflow="overflow" horzOverflow="overflow" vert="horz" wrap="square" lIns="91440" tIns="45720" rIns="91440" bIns="45720" numCol="1" spcCol="0" rtlCol="0" fromWordArt="0" anchor="ctr" anchorCtr="0" forceAA="0" compatLnSpc="1">
+              <a:noAutofit/>
+            </a:bodyPr>
+            <a:lstStyle/>
+            <a:p>
+              <a:pPr algn="ctr"/>
+              <a:endParaRPr lang="zh-CN" altLang="en-US"/>
+            </a:p>
+          </p:txBody>
+        </p:sp>
+        <p:sp>
+          <p:nvSpPr>
+            <p:cNvPr id="23" name="任意多边形: 形状 22"/>
+            <p:cNvSpPr/>
+            <p:nvPr userDrawn="1"/>
+          </p:nvSpPr>
+          <p:spPr>
+            <a:xfrm flipH="1">
+              <a:off x="7415691" y="510493"/>
+              <a:ext cx="5376633" cy="126555"/>
+            </a:xfrm>
+            <a:custGeom>
+              <a:avLst/>
+              <a:gdLst>
+                <a:gd name="connsiteX0" fmla="*/ 7367523 w 7367523"/>
+                <a:gd name="connsiteY0" fmla="*/ 0 h 173416"/>
+                <a:gd name="connsiteX1" fmla="*/ 6374783 w 7367523"/>
+                <a:gd name="connsiteY1" fmla="*/ 0 h 173416"/>
+                <a:gd name="connsiteX2" fmla="*/ 6240349 w 7367523"/>
+                <a:gd name="connsiteY2" fmla="*/ 0 h 173416"/>
+                <a:gd name="connsiteX3" fmla="*/ 5540227 w 7367523"/>
+                <a:gd name="connsiteY3" fmla="*/ 0 h 173416"/>
+                <a:gd name="connsiteX4" fmla="*/ 5247612 w 7367523"/>
+                <a:gd name="connsiteY4" fmla="*/ 0 h 173416"/>
+                <a:gd name="connsiteX5" fmla="*/ 4707193 w 7367523"/>
+                <a:gd name="connsiteY5" fmla="*/ 0 h 173416"/>
+                <a:gd name="connsiteX6" fmla="*/ 4413053 w 7367523"/>
+                <a:gd name="connsiteY6" fmla="*/ 0 h 173416"/>
+                <a:gd name="connsiteX7" fmla="*/ 3865356 w 7367523"/>
+                <a:gd name="connsiteY7" fmla="*/ 0 h 173416"/>
+                <a:gd name="connsiteX8" fmla="*/ 3580019 w 7367523"/>
+                <a:gd name="connsiteY8" fmla="*/ 0 h 173416"/>
+                <a:gd name="connsiteX9" fmla="*/ 2872616 w 7367523"/>
+                <a:gd name="connsiteY9" fmla="*/ 0 h 173416"/>
+                <a:gd name="connsiteX10" fmla="*/ 2738183 w 7367523"/>
+                <a:gd name="connsiteY10" fmla="*/ 0 h 173416"/>
+                <a:gd name="connsiteX11" fmla="*/ 2038060 w 7367523"/>
+                <a:gd name="connsiteY11" fmla="*/ 0 h 173416"/>
+                <a:gd name="connsiteX12" fmla="*/ 1745445 w 7367523"/>
+                <a:gd name="connsiteY12" fmla="*/ 0 h 173416"/>
+                <a:gd name="connsiteX13" fmla="*/ 1205026 w 7367523"/>
+                <a:gd name="connsiteY13" fmla="*/ 0 h 173416"/>
+                <a:gd name="connsiteX14" fmla="*/ 910887 w 7367523"/>
+                <a:gd name="connsiteY14" fmla="*/ 0 h 173416"/>
+                <a:gd name="connsiteX15" fmla="*/ 77853 w 7367523"/>
+                <a:gd name="connsiteY15" fmla="*/ 0 h 173416"/>
+                <a:gd name="connsiteX16" fmla="*/ 0 w 7367523"/>
+                <a:gd name="connsiteY16" fmla="*/ 173416 h 173416"/>
+                <a:gd name="connsiteX17" fmla="*/ 7289670 w 7367523"/>
+                <a:gd name="connsiteY17" fmla="*/ 173416 h 173416"/>
+              </a:gdLst>
+              <a:ahLst/>
+              <a:cxnLst>
+                <a:cxn ang="0">
+                  <a:pos x="connsiteX0" y="connsiteY0"/>
+                </a:cxn>
+                <a:cxn ang="0">
+                  <a:pos x="connsiteX1" y="connsiteY1"/>
+                </a:cxn>
+                <a:cxn ang="0">
+                  <a:pos x="connsiteX2" y="connsiteY2"/>
+                </a:cxn>
+                <a:cxn ang="0">
+                  <a:pos x="connsiteX3" y="connsiteY3"/>
+                </a:cxn>
+                <a:cxn ang="0">
+                  <a:pos x="connsiteX4" y="connsiteY4"/>
+                </a:cxn>
+                <a:cxn ang="0">
+                  <a:pos x="connsiteX5" y="connsiteY5"/>
+                </a:cxn>
+                <a:cxn ang="0">
+                  <a:pos x="connsiteX6" y="connsiteY6"/>
+                </a:cxn>
+                <a:cxn ang="0">
+                  <a:pos x="connsiteX7" y="connsiteY7"/>
+                </a:cxn>
+                <a:cxn ang="0">
+                  <a:pos x="connsiteX8" y="connsiteY8"/>
+                </a:cxn>
+                <a:cxn ang="0">
+                  <a:pos x="connsiteX9" y="connsiteY9"/>
+                </a:cxn>
+                <a:cxn ang="0">
+                  <a:pos x="connsiteX10" y="connsiteY10"/>
+                </a:cxn>
+                <a:cxn ang="0">
+                  <a:pos x="connsiteX11" y="connsiteY11"/>
+                </a:cxn>
+                <a:cxn ang="0">
+                  <a:pos x="connsiteX12" y="connsiteY12"/>
+                </a:cxn>
+                <a:cxn ang="0">
+                  <a:pos x="connsiteX13" y="connsiteY13"/>
+                </a:cxn>
+                <a:cxn ang="0">
+                  <a:pos x="connsiteX14" y="connsiteY14"/>
+                </a:cxn>
+                <a:cxn ang="0">
+                  <a:pos x="connsiteX15" y="connsiteY15"/>
+                </a:cxn>
+                <a:cxn ang="0">
+                  <a:pos x="connsiteX16" y="connsiteY16"/>
+                </a:cxn>
+                <a:cxn ang="0">
+                  <a:pos x="connsiteX17" y="connsiteY17"/>
+                </a:cxn>
+              </a:cxnLst>
+              <a:rect l="l" t="t" r="r" b="b"/>
+              <a:pathLst>
+                <a:path w="7367523" h="173416">
+                  <a:moveTo>
+                    <a:pt x="7367523" y="0"/>
+                  </a:moveTo>
+                  <a:lnTo>
+                    <a:pt x="6374783" y="0"/>
+                  </a:lnTo>
+                  <a:lnTo>
+                    <a:pt x="6240349" y="0"/>
+                  </a:lnTo>
+                  <a:lnTo>
+                    <a:pt x="5540227" y="0"/>
+                  </a:lnTo>
+                  <a:lnTo>
+                    <a:pt x="5247612" y="0"/>
+                  </a:lnTo>
+                  <a:lnTo>
+                    <a:pt x="4707193" y="0"/>
+                  </a:lnTo>
+                  <a:lnTo>
+                    <a:pt x="4413053" y="0"/>
+                  </a:lnTo>
+                  <a:lnTo>
+                    <a:pt x="3865356" y="0"/>
+                  </a:lnTo>
+                  <a:lnTo>
+                    <a:pt x="3580019" y="0"/>
+                  </a:lnTo>
+                  <a:lnTo>
+                    <a:pt x="2872616" y="0"/>
+                  </a:lnTo>
+                  <a:lnTo>
+                    <a:pt x="2738183" y="0"/>
+                  </a:lnTo>
+                  <a:lnTo>
+                    <a:pt x="2038060" y="0"/>
+                  </a:lnTo>
+                  <a:lnTo>
+                    <a:pt x="1745445" y="0"/>
+                  </a:lnTo>
+                  <a:lnTo>
+                    <a:pt x="1205026" y="0"/>
+                  </a:lnTo>
+                  <a:lnTo>
+                    <a:pt x="910887" y="0"/>
+                  </a:lnTo>
+                  <a:lnTo>
+                    <a:pt x="77853" y="0"/>
+                  </a:lnTo>
+                  <a:lnTo>
+                    <a:pt x="0" y="173416"/>
+                  </a:lnTo>
+                  <a:lnTo>
+                    <a:pt x="7289670" y="173416"/>
+                  </a:lnTo>
+                  <a:close/>
+                </a:path>
+              </a:pathLst>
+            </a:custGeom>
+            <a:solidFill>
+              <a:schemeClr val="bg2"/>
+            </a:solidFill>
+            <a:ln>
+              <a:noFill/>
+            </a:ln>
+          </p:spPr>
+          <p:style>
+            <a:lnRef idx="2">
+              <a:schemeClr val="accent1">
+                <a:shade val="50000"/>
+              </a:schemeClr>
+            </a:lnRef>
+            <a:fillRef idx="1">
+              <a:schemeClr val="accent1"/>
+            </a:fillRef>
+            <a:effectRef idx="0">
+              <a:schemeClr val="accent1"/>
+            </a:effectRef>
+            <a:fontRef idx="minor">
+              <a:schemeClr val="lt1"/>
+            </a:fontRef>
+          </p:style>
+          <p:txBody>
+            <a:bodyPr rot="0" spcFirstLastPara="0" vertOverflow="overflow" horzOverflow="overflow" vert="horz" wrap="square" lIns="91440" tIns="45720" rIns="91440" bIns="45720" numCol="1" spcCol="0" rtlCol="0" fromWordArt="0" anchor="ctr" anchorCtr="0" forceAA="0" compatLnSpc="1">
+              <a:noAutofit/>
+            </a:bodyPr>
+            <a:lstStyle/>
+            <a:p>
+              <a:pPr algn="ctr"/>
+              <a:endParaRPr lang="zh-CN" altLang="en-US"/>
+            </a:p>
+          </p:txBody>
+        </p:sp>
+      </p:grpSp>
+      <p:sp>
+        <p:nvSpPr>
+          <p:cNvPr id="24" name="任意多边形: 形状 23"/>
+          <p:cNvSpPr/>
+          <p:nvPr/>
+        </p:nvSpPr>
+        <p:spPr>
+          <a:xfrm flipH="1">
+            <a:off x="129621" y="0"/>
+            <a:ext cx="586522" cy="1047087"/>
+          </a:xfrm>
+          <a:custGeom>
+            <a:avLst/>
+            <a:gdLst>
+              <a:gd name="connsiteX0" fmla="*/ 586522 w 586522"/>
+              <a:gd name="connsiteY0" fmla="*/ 0 h 1047087"/>
+              <a:gd name="connsiteX1" fmla="*/ 470079 w 586522"/>
+              <a:gd name="connsiteY1" fmla="*/ 0 h 1047087"/>
+              <a:gd name="connsiteX2" fmla="*/ 0 w 586522"/>
+              <a:gd name="connsiteY2" fmla="*/ 1047087 h 1047087"/>
+              <a:gd name="connsiteX3" fmla="*/ 116443 w 586522"/>
+              <a:gd name="connsiteY3" fmla="*/ 1047087 h 1047087"/>
+            </a:gdLst>
+            <a:ahLst/>
+            <a:cxnLst>
+              <a:cxn ang="0">
+                <a:pos x="connsiteX0" y="connsiteY0"/>
+              </a:cxn>
+              <a:cxn ang="0">
+                <a:pos x="connsiteX1" y="connsiteY1"/>
+              </a:cxn>
+              <a:cxn ang="0">
+                <a:pos x="connsiteX2" y="connsiteY2"/>
+              </a:cxn>
+              <a:cxn ang="0">
+                <a:pos x="connsiteX3" y="connsiteY3"/>
+              </a:cxn>
+            </a:cxnLst>
+            <a:rect l="l" t="t" r="r" b="b"/>
+            <a:pathLst>
+              <a:path w="586522" h="1047087">
+                <a:moveTo>
+                  <a:pt x="586522" y="0"/>
+                </a:moveTo>
+                <a:lnTo>
+                  <a:pt x="470079" y="0"/>
+                </a:lnTo>
+                <a:lnTo>
+                  <a:pt x="0" y="1047087"/>
+                </a:lnTo>
+                <a:lnTo>
+                  <a:pt x="116443" y="1047087"/>
+                </a:lnTo>
+                <a:close/>
+              </a:path>
+            </a:pathLst>
+          </a:custGeom>
+          <a:gradFill flip="none" rotWithShape="0">
+            <a:gsLst>
+              <a:gs pos="0">
+                <a:srgbClr val="53A5F5">
+                  <a:lumMod val="73000"/>
+                  <a:lumOff val="27000"/>
+                </a:srgbClr>
+              </a:gs>
+              <a:gs pos="94000">
+                <a:srgbClr val="9214CF">
+                  <a:lumMod val="73000"/>
+                  <a:lumOff val="27000"/>
+                </a:srgbClr>
+              </a:gs>
+            </a:gsLst>
+            <a:lin ang="2700000" scaled="1"/>
+            <a:tileRect/>
+          </a:gradFill>
+          <a:ln>
+            <a:noFill/>
+          </a:ln>
+        </p:spPr>
+        <p:style>
+          <a:lnRef idx="2">
+            <a:schemeClr val="accent1">
+              <a:shade val="50000"/>
+            </a:schemeClr>
+          </a:lnRef>
+          <a:fillRef idx="1">
+            <a:schemeClr val="accent1"/>
+          </a:fillRef>
+          <a:effectRef idx="0">
+            <a:schemeClr val="accent1"/>
+          </a:effectRef>
+          <a:fontRef idx="minor">
+            <a:schemeClr val="lt1"/>
+          </a:fontRef>
+        </p:style>
+        <p:txBody>
+          <a:bodyPr rot="0" spcFirstLastPara="0" vertOverflow="overflow" horzOverflow="overflow" vert="horz" wrap="square" lIns="91440" tIns="45720" rIns="91440" bIns="45720" numCol="1" spcCol="0" rtlCol="0" fromWordArt="0" anchor="ctr" anchorCtr="0" forceAA="0" compatLnSpc="1">
+            <a:noAutofit/>
+          </a:bodyPr>
+          <a:lstStyle/>
+          <a:p>
+            <a:pPr algn="ctr"/>
+            <a:endParaRPr lang="zh-CN" altLang="en-US"/>
+          </a:p>
+        </p:txBody>
+      </p:sp>
+      <p:sp>
+        <p:nvSpPr>
+          <p:cNvPr id="25" name="任意多边形: 形状 24"/>
+          <p:cNvSpPr/>
+          <p:nvPr/>
+        </p:nvSpPr>
+        <p:spPr>
+          <a:xfrm flipH="1">
+            <a:off x="581108" y="202981"/>
+            <a:ext cx="344503" cy="615023"/>
+          </a:xfrm>
+          <a:custGeom>
+            <a:avLst/>
+            <a:gdLst>
+              <a:gd name="connsiteX0" fmla="*/ 586522 w 586522"/>
+              <a:gd name="connsiteY0" fmla="*/ 0 h 1047087"/>
+              <a:gd name="connsiteX1" fmla="*/ 470079 w 586522"/>
+              <a:gd name="connsiteY1" fmla="*/ 0 h 1047087"/>
+              <a:gd name="connsiteX2" fmla="*/ 0 w 586522"/>
+              <a:gd name="connsiteY2" fmla="*/ 1047087 h 1047087"/>
+              <a:gd name="connsiteX3" fmla="*/ 116443 w 586522"/>
+              <a:gd name="connsiteY3" fmla="*/ 1047087 h 1047087"/>
+            </a:gdLst>
+            <a:ahLst/>
+            <a:cxnLst>
+              <a:cxn ang="0">
+                <a:pos x="connsiteX0" y="connsiteY0"/>
+              </a:cxn>
+              <a:cxn ang="0">
+                <a:pos x="connsiteX1" y="connsiteY1"/>
+              </a:cxn>
+              <a:cxn ang="0">
+                <a:pos x="connsiteX2" y="connsiteY2"/>
+              </a:cxn>
+              <a:cxn ang="0">
+                <a:pos x="connsiteX3" y="connsiteY3"/>
+              </a:cxn>
+            </a:cxnLst>
+            <a:rect l="l" t="t" r="r" b="b"/>
+            <a:pathLst>
+              <a:path w="586522" h="1047087">
+                <a:moveTo>
+                  <a:pt x="586522" y="0"/>
+                </a:moveTo>
+                <a:lnTo>
+                  <a:pt x="470079" y="0"/>
+                </a:lnTo>
+                <a:lnTo>
+                  <a:pt x="0" y="1047087"/>
+                </a:lnTo>
+                <a:lnTo>
+                  <a:pt x="116443" y="1047087"/>
+                </a:lnTo>
+                <a:close/>
+              </a:path>
+            </a:pathLst>
+          </a:custGeom>
+          <a:solidFill>
+            <a:schemeClr val="bg1">
+              <a:lumMod val="95000"/>
+            </a:schemeClr>
+          </a:solidFill>
+          <a:ln>
+            <a:noFill/>
+          </a:ln>
+        </p:spPr>
+        <p:style>
+          <a:lnRef idx="2">
+            <a:schemeClr val="accent1">
+              <a:shade val="50000"/>
+            </a:schemeClr>
+          </a:lnRef>
+          <a:fillRef idx="1">
+            <a:schemeClr val="accent1"/>
+          </a:fillRef>
+          <a:effectRef idx="0">
+            <a:schemeClr val="accent1"/>
+          </a:effectRef>
+          <a:fontRef idx="minor">
+            <a:schemeClr val="lt1"/>
+          </a:fontRef>
+        </p:style>
+        <p:txBody>
+          <a:bodyPr rot="0" spcFirstLastPara="0" vertOverflow="overflow" horzOverflow="overflow" vert="horz" wrap="square" lIns="91440" tIns="45720" rIns="91440" bIns="45720" numCol="1" spcCol="0" rtlCol="0" fromWordArt="0" anchor="ctr" anchorCtr="0" forceAA="0" compatLnSpc="1">
+            <a:noAutofit/>
+          </a:bodyPr>
+          <a:lstStyle/>
+          <a:p>
+            <a:pPr algn="ctr"/>
+            <a:endParaRPr lang="zh-CN" altLang="en-US"/>
+          </a:p>
+        </p:txBody>
+      </p:sp>
+      <p:sp>
+        <p:nvSpPr>
+          <p:cNvPr id="6" name="文本框 5">
+            <a:extLst>
+              <a:ext uri="{FF2B5EF4-FFF2-40B4-BE49-F238E27FC236}">
+                <a16:creationId xmlns:a16="http://schemas.microsoft.com/office/drawing/2014/main" id="{6EF55A2A-20C8-73A3-7635-D9F8FF1B0DF4}"/>
+              </a:ext>
+            </a:extLst>
+          </p:cNvPr>
+          <p:cNvSpPr txBox="1"/>
+          <p:nvPr/>
+        </p:nvSpPr>
+        <p:spPr>
+          <a:xfrm>
+            <a:off x="422882" y="1858490"/>
+            <a:ext cx="11540518" cy="2554545"/>
+          </a:xfrm>
+          <a:prstGeom prst="rect">
+            <a:avLst/>
+          </a:prstGeom>
+          <a:noFill/>
+        </p:spPr>
+        <p:txBody>
+          <a:bodyPr wrap="square" rtlCol="0">
+            <a:spAutoFit/>
+          </a:bodyPr>
+          <a:lstStyle/>
+          <a:p>
+            <a:r>
+              <a:rPr lang="zh-CN" altLang="en-US" sz="2000" dirty="0">
+                <a:highlight>
+                  <a:srgbClr val="FFFFFF"/>
+                </a:highlight>
+                <a:latin typeface="-apple-system"/>
+              </a:rPr>
+              <a:t>实验准备：实验者左手佩戴手表，右手携带手机</a:t>
+            </a:r>
+          </a:p>
+          <a:p>
+            <a:r>
+              <a:rPr lang="zh-CN" altLang="en-US" sz="2000" dirty="0">
+                <a:highlight>
+                  <a:srgbClr val="FFFFFF"/>
+                </a:highlight>
+                <a:latin typeface="-apple-system"/>
+              </a:rPr>
+              <a:t>实验条件：实验一中表现最好的模式、其他导航系统</a:t>
+            </a:r>
+            <a:endParaRPr lang="en-US" altLang="zh-CN" sz="2000" dirty="0">
+              <a:highlight>
+                <a:srgbClr val="FFFFFF"/>
+              </a:highlight>
+              <a:latin typeface="-apple-system"/>
+            </a:endParaRPr>
+          </a:p>
+          <a:p>
+            <a:r>
+              <a:rPr lang="zh-CN" altLang="en-US" sz="2000" dirty="0">
+                <a:highlight>
+                  <a:srgbClr val="FFFFFF"/>
+                </a:highlight>
+                <a:latin typeface="-apple-system"/>
+              </a:rPr>
+              <a:t>实验功能：导航、危险预警、行为辅助</a:t>
+            </a:r>
+            <a:endParaRPr lang="en-US" altLang="zh-CN" sz="2000" dirty="0">
+              <a:highlight>
+                <a:srgbClr val="FFFFFF"/>
+              </a:highlight>
+              <a:latin typeface="-apple-system"/>
+            </a:endParaRPr>
+          </a:p>
+          <a:p>
+            <a:r>
+              <a:rPr lang="zh-CN" altLang="en-US" sz="2000" dirty="0">
+                <a:highlight>
+                  <a:srgbClr val="FFFFFF"/>
+                </a:highlight>
+                <a:latin typeface="-apple-system"/>
+              </a:rPr>
+              <a:t>实验目的：验证振动触觉反馈系统在帮助盲人全场景出行的有效性。</a:t>
+            </a:r>
+            <a:endParaRPr lang="en-US" altLang="zh-CN" sz="2000" dirty="0">
+              <a:highlight>
+                <a:srgbClr val="FFFFFF"/>
+              </a:highlight>
+              <a:latin typeface="-apple-system"/>
+            </a:endParaRPr>
+          </a:p>
+          <a:p>
+            <a:endParaRPr lang="en-US" altLang="zh-CN" sz="2000" dirty="0">
+              <a:highlight>
+                <a:srgbClr val="FFFFFF"/>
+              </a:highlight>
+              <a:latin typeface="-apple-system"/>
+            </a:endParaRPr>
+          </a:p>
+          <a:p>
+            <a:pPr marL="457200" indent="-457200">
+              <a:buAutoNum type="arabicPeriod"/>
+            </a:pPr>
+            <a:endParaRPr lang="en-US" altLang="zh-CN" sz="2000" dirty="0"/>
+          </a:p>
+          <a:p>
+            <a:endParaRPr lang="en-US" altLang="zh-CN" sz="2000" dirty="0"/>
+          </a:p>
+          <a:p>
+            <a:endParaRPr lang="en-US" altLang="zh-CN" sz="2000" dirty="0"/>
+          </a:p>
+        </p:txBody>
+      </p:sp>
+      <p:sp>
+        <p:nvSpPr>
+          <p:cNvPr id="2" name="文本框 1">
+            <a:extLst>
+              <a:ext uri="{FF2B5EF4-FFF2-40B4-BE49-F238E27FC236}">
+                <a16:creationId xmlns:a16="http://schemas.microsoft.com/office/drawing/2014/main" id="{0F7D0A9B-401A-9893-DEF7-2C6FF8D47F90}"/>
+              </a:ext>
+            </a:extLst>
+          </p:cNvPr>
+          <p:cNvSpPr txBox="1"/>
+          <p:nvPr/>
+        </p:nvSpPr>
+        <p:spPr bwMode="auto">
+          <a:xfrm>
+            <a:off x="581108" y="1121890"/>
+            <a:ext cx="10675471" cy="523220"/>
+          </a:xfrm>
+          <a:prstGeom prst="rect">
+            <a:avLst/>
+          </a:prstGeom>
+          <a:noFill/>
+        </p:spPr>
+        <p:txBody>
+          <a:bodyPr wrap="square">
+            <a:spAutoFit/>
+            <a:scene3d>
+              <a:camera prst="orthographicFront"/>
+              <a:lightRig rig="threePt" dir="t"/>
+            </a:scene3d>
+            <a:sp3d contourW="12700"/>
+          </a:bodyPr>
+          <a:lstStyle/>
+          <a:p>
+            <a:pPr>
+              <a:defRPr/>
+            </a:pPr>
+            <a:r>
+              <a:rPr lang="zh-CN" altLang="en-US" sz="2800" b="1" dirty="0">
+                <a:solidFill>
+                  <a:srgbClr val="7F12B6"/>
+                </a:solidFill>
+                <a:latin typeface="时尚中黑简体" panose="01010104010101010101" pitchFamily="2" charset="-122"/>
+                <a:ea typeface="时尚中黑简体" panose="01010104010101010101" pitchFamily="2" charset="-122"/>
+              </a:rPr>
+              <a:t>实验设计 二</a:t>
+            </a:r>
+            <a:endParaRPr lang="en-US" altLang="zh-CN" sz="2800" b="1" dirty="0">
+              <a:solidFill>
+                <a:srgbClr val="7F12B6"/>
+              </a:solidFill>
+              <a:latin typeface="时尚中黑简体" panose="01010104010101010101" pitchFamily="2" charset="-122"/>
+              <a:ea typeface="时尚中黑简体" panose="01010104010101010101" pitchFamily="2" charset="-122"/>
+            </a:endParaRPr>
+          </a:p>
+        </p:txBody>
+      </p:sp>
+    </p:spTree>
+    <p:extLst>
+      <p:ext uri="{BB962C8B-B14F-4D97-AF65-F5344CB8AC3E}">
+        <p14:creationId xmlns:p14="http://schemas.microsoft.com/office/powerpoint/2010/main" val="2148736998"/>
       </p:ext>
     </p:extLst>
   </p:cSld>

--- a/总结汇报-余泳松.pptx
+++ b/总结汇报-余泳松.pptx
@@ -5,7 +5,7 @@
     <p:sldMasterId id="2147483648" r:id="rId1"/>
   </p:sldMasterIdLst>
   <p:notesMasterIdLst>
-    <p:notesMasterId r:id="rId45"/>
+    <p:notesMasterId r:id="rId47"/>
   </p:notesMasterIdLst>
   <p:sldIdLst>
     <p:sldId id="357" r:id="rId2"/>
@@ -51,11 +51,13 @@
     <p:sldId id="403" r:id="rId42"/>
     <p:sldId id="406" r:id="rId43"/>
     <p:sldId id="407" r:id="rId44"/>
+    <p:sldId id="408" r:id="rId45"/>
+    <p:sldId id="409" r:id="rId46"/>
   </p:sldIdLst>
   <p:sldSz cx="12192000" cy="6858000"/>
   <p:notesSz cx="6858000" cy="9144000"/>
   <p:custDataLst>
-    <p:tags r:id="rId46"/>
+    <p:tags r:id="rId48"/>
   </p:custDataLst>
   <p:defaultTextStyle>
     <a:defPPr>
@@ -250,7 +252,7 @@
           <a:p>
             <a:fld id="{5D13BBE5-0BEA-4494-9BEF-C8C2F48C9E2D}" type="datetimeFigureOut">
               <a:rPr lang="zh-CN" altLang="en-US" smtClean="0"/>
-              <a:t>2024/8/13</a:t>
+              <a:t>2024/8/14</a:t>
             </a:fld>
             <a:endParaRPr lang="zh-CN" altLang="en-US"/>
           </a:p>
@@ -4401,6 +4403,174 @@
     <p:extLst>
       <p:ext uri="{BB962C8B-B14F-4D97-AF65-F5344CB8AC3E}">
         <p14:creationId xmlns:p14="http://schemas.microsoft.com/office/powerpoint/2010/main" val="2105102579"/>
+      </p:ext>
+    </p:extLst>
+  </p:cSld>
+  <p:clrMapOvr>
+    <a:masterClrMapping/>
+  </p:clrMapOvr>
+</p:notes>
+</file>
+
+<file path=ppt/notesSlides/notesSlide44.xml><?xml version="1.0" encoding="utf-8"?>
+<p:notes xmlns:a="http://schemas.openxmlformats.org/drawingml/2006/main" xmlns:r="http://schemas.openxmlformats.org/officeDocument/2006/relationships" xmlns:p="http://schemas.openxmlformats.org/presentationml/2006/main">
+  <p:cSld>
+    <p:spTree>
+      <p:nvGrpSpPr>
+        <p:cNvPr id="1" name=""/>
+        <p:cNvGrpSpPr/>
+        <p:nvPr/>
+      </p:nvGrpSpPr>
+      <p:grpSpPr>
+        <a:xfrm>
+          <a:off x="0" y="0"/>
+          <a:ext cx="0" cy="0"/>
+          <a:chOff x="0" y="0"/>
+          <a:chExt cx="0" cy="0"/>
+        </a:xfrm>
+      </p:grpSpPr>
+      <p:sp>
+        <p:nvSpPr>
+          <p:cNvPr id="2" name="幻灯片图像占位符 1"/>
+          <p:cNvSpPr>
+            <a:spLocks noGrp="1" noRot="1" noChangeAspect="1"/>
+          </p:cNvSpPr>
+          <p:nvPr>
+            <p:ph type="sldImg"/>
+          </p:nvPr>
+        </p:nvSpPr>
+        <p:spPr/>
+      </p:sp>
+      <p:sp>
+        <p:nvSpPr>
+          <p:cNvPr id="3" name="备注占位符 2"/>
+          <p:cNvSpPr>
+            <a:spLocks noGrp="1"/>
+          </p:cNvSpPr>
+          <p:nvPr>
+            <p:ph type="body" idx="1"/>
+          </p:nvPr>
+        </p:nvSpPr>
+        <p:spPr/>
+        <p:txBody>
+          <a:bodyPr/>
+          <a:lstStyle/>
+          <a:p>
+            <a:endParaRPr lang="zh-CN" altLang="en-US" dirty="0"/>
+          </a:p>
+        </p:txBody>
+      </p:sp>
+      <p:sp>
+        <p:nvSpPr>
+          <p:cNvPr id="4" name="灯片编号占位符 3"/>
+          <p:cNvSpPr>
+            <a:spLocks noGrp="1"/>
+          </p:cNvSpPr>
+          <p:nvPr>
+            <p:ph type="sldNum" sz="quarter" idx="5"/>
+          </p:nvPr>
+        </p:nvSpPr>
+        <p:spPr/>
+        <p:txBody>
+          <a:bodyPr/>
+          <a:lstStyle/>
+          <a:p>
+            <a:fld id="{F1CB8912-F0BA-4AD8-8415-DA1F26BCB09F}" type="slidenum">
+              <a:rPr lang="zh-CN" altLang="en-US" smtClean="0"/>
+              <a:t>44</a:t>
+            </a:fld>
+            <a:endParaRPr lang="zh-CN" altLang="en-US"/>
+          </a:p>
+        </p:txBody>
+      </p:sp>
+    </p:spTree>
+    <p:extLst>
+      <p:ext uri="{BB962C8B-B14F-4D97-AF65-F5344CB8AC3E}">
+        <p14:creationId xmlns:p14="http://schemas.microsoft.com/office/powerpoint/2010/main" val="1196945905"/>
+      </p:ext>
+    </p:extLst>
+  </p:cSld>
+  <p:clrMapOvr>
+    <a:masterClrMapping/>
+  </p:clrMapOvr>
+</p:notes>
+</file>
+
+<file path=ppt/notesSlides/notesSlide45.xml><?xml version="1.0" encoding="utf-8"?>
+<p:notes xmlns:a="http://schemas.openxmlformats.org/drawingml/2006/main" xmlns:r="http://schemas.openxmlformats.org/officeDocument/2006/relationships" xmlns:p="http://schemas.openxmlformats.org/presentationml/2006/main">
+  <p:cSld>
+    <p:spTree>
+      <p:nvGrpSpPr>
+        <p:cNvPr id="1" name=""/>
+        <p:cNvGrpSpPr/>
+        <p:nvPr/>
+      </p:nvGrpSpPr>
+      <p:grpSpPr>
+        <a:xfrm>
+          <a:off x="0" y="0"/>
+          <a:ext cx="0" cy="0"/>
+          <a:chOff x="0" y="0"/>
+          <a:chExt cx="0" cy="0"/>
+        </a:xfrm>
+      </p:grpSpPr>
+      <p:sp>
+        <p:nvSpPr>
+          <p:cNvPr id="2" name="幻灯片图像占位符 1"/>
+          <p:cNvSpPr>
+            <a:spLocks noGrp="1" noRot="1" noChangeAspect="1"/>
+          </p:cNvSpPr>
+          <p:nvPr>
+            <p:ph type="sldImg"/>
+          </p:nvPr>
+        </p:nvSpPr>
+        <p:spPr/>
+      </p:sp>
+      <p:sp>
+        <p:nvSpPr>
+          <p:cNvPr id="3" name="备注占位符 2"/>
+          <p:cNvSpPr>
+            <a:spLocks noGrp="1"/>
+          </p:cNvSpPr>
+          <p:nvPr>
+            <p:ph type="body" idx="1"/>
+          </p:nvPr>
+        </p:nvSpPr>
+        <p:spPr/>
+        <p:txBody>
+          <a:bodyPr/>
+          <a:lstStyle/>
+          <a:p>
+            <a:endParaRPr lang="zh-CN" altLang="en-US" dirty="0"/>
+          </a:p>
+        </p:txBody>
+      </p:sp>
+      <p:sp>
+        <p:nvSpPr>
+          <p:cNvPr id="4" name="灯片编号占位符 3"/>
+          <p:cNvSpPr>
+            <a:spLocks noGrp="1"/>
+          </p:cNvSpPr>
+          <p:nvPr>
+            <p:ph type="sldNum" sz="quarter" idx="5"/>
+          </p:nvPr>
+        </p:nvSpPr>
+        <p:spPr/>
+        <p:txBody>
+          <a:bodyPr/>
+          <a:lstStyle/>
+          <a:p>
+            <a:fld id="{F1CB8912-F0BA-4AD8-8415-DA1F26BCB09F}" type="slidenum">
+              <a:rPr lang="zh-CN" altLang="en-US" smtClean="0"/>
+              <a:t>45</a:t>
+            </a:fld>
+            <a:endParaRPr lang="zh-CN" altLang="en-US"/>
+          </a:p>
+        </p:txBody>
+      </p:sp>
+    </p:spTree>
+    <p:extLst>
+      <p:ext uri="{BB962C8B-B14F-4D97-AF65-F5344CB8AC3E}">
+        <p14:creationId xmlns:p14="http://schemas.microsoft.com/office/powerpoint/2010/main" val="2273611240"/>
       </p:ext>
     </p:extLst>
   </p:cSld>
@@ -40041,6 +40211,1586 @@
     <p:extLst>
       <p:ext uri="{BB962C8B-B14F-4D97-AF65-F5344CB8AC3E}">
         <p14:creationId xmlns:p14="http://schemas.microsoft.com/office/powerpoint/2010/main" val="2148736998"/>
+      </p:ext>
+    </p:extLst>
+  </p:cSld>
+  <p:clrMapOvr>
+    <a:masterClrMapping/>
+  </p:clrMapOvr>
+  <mc:AlternateContent xmlns:mc="http://schemas.openxmlformats.org/markup-compatibility/2006" xmlns:p14="http://schemas.microsoft.com/office/powerpoint/2010/main">
+    <mc:Choice Requires="p14">
+      <p:transition spd="slow" p14:dur="1500" advTm="0">
+        <p:random/>
+      </p:transition>
+    </mc:Choice>
+    <mc:Fallback xmlns="">
+      <p:transition spd="slow" advTm="0">
+        <p:random/>
+      </p:transition>
+    </mc:Fallback>
+  </mc:AlternateContent>
+</p:sld>
+</file>
+
+<file path=ppt/slides/slide44.xml><?xml version="1.0" encoding="utf-8"?>
+<p:sld xmlns:a="http://schemas.openxmlformats.org/drawingml/2006/main" xmlns:r="http://schemas.openxmlformats.org/officeDocument/2006/relationships" xmlns:p="http://schemas.openxmlformats.org/presentationml/2006/main">
+  <p:cSld>
+    <p:spTree>
+      <p:nvGrpSpPr>
+        <p:cNvPr id="1" name=""/>
+        <p:cNvGrpSpPr/>
+        <p:nvPr/>
+      </p:nvGrpSpPr>
+      <p:grpSpPr>
+        <a:xfrm>
+          <a:off x="0" y="0"/>
+          <a:ext cx="0" cy="0"/>
+          <a:chOff x="0" y="0"/>
+          <a:chExt cx="0" cy="0"/>
+        </a:xfrm>
+      </p:grpSpPr>
+      <p:grpSp>
+        <p:nvGrpSpPr>
+          <p:cNvPr id="21" name="组合 20"/>
+          <p:cNvGrpSpPr/>
+          <p:nvPr/>
+        </p:nvGrpSpPr>
+        <p:grpSpPr>
+          <a:xfrm>
+            <a:off x="5270500" y="510493"/>
+            <a:ext cx="7561033" cy="380555"/>
+            <a:chOff x="6997699" y="510493"/>
+            <a:chExt cx="5794625" cy="380555"/>
+          </a:xfrm>
+        </p:grpSpPr>
+        <p:sp>
+          <p:nvSpPr>
+            <p:cNvPr id="22" name="任意多边形: 形状 21"/>
+            <p:cNvSpPr/>
+            <p:nvPr userDrawn="1"/>
+          </p:nvSpPr>
+          <p:spPr>
+            <a:xfrm flipH="1">
+              <a:off x="6997699" y="764493"/>
+              <a:ext cx="5376633" cy="126555"/>
+            </a:xfrm>
+            <a:custGeom>
+              <a:avLst/>
+              <a:gdLst>
+                <a:gd name="connsiteX0" fmla="*/ 7367523 w 7367523"/>
+                <a:gd name="connsiteY0" fmla="*/ 0 h 173416"/>
+                <a:gd name="connsiteX1" fmla="*/ 6374783 w 7367523"/>
+                <a:gd name="connsiteY1" fmla="*/ 0 h 173416"/>
+                <a:gd name="connsiteX2" fmla="*/ 6240349 w 7367523"/>
+                <a:gd name="connsiteY2" fmla="*/ 0 h 173416"/>
+                <a:gd name="connsiteX3" fmla="*/ 5540227 w 7367523"/>
+                <a:gd name="connsiteY3" fmla="*/ 0 h 173416"/>
+                <a:gd name="connsiteX4" fmla="*/ 5247612 w 7367523"/>
+                <a:gd name="connsiteY4" fmla="*/ 0 h 173416"/>
+                <a:gd name="connsiteX5" fmla="*/ 4707193 w 7367523"/>
+                <a:gd name="connsiteY5" fmla="*/ 0 h 173416"/>
+                <a:gd name="connsiteX6" fmla="*/ 4413053 w 7367523"/>
+                <a:gd name="connsiteY6" fmla="*/ 0 h 173416"/>
+                <a:gd name="connsiteX7" fmla="*/ 3865356 w 7367523"/>
+                <a:gd name="connsiteY7" fmla="*/ 0 h 173416"/>
+                <a:gd name="connsiteX8" fmla="*/ 3580019 w 7367523"/>
+                <a:gd name="connsiteY8" fmla="*/ 0 h 173416"/>
+                <a:gd name="connsiteX9" fmla="*/ 2872616 w 7367523"/>
+                <a:gd name="connsiteY9" fmla="*/ 0 h 173416"/>
+                <a:gd name="connsiteX10" fmla="*/ 2738183 w 7367523"/>
+                <a:gd name="connsiteY10" fmla="*/ 0 h 173416"/>
+                <a:gd name="connsiteX11" fmla="*/ 2038060 w 7367523"/>
+                <a:gd name="connsiteY11" fmla="*/ 0 h 173416"/>
+                <a:gd name="connsiteX12" fmla="*/ 1745445 w 7367523"/>
+                <a:gd name="connsiteY12" fmla="*/ 0 h 173416"/>
+                <a:gd name="connsiteX13" fmla="*/ 1205026 w 7367523"/>
+                <a:gd name="connsiteY13" fmla="*/ 0 h 173416"/>
+                <a:gd name="connsiteX14" fmla="*/ 910887 w 7367523"/>
+                <a:gd name="connsiteY14" fmla="*/ 0 h 173416"/>
+                <a:gd name="connsiteX15" fmla="*/ 77853 w 7367523"/>
+                <a:gd name="connsiteY15" fmla="*/ 0 h 173416"/>
+                <a:gd name="connsiteX16" fmla="*/ 0 w 7367523"/>
+                <a:gd name="connsiteY16" fmla="*/ 173416 h 173416"/>
+                <a:gd name="connsiteX17" fmla="*/ 7289670 w 7367523"/>
+                <a:gd name="connsiteY17" fmla="*/ 173416 h 173416"/>
+              </a:gdLst>
+              <a:ahLst/>
+              <a:cxnLst>
+                <a:cxn ang="0">
+                  <a:pos x="connsiteX0" y="connsiteY0"/>
+                </a:cxn>
+                <a:cxn ang="0">
+                  <a:pos x="connsiteX1" y="connsiteY1"/>
+                </a:cxn>
+                <a:cxn ang="0">
+                  <a:pos x="connsiteX2" y="connsiteY2"/>
+                </a:cxn>
+                <a:cxn ang="0">
+                  <a:pos x="connsiteX3" y="connsiteY3"/>
+                </a:cxn>
+                <a:cxn ang="0">
+                  <a:pos x="connsiteX4" y="connsiteY4"/>
+                </a:cxn>
+                <a:cxn ang="0">
+                  <a:pos x="connsiteX5" y="connsiteY5"/>
+                </a:cxn>
+                <a:cxn ang="0">
+                  <a:pos x="connsiteX6" y="connsiteY6"/>
+                </a:cxn>
+                <a:cxn ang="0">
+                  <a:pos x="connsiteX7" y="connsiteY7"/>
+                </a:cxn>
+                <a:cxn ang="0">
+                  <a:pos x="connsiteX8" y="connsiteY8"/>
+                </a:cxn>
+                <a:cxn ang="0">
+                  <a:pos x="connsiteX9" y="connsiteY9"/>
+                </a:cxn>
+                <a:cxn ang="0">
+                  <a:pos x="connsiteX10" y="connsiteY10"/>
+                </a:cxn>
+                <a:cxn ang="0">
+                  <a:pos x="connsiteX11" y="connsiteY11"/>
+                </a:cxn>
+                <a:cxn ang="0">
+                  <a:pos x="connsiteX12" y="connsiteY12"/>
+                </a:cxn>
+                <a:cxn ang="0">
+                  <a:pos x="connsiteX13" y="connsiteY13"/>
+                </a:cxn>
+                <a:cxn ang="0">
+                  <a:pos x="connsiteX14" y="connsiteY14"/>
+                </a:cxn>
+                <a:cxn ang="0">
+                  <a:pos x="connsiteX15" y="connsiteY15"/>
+                </a:cxn>
+                <a:cxn ang="0">
+                  <a:pos x="connsiteX16" y="connsiteY16"/>
+                </a:cxn>
+                <a:cxn ang="0">
+                  <a:pos x="connsiteX17" y="connsiteY17"/>
+                </a:cxn>
+              </a:cxnLst>
+              <a:rect l="l" t="t" r="r" b="b"/>
+              <a:pathLst>
+                <a:path w="7367523" h="173416">
+                  <a:moveTo>
+                    <a:pt x="7367523" y="0"/>
+                  </a:moveTo>
+                  <a:lnTo>
+                    <a:pt x="6374783" y="0"/>
+                  </a:lnTo>
+                  <a:lnTo>
+                    <a:pt x="6240349" y="0"/>
+                  </a:lnTo>
+                  <a:lnTo>
+                    <a:pt x="5540227" y="0"/>
+                  </a:lnTo>
+                  <a:lnTo>
+                    <a:pt x="5247612" y="0"/>
+                  </a:lnTo>
+                  <a:lnTo>
+                    <a:pt x="4707193" y="0"/>
+                  </a:lnTo>
+                  <a:lnTo>
+                    <a:pt x="4413053" y="0"/>
+                  </a:lnTo>
+                  <a:lnTo>
+                    <a:pt x="3865356" y="0"/>
+                  </a:lnTo>
+                  <a:lnTo>
+                    <a:pt x="3580019" y="0"/>
+                  </a:lnTo>
+                  <a:lnTo>
+                    <a:pt x="2872616" y="0"/>
+                  </a:lnTo>
+                  <a:lnTo>
+                    <a:pt x="2738183" y="0"/>
+                  </a:lnTo>
+                  <a:lnTo>
+                    <a:pt x="2038060" y="0"/>
+                  </a:lnTo>
+                  <a:lnTo>
+                    <a:pt x="1745445" y="0"/>
+                  </a:lnTo>
+                  <a:lnTo>
+                    <a:pt x="1205026" y="0"/>
+                  </a:lnTo>
+                  <a:lnTo>
+                    <a:pt x="910887" y="0"/>
+                  </a:lnTo>
+                  <a:lnTo>
+                    <a:pt x="77853" y="0"/>
+                  </a:lnTo>
+                  <a:lnTo>
+                    <a:pt x="0" y="173416"/>
+                  </a:lnTo>
+                  <a:lnTo>
+                    <a:pt x="7289670" y="173416"/>
+                  </a:lnTo>
+                  <a:close/>
+                </a:path>
+              </a:pathLst>
+            </a:custGeom>
+            <a:gradFill flip="none" rotWithShape="0">
+              <a:gsLst>
+                <a:gs pos="0">
+                  <a:srgbClr val="228AF2"/>
+                </a:gs>
+                <a:gs pos="94000">
+                  <a:srgbClr val="7F12B6"/>
+                </a:gs>
+              </a:gsLst>
+              <a:lin ang="2700000" scaled="1"/>
+              <a:tileRect/>
+            </a:gradFill>
+            <a:ln>
+              <a:noFill/>
+            </a:ln>
+          </p:spPr>
+          <p:style>
+            <a:lnRef idx="2">
+              <a:schemeClr val="accent1">
+                <a:shade val="50000"/>
+              </a:schemeClr>
+            </a:lnRef>
+            <a:fillRef idx="1">
+              <a:schemeClr val="accent1"/>
+            </a:fillRef>
+            <a:effectRef idx="0">
+              <a:schemeClr val="accent1"/>
+            </a:effectRef>
+            <a:fontRef idx="minor">
+              <a:schemeClr val="lt1"/>
+            </a:fontRef>
+          </p:style>
+          <p:txBody>
+            <a:bodyPr rot="0" spcFirstLastPara="0" vertOverflow="overflow" horzOverflow="overflow" vert="horz" wrap="square" lIns="91440" tIns="45720" rIns="91440" bIns="45720" numCol="1" spcCol="0" rtlCol="0" fromWordArt="0" anchor="ctr" anchorCtr="0" forceAA="0" compatLnSpc="1">
+              <a:noAutofit/>
+            </a:bodyPr>
+            <a:lstStyle/>
+            <a:p>
+              <a:pPr algn="ctr"/>
+              <a:endParaRPr lang="zh-CN" altLang="en-US"/>
+            </a:p>
+          </p:txBody>
+        </p:sp>
+        <p:sp>
+          <p:nvSpPr>
+            <p:cNvPr id="23" name="任意多边形: 形状 22"/>
+            <p:cNvSpPr/>
+            <p:nvPr userDrawn="1"/>
+          </p:nvSpPr>
+          <p:spPr>
+            <a:xfrm flipH="1">
+              <a:off x="7415691" y="510493"/>
+              <a:ext cx="5376633" cy="126555"/>
+            </a:xfrm>
+            <a:custGeom>
+              <a:avLst/>
+              <a:gdLst>
+                <a:gd name="connsiteX0" fmla="*/ 7367523 w 7367523"/>
+                <a:gd name="connsiteY0" fmla="*/ 0 h 173416"/>
+                <a:gd name="connsiteX1" fmla="*/ 6374783 w 7367523"/>
+                <a:gd name="connsiteY1" fmla="*/ 0 h 173416"/>
+                <a:gd name="connsiteX2" fmla="*/ 6240349 w 7367523"/>
+                <a:gd name="connsiteY2" fmla="*/ 0 h 173416"/>
+                <a:gd name="connsiteX3" fmla="*/ 5540227 w 7367523"/>
+                <a:gd name="connsiteY3" fmla="*/ 0 h 173416"/>
+                <a:gd name="connsiteX4" fmla="*/ 5247612 w 7367523"/>
+                <a:gd name="connsiteY4" fmla="*/ 0 h 173416"/>
+                <a:gd name="connsiteX5" fmla="*/ 4707193 w 7367523"/>
+                <a:gd name="connsiteY5" fmla="*/ 0 h 173416"/>
+                <a:gd name="connsiteX6" fmla="*/ 4413053 w 7367523"/>
+                <a:gd name="connsiteY6" fmla="*/ 0 h 173416"/>
+                <a:gd name="connsiteX7" fmla="*/ 3865356 w 7367523"/>
+                <a:gd name="connsiteY7" fmla="*/ 0 h 173416"/>
+                <a:gd name="connsiteX8" fmla="*/ 3580019 w 7367523"/>
+                <a:gd name="connsiteY8" fmla="*/ 0 h 173416"/>
+                <a:gd name="connsiteX9" fmla="*/ 2872616 w 7367523"/>
+                <a:gd name="connsiteY9" fmla="*/ 0 h 173416"/>
+                <a:gd name="connsiteX10" fmla="*/ 2738183 w 7367523"/>
+                <a:gd name="connsiteY10" fmla="*/ 0 h 173416"/>
+                <a:gd name="connsiteX11" fmla="*/ 2038060 w 7367523"/>
+                <a:gd name="connsiteY11" fmla="*/ 0 h 173416"/>
+                <a:gd name="connsiteX12" fmla="*/ 1745445 w 7367523"/>
+                <a:gd name="connsiteY12" fmla="*/ 0 h 173416"/>
+                <a:gd name="connsiteX13" fmla="*/ 1205026 w 7367523"/>
+                <a:gd name="connsiteY13" fmla="*/ 0 h 173416"/>
+                <a:gd name="connsiteX14" fmla="*/ 910887 w 7367523"/>
+                <a:gd name="connsiteY14" fmla="*/ 0 h 173416"/>
+                <a:gd name="connsiteX15" fmla="*/ 77853 w 7367523"/>
+                <a:gd name="connsiteY15" fmla="*/ 0 h 173416"/>
+                <a:gd name="connsiteX16" fmla="*/ 0 w 7367523"/>
+                <a:gd name="connsiteY16" fmla="*/ 173416 h 173416"/>
+                <a:gd name="connsiteX17" fmla="*/ 7289670 w 7367523"/>
+                <a:gd name="connsiteY17" fmla="*/ 173416 h 173416"/>
+              </a:gdLst>
+              <a:ahLst/>
+              <a:cxnLst>
+                <a:cxn ang="0">
+                  <a:pos x="connsiteX0" y="connsiteY0"/>
+                </a:cxn>
+                <a:cxn ang="0">
+                  <a:pos x="connsiteX1" y="connsiteY1"/>
+                </a:cxn>
+                <a:cxn ang="0">
+                  <a:pos x="connsiteX2" y="connsiteY2"/>
+                </a:cxn>
+                <a:cxn ang="0">
+                  <a:pos x="connsiteX3" y="connsiteY3"/>
+                </a:cxn>
+                <a:cxn ang="0">
+                  <a:pos x="connsiteX4" y="connsiteY4"/>
+                </a:cxn>
+                <a:cxn ang="0">
+                  <a:pos x="connsiteX5" y="connsiteY5"/>
+                </a:cxn>
+                <a:cxn ang="0">
+                  <a:pos x="connsiteX6" y="connsiteY6"/>
+                </a:cxn>
+                <a:cxn ang="0">
+                  <a:pos x="connsiteX7" y="connsiteY7"/>
+                </a:cxn>
+                <a:cxn ang="0">
+                  <a:pos x="connsiteX8" y="connsiteY8"/>
+                </a:cxn>
+                <a:cxn ang="0">
+                  <a:pos x="connsiteX9" y="connsiteY9"/>
+                </a:cxn>
+                <a:cxn ang="0">
+                  <a:pos x="connsiteX10" y="connsiteY10"/>
+                </a:cxn>
+                <a:cxn ang="0">
+                  <a:pos x="connsiteX11" y="connsiteY11"/>
+                </a:cxn>
+                <a:cxn ang="0">
+                  <a:pos x="connsiteX12" y="connsiteY12"/>
+                </a:cxn>
+                <a:cxn ang="0">
+                  <a:pos x="connsiteX13" y="connsiteY13"/>
+                </a:cxn>
+                <a:cxn ang="0">
+                  <a:pos x="connsiteX14" y="connsiteY14"/>
+                </a:cxn>
+                <a:cxn ang="0">
+                  <a:pos x="connsiteX15" y="connsiteY15"/>
+                </a:cxn>
+                <a:cxn ang="0">
+                  <a:pos x="connsiteX16" y="connsiteY16"/>
+                </a:cxn>
+                <a:cxn ang="0">
+                  <a:pos x="connsiteX17" y="connsiteY17"/>
+                </a:cxn>
+              </a:cxnLst>
+              <a:rect l="l" t="t" r="r" b="b"/>
+              <a:pathLst>
+                <a:path w="7367523" h="173416">
+                  <a:moveTo>
+                    <a:pt x="7367523" y="0"/>
+                  </a:moveTo>
+                  <a:lnTo>
+                    <a:pt x="6374783" y="0"/>
+                  </a:lnTo>
+                  <a:lnTo>
+                    <a:pt x="6240349" y="0"/>
+                  </a:lnTo>
+                  <a:lnTo>
+                    <a:pt x="5540227" y="0"/>
+                  </a:lnTo>
+                  <a:lnTo>
+                    <a:pt x="5247612" y="0"/>
+                  </a:lnTo>
+                  <a:lnTo>
+                    <a:pt x="4707193" y="0"/>
+                  </a:lnTo>
+                  <a:lnTo>
+                    <a:pt x="4413053" y="0"/>
+                  </a:lnTo>
+                  <a:lnTo>
+                    <a:pt x="3865356" y="0"/>
+                  </a:lnTo>
+                  <a:lnTo>
+                    <a:pt x="3580019" y="0"/>
+                  </a:lnTo>
+                  <a:lnTo>
+                    <a:pt x="2872616" y="0"/>
+                  </a:lnTo>
+                  <a:lnTo>
+                    <a:pt x="2738183" y="0"/>
+                  </a:lnTo>
+                  <a:lnTo>
+                    <a:pt x="2038060" y="0"/>
+                  </a:lnTo>
+                  <a:lnTo>
+                    <a:pt x="1745445" y="0"/>
+                  </a:lnTo>
+                  <a:lnTo>
+                    <a:pt x="1205026" y="0"/>
+                  </a:lnTo>
+                  <a:lnTo>
+                    <a:pt x="910887" y="0"/>
+                  </a:lnTo>
+                  <a:lnTo>
+                    <a:pt x="77853" y="0"/>
+                  </a:lnTo>
+                  <a:lnTo>
+                    <a:pt x="0" y="173416"/>
+                  </a:lnTo>
+                  <a:lnTo>
+                    <a:pt x="7289670" y="173416"/>
+                  </a:lnTo>
+                  <a:close/>
+                </a:path>
+              </a:pathLst>
+            </a:custGeom>
+            <a:solidFill>
+              <a:schemeClr val="bg2"/>
+            </a:solidFill>
+            <a:ln>
+              <a:noFill/>
+            </a:ln>
+          </p:spPr>
+          <p:style>
+            <a:lnRef idx="2">
+              <a:schemeClr val="accent1">
+                <a:shade val="50000"/>
+              </a:schemeClr>
+            </a:lnRef>
+            <a:fillRef idx="1">
+              <a:schemeClr val="accent1"/>
+            </a:fillRef>
+            <a:effectRef idx="0">
+              <a:schemeClr val="accent1"/>
+            </a:effectRef>
+            <a:fontRef idx="minor">
+              <a:schemeClr val="lt1"/>
+            </a:fontRef>
+          </p:style>
+          <p:txBody>
+            <a:bodyPr rot="0" spcFirstLastPara="0" vertOverflow="overflow" horzOverflow="overflow" vert="horz" wrap="square" lIns="91440" tIns="45720" rIns="91440" bIns="45720" numCol="1" spcCol="0" rtlCol="0" fromWordArt="0" anchor="ctr" anchorCtr="0" forceAA="0" compatLnSpc="1">
+              <a:noAutofit/>
+            </a:bodyPr>
+            <a:lstStyle/>
+            <a:p>
+              <a:pPr algn="ctr"/>
+              <a:endParaRPr lang="zh-CN" altLang="en-US"/>
+            </a:p>
+          </p:txBody>
+        </p:sp>
+      </p:grpSp>
+      <p:sp>
+        <p:nvSpPr>
+          <p:cNvPr id="24" name="任意多边形: 形状 23"/>
+          <p:cNvSpPr/>
+          <p:nvPr/>
+        </p:nvSpPr>
+        <p:spPr>
+          <a:xfrm flipH="1">
+            <a:off x="129621" y="0"/>
+            <a:ext cx="586522" cy="1047087"/>
+          </a:xfrm>
+          <a:custGeom>
+            <a:avLst/>
+            <a:gdLst>
+              <a:gd name="connsiteX0" fmla="*/ 586522 w 586522"/>
+              <a:gd name="connsiteY0" fmla="*/ 0 h 1047087"/>
+              <a:gd name="connsiteX1" fmla="*/ 470079 w 586522"/>
+              <a:gd name="connsiteY1" fmla="*/ 0 h 1047087"/>
+              <a:gd name="connsiteX2" fmla="*/ 0 w 586522"/>
+              <a:gd name="connsiteY2" fmla="*/ 1047087 h 1047087"/>
+              <a:gd name="connsiteX3" fmla="*/ 116443 w 586522"/>
+              <a:gd name="connsiteY3" fmla="*/ 1047087 h 1047087"/>
+            </a:gdLst>
+            <a:ahLst/>
+            <a:cxnLst>
+              <a:cxn ang="0">
+                <a:pos x="connsiteX0" y="connsiteY0"/>
+              </a:cxn>
+              <a:cxn ang="0">
+                <a:pos x="connsiteX1" y="connsiteY1"/>
+              </a:cxn>
+              <a:cxn ang="0">
+                <a:pos x="connsiteX2" y="connsiteY2"/>
+              </a:cxn>
+              <a:cxn ang="0">
+                <a:pos x="connsiteX3" y="connsiteY3"/>
+              </a:cxn>
+            </a:cxnLst>
+            <a:rect l="l" t="t" r="r" b="b"/>
+            <a:pathLst>
+              <a:path w="586522" h="1047087">
+                <a:moveTo>
+                  <a:pt x="586522" y="0"/>
+                </a:moveTo>
+                <a:lnTo>
+                  <a:pt x="470079" y="0"/>
+                </a:lnTo>
+                <a:lnTo>
+                  <a:pt x="0" y="1047087"/>
+                </a:lnTo>
+                <a:lnTo>
+                  <a:pt x="116443" y="1047087"/>
+                </a:lnTo>
+                <a:close/>
+              </a:path>
+            </a:pathLst>
+          </a:custGeom>
+          <a:gradFill flip="none" rotWithShape="0">
+            <a:gsLst>
+              <a:gs pos="0">
+                <a:srgbClr val="53A5F5">
+                  <a:lumMod val="73000"/>
+                  <a:lumOff val="27000"/>
+                </a:srgbClr>
+              </a:gs>
+              <a:gs pos="94000">
+                <a:srgbClr val="9214CF">
+                  <a:lumMod val="73000"/>
+                  <a:lumOff val="27000"/>
+                </a:srgbClr>
+              </a:gs>
+            </a:gsLst>
+            <a:lin ang="2700000" scaled="1"/>
+            <a:tileRect/>
+          </a:gradFill>
+          <a:ln>
+            <a:noFill/>
+          </a:ln>
+        </p:spPr>
+        <p:style>
+          <a:lnRef idx="2">
+            <a:schemeClr val="accent1">
+              <a:shade val="50000"/>
+            </a:schemeClr>
+          </a:lnRef>
+          <a:fillRef idx="1">
+            <a:schemeClr val="accent1"/>
+          </a:fillRef>
+          <a:effectRef idx="0">
+            <a:schemeClr val="accent1"/>
+          </a:effectRef>
+          <a:fontRef idx="minor">
+            <a:schemeClr val="lt1"/>
+          </a:fontRef>
+        </p:style>
+        <p:txBody>
+          <a:bodyPr rot="0" spcFirstLastPara="0" vertOverflow="overflow" horzOverflow="overflow" vert="horz" wrap="square" lIns="91440" tIns="45720" rIns="91440" bIns="45720" numCol="1" spcCol="0" rtlCol="0" fromWordArt="0" anchor="ctr" anchorCtr="0" forceAA="0" compatLnSpc="1">
+            <a:noAutofit/>
+          </a:bodyPr>
+          <a:lstStyle/>
+          <a:p>
+            <a:pPr algn="ctr"/>
+            <a:endParaRPr lang="zh-CN" altLang="en-US"/>
+          </a:p>
+        </p:txBody>
+      </p:sp>
+      <p:sp>
+        <p:nvSpPr>
+          <p:cNvPr id="25" name="任意多边形: 形状 24"/>
+          <p:cNvSpPr/>
+          <p:nvPr/>
+        </p:nvSpPr>
+        <p:spPr>
+          <a:xfrm flipH="1">
+            <a:off x="581108" y="202981"/>
+            <a:ext cx="344503" cy="615023"/>
+          </a:xfrm>
+          <a:custGeom>
+            <a:avLst/>
+            <a:gdLst>
+              <a:gd name="connsiteX0" fmla="*/ 586522 w 586522"/>
+              <a:gd name="connsiteY0" fmla="*/ 0 h 1047087"/>
+              <a:gd name="connsiteX1" fmla="*/ 470079 w 586522"/>
+              <a:gd name="connsiteY1" fmla="*/ 0 h 1047087"/>
+              <a:gd name="connsiteX2" fmla="*/ 0 w 586522"/>
+              <a:gd name="connsiteY2" fmla="*/ 1047087 h 1047087"/>
+              <a:gd name="connsiteX3" fmla="*/ 116443 w 586522"/>
+              <a:gd name="connsiteY3" fmla="*/ 1047087 h 1047087"/>
+            </a:gdLst>
+            <a:ahLst/>
+            <a:cxnLst>
+              <a:cxn ang="0">
+                <a:pos x="connsiteX0" y="connsiteY0"/>
+              </a:cxn>
+              <a:cxn ang="0">
+                <a:pos x="connsiteX1" y="connsiteY1"/>
+              </a:cxn>
+              <a:cxn ang="0">
+                <a:pos x="connsiteX2" y="connsiteY2"/>
+              </a:cxn>
+              <a:cxn ang="0">
+                <a:pos x="connsiteX3" y="connsiteY3"/>
+              </a:cxn>
+            </a:cxnLst>
+            <a:rect l="l" t="t" r="r" b="b"/>
+            <a:pathLst>
+              <a:path w="586522" h="1047087">
+                <a:moveTo>
+                  <a:pt x="586522" y="0"/>
+                </a:moveTo>
+                <a:lnTo>
+                  <a:pt x="470079" y="0"/>
+                </a:lnTo>
+                <a:lnTo>
+                  <a:pt x="0" y="1047087"/>
+                </a:lnTo>
+                <a:lnTo>
+                  <a:pt x="116443" y="1047087"/>
+                </a:lnTo>
+                <a:close/>
+              </a:path>
+            </a:pathLst>
+          </a:custGeom>
+          <a:solidFill>
+            <a:schemeClr val="bg1">
+              <a:lumMod val="95000"/>
+            </a:schemeClr>
+          </a:solidFill>
+          <a:ln>
+            <a:noFill/>
+          </a:ln>
+        </p:spPr>
+        <p:style>
+          <a:lnRef idx="2">
+            <a:schemeClr val="accent1">
+              <a:shade val="50000"/>
+            </a:schemeClr>
+          </a:lnRef>
+          <a:fillRef idx="1">
+            <a:schemeClr val="accent1"/>
+          </a:fillRef>
+          <a:effectRef idx="0">
+            <a:schemeClr val="accent1"/>
+          </a:effectRef>
+          <a:fontRef idx="minor">
+            <a:schemeClr val="lt1"/>
+          </a:fontRef>
+        </p:style>
+        <p:txBody>
+          <a:bodyPr rot="0" spcFirstLastPara="0" vertOverflow="overflow" horzOverflow="overflow" vert="horz" wrap="square" lIns="91440" tIns="45720" rIns="91440" bIns="45720" numCol="1" spcCol="0" rtlCol="0" fromWordArt="0" anchor="ctr" anchorCtr="0" forceAA="0" compatLnSpc="1">
+            <a:noAutofit/>
+          </a:bodyPr>
+          <a:lstStyle/>
+          <a:p>
+            <a:pPr algn="ctr"/>
+            <a:endParaRPr lang="zh-CN" altLang="en-US"/>
+          </a:p>
+        </p:txBody>
+      </p:sp>
+      <p:sp>
+        <p:nvSpPr>
+          <p:cNvPr id="3" name="文本框 2">
+            <a:extLst>
+              <a:ext uri="{FF2B5EF4-FFF2-40B4-BE49-F238E27FC236}">
+                <a16:creationId xmlns:a16="http://schemas.microsoft.com/office/drawing/2014/main" id="{0011AECB-7C76-C412-F137-3B56F546F636}"/>
+              </a:ext>
+            </a:extLst>
+          </p:cNvPr>
+          <p:cNvSpPr txBox="1"/>
+          <p:nvPr/>
+        </p:nvSpPr>
+        <p:spPr>
+          <a:xfrm>
+            <a:off x="285075" y="1047087"/>
+            <a:ext cx="11621849" cy="2215991"/>
+          </a:xfrm>
+          <a:prstGeom prst="rect">
+            <a:avLst/>
+          </a:prstGeom>
+          <a:noFill/>
+        </p:spPr>
+        <p:txBody>
+          <a:bodyPr wrap="square" rtlCol="0">
+            <a:spAutoFit/>
+          </a:bodyPr>
+          <a:lstStyle/>
+          <a:p>
+            <a:r>
+              <a:rPr lang="en-US" altLang="zh-CN" dirty="0"/>
+              <a:t>20240814</a:t>
+            </a:r>
+          </a:p>
+          <a:p>
+            <a:endParaRPr lang="en-US" altLang="zh-CN" sz="2000" dirty="0"/>
+          </a:p>
+          <a:p>
+            <a:endParaRPr lang="en-US" altLang="zh-CN" sz="2000" dirty="0"/>
+          </a:p>
+          <a:p>
+            <a:endParaRPr lang="zh-CN" altLang="en-US" sz="2000" dirty="0"/>
+          </a:p>
+          <a:p>
+            <a:endParaRPr lang="en-US" altLang="zh-CN" sz="2000" dirty="0"/>
+          </a:p>
+          <a:p>
+            <a:endParaRPr lang="en-US" altLang="zh-CN" sz="2000" dirty="0"/>
+          </a:p>
+          <a:p>
+            <a:endParaRPr lang="en-US" altLang="zh-CN" sz="2000" dirty="0"/>
+          </a:p>
+        </p:txBody>
+      </p:sp>
+    </p:spTree>
+    <p:extLst>
+      <p:ext uri="{BB962C8B-B14F-4D97-AF65-F5344CB8AC3E}">
+        <p14:creationId xmlns:p14="http://schemas.microsoft.com/office/powerpoint/2010/main" val="567866992"/>
+      </p:ext>
+    </p:extLst>
+  </p:cSld>
+  <p:clrMapOvr>
+    <a:masterClrMapping/>
+  </p:clrMapOvr>
+  <mc:AlternateContent xmlns:mc="http://schemas.openxmlformats.org/markup-compatibility/2006" xmlns:p14="http://schemas.microsoft.com/office/powerpoint/2010/main">
+    <mc:Choice Requires="p14">
+      <p:transition spd="slow" p14:dur="1500" advTm="0">
+        <p:random/>
+      </p:transition>
+    </mc:Choice>
+    <mc:Fallback xmlns="">
+      <p:transition spd="slow" advTm="0">
+        <p:random/>
+      </p:transition>
+    </mc:Fallback>
+  </mc:AlternateContent>
+</p:sld>
+</file>
+
+<file path=ppt/slides/slide45.xml><?xml version="1.0" encoding="utf-8"?>
+<p:sld xmlns:a="http://schemas.openxmlformats.org/drawingml/2006/main" xmlns:r="http://schemas.openxmlformats.org/officeDocument/2006/relationships" xmlns:p="http://schemas.openxmlformats.org/presentationml/2006/main">
+  <p:cSld>
+    <p:spTree>
+      <p:nvGrpSpPr>
+        <p:cNvPr id="1" name=""/>
+        <p:cNvGrpSpPr/>
+        <p:nvPr/>
+      </p:nvGrpSpPr>
+      <p:grpSpPr>
+        <a:xfrm>
+          <a:off x="0" y="0"/>
+          <a:ext cx="0" cy="0"/>
+          <a:chOff x="0" y="0"/>
+          <a:chExt cx="0" cy="0"/>
+        </a:xfrm>
+      </p:grpSpPr>
+      <p:grpSp>
+        <p:nvGrpSpPr>
+          <p:cNvPr id="21" name="组合 20"/>
+          <p:cNvGrpSpPr/>
+          <p:nvPr/>
+        </p:nvGrpSpPr>
+        <p:grpSpPr>
+          <a:xfrm>
+            <a:off x="5270500" y="510493"/>
+            <a:ext cx="7561033" cy="380555"/>
+            <a:chOff x="6997699" y="510493"/>
+            <a:chExt cx="5794625" cy="380555"/>
+          </a:xfrm>
+        </p:grpSpPr>
+        <p:sp>
+          <p:nvSpPr>
+            <p:cNvPr id="22" name="任意多边形: 形状 21"/>
+            <p:cNvSpPr/>
+            <p:nvPr userDrawn="1"/>
+          </p:nvSpPr>
+          <p:spPr>
+            <a:xfrm flipH="1">
+              <a:off x="6997699" y="764493"/>
+              <a:ext cx="5376633" cy="126555"/>
+            </a:xfrm>
+            <a:custGeom>
+              <a:avLst/>
+              <a:gdLst>
+                <a:gd name="connsiteX0" fmla="*/ 7367523 w 7367523"/>
+                <a:gd name="connsiteY0" fmla="*/ 0 h 173416"/>
+                <a:gd name="connsiteX1" fmla="*/ 6374783 w 7367523"/>
+                <a:gd name="connsiteY1" fmla="*/ 0 h 173416"/>
+                <a:gd name="connsiteX2" fmla="*/ 6240349 w 7367523"/>
+                <a:gd name="connsiteY2" fmla="*/ 0 h 173416"/>
+                <a:gd name="connsiteX3" fmla="*/ 5540227 w 7367523"/>
+                <a:gd name="connsiteY3" fmla="*/ 0 h 173416"/>
+                <a:gd name="connsiteX4" fmla="*/ 5247612 w 7367523"/>
+                <a:gd name="connsiteY4" fmla="*/ 0 h 173416"/>
+                <a:gd name="connsiteX5" fmla="*/ 4707193 w 7367523"/>
+                <a:gd name="connsiteY5" fmla="*/ 0 h 173416"/>
+                <a:gd name="connsiteX6" fmla="*/ 4413053 w 7367523"/>
+                <a:gd name="connsiteY6" fmla="*/ 0 h 173416"/>
+                <a:gd name="connsiteX7" fmla="*/ 3865356 w 7367523"/>
+                <a:gd name="connsiteY7" fmla="*/ 0 h 173416"/>
+                <a:gd name="connsiteX8" fmla="*/ 3580019 w 7367523"/>
+                <a:gd name="connsiteY8" fmla="*/ 0 h 173416"/>
+                <a:gd name="connsiteX9" fmla="*/ 2872616 w 7367523"/>
+                <a:gd name="connsiteY9" fmla="*/ 0 h 173416"/>
+                <a:gd name="connsiteX10" fmla="*/ 2738183 w 7367523"/>
+                <a:gd name="connsiteY10" fmla="*/ 0 h 173416"/>
+                <a:gd name="connsiteX11" fmla="*/ 2038060 w 7367523"/>
+                <a:gd name="connsiteY11" fmla="*/ 0 h 173416"/>
+                <a:gd name="connsiteX12" fmla="*/ 1745445 w 7367523"/>
+                <a:gd name="connsiteY12" fmla="*/ 0 h 173416"/>
+                <a:gd name="connsiteX13" fmla="*/ 1205026 w 7367523"/>
+                <a:gd name="connsiteY13" fmla="*/ 0 h 173416"/>
+                <a:gd name="connsiteX14" fmla="*/ 910887 w 7367523"/>
+                <a:gd name="connsiteY14" fmla="*/ 0 h 173416"/>
+                <a:gd name="connsiteX15" fmla="*/ 77853 w 7367523"/>
+                <a:gd name="connsiteY15" fmla="*/ 0 h 173416"/>
+                <a:gd name="connsiteX16" fmla="*/ 0 w 7367523"/>
+                <a:gd name="connsiteY16" fmla="*/ 173416 h 173416"/>
+                <a:gd name="connsiteX17" fmla="*/ 7289670 w 7367523"/>
+                <a:gd name="connsiteY17" fmla="*/ 173416 h 173416"/>
+              </a:gdLst>
+              <a:ahLst/>
+              <a:cxnLst>
+                <a:cxn ang="0">
+                  <a:pos x="connsiteX0" y="connsiteY0"/>
+                </a:cxn>
+                <a:cxn ang="0">
+                  <a:pos x="connsiteX1" y="connsiteY1"/>
+                </a:cxn>
+                <a:cxn ang="0">
+                  <a:pos x="connsiteX2" y="connsiteY2"/>
+                </a:cxn>
+                <a:cxn ang="0">
+                  <a:pos x="connsiteX3" y="connsiteY3"/>
+                </a:cxn>
+                <a:cxn ang="0">
+                  <a:pos x="connsiteX4" y="connsiteY4"/>
+                </a:cxn>
+                <a:cxn ang="0">
+                  <a:pos x="connsiteX5" y="connsiteY5"/>
+                </a:cxn>
+                <a:cxn ang="0">
+                  <a:pos x="connsiteX6" y="connsiteY6"/>
+                </a:cxn>
+                <a:cxn ang="0">
+                  <a:pos x="connsiteX7" y="connsiteY7"/>
+                </a:cxn>
+                <a:cxn ang="0">
+                  <a:pos x="connsiteX8" y="connsiteY8"/>
+                </a:cxn>
+                <a:cxn ang="0">
+                  <a:pos x="connsiteX9" y="connsiteY9"/>
+                </a:cxn>
+                <a:cxn ang="0">
+                  <a:pos x="connsiteX10" y="connsiteY10"/>
+                </a:cxn>
+                <a:cxn ang="0">
+                  <a:pos x="connsiteX11" y="connsiteY11"/>
+                </a:cxn>
+                <a:cxn ang="0">
+                  <a:pos x="connsiteX12" y="connsiteY12"/>
+                </a:cxn>
+                <a:cxn ang="0">
+                  <a:pos x="connsiteX13" y="connsiteY13"/>
+                </a:cxn>
+                <a:cxn ang="0">
+                  <a:pos x="connsiteX14" y="connsiteY14"/>
+                </a:cxn>
+                <a:cxn ang="0">
+                  <a:pos x="connsiteX15" y="connsiteY15"/>
+                </a:cxn>
+                <a:cxn ang="0">
+                  <a:pos x="connsiteX16" y="connsiteY16"/>
+                </a:cxn>
+                <a:cxn ang="0">
+                  <a:pos x="connsiteX17" y="connsiteY17"/>
+                </a:cxn>
+              </a:cxnLst>
+              <a:rect l="l" t="t" r="r" b="b"/>
+              <a:pathLst>
+                <a:path w="7367523" h="173416">
+                  <a:moveTo>
+                    <a:pt x="7367523" y="0"/>
+                  </a:moveTo>
+                  <a:lnTo>
+                    <a:pt x="6374783" y="0"/>
+                  </a:lnTo>
+                  <a:lnTo>
+                    <a:pt x="6240349" y="0"/>
+                  </a:lnTo>
+                  <a:lnTo>
+                    <a:pt x="5540227" y="0"/>
+                  </a:lnTo>
+                  <a:lnTo>
+                    <a:pt x="5247612" y="0"/>
+                  </a:lnTo>
+                  <a:lnTo>
+                    <a:pt x="4707193" y="0"/>
+                  </a:lnTo>
+                  <a:lnTo>
+                    <a:pt x="4413053" y="0"/>
+                  </a:lnTo>
+                  <a:lnTo>
+                    <a:pt x="3865356" y="0"/>
+                  </a:lnTo>
+                  <a:lnTo>
+                    <a:pt x="3580019" y="0"/>
+                  </a:lnTo>
+                  <a:lnTo>
+                    <a:pt x="2872616" y="0"/>
+                  </a:lnTo>
+                  <a:lnTo>
+                    <a:pt x="2738183" y="0"/>
+                  </a:lnTo>
+                  <a:lnTo>
+                    <a:pt x="2038060" y="0"/>
+                  </a:lnTo>
+                  <a:lnTo>
+                    <a:pt x="1745445" y="0"/>
+                  </a:lnTo>
+                  <a:lnTo>
+                    <a:pt x="1205026" y="0"/>
+                  </a:lnTo>
+                  <a:lnTo>
+                    <a:pt x="910887" y="0"/>
+                  </a:lnTo>
+                  <a:lnTo>
+                    <a:pt x="77853" y="0"/>
+                  </a:lnTo>
+                  <a:lnTo>
+                    <a:pt x="0" y="173416"/>
+                  </a:lnTo>
+                  <a:lnTo>
+                    <a:pt x="7289670" y="173416"/>
+                  </a:lnTo>
+                  <a:close/>
+                </a:path>
+              </a:pathLst>
+            </a:custGeom>
+            <a:gradFill flip="none" rotWithShape="0">
+              <a:gsLst>
+                <a:gs pos="0">
+                  <a:srgbClr val="228AF2"/>
+                </a:gs>
+                <a:gs pos="94000">
+                  <a:srgbClr val="7F12B6"/>
+                </a:gs>
+              </a:gsLst>
+              <a:lin ang="2700000" scaled="1"/>
+              <a:tileRect/>
+            </a:gradFill>
+            <a:ln>
+              <a:noFill/>
+            </a:ln>
+          </p:spPr>
+          <p:style>
+            <a:lnRef idx="2">
+              <a:schemeClr val="accent1">
+                <a:shade val="50000"/>
+              </a:schemeClr>
+            </a:lnRef>
+            <a:fillRef idx="1">
+              <a:schemeClr val="accent1"/>
+            </a:fillRef>
+            <a:effectRef idx="0">
+              <a:schemeClr val="accent1"/>
+            </a:effectRef>
+            <a:fontRef idx="minor">
+              <a:schemeClr val="lt1"/>
+            </a:fontRef>
+          </p:style>
+          <p:txBody>
+            <a:bodyPr rot="0" spcFirstLastPara="0" vertOverflow="overflow" horzOverflow="overflow" vert="horz" wrap="square" lIns="91440" tIns="45720" rIns="91440" bIns="45720" numCol="1" spcCol="0" rtlCol="0" fromWordArt="0" anchor="ctr" anchorCtr="0" forceAA="0" compatLnSpc="1">
+              <a:noAutofit/>
+            </a:bodyPr>
+            <a:lstStyle/>
+            <a:p>
+              <a:pPr algn="ctr"/>
+              <a:endParaRPr lang="zh-CN" altLang="en-US"/>
+            </a:p>
+          </p:txBody>
+        </p:sp>
+        <p:sp>
+          <p:nvSpPr>
+            <p:cNvPr id="23" name="任意多边形: 形状 22"/>
+            <p:cNvSpPr/>
+            <p:nvPr userDrawn="1"/>
+          </p:nvSpPr>
+          <p:spPr>
+            <a:xfrm flipH="1">
+              <a:off x="7415691" y="510493"/>
+              <a:ext cx="5376633" cy="126555"/>
+            </a:xfrm>
+            <a:custGeom>
+              <a:avLst/>
+              <a:gdLst>
+                <a:gd name="connsiteX0" fmla="*/ 7367523 w 7367523"/>
+                <a:gd name="connsiteY0" fmla="*/ 0 h 173416"/>
+                <a:gd name="connsiteX1" fmla="*/ 6374783 w 7367523"/>
+                <a:gd name="connsiteY1" fmla="*/ 0 h 173416"/>
+                <a:gd name="connsiteX2" fmla="*/ 6240349 w 7367523"/>
+                <a:gd name="connsiteY2" fmla="*/ 0 h 173416"/>
+                <a:gd name="connsiteX3" fmla="*/ 5540227 w 7367523"/>
+                <a:gd name="connsiteY3" fmla="*/ 0 h 173416"/>
+                <a:gd name="connsiteX4" fmla="*/ 5247612 w 7367523"/>
+                <a:gd name="connsiteY4" fmla="*/ 0 h 173416"/>
+                <a:gd name="connsiteX5" fmla="*/ 4707193 w 7367523"/>
+                <a:gd name="connsiteY5" fmla="*/ 0 h 173416"/>
+                <a:gd name="connsiteX6" fmla="*/ 4413053 w 7367523"/>
+                <a:gd name="connsiteY6" fmla="*/ 0 h 173416"/>
+                <a:gd name="connsiteX7" fmla="*/ 3865356 w 7367523"/>
+                <a:gd name="connsiteY7" fmla="*/ 0 h 173416"/>
+                <a:gd name="connsiteX8" fmla="*/ 3580019 w 7367523"/>
+                <a:gd name="connsiteY8" fmla="*/ 0 h 173416"/>
+                <a:gd name="connsiteX9" fmla="*/ 2872616 w 7367523"/>
+                <a:gd name="connsiteY9" fmla="*/ 0 h 173416"/>
+                <a:gd name="connsiteX10" fmla="*/ 2738183 w 7367523"/>
+                <a:gd name="connsiteY10" fmla="*/ 0 h 173416"/>
+                <a:gd name="connsiteX11" fmla="*/ 2038060 w 7367523"/>
+                <a:gd name="connsiteY11" fmla="*/ 0 h 173416"/>
+                <a:gd name="connsiteX12" fmla="*/ 1745445 w 7367523"/>
+                <a:gd name="connsiteY12" fmla="*/ 0 h 173416"/>
+                <a:gd name="connsiteX13" fmla="*/ 1205026 w 7367523"/>
+                <a:gd name="connsiteY13" fmla="*/ 0 h 173416"/>
+                <a:gd name="connsiteX14" fmla="*/ 910887 w 7367523"/>
+                <a:gd name="connsiteY14" fmla="*/ 0 h 173416"/>
+                <a:gd name="connsiteX15" fmla="*/ 77853 w 7367523"/>
+                <a:gd name="connsiteY15" fmla="*/ 0 h 173416"/>
+                <a:gd name="connsiteX16" fmla="*/ 0 w 7367523"/>
+                <a:gd name="connsiteY16" fmla="*/ 173416 h 173416"/>
+                <a:gd name="connsiteX17" fmla="*/ 7289670 w 7367523"/>
+                <a:gd name="connsiteY17" fmla="*/ 173416 h 173416"/>
+              </a:gdLst>
+              <a:ahLst/>
+              <a:cxnLst>
+                <a:cxn ang="0">
+                  <a:pos x="connsiteX0" y="connsiteY0"/>
+                </a:cxn>
+                <a:cxn ang="0">
+                  <a:pos x="connsiteX1" y="connsiteY1"/>
+                </a:cxn>
+                <a:cxn ang="0">
+                  <a:pos x="connsiteX2" y="connsiteY2"/>
+                </a:cxn>
+                <a:cxn ang="0">
+                  <a:pos x="connsiteX3" y="connsiteY3"/>
+                </a:cxn>
+                <a:cxn ang="0">
+                  <a:pos x="connsiteX4" y="connsiteY4"/>
+                </a:cxn>
+                <a:cxn ang="0">
+                  <a:pos x="connsiteX5" y="connsiteY5"/>
+                </a:cxn>
+                <a:cxn ang="0">
+                  <a:pos x="connsiteX6" y="connsiteY6"/>
+                </a:cxn>
+                <a:cxn ang="0">
+                  <a:pos x="connsiteX7" y="connsiteY7"/>
+                </a:cxn>
+                <a:cxn ang="0">
+                  <a:pos x="connsiteX8" y="connsiteY8"/>
+                </a:cxn>
+                <a:cxn ang="0">
+                  <a:pos x="connsiteX9" y="connsiteY9"/>
+                </a:cxn>
+                <a:cxn ang="0">
+                  <a:pos x="connsiteX10" y="connsiteY10"/>
+                </a:cxn>
+                <a:cxn ang="0">
+                  <a:pos x="connsiteX11" y="connsiteY11"/>
+                </a:cxn>
+                <a:cxn ang="0">
+                  <a:pos x="connsiteX12" y="connsiteY12"/>
+                </a:cxn>
+                <a:cxn ang="0">
+                  <a:pos x="connsiteX13" y="connsiteY13"/>
+                </a:cxn>
+                <a:cxn ang="0">
+                  <a:pos x="connsiteX14" y="connsiteY14"/>
+                </a:cxn>
+                <a:cxn ang="0">
+                  <a:pos x="connsiteX15" y="connsiteY15"/>
+                </a:cxn>
+                <a:cxn ang="0">
+                  <a:pos x="connsiteX16" y="connsiteY16"/>
+                </a:cxn>
+                <a:cxn ang="0">
+                  <a:pos x="connsiteX17" y="connsiteY17"/>
+                </a:cxn>
+              </a:cxnLst>
+              <a:rect l="l" t="t" r="r" b="b"/>
+              <a:pathLst>
+                <a:path w="7367523" h="173416">
+                  <a:moveTo>
+                    <a:pt x="7367523" y="0"/>
+                  </a:moveTo>
+                  <a:lnTo>
+                    <a:pt x="6374783" y="0"/>
+                  </a:lnTo>
+                  <a:lnTo>
+                    <a:pt x="6240349" y="0"/>
+                  </a:lnTo>
+                  <a:lnTo>
+                    <a:pt x="5540227" y="0"/>
+                  </a:lnTo>
+                  <a:lnTo>
+                    <a:pt x="5247612" y="0"/>
+                  </a:lnTo>
+                  <a:lnTo>
+                    <a:pt x="4707193" y="0"/>
+                  </a:lnTo>
+                  <a:lnTo>
+                    <a:pt x="4413053" y="0"/>
+                  </a:lnTo>
+                  <a:lnTo>
+                    <a:pt x="3865356" y="0"/>
+                  </a:lnTo>
+                  <a:lnTo>
+                    <a:pt x="3580019" y="0"/>
+                  </a:lnTo>
+                  <a:lnTo>
+                    <a:pt x="2872616" y="0"/>
+                  </a:lnTo>
+                  <a:lnTo>
+                    <a:pt x="2738183" y="0"/>
+                  </a:lnTo>
+                  <a:lnTo>
+                    <a:pt x="2038060" y="0"/>
+                  </a:lnTo>
+                  <a:lnTo>
+                    <a:pt x="1745445" y="0"/>
+                  </a:lnTo>
+                  <a:lnTo>
+                    <a:pt x="1205026" y="0"/>
+                  </a:lnTo>
+                  <a:lnTo>
+                    <a:pt x="910887" y="0"/>
+                  </a:lnTo>
+                  <a:lnTo>
+                    <a:pt x="77853" y="0"/>
+                  </a:lnTo>
+                  <a:lnTo>
+                    <a:pt x="0" y="173416"/>
+                  </a:lnTo>
+                  <a:lnTo>
+                    <a:pt x="7289670" y="173416"/>
+                  </a:lnTo>
+                  <a:close/>
+                </a:path>
+              </a:pathLst>
+            </a:custGeom>
+            <a:solidFill>
+              <a:schemeClr val="bg2"/>
+            </a:solidFill>
+            <a:ln>
+              <a:noFill/>
+            </a:ln>
+          </p:spPr>
+          <p:style>
+            <a:lnRef idx="2">
+              <a:schemeClr val="accent1">
+                <a:shade val="50000"/>
+              </a:schemeClr>
+            </a:lnRef>
+            <a:fillRef idx="1">
+              <a:schemeClr val="accent1"/>
+            </a:fillRef>
+            <a:effectRef idx="0">
+              <a:schemeClr val="accent1"/>
+            </a:effectRef>
+            <a:fontRef idx="minor">
+              <a:schemeClr val="lt1"/>
+            </a:fontRef>
+          </p:style>
+          <p:txBody>
+            <a:bodyPr rot="0" spcFirstLastPara="0" vertOverflow="overflow" horzOverflow="overflow" vert="horz" wrap="square" lIns="91440" tIns="45720" rIns="91440" bIns="45720" numCol="1" spcCol="0" rtlCol="0" fromWordArt="0" anchor="ctr" anchorCtr="0" forceAA="0" compatLnSpc="1">
+              <a:noAutofit/>
+            </a:bodyPr>
+            <a:lstStyle/>
+            <a:p>
+              <a:pPr algn="ctr"/>
+              <a:endParaRPr lang="zh-CN" altLang="en-US"/>
+            </a:p>
+          </p:txBody>
+        </p:sp>
+      </p:grpSp>
+      <p:sp>
+        <p:nvSpPr>
+          <p:cNvPr id="24" name="任意多边形: 形状 23"/>
+          <p:cNvSpPr/>
+          <p:nvPr/>
+        </p:nvSpPr>
+        <p:spPr>
+          <a:xfrm flipH="1">
+            <a:off x="129621" y="0"/>
+            <a:ext cx="586522" cy="1047087"/>
+          </a:xfrm>
+          <a:custGeom>
+            <a:avLst/>
+            <a:gdLst>
+              <a:gd name="connsiteX0" fmla="*/ 586522 w 586522"/>
+              <a:gd name="connsiteY0" fmla="*/ 0 h 1047087"/>
+              <a:gd name="connsiteX1" fmla="*/ 470079 w 586522"/>
+              <a:gd name="connsiteY1" fmla="*/ 0 h 1047087"/>
+              <a:gd name="connsiteX2" fmla="*/ 0 w 586522"/>
+              <a:gd name="connsiteY2" fmla="*/ 1047087 h 1047087"/>
+              <a:gd name="connsiteX3" fmla="*/ 116443 w 586522"/>
+              <a:gd name="connsiteY3" fmla="*/ 1047087 h 1047087"/>
+            </a:gdLst>
+            <a:ahLst/>
+            <a:cxnLst>
+              <a:cxn ang="0">
+                <a:pos x="connsiteX0" y="connsiteY0"/>
+              </a:cxn>
+              <a:cxn ang="0">
+                <a:pos x="connsiteX1" y="connsiteY1"/>
+              </a:cxn>
+              <a:cxn ang="0">
+                <a:pos x="connsiteX2" y="connsiteY2"/>
+              </a:cxn>
+              <a:cxn ang="0">
+                <a:pos x="connsiteX3" y="connsiteY3"/>
+              </a:cxn>
+            </a:cxnLst>
+            <a:rect l="l" t="t" r="r" b="b"/>
+            <a:pathLst>
+              <a:path w="586522" h="1047087">
+                <a:moveTo>
+                  <a:pt x="586522" y="0"/>
+                </a:moveTo>
+                <a:lnTo>
+                  <a:pt x="470079" y="0"/>
+                </a:lnTo>
+                <a:lnTo>
+                  <a:pt x="0" y="1047087"/>
+                </a:lnTo>
+                <a:lnTo>
+                  <a:pt x="116443" y="1047087"/>
+                </a:lnTo>
+                <a:close/>
+              </a:path>
+            </a:pathLst>
+          </a:custGeom>
+          <a:gradFill flip="none" rotWithShape="0">
+            <a:gsLst>
+              <a:gs pos="0">
+                <a:srgbClr val="53A5F5">
+                  <a:lumMod val="73000"/>
+                  <a:lumOff val="27000"/>
+                </a:srgbClr>
+              </a:gs>
+              <a:gs pos="94000">
+                <a:srgbClr val="9214CF">
+                  <a:lumMod val="73000"/>
+                  <a:lumOff val="27000"/>
+                </a:srgbClr>
+              </a:gs>
+            </a:gsLst>
+            <a:lin ang="2700000" scaled="1"/>
+            <a:tileRect/>
+          </a:gradFill>
+          <a:ln>
+            <a:noFill/>
+          </a:ln>
+        </p:spPr>
+        <p:style>
+          <a:lnRef idx="2">
+            <a:schemeClr val="accent1">
+              <a:shade val="50000"/>
+            </a:schemeClr>
+          </a:lnRef>
+          <a:fillRef idx="1">
+            <a:schemeClr val="accent1"/>
+          </a:fillRef>
+          <a:effectRef idx="0">
+            <a:schemeClr val="accent1"/>
+          </a:effectRef>
+          <a:fontRef idx="minor">
+            <a:schemeClr val="lt1"/>
+          </a:fontRef>
+        </p:style>
+        <p:txBody>
+          <a:bodyPr rot="0" spcFirstLastPara="0" vertOverflow="overflow" horzOverflow="overflow" vert="horz" wrap="square" lIns="91440" tIns="45720" rIns="91440" bIns="45720" numCol="1" spcCol="0" rtlCol="0" fromWordArt="0" anchor="ctr" anchorCtr="0" forceAA="0" compatLnSpc="1">
+            <a:noAutofit/>
+          </a:bodyPr>
+          <a:lstStyle/>
+          <a:p>
+            <a:pPr algn="ctr"/>
+            <a:endParaRPr lang="zh-CN" altLang="en-US"/>
+          </a:p>
+        </p:txBody>
+      </p:sp>
+      <p:sp>
+        <p:nvSpPr>
+          <p:cNvPr id="25" name="任意多边形: 形状 24"/>
+          <p:cNvSpPr/>
+          <p:nvPr/>
+        </p:nvSpPr>
+        <p:spPr>
+          <a:xfrm flipH="1">
+            <a:off x="581108" y="202981"/>
+            <a:ext cx="344503" cy="615023"/>
+          </a:xfrm>
+          <a:custGeom>
+            <a:avLst/>
+            <a:gdLst>
+              <a:gd name="connsiteX0" fmla="*/ 586522 w 586522"/>
+              <a:gd name="connsiteY0" fmla="*/ 0 h 1047087"/>
+              <a:gd name="connsiteX1" fmla="*/ 470079 w 586522"/>
+              <a:gd name="connsiteY1" fmla="*/ 0 h 1047087"/>
+              <a:gd name="connsiteX2" fmla="*/ 0 w 586522"/>
+              <a:gd name="connsiteY2" fmla="*/ 1047087 h 1047087"/>
+              <a:gd name="connsiteX3" fmla="*/ 116443 w 586522"/>
+              <a:gd name="connsiteY3" fmla="*/ 1047087 h 1047087"/>
+            </a:gdLst>
+            <a:ahLst/>
+            <a:cxnLst>
+              <a:cxn ang="0">
+                <a:pos x="connsiteX0" y="connsiteY0"/>
+              </a:cxn>
+              <a:cxn ang="0">
+                <a:pos x="connsiteX1" y="connsiteY1"/>
+              </a:cxn>
+              <a:cxn ang="0">
+                <a:pos x="connsiteX2" y="connsiteY2"/>
+              </a:cxn>
+              <a:cxn ang="0">
+                <a:pos x="connsiteX3" y="connsiteY3"/>
+              </a:cxn>
+            </a:cxnLst>
+            <a:rect l="l" t="t" r="r" b="b"/>
+            <a:pathLst>
+              <a:path w="586522" h="1047087">
+                <a:moveTo>
+                  <a:pt x="586522" y="0"/>
+                </a:moveTo>
+                <a:lnTo>
+                  <a:pt x="470079" y="0"/>
+                </a:lnTo>
+                <a:lnTo>
+                  <a:pt x="0" y="1047087"/>
+                </a:lnTo>
+                <a:lnTo>
+                  <a:pt x="116443" y="1047087"/>
+                </a:lnTo>
+                <a:close/>
+              </a:path>
+            </a:pathLst>
+          </a:custGeom>
+          <a:solidFill>
+            <a:schemeClr val="bg1">
+              <a:lumMod val="95000"/>
+            </a:schemeClr>
+          </a:solidFill>
+          <a:ln>
+            <a:noFill/>
+          </a:ln>
+        </p:spPr>
+        <p:style>
+          <a:lnRef idx="2">
+            <a:schemeClr val="accent1">
+              <a:shade val="50000"/>
+            </a:schemeClr>
+          </a:lnRef>
+          <a:fillRef idx="1">
+            <a:schemeClr val="accent1"/>
+          </a:fillRef>
+          <a:effectRef idx="0">
+            <a:schemeClr val="accent1"/>
+          </a:effectRef>
+          <a:fontRef idx="minor">
+            <a:schemeClr val="lt1"/>
+          </a:fontRef>
+        </p:style>
+        <p:txBody>
+          <a:bodyPr rot="0" spcFirstLastPara="0" vertOverflow="overflow" horzOverflow="overflow" vert="horz" wrap="square" lIns="91440" tIns="45720" rIns="91440" bIns="45720" numCol="1" spcCol="0" rtlCol="0" fromWordArt="0" anchor="ctr" anchorCtr="0" forceAA="0" compatLnSpc="1">
+            <a:noAutofit/>
+          </a:bodyPr>
+          <a:lstStyle/>
+          <a:p>
+            <a:pPr algn="ctr"/>
+            <a:endParaRPr lang="zh-CN" altLang="en-US"/>
+          </a:p>
+        </p:txBody>
+      </p:sp>
+      <p:sp>
+        <p:nvSpPr>
+          <p:cNvPr id="6" name="文本框 5">
+            <a:extLst>
+              <a:ext uri="{FF2B5EF4-FFF2-40B4-BE49-F238E27FC236}">
+                <a16:creationId xmlns:a16="http://schemas.microsoft.com/office/drawing/2014/main" id="{6EF55A2A-20C8-73A3-7635-D9F8FF1B0DF4}"/>
+              </a:ext>
+            </a:extLst>
+          </p:cNvPr>
+          <p:cNvSpPr txBox="1"/>
+          <p:nvPr/>
+        </p:nvSpPr>
+        <p:spPr>
+          <a:xfrm>
+            <a:off x="422882" y="1858490"/>
+            <a:ext cx="11540518" cy="2554545"/>
+          </a:xfrm>
+          <a:prstGeom prst="rect">
+            <a:avLst/>
+          </a:prstGeom>
+          <a:noFill/>
+        </p:spPr>
+        <p:txBody>
+          <a:bodyPr wrap="square" rtlCol="0">
+            <a:spAutoFit/>
+          </a:bodyPr>
+          <a:lstStyle/>
+          <a:p>
+            <a:r>
+              <a:rPr lang="zh-CN" altLang="en-US" sz="2000" dirty="0">
+                <a:highlight>
+                  <a:srgbClr val="FFFFFF"/>
+                </a:highlight>
+                <a:latin typeface="-apple-system"/>
+              </a:rPr>
+              <a:t>实验准备：实验者左手佩戴手表，右手携带手机</a:t>
+            </a:r>
+          </a:p>
+          <a:p>
+            <a:r>
+              <a:rPr lang="zh-CN" altLang="en-US" sz="2000" dirty="0">
+                <a:highlight>
+                  <a:srgbClr val="FFFFFF"/>
+                </a:highlight>
+                <a:latin typeface="-apple-system"/>
+              </a:rPr>
+              <a:t>实验条件：振动频率（快、慢）、振动类型（连续、离散）、振动时间（长、短）</a:t>
+            </a:r>
+            <a:endParaRPr lang="en-US" altLang="zh-CN" sz="2000" dirty="0">
+              <a:highlight>
+                <a:srgbClr val="FFFFFF"/>
+              </a:highlight>
+              <a:latin typeface="-apple-system"/>
+            </a:endParaRPr>
+          </a:p>
+          <a:p>
+            <a:r>
+              <a:rPr lang="zh-CN" altLang="en-US" sz="2000" dirty="0">
+                <a:highlight>
+                  <a:srgbClr val="FFFFFF"/>
+                </a:highlight>
+                <a:latin typeface="-apple-system"/>
+              </a:rPr>
+              <a:t>实验功能：导航、危险预警、行为辅助</a:t>
+            </a:r>
+            <a:endParaRPr lang="en-US" altLang="zh-CN" sz="2000" dirty="0">
+              <a:highlight>
+                <a:srgbClr val="FFFFFF"/>
+              </a:highlight>
+              <a:latin typeface="-apple-system"/>
+            </a:endParaRPr>
+          </a:p>
+          <a:p>
+            <a:r>
+              <a:rPr lang="zh-CN" altLang="en-US" sz="2000" dirty="0">
+                <a:highlight>
+                  <a:srgbClr val="FFFFFF"/>
+                </a:highlight>
+                <a:latin typeface="-apple-system"/>
+              </a:rPr>
+              <a:t>实验目的：了解用户对振动反馈系统</a:t>
+            </a:r>
+            <a:r>
+              <a:rPr lang="en-US" altLang="zh-CN" sz="2000" dirty="0">
+                <a:highlight>
+                  <a:srgbClr val="FFFFFF"/>
+                </a:highlight>
+                <a:latin typeface="-apple-system"/>
+              </a:rPr>
+              <a:t>4</a:t>
+            </a:r>
+            <a:r>
+              <a:rPr lang="zh-CN" altLang="en-US" sz="2000" dirty="0">
+                <a:highlight>
+                  <a:srgbClr val="FFFFFF"/>
+                </a:highlight>
+                <a:latin typeface="-apple-system"/>
+              </a:rPr>
+              <a:t>种模式的感知，根据实验结果评估最好的模式</a:t>
+            </a:r>
+            <a:endParaRPr lang="en-US" altLang="zh-CN" sz="2000" dirty="0">
+              <a:highlight>
+                <a:srgbClr val="FFFFFF"/>
+              </a:highlight>
+              <a:latin typeface="-apple-system"/>
+            </a:endParaRPr>
+          </a:p>
+          <a:p>
+            <a:endParaRPr lang="en-US" altLang="zh-CN" sz="2000" dirty="0">
+              <a:highlight>
+                <a:srgbClr val="FFFFFF"/>
+              </a:highlight>
+              <a:latin typeface="-apple-system"/>
+            </a:endParaRPr>
+          </a:p>
+          <a:p>
+            <a:pPr marL="457200" indent="-457200">
+              <a:buAutoNum type="arabicPeriod"/>
+            </a:pPr>
+            <a:endParaRPr lang="en-US" altLang="zh-CN" sz="2000" dirty="0"/>
+          </a:p>
+          <a:p>
+            <a:endParaRPr lang="en-US" altLang="zh-CN" sz="2000" dirty="0"/>
+          </a:p>
+          <a:p>
+            <a:endParaRPr lang="en-US" altLang="zh-CN" sz="2000" dirty="0"/>
+          </a:p>
+        </p:txBody>
+      </p:sp>
+      <p:sp>
+        <p:nvSpPr>
+          <p:cNvPr id="2" name="文本框 1">
+            <a:extLst>
+              <a:ext uri="{FF2B5EF4-FFF2-40B4-BE49-F238E27FC236}">
+                <a16:creationId xmlns:a16="http://schemas.microsoft.com/office/drawing/2014/main" id="{0F7D0A9B-401A-9893-DEF7-2C6FF8D47F90}"/>
+              </a:ext>
+            </a:extLst>
+          </p:cNvPr>
+          <p:cNvSpPr txBox="1"/>
+          <p:nvPr/>
+        </p:nvSpPr>
+        <p:spPr bwMode="auto">
+          <a:xfrm>
+            <a:off x="581108" y="1121890"/>
+            <a:ext cx="10675471" cy="523220"/>
+          </a:xfrm>
+          <a:prstGeom prst="rect">
+            <a:avLst/>
+          </a:prstGeom>
+          <a:noFill/>
+        </p:spPr>
+        <p:txBody>
+          <a:bodyPr wrap="square">
+            <a:spAutoFit/>
+            <a:scene3d>
+              <a:camera prst="orthographicFront"/>
+              <a:lightRig rig="threePt" dir="t"/>
+            </a:scene3d>
+            <a:sp3d contourW="12700"/>
+          </a:bodyPr>
+          <a:lstStyle/>
+          <a:p>
+            <a:pPr>
+              <a:defRPr/>
+            </a:pPr>
+            <a:r>
+              <a:rPr lang="zh-CN" altLang="en-US" sz="2800" b="1" dirty="0">
+                <a:solidFill>
+                  <a:srgbClr val="7F12B6"/>
+                </a:solidFill>
+                <a:latin typeface="时尚中黑简体" panose="01010104010101010101" pitchFamily="2" charset="-122"/>
+                <a:ea typeface="时尚中黑简体" panose="01010104010101010101" pitchFamily="2" charset="-122"/>
+              </a:rPr>
+              <a:t>实验方案 一</a:t>
+            </a:r>
+            <a:endParaRPr lang="en-US" altLang="zh-CN" sz="2800" b="1" dirty="0">
+              <a:solidFill>
+                <a:srgbClr val="7F12B6"/>
+              </a:solidFill>
+              <a:latin typeface="时尚中黑简体" panose="01010104010101010101" pitchFamily="2" charset="-122"/>
+              <a:ea typeface="时尚中黑简体" panose="01010104010101010101" pitchFamily="2" charset="-122"/>
+            </a:endParaRPr>
+          </a:p>
+        </p:txBody>
+      </p:sp>
+    </p:spTree>
+    <p:extLst>
+      <p:ext uri="{BB962C8B-B14F-4D97-AF65-F5344CB8AC3E}">
+        <p14:creationId xmlns:p14="http://schemas.microsoft.com/office/powerpoint/2010/main" val="1845015254"/>
       </p:ext>
     </p:extLst>
   </p:cSld>

--- a/总结汇报-余泳松.pptx
+++ b/总结汇报-余泳松.pptx
@@ -5,7 +5,7 @@
     <p:sldMasterId id="2147483648" r:id="rId1"/>
   </p:sldMasterIdLst>
   <p:notesMasterIdLst>
-    <p:notesMasterId r:id="rId47"/>
+    <p:notesMasterId r:id="rId48"/>
   </p:notesMasterIdLst>
   <p:sldIdLst>
     <p:sldId id="357" r:id="rId2"/>
@@ -53,11 +53,12 @@
     <p:sldId id="407" r:id="rId44"/>
     <p:sldId id="408" r:id="rId45"/>
     <p:sldId id="409" r:id="rId46"/>
+    <p:sldId id="410" r:id="rId47"/>
   </p:sldIdLst>
   <p:sldSz cx="12192000" cy="6858000"/>
   <p:notesSz cx="6858000" cy="9144000"/>
   <p:custDataLst>
-    <p:tags r:id="rId48"/>
+    <p:tags r:id="rId49"/>
   </p:custDataLst>
   <p:defaultTextStyle>
     <a:defPPr>
@@ -252,7 +253,7 @@
           <a:p>
             <a:fld id="{5D13BBE5-0BEA-4494-9BEF-C8C2F48C9E2D}" type="datetimeFigureOut">
               <a:rPr lang="zh-CN" altLang="en-US" smtClean="0"/>
-              <a:t>2024/8/14</a:t>
+              <a:t>2024/8/15</a:t>
             </a:fld>
             <a:endParaRPr lang="zh-CN" altLang="en-US"/>
           </a:p>
@@ -4571,6 +4572,90 @@
     <p:extLst>
       <p:ext uri="{BB962C8B-B14F-4D97-AF65-F5344CB8AC3E}">
         <p14:creationId xmlns:p14="http://schemas.microsoft.com/office/powerpoint/2010/main" val="2273611240"/>
+      </p:ext>
+    </p:extLst>
+  </p:cSld>
+  <p:clrMapOvr>
+    <a:masterClrMapping/>
+  </p:clrMapOvr>
+</p:notes>
+</file>
+
+<file path=ppt/notesSlides/notesSlide46.xml><?xml version="1.0" encoding="utf-8"?>
+<p:notes xmlns:a="http://schemas.openxmlformats.org/drawingml/2006/main" xmlns:r="http://schemas.openxmlformats.org/officeDocument/2006/relationships" xmlns:p="http://schemas.openxmlformats.org/presentationml/2006/main">
+  <p:cSld>
+    <p:spTree>
+      <p:nvGrpSpPr>
+        <p:cNvPr id="1" name=""/>
+        <p:cNvGrpSpPr/>
+        <p:nvPr/>
+      </p:nvGrpSpPr>
+      <p:grpSpPr>
+        <a:xfrm>
+          <a:off x="0" y="0"/>
+          <a:ext cx="0" cy="0"/>
+          <a:chOff x="0" y="0"/>
+          <a:chExt cx="0" cy="0"/>
+        </a:xfrm>
+      </p:grpSpPr>
+      <p:sp>
+        <p:nvSpPr>
+          <p:cNvPr id="2" name="幻灯片图像占位符 1"/>
+          <p:cNvSpPr>
+            <a:spLocks noGrp="1" noRot="1" noChangeAspect="1"/>
+          </p:cNvSpPr>
+          <p:nvPr>
+            <p:ph type="sldImg"/>
+          </p:nvPr>
+        </p:nvSpPr>
+        <p:spPr/>
+      </p:sp>
+      <p:sp>
+        <p:nvSpPr>
+          <p:cNvPr id="3" name="备注占位符 2"/>
+          <p:cNvSpPr>
+            <a:spLocks noGrp="1"/>
+          </p:cNvSpPr>
+          <p:nvPr>
+            <p:ph type="body" idx="1"/>
+          </p:nvPr>
+        </p:nvSpPr>
+        <p:spPr/>
+        <p:txBody>
+          <a:bodyPr/>
+          <a:lstStyle/>
+          <a:p>
+            <a:endParaRPr lang="zh-CN" altLang="en-US" dirty="0"/>
+          </a:p>
+        </p:txBody>
+      </p:sp>
+      <p:sp>
+        <p:nvSpPr>
+          <p:cNvPr id="4" name="灯片编号占位符 3"/>
+          <p:cNvSpPr>
+            <a:spLocks noGrp="1"/>
+          </p:cNvSpPr>
+          <p:nvPr>
+            <p:ph type="sldNum" sz="quarter" idx="5"/>
+          </p:nvPr>
+        </p:nvSpPr>
+        <p:spPr/>
+        <p:txBody>
+          <a:bodyPr/>
+          <a:lstStyle/>
+          <a:p>
+            <a:fld id="{F1CB8912-F0BA-4AD8-8415-DA1F26BCB09F}" type="slidenum">
+              <a:rPr lang="zh-CN" altLang="en-US" smtClean="0"/>
+              <a:t>46</a:t>
+            </a:fld>
+            <a:endParaRPr lang="zh-CN" altLang="en-US"/>
+          </a:p>
+        </p:txBody>
+      </p:sp>
+    </p:spTree>
+    <p:extLst>
+      <p:ext uri="{BB962C8B-B14F-4D97-AF65-F5344CB8AC3E}">
+        <p14:creationId xmlns:p14="http://schemas.microsoft.com/office/powerpoint/2010/main" val="1197216387"/>
       </p:ext>
     </p:extLst>
   </p:cSld>
@@ -41775,7 +41860,7 @@
                 <a:latin typeface="时尚中黑简体" panose="01010104010101010101" pitchFamily="2" charset="-122"/>
                 <a:ea typeface="时尚中黑简体" panose="01010104010101010101" pitchFamily="2" charset="-122"/>
               </a:rPr>
-              <a:t>实验方案 一</a:t>
+              <a:t>实验方案 一    手机触屏</a:t>
             </a:r>
             <a:endParaRPr lang="en-US" altLang="zh-CN" sz="2800" b="1" dirty="0">
               <a:solidFill>
@@ -41791,6 +41876,862 @@
     <p:extLst>
       <p:ext uri="{BB962C8B-B14F-4D97-AF65-F5344CB8AC3E}">
         <p14:creationId xmlns:p14="http://schemas.microsoft.com/office/powerpoint/2010/main" val="1845015254"/>
+      </p:ext>
+    </p:extLst>
+  </p:cSld>
+  <p:clrMapOvr>
+    <a:masterClrMapping/>
+  </p:clrMapOvr>
+  <mc:AlternateContent xmlns:mc="http://schemas.openxmlformats.org/markup-compatibility/2006" xmlns:p14="http://schemas.microsoft.com/office/powerpoint/2010/main">
+    <mc:Choice Requires="p14">
+      <p:transition spd="slow" p14:dur="1500" advTm="0">
+        <p:random/>
+      </p:transition>
+    </mc:Choice>
+    <mc:Fallback xmlns="">
+      <p:transition spd="slow" advTm="0">
+        <p:random/>
+      </p:transition>
+    </mc:Fallback>
+  </mc:AlternateContent>
+</p:sld>
+</file>
+
+<file path=ppt/slides/slide46.xml><?xml version="1.0" encoding="utf-8"?>
+<p:sld xmlns:a="http://schemas.openxmlformats.org/drawingml/2006/main" xmlns:r="http://schemas.openxmlformats.org/officeDocument/2006/relationships" xmlns:p="http://schemas.openxmlformats.org/presentationml/2006/main">
+  <p:cSld>
+    <p:spTree>
+      <p:nvGrpSpPr>
+        <p:cNvPr id="1" name=""/>
+        <p:cNvGrpSpPr/>
+        <p:nvPr/>
+      </p:nvGrpSpPr>
+      <p:grpSpPr>
+        <a:xfrm>
+          <a:off x="0" y="0"/>
+          <a:ext cx="0" cy="0"/>
+          <a:chOff x="0" y="0"/>
+          <a:chExt cx="0" cy="0"/>
+        </a:xfrm>
+      </p:grpSpPr>
+      <p:grpSp>
+        <p:nvGrpSpPr>
+          <p:cNvPr id="21" name="组合 20"/>
+          <p:cNvGrpSpPr/>
+          <p:nvPr/>
+        </p:nvGrpSpPr>
+        <p:grpSpPr>
+          <a:xfrm>
+            <a:off x="5270500" y="510493"/>
+            <a:ext cx="7561033" cy="380555"/>
+            <a:chOff x="6997699" y="510493"/>
+            <a:chExt cx="5794625" cy="380555"/>
+          </a:xfrm>
+        </p:grpSpPr>
+        <p:sp>
+          <p:nvSpPr>
+            <p:cNvPr id="22" name="任意多边形: 形状 21"/>
+            <p:cNvSpPr/>
+            <p:nvPr userDrawn="1"/>
+          </p:nvSpPr>
+          <p:spPr>
+            <a:xfrm flipH="1">
+              <a:off x="6997699" y="764493"/>
+              <a:ext cx="5376633" cy="126555"/>
+            </a:xfrm>
+            <a:custGeom>
+              <a:avLst/>
+              <a:gdLst>
+                <a:gd name="connsiteX0" fmla="*/ 7367523 w 7367523"/>
+                <a:gd name="connsiteY0" fmla="*/ 0 h 173416"/>
+                <a:gd name="connsiteX1" fmla="*/ 6374783 w 7367523"/>
+                <a:gd name="connsiteY1" fmla="*/ 0 h 173416"/>
+                <a:gd name="connsiteX2" fmla="*/ 6240349 w 7367523"/>
+                <a:gd name="connsiteY2" fmla="*/ 0 h 173416"/>
+                <a:gd name="connsiteX3" fmla="*/ 5540227 w 7367523"/>
+                <a:gd name="connsiteY3" fmla="*/ 0 h 173416"/>
+                <a:gd name="connsiteX4" fmla="*/ 5247612 w 7367523"/>
+                <a:gd name="connsiteY4" fmla="*/ 0 h 173416"/>
+                <a:gd name="connsiteX5" fmla="*/ 4707193 w 7367523"/>
+                <a:gd name="connsiteY5" fmla="*/ 0 h 173416"/>
+                <a:gd name="connsiteX6" fmla="*/ 4413053 w 7367523"/>
+                <a:gd name="connsiteY6" fmla="*/ 0 h 173416"/>
+                <a:gd name="connsiteX7" fmla="*/ 3865356 w 7367523"/>
+                <a:gd name="connsiteY7" fmla="*/ 0 h 173416"/>
+                <a:gd name="connsiteX8" fmla="*/ 3580019 w 7367523"/>
+                <a:gd name="connsiteY8" fmla="*/ 0 h 173416"/>
+                <a:gd name="connsiteX9" fmla="*/ 2872616 w 7367523"/>
+                <a:gd name="connsiteY9" fmla="*/ 0 h 173416"/>
+                <a:gd name="connsiteX10" fmla="*/ 2738183 w 7367523"/>
+                <a:gd name="connsiteY10" fmla="*/ 0 h 173416"/>
+                <a:gd name="connsiteX11" fmla="*/ 2038060 w 7367523"/>
+                <a:gd name="connsiteY11" fmla="*/ 0 h 173416"/>
+                <a:gd name="connsiteX12" fmla="*/ 1745445 w 7367523"/>
+                <a:gd name="connsiteY12" fmla="*/ 0 h 173416"/>
+                <a:gd name="connsiteX13" fmla="*/ 1205026 w 7367523"/>
+                <a:gd name="connsiteY13" fmla="*/ 0 h 173416"/>
+                <a:gd name="connsiteX14" fmla="*/ 910887 w 7367523"/>
+                <a:gd name="connsiteY14" fmla="*/ 0 h 173416"/>
+                <a:gd name="connsiteX15" fmla="*/ 77853 w 7367523"/>
+                <a:gd name="connsiteY15" fmla="*/ 0 h 173416"/>
+                <a:gd name="connsiteX16" fmla="*/ 0 w 7367523"/>
+                <a:gd name="connsiteY16" fmla="*/ 173416 h 173416"/>
+                <a:gd name="connsiteX17" fmla="*/ 7289670 w 7367523"/>
+                <a:gd name="connsiteY17" fmla="*/ 173416 h 173416"/>
+              </a:gdLst>
+              <a:ahLst/>
+              <a:cxnLst>
+                <a:cxn ang="0">
+                  <a:pos x="connsiteX0" y="connsiteY0"/>
+                </a:cxn>
+                <a:cxn ang="0">
+                  <a:pos x="connsiteX1" y="connsiteY1"/>
+                </a:cxn>
+                <a:cxn ang="0">
+                  <a:pos x="connsiteX2" y="connsiteY2"/>
+                </a:cxn>
+                <a:cxn ang="0">
+                  <a:pos x="connsiteX3" y="connsiteY3"/>
+                </a:cxn>
+                <a:cxn ang="0">
+                  <a:pos x="connsiteX4" y="connsiteY4"/>
+                </a:cxn>
+                <a:cxn ang="0">
+                  <a:pos x="connsiteX5" y="connsiteY5"/>
+                </a:cxn>
+                <a:cxn ang="0">
+                  <a:pos x="connsiteX6" y="connsiteY6"/>
+                </a:cxn>
+                <a:cxn ang="0">
+                  <a:pos x="connsiteX7" y="connsiteY7"/>
+                </a:cxn>
+                <a:cxn ang="0">
+                  <a:pos x="connsiteX8" y="connsiteY8"/>
+                </a:cxn>
+                <a:cxn ang="0">
+                  <a:pos x="connsiteX9" y="connsiteY9"/>
+                </a:cxn>
+                <a:cxn ang="0">
+                  <a:pos x="connsiteX10" y="connsiteY10"/>
+                </a:cxn>
+                <a:cxn ang="0">
+                  <a:pos x="connsiteX11" y="connsiteY11"/>
+                </a:cxn>
+                <a:cxn ang="0">
+                  <a:pos x="connsiteX12" y="connsiteY12"/>
+                </a:cxn>
+                <a:cxn ang="0">
+                  <a:pos x="connsiteX13" y="connsiteY13"/>
+                </a:cxn>
+                <a:cxn ang="0">
+                  <a:pos x="connsiteX14" y="connsiteY14"/>
+                </a:cxn>
+                <a:cxn ang="0">
+                  <a:pos x="connsiteX15" y="connsiteY15"/>
+                </a:cxn>
+                <a:cxn ang="0">
+                  <a:pos x="connsiteX16" y="connsiteY16"/>
+                </a:cxn>
+                <a:cxn ang="0">
+                  <a:pos x="connsiteX17" y="connsiteY17"/>
+                </a:cxn>
+              </a:cxnLst>
+              <a:rect l="l" t="t" r="r" b="b"/>
+              <a:pathLst>
+                <a:path w="7367523" h="173416">
+                  <a:moveTo>
+                    <a:pt x="7367523" y="0"/>
+                  </a:moveTo>
+                  <a:lnTo>
+                    <a:pt x="6374783" y="0"/>
+                  </a:lnTo>
+                  <a:lnTo>
+                    <a:pt x="6240349" y="0"/>
+                  </a:lnTo>
+                  <a:lnTo>
+                    <a:pt x="5540227" y="0"/>
+                  </a:lnTo>
+                  <a:lnTo>
+                    <a:pt x="5247612" y="0"/>
+                  </a:lnTo>
+                  <a:lnTo>
+                    <a:pt x="4707193" y="0"/>
+                  </a:lnTo>
+                  <a:lnTo>
+                    <a:pt x="4413053" y="0"/>
+                  </a:lnTo>
+                  <a:lnTo>
+                    <a:pt x="3865356" y="0"/>
+                  </a:lnTo>
+                  <a:lnTo>
+                    <a:pt x="3580019" y="0"/>
+                  </a:lnTo>
+                  <a:lnTo>
+                    <a:pt x="2872616" y="0"/>
+                  </a:lnTo>
+                  <a:lnTo>
+                    <a:pt x="2738183" y="0"/>
+                  </a:lnTo>
+                  <a:lnTo>
+                    <a:pt x="2038060" y="0"/>
+                  </a:lnTo>
+                  <a:lnTo>
+                    <a:pt x="1745445" y="0"/>
+                  </a:lnTo>
+                  <a:lnTo>
+                    <a:pt x="1205026" y="0"/>
+                  </a:lnTo>
+                  <a:lnTo>
+                    <a:pt x="910887" y="0"/>
+                  </a:lnTo>
+                  <a:lnTo>
+                    <a:pt x="77853" y="0"/>
+                  </a:lnTo>
+                  <a:lnTo>
+                    <a:pt x="0" y="173416"/>
+                  </a:lnTo>
+                  <a:lnTo>
+                    <a:pt x="7289670" y="173416"/>
+                  </a:lnTo>
+                  <a:close/>
+                </a:path>
+              </a:pathLst>
+            </a:custGeom>
+            <a:gradFill flip="none" rotWithShape="0">
+              <a:gsLst>
+                <a:gs pos="0">
+                  <a:srgbClr val="228AF2"/>
+                </a:gs>
+                <a:gs pos="94000">
+                  <a:srgbClr val="7F12B6"/>
+                </a:gs>
+              </a:gsLst>
+              <a:lin ang="2700000" scaled="1"/>
+              <a:tileRect/>
+            </a:gradFill>
+            <a:ln>
+              <a:noFill/>
+            </a:ln>
+          </p:spPr>
+          <p:style>
+            <a:lnRef idx="2">
+              <a:schemeClr val="accent1">
+                <a:shade val="50000"/>
+              </a:schemeClr>
+            </a:lnRef>
+            <a:fillRef idx="1">
+              <a:schemeClr val="accent1"/>
+            </a:fillRef>
+            <a:effectRef idx="0">
+              <a:schemeClr val="accent1"/>
+            </a:effectRef>
+            <a:fontRef idx="minor">
+              <a:schemeClr val="lt1"/>
+            </a:fontRef>
+          </p:style>
+          <p:txBody>
+            <a:bodyPr rot="0" spcFirstLastPara="0" vertOverflow="overflow" horzOverflow="overflow" vert="horz" wrap="square" lIns="91440" tIns="45720" rIns="91440" bIns="45720" numCol="1" spcCol="0" rtlCol="0" fromWordArt="0" anchor="ctr" anchorCtr="0" forceAA="0" compatLnSpc="1">
+              <a:noAutofit/>
+            </a:bodyPr>
+            <a:lstStyle/>
+            <a:p>
+              <a:pPr algn="ctr"/>
+              <a:endParaRPr lang="zh-CN" altLang="en-US"/>
+            </a:p>
+          </p:txBody>
+        </p:sp>
+        <p:sp>
+          <p:nvSpPr>
+            <p:cNvPr id="23" name="任意多边形: 形状 22"/>
+            <p:cNvSpPr/>
+            <p:nvPr userDrawn="1"/>
+          </p:nvSpPr>
+          <p:spPr>
+            <a:xfrm flipH="1">
+              <a:off x="7415691" y="510493"/>
+              <a:ext cx="5376633" cy="126555"/>
+            </a:xfrm>
+            <a:custGeom>
+              <a:avLst/>
+              <a:gdLst>
+                <a:gd name="connsiteX0" fmla="*/ 7367523 w 7367523"/>
+                <a:gd name="connsiteY0" fmla="*/ 0 h 173416"/>
+                <a:gd name="connsiteX1" fmla="*/ 6374783 w 7367523"/>
+                <a:gd name="connsiteY1" fmla="*/ 0 h 173416"/>
+                <a:gd name="connsiteX2" fmla="*/ 6240349 w 7367523"/>
+                <a:gd name="connsiteY2" fmla="*/ 0 h 173416"/>
+                <a:gd name="connsiteX3" fmla="*/ 5540227 w 7367523"/>
+                <a:gd name="connsiteY3" fmla="*/ 0 h 173416"/>
+                <a:gd name="connsiteX4" fmla="*/ 5247612 w 7367523"/>
+                <a:gd name="connsiteY4" fmla="*/ 0 h 173416"/>
+                <a:gd name="connsiteX5" fmla="*/ 4707193 w 7367523"/>
+                <a:gd name="connsiteY5" fmla="*/ 0 h 173416"/>
+                <a:gd name="connsiteX6" fmla="*/ 4413053 w 7367523"/>
+                <a:gd name="connsiteY6" fmla="*/ 0 h 173416"/>
+                <a:gd name="connsiteX7" fmla="*/ 3865356 w 7367523"/>
+                <a:gd name="connsiteY7" fmla="*/ 0 h 173416"/>
+                <a:gd name="connsiteX8" fmla="*/ 3580019 w 7367523"/>
+                <a:gd name="connsiteY8" fmla="*/ 0 h 173416"/>
+                <a:gd name="connsiteX9" fmla="*/ 2872616 w 7367523"/>
+                <a:gd name="connsiteY9" fmla="*/ 0 h 173416"/>
+                <a:gd name="connsiteX10" fmla="*/ 2738183 w 7367523"/>
+                <a:gd name="connsiteY10" fmla="*/ 0 h 173416"/>
+                <a:gd name="connsiteX11" fmla="*/ 2038060 w 7367523"/>
+                <a:gd name="connsiteY11" fmla="*/ 0 h 173416"/>
+                <a:gd name="connsiteX12" fmla="*/ 1745445 w 7367523"/>
+                <a:gd name="connsiteY12" fmla="*/ 0 h 173416"/>
+                <a:gd name="connsiteX13" fmla="*/ 1205026 w 7367523"/>
+                <a:gd name="connsiteY13" fmla="*/ 0 h 173416"/>
+                <a:gd name="connsiteX14" fmla="*/ 910887 w 7367523"/>
+                <a:gd name="connsiteY14" fmla="*/ 0 h 173416"/>
+                <a:gd name="connsiteX15" fmla="*/ 77853 w 7367523"/>
+                <a:gd name="connsiteY15" fmla="*/ 0 h 173416"/>
+                <a:gd name="connsiteX16" fmla="*/ 0 w 7367523"/>
+                <a:gd name="connsiteY16" fmla="*/ 173416 h 173416"/>
+                <a:gd name="connsiteX17" fmla="*/ 7289670 w 7367523"/>
+                <a:gd name="connsiteY17" fmla="*/ 173416 h 173416"/>
+              </a:gdLst>
+              <a:ahLst/>
+              <a:cxnLst>
+                <a:cxn ang="0">
+                  <a:pos x="connsiteX0" y="connsiteY0"/>
+                </a:cxn>
+                <a:cxn ang="0">
+                  <a:pos x="connsiteX1" y="connsiteY1"/>
+                </a:cxn>
+                <a:cxn ang="0">
+                  <a:pos x="connsiteX2" y="connsiteY2"/>
+                </a:cxn>
+                <a:cxn ang="0">
+                  <a:pos x="connsiteX3" y="connsiteY3"/>
+                </a:cxn>
+                <a:cxn ang="0">
+                  <a:pos x="connsiteX4" y="connsiteY4"/>
+                </a:cxn>
+                <a:cxn ang="0">
+                  <a:pos x="connsiteX5" y="connsiteY5"/>
+                </a:cxn>
+                <a:cxn ang="0">
+                  <a:pos x="connsiteX6" y="connsiteY6"/>
+                </a:cxn>
+                <a:cxn ang="0">
+                  <a:pos x="connsiteX7" y="connsiteY7"/>
+                </a:cxn>
+                <a:cxn ang="0">
+                  <a:pos x="connsiteX8" y="connsiteY8"/>
+                </a:cxn>
+                <a:cxn ang="0">
+                  <a:pos x="connsiteX9" y="connsiteY9"/>
+                </a:cxn>
+                <a:cxn ang="0">
+                  <a:pos x="connsiteX10" y="connsiteY10"/>
+                </a:cxn>
+                <a:cxn ang="0">
+                  <a:pos x="connsiteX11" y="connsiteY11"/>
+                </a:cxn>
+                <a:cxn ang="0">
+                  <a:pos x="connsiteX12" y="connsiteY12"/>
+                </a:cxn>
+                <a:cxn ang="0">
+                  <a:pos x="connsiteX13" y="connsiteY13"/>
+                </a:cxn>
+                <a:cxn ang="0">
+                  <a:pos x="connsiteX14" y="connsiteY14"/>
+                </a:cxn>
+                <a:cxn ang="0">
+                  <a:pos x="connsiteX15" y="connsiteY15"/>
+                </a:cxn>
+                <a:cxn ang="0">
+                  <a:pos x="connsiteX16" y="connsiteY16"/>
+                </a:cxn>
+                <a:cxn ang="0">
+                  <a:pos x="connsiteX17" y="connsiteY17"/>
+                </a:cxn>
+              </a:cxnLst>
+              <a:rect l="l" t="t" r="r" b="b"/>
+              <a:pathLst>
+                <a:path w="7367523" h="173416">
+                  <a:moveTo>
+                    <a:pt x="7367523" y="0"/>
+                  </a:moveTo>
+                  <a:lnTo>
+                    <a:pt x="6374783" y="0"/>
+                  </a:lnTo>
+                  <a:lnTo>
+                    <a:pt x="6240349" y="0"/>
+                  </a:lnTo>
+                  <a:lnTo>
+                    <a:pt x="5540227" y="0"/>
+                  </a:lnTo>
+                  <a:lnTo>
+                    <a:pt x="5247612" y="0"/>
+                  </a:lnTo>
+                  <a:lnTo>
+                    <a:pt x="4707193" y="0"/>
+                  </a:lnTo>
+                  <a:lnTo>
+                    <a:pt x="4413053" y="0"/>
+                  </a:lnTo>
+                  <a:lnTo>
+                    <a:pt x="3865356" y="0"/>
+                  </a:lnTo>
+                  <a:lnTo>
+                    <a:pt x="3580019" y="0"/>
+                  </a:lnTo>
+                  <a:lnTo>
+                    <a:pt x="2872616" y="0"/>
+                  </a:lnTo>
+                  <a:lnTo>
+                    <a:pt x="2738183" y="0"/>
+                  </a:lnTo>
+                  <a:lnTo>
+                    <a:pt x="2038060" y="0"/>
+                  </a:lnTo>
+                  <a:lnTo>
+                    <a:pt x="1745445" y="0"/>
+                  </a:lnTo>
+                  <a:lnTo>
+                    <a:pt x="1205026" y="0"/>
+                  </a:lnTo>
+                  <a:lnTo>
+                    <a:pt x="910887" y="0"/>
+                  </a:lnTo>
+                  <a:lnTo>
+                    <a:pt x="77853" y="0"/>
+                  </a:lnTo>
+                  <a:lnTo>
+                    <a:pt x="0" y="173416"/>
+                  </a:lnTo>
+                  <a:lnTo>
+                    <a:pt x="7289670" y="173416"/>
+                  </a:lnTo>
+                  <a:close/>
+                </a:path>
+              </a:pathLst>
+            </a:custGeom>
+            <a:solidFill>
+              <a:schemeClr val="bg2"/>
+            </a:solidFill>
+            <a:ln>
+              <a:noFill/>
+            </a:ln>
+          </p:spPr>
+          <p:style>
+            <a:lnRef idx="2">
+              <a:schemeClr val="accent1">
+                <a:shade val="50000"/>
+              </a:schemeClr>
+            </a:lnRef>
+            <a:fillRef idx="1">
+              <a:schemeClr val="accent1"/>
+            </a:fillRef>
+            <a:effectRef idx="0">
+              <a:schemeClr val="accent1"/>
+            </a:effectRef>
+            <a:fontRef idx="minor">
+              <a:schemeClr val="lt1"/>
+            </a:fontRef>
+          </p:style>
+          <p:txBody>
+            <a:bodyPr rot="0" spcFirstLastPara="0" vertOverflow="overflow" horzOverflow="overflow" vert="horz" wrap="square" lIns="91440" tIns="45720" rIns="91440" bIns="45720" numCol="1" spcCol="0" rtlCol="0" fromWordArt="0" anchor="ctr" anchorCtr="0" forceAA="0" compatLnSpc="1">
+              <a:noAutofit/>
+            </a:bodyPr>
+            <a:lstStyle/>
+            <a:p>
+              <a:pPr algn="ctr"/>
+              <a:endParaRPr lang="zh-CN" altLang="en-US"/>
+            </a:p>
+          </p:txBody>
+        </p:sp>
+      </p:grpSp>
+      <p:sp>
+        <p:nvSpPr>
+          <p:cNvPr id="24" name="任意多边形: 形状 23"/>
+          <p:cNvSpPr/>
+          <p:nvPr/>
+        </p:nvSpPr>
+        <p:spPr>
+          <a:xfrm flipH="1">
+            <a:off x="129621" y="0"/>
+            <a:ext cx="586522" cy="1047087"/>
+          </a:xfrm>
+          <a:custGeom>
+            <a:avLst/>
+            <a:gdLst>
+              <a:gd name="connsiteX0" fmla="*/ 586522 w 586522"/>
+              <a:gd name="connsiteY0" fmla="*/ 0 h 1047087"/>
+              <a:gd name="connsiteX1" fmla="*/ 470079 w 586522"/>
+              <a:gd name="connsiteY1" fmla="*/ 0 h 1047087"/>
+              <a:gd name="connsiteX2" fmla="*/ 0 w 586522"/>
+              <a:gd name="connsiteY2" fmla="*/ 1047087 h 1047087"/>
+              <a:gd name="connsiteX3" fmla="*/ 116443 w 586522"/>
+              <a:gd name="connsiteY3" fmla="*/ 1047087 h 1047087"/>
+            </a:gdLst>
+            <a:ahLst/>
+            <a:cxnLst>
+              <a:cxn ang="0">
+                <a:pos x="connsiteX0" y="connsiteY0"/>
+              </a:cxn>
+              <a:cxn ang="0">
+                <a:pos x="connsiteX1" y="connsiteY1"/>
+              </a:cxn>
+              <a:cxn ang="0">
+                <a:pos x="connsiteX2" y="connsiteY2"/>
+              </a:cxn>
+              <a:cxn ang="0">
+                <a:pos x="connsiteX3" y="connsiteY3"/>
+              </a:cxn>
+            </a:cxnLst>
+            <a:rect l="l" t="t" r="r" b="b"/>
+            <a:pathLst>
+              <a:path w="586522" h="1047087">
+                <a:moveTo>
+                  <a:pt x="586522" y="0"/>
+                </a:moveTo>
+                <a:lnTo>
+                  <a:pt x="470079" y="0"/>
+                </a:lnTo>
+                <a:lnTo>
+                  <a:pt x="0" y="1047087"/>
+                </a:lnTo>
+                <a:lnTo>
+                  <a:pt x="116443" y="1047087"/>
+                </a:lnTo>
+                <a:close/>
+              </a:path>
+            </a:pathLst>
+          </a:custGeom>
+          <a:gradFill flip="none" rotWithShape="0">
+            <a:gsLst>
+              <a:gs pos="0">
+                <a:srgbClr val="53A5F5">
+                  <a:lumMod val="73000"/>
+                  <a:lumOff val="27000"/>
+                </a:srgbClr>
+              </a:gs>
+              <a:gs pos="94000">
+                <a:srgbClr val="9214CF">
+                  <a:lumMod val="73000"/>
+                  <a:lumOff val="27000"/>
+                </a:srgbClr>
+              </a:gs>
+            </a:gsLst>
+            <a:lin ang="2700000" scaled="1"/>
+            <a:tileRect/>
+          </a:gradFill>
+          <a:ln>
+            <a:noFill/>
+          </a:ln>
+        </p:spPr>
+        <p:style>
+          <a:lnRef idx="2">
+            <a:schemeClr val="accent1">
+              <a:shade val="50000"/>
+            </a:schemeClr>
+          </a:lnRef>
+          <a:fillRef idx="1">
+            <a:schemeClr val="accent1"/>
+          </a:fillRef>
+          <a:effectRef idx="0">
+            <a:schemeClr val="accent1"/>
+          </a:effectRef>
+          <a:fontRef idx="minor">
+            <a:schemeClr val="lt1"/>
+          </a:fontRef>
+        </p:style>
+        <p:txBody>
+          <a:bodyPr rot="0" spcFirstLastPara="0" vertOverflow="overflow" horzOverflow="overflow" vert="horz" wrap="square" lIns="91440" tIns="45720" rIns="91440" bIns="45720" numCol="1" spcCol="0" rtlCol="0" fromWordArt="0" anchor="ctr" anchorCtr="0" forceAA="0" compatLnSpc="1">
+            <a:noAutofit/>
+          </a:bodyPr>
+          <a:lstStyle/>
+          <a:p>
+            <a:pPr algn="ctr"/>
+            <a:endParaRPr lang="zh-CN" altLang="en-US"/>
+          </a:p>
+        </p:txBody>
+      </p:sp>
+      <p:sp>
+        <p:nvSpPr>
+          <p:cNvPr id="25" name="任意多边形: 形状 24"/>
+          <p:cNvSpPr/>
+          <p:nvPr/>
+        </p:nvSpPr>
+        <p:spPr>
+          <a:xfrm flipH="1">
+            <a:off x="581108" y="202981"/>
+            <a:ext cx="344503" cy="615023"/>
+          </a:xfrm>
+          <a:custGeom>
+            <a:avLst/>
+            <a:gdLst>
+              <a:gd name="connsiteX0" fmla="*/ 586522 w 586522"/>
+              <a:gd name="connsiteY0" fmla="*/ 0 h 1047087"/>
+              <a:gd name="connsiteX1" fmla="*/ 470079 w 586522"/>
+              <a:gd name="connsiteY1" fmla="*/ 0 h 1047087"/>
+              <a:gd name="connsiteX2" fmla="*/ 0 w 586522"/>
+              <a:gd name="connsiteY2" fmla="*/ 1047087 h 1047087"/>
+              <a:gd name="connsiteX3" fmla="*/ 116443 w 586522"/>
+              <a:gd name="connsiteY3" fmla="*/ 1047087 h 1047087"/>
+            </a:gdLst>
+            <a:ahLst/>
+            <a:cxnLst>
+              <a:cxn ang="0">
+                <a:pos x="connsiteX0" y="connsiteY0"/>
+              </a:cxn>
+              <a:cxn ang="0">
+                <a:pos x="connsiteX1" y="connsiteY1"/>
+              </a:cxn>
+              <a:cxn ang="0">
+                <a:pos x="connsiteX2" y="connsiteY2"/>
+              </a:cxn>
+              <a:cxn ang="0">
+                <a:pos x="connsiteX3" y="connsiteY3"/>
+              </a:cxn>
+            </a:cxnLst>
+            <a:rect l="l" t="t" r="r" b="b"/>
+            <a:pathLst>
+              <a:path w="586522" h="1047087">
+                <a:moveTo>
+                  <a:pt x="586522" y="0"/>
+                </a:moveTo>
+                <a:lnTo>
+                  <a:pt x="470079" y="0"/>
+                </a:lnTo>
+                <a:lnTo>
+                  <a:pt x="0" y="1047087"/>
+                </a:lnTo>
+                <a:lnTo>
+                  <a:pt x="116443" y="1047087"/>
+                </a:lnTo>
+                <a:close/>
+              </a:path>
+            </a:pathLst>
+          </a:custGeom>
+          <a:solidFill>
+            <a:schemeClr val="bg1">
+              <a:lumMod val="95000"/>
+            </a:schemeClr>
+          </a:solidFill>
+          <a:ln>
+            <a:noFill/>
+          </a:ln>
+        </p:spPr>
+        <p:style>
+          <a:lnRef idx="2">
+            <a:schemeClr val="accent1">
+              <a:shade val="50000"/>
+            </a:schemeClr>
+          </a:lnRef>
+          <a:fillRef idx="1">
+            <a:schemeClr val="accent1"/>
+          </a:fillRef>
+          <a:effectRef idx="0">
+            <a:schemeClr val="accent1"/>
+          </a:effectRef>
+          <a:fontRef idx="minor">
+            <a:schemeClr val="lt1"/>
+          </a:fontRef>
+        </p:style>
+        <p:txBody>
+          <a:bodyPr rot="0" spcFirstLastPara="0" vertOverflow="overflow" horzOverflow="overflow" vert="horz" wrap="square" lIns="91440" tIns="45720" rIns="91440" bIns="45720" numCol="1" spcCol="0" rtlCol="0" fromWordArt="0" anchor="ctr" anchorCtr="0" forceAA="0" compatLnSpc="1">
+            <a:noAutofit/>
+          </a:bodyPr>
+          <a:lstStyle/>
+          <a:p>
+            <a:pPr algn="ctr"/>
+            <a:endParaRPr lang="zh-CN" altLang="en-US"/>
+          </a:p>
+        </p:txBody>
+      </p:sp>
+      <p:sp>
+        <p:nvSpPr>
+          <p:cNvPr id="6" name="文本框 5">
+            <a:extLst>
+              <a:ext uri="{FF2B5EF4-FFF2-40B4-BE49-F238E27FC236}">
+                <a16:creationId xmlns:a16="http://schemas.microsoft.com/office/drawing/2014/main" id="{6EF55A2A-20C8-73A3-7635-D9F8FF1B0DF4}"/>
+              </a:ext>
+            </a:extLst>
+          </p:cNvPr>
+          <p:cNvSpPr txBox="1"/>
+          <p:nvPr/>
+        </p:nvSpPr>
+        <p:spPr>
+          <a:xfrm>
+            <a:off x="422882" y="1858490"/>
+            <a:ext cx="11540518" cy="2554545"/>
+          </a:xfrm>
+          <a:prstGeom prst="rect">
+            <a:avLst/>
+          </a:prstGeom>
+          <a:noFill/>
+        </p:spPr>
+        <p:txBody>
+          <a:bodyPr wrap="square" rtlCol="0">
+            <a:spAutoFit/>
+          </a:bodyPr>
+          <a:lstStyle/>
+          <a:p>
+            <a:r>
+              <a:rPr lang="zh-CN" altLang="en-US" sz="2000" dirty="0">
+                <a:highlight>
+                  <a:srgbClr val="FFFFFF"/>
+                </a:highlight>
+                <a:latin typeface="-apple-system"/>
+              </a:rPr>
+              <a:t>实验准备：实验者左手佩戴手表，右手携带手机</a:t>
+            </a:r>
+          </a:p>
+          <a:p>
+            <a:r>
+              <a:rPr lang="zh-CN" altLang="en-US" sz="2000" dirty="0">
+                <a:highlight>
+                  <a:srgbClr val="FFFFFF"/>
+                </a:highlight>
+                <a:latin typeface="-apple-system"/>
+              </a:rPr>
+              <a:t>实验条件：振动频率（快、慢）、振动类型（连续、离散）、振动时间（长、短）</a:t>
+            </a:r>
+            <a:endParaRPr lang="en-US" altLang="zh-CN" sz="2000" dirty="0">
+              <a:highlight>
+                <a:srgbClr val="FFFFFF"/>
+              </a:highlight>
+              <a:latin typeface="-apple-system"/>
+            </a:endParaRPr>
+          </a:p>
+          <a:p>
+            <a:r>
+              <a:rPr lang="zh-CN" altLang="en-US" sz="2000" dirty="0">
+                <a:highlight>
+                  <a:srgbClr val="FFFFFF"/>
+                </a:highlight>
+                <a:latin typeface="-apple-system"/>
+              </a:rPr>
+              <a:t>实验功能：导航、危险预警、行为辅助</a:t>
+            </a:r>
+            <a:endParaRPr lang="en-US" altLang="zh-CN" sz="2000" dirty="0">
+              <a:highlight>
+                <a:srgbClr val="FFFFFF"/>
+              </a:highlight>
+              <a:latin typeface="-apple-system"/>
+            </a:endParaRPr>
+          </a:p>
+          <a:p>
+            <a:r>
+              <a:rPr lang="zh-CN" altLang="en-US" sz="2000" dirty="0">
+                <a:highlight>
+                  <a:srgbClr val="FFFFFF"/>
+                </a:highlight>
+                <a:latin typeface="-apple-system"/>
+              </a:rPr>
+              <a:t>实验目的：了解用户对振动反馈系统</a:t>
+            </a:r>
+            <a:r>
+              <a:rPr lang="en-US" altLang="zh-CN" sz="2000" dirty="0">
+                <a:highlight>
+                  <a:srgbClr val="FFFFFF"/>
+                </a:highlight>
+                <a:latin typeface="-apple-system"/>
+              </a:rPr>
+              <a:t>4</a:t>
+            </a:r>
+            <a:r>
+              <a:rPr lang="zh-CN" altLang="en-US" sz="2000" dirty="0">
+                <a:highlight>
+                  <a:srgbClr val="FFFFFF"/>
+                </a:highlight>
+                <a:latin typeface="-apple-system"/>
+              </a:rPr>
+              <a:t>种模式的感知，根据实验结果评估最好的模式</a:t>
+            </a:r>
+            <a:endParaRPr lang="en-US" altLang="zh-CN" sz="2000" dirty="0">
+              <a:highlight>
+                <a:srgbClr val="FFFFFF"/>
+              </a:highlight>
+              <a:latin typeface="-apple-system"/>
+            </a:endParaRPr>
+          </a:p>
+          <a:p>
+            <a:endParaRPr lang="en-US" altLang="zh-CN" sz="2000" dirty="0">
+              <a:highlight>
+                <a:srgbClr val="FFFFFF"/>
+              </a:highlight>
+              <a:latin typeface="-apple-system"/>
+            </a:endParaRPr>
+          </a:p>
+          <a:p>
+            <a:pPr marL="457200" indent="-457200">
+              <a:buAutoNum type="arabicPeriod"/>
+            </a:pPr>
+            <a:endParaRPr lang="en-US" altLang="zh-CN" sz="2000" dirty="0"/>
+          </a:p>
+          <a:p>
+            <a:endParaRPr lang="en-US" altLang="zh-CN" sz="2000" dirty="0"/>
+          </a:p>
+          <a:p>
+            <a:endParaRPr lang="en-US" altLang="zh-CN" sz="2000" dirty="0"/>
+          </a:p>
+        </p:txBody>
+      </p:sp>
+      <p:sp>
+        <p:nvSpPr>
+          <p:cNvPr id="2" name="文本框 1">
+            <a:extLst>
+              <a:ext uri="{FF2B5EF4-FFF2-40B4-BE49-F238E27FC236}">
+                <a16:creationId xmlns:a16="http://schemas.microsoft.com/office/drawing/2014/main" id="{0F7D0A9B-401A-9893-DEF7-2C6FF8D47F90}"/>
+              </a:ext>
+            </a:extLst>
+          </p:cNvPr>
+          <p:cNvSpPr txBox="1"/>
+          <p:nvPr/>
+        </p:nvSpPr>
+        <p:spPr bwMode="auto">
+          <a:xfrm>
+            <a:off x="581108" y="1121890"/>
+            <a:ext cx="10675471" cy="523220"/>
+          </a:xfrm>
+          <a:prstGeom prst="rect">
+            <a:avLst/>
+          </a:prstGeom>
+          <a:noFill/>
+        </p:spPr>
+        <p:txBody>
+          <a:bodyPr wrap="square">
+            <a:spAutoFit/>
+            <a:scene3d>
+              <a:camera prst="orthographicFront"/>
+              <a:lightRig rig="threePt" dir="t"/>
+            </a:scene3d>
+            <a:sp3d contourW="12700"/>
+          </a:bodyPr>
+          <a:lstStyle/>
+          <a:p>
+            <a:pPr>
+              <a:defRPr/>
+            </a:pPr>
+            <a:r>
+              <a:rPr lang="zh-CN" altLang="en-US" sz="2800" b="1" dirty="0">
+                <a:solidFill>
+                  <a:srgbClr val="7F12B6"/>
+                </a:solidFill>
+                <a:latin typeface="时尚中黑简体" panose="01010104010101010101" pitchFamily="2" charset="-122"/>
+                <a:ea typeface="时尚中黑简体" panose="01010104010101010101" pitchFamily="2" charset="-122"/>
+              </a:rPr>
+              <a:t>实验方案 一    手机触屏</a:t>
+            </a:r>
+            <a:endParaRPr lang="en-US" altLang="zh-CN" sz="2800" b="1" dirty="0">
+              <a:solidFill>
+                <a:srgbClr val="7F12B6"/>
+              </a:solidFill>
+              <a:latin typeface="时尚中黑简体" panose="01010104010101010101" pitchFamily="2" charset="-122"/>
+              <a:ea typeface="时尚中黑简体" panose="01010104010101010101" pitchFamily="2" charset="-122"/>
+            </a:endParaRPr>
+          </a:p>
+        </p:txBody>
+      </p:sp>
+    </p:spTree>
+    <p:extLst>
+      <p:ext uri="{BB962C8B-B14F-4D97-AF65-F5344CB8AC3E}">
+        <p14:creationId xmlns:p14="http://schemas.microsoft.com/office/powerpoint/2010/main" val="1690668875"/>
       </p:ext>
     </p:extLst>
   </p:cSld>

--- a/总结汇报-余泳松.pptx
+++ b/总结汇报-余泳松.pptx
@@ -5,7 +5,7 @@
     <p:sldMasterId id="2147483648" r:id="rId1"/>
   </p:sldMasterIdLst>
   <p:notesMasterIdLst>
-    <p:notesMasterId r:id="rId48"/>
+    <p:notesMasterId r:id="rId49"/>
   </p:notesMasterIdLst>
   <p:sldIdLst>
     <p:sldId id="357" r:id="rId2"/>
@@ -52,13 +52,14 @@
     <p:sldId id="406" r:id="rId43"/>
     <p:sldId id="407" r:id="rId44"/>
     <p:sldId id="408" r:id="rId45"/>
-    <p:sldId id="409" r:id="rId46"/>
-    <p:sldId id="410" r:id="rId47"/>
+    <p:sldId id="411" r:id="rId46"/>
+    <p:sldId id="409" r:id="rId47"/>
+    <p:sldId id="410" r:id="rId48"/>
   </p:sldIdLst>
   <p:sldSz cx="12192000" cy="6858000"/>
   <p:notesSz cx="6858000" cy="9144000"/>
   <p:custDataLst>
-    <p:tags r:id="rId49"/>
+    <p:tags r:id="rId50"/>
   </p:custDataLst>
   <p:defaultTextStyle>
     <a:defPPr>
@@ -253,7 +254,7 @@
           <a:p>
             <a:fld id="{5D13BBE5-0BEA-4494-9BEF-C8C2F48C9E2D}" type="datetimeFigureOut">
               <a:rPr lang="zh-CN" altLang="en-US" smtClean="0"/>
-              <a:t>2024/8/15</a:t>
+              <a:t>2024/8/16</a:t>
             </a:fld>
             <a:endParaRPr lang="zh-CN" altLang="en-US"/>
           </a:p>
@@ -4571,7 +4572,7 @@
     </p:spTree>
     <p:extLst>
       <p:ext uri="{BB962C8B-B14F-4D97-AF65-F5344CB8AC3E}">
-        <p14:creationId xmlns:p14="http://schemas.microsoft.com/office/powerpoint/2010/main" val="2273611240"/>
+        <p14:creationId xmlns:p14="http://schemas.microsoft.com/office/powerpoint/2010/main" val="1732973338"/>
       </p:ext>
     </p:extLst>
   </p:cSld>
@@ -4647,6 +4648,90 @@
             <a:fld id="{F1CB8912-F0BA-4AD8-8415-DA1F26BCB09F}" type="slidenum">
               <a:rPr lang="zh-CN" altLang="en-US" smtClean="0"/>
               <a:t>46</a:t>
+            </a:fld>
+            <a:endParaRPr lang="zh-CN" altLang="en-US"/>
+          </a:p>
+        </p:txBody>
+      </p:sp>
+    </p:spTree>
+    <p:extLst>
+      <p:ext uri="{BB962C8B-B14F-4D97-AF65-F5344CB8AC3E}">
+        <p14:creationId xmlns:p14="http://schemas.microsoft.com/office/powerpoint/2010/main" val="2273611240"/>
+      </p:ext>
+    </p:extLst>
+  </p:cSld>
+  <p:clrMapOvr>
+    <a:masterClrMapping/>
+  </p:clrMapOvr>
+</p:notes>
+</file>
+
+<file path=ppt/notesSlides/notesSlide47.xml><?xml version="1.0" encoding="utf-8"?>
+<p:notes xmlns:a="http://schemas.openxmlformats.org/drawingml/2006/main" xmlns:r="http://schemas.openxmlformats.org/officeDocument/2006/relationships" xmlns:p="http://schemas.openxmlformats.org/presentationml/2006/main">
+  <p:cSld>
+    <p:spTree>
+      <p:nvGrpSpPr>
+        <p:cNvPr id="1" name=""/>
+        <p:cNvGrpSpPr/>
+        <p:nvPr/>
+      </p:nvGrpSpPr>
+      <p:grpSpPr>
+        <a:xfrm>
+          <a:off x="0" y="0"/>
+          <a:ext cx="0" cy="0"/>
+          <a:chOff x="0" y="0"/>
+          <a:chExt cx="0" cy="0"/>
+        </a:xfrm>
+      </p:grpSpPr>
+      <p:sp>
+        <p:nvSpPr>
+          <p:cNvPr id="2" name="幻灯片图像占位符 1"/>
+          <p:cNvSpPr>
+            <a:spLocks noGrp="1" noRot="1" noChangeAspect="1"/>
+          </p:cNvSpPr>
+          <p:nvPr>
+            <p:ph type="sldImg"/>
+          </p:nvPr>
+        </p:nvSpPr>
+        <p:spPr/>
+      </p:sp>
+      <p:sp>
+        <p:nvSpPr>
+          <p:cNvPr id="3" name="备注占位符 2"/>
+          <p:cNvSpPr>
+            <a:spLocks noGrp="1"/>
+          </p:cNvSpPr>
+          <p:nvPr>
+            <p:ph type="body" idx="1"/>
+          </p:nvPr>
+        </p:nvSpPr>
+        <p:spPr/>
+        <p:txBody>
+          <a:bodyPr/>
+          <a:lstStyle/>
+          <a:p>
+            <a:endParaRPr lang="zh-CN" altLang="en-US" dirty="0"/>
+          </a:p>
+        </p:txBody>
+      </p:sp>
+      <p:sp>
+        <p:nvSpPr>
+          <p:cNvPr id="4" name="灯片编号占位符 3"/>
+          <p:cNvSpPr>
+            <a:spLocks noGrp="1"/>
+          </p:cNvSpPr>
+          <p:nvPr>
+            <p:ph type="sldNum" sz="quarter" idx="5"/>
+          </p:nvPr>
+        </p:nvSpPr>
+        <p:spPr/>
+        <p:txBody>
+          <a:bodyPr/>
+          <a:lstStyle/>
+          <a:p>
+            <a:fld id="{F1CB8912-F0BA-4AD8-8415-DA1F26BCB09F}" type="slidenum">
+              <a:rPr lang="zh-CN" altLang="en-US" smtClean="0"/>
+              <a:t>47</a:t>
             </a:fld>
             <a:endParaRPr lang="zh-CN" altLang="en-US"/>
           </a:p>
@@ -41701,6 +41786,962 @@
         </p:nvSpPr>
         <p:spPr>
           <a:xfrm>
+            <a:off x="422882" y="1841242"/>
+            <a:ext cx="11540518" cy="4708981"/>
+          </a:xfrm>
+          <a:prstGeom prst="rect">
+            <a:avLst/>
+          </a:prstGeom>
+          <a:noFill/>
+        </p:spPr>
+        <p:txBody>
+          <a:bodyPr wrap="square" rtlCol="0">
+            <a:spAutoFit/>
+          </a:bodyPr>
+          <a:lstStyle/>
+          <a:p>
+            <a:r>
+              <a:rPr lang="zh-CN" altLang="en-US" sz="2000" dirty="0">
+                <a:highlight>
+                  <a:srgbClr val="FFFFFF"/>
+                </a:highlight>
+                <a:latin typeface="-apple-system"/>
+              </a:rPr>
+              <a:t>导航功能：</a:t>
+            </a:r>
+            <a:endParaRPr lang="en-US" altLang="zh-CN" sz="2000" dirty="0">
+              <a:highlight>
+                <a:srgbClr val="FFFFFF"/>
+              </a:highlight>
+              <a:latin typeface="-apple-system"/>
+            </a:endParaRPr>
+          </a:p>
+          <a:p>
+            <a:pPr marL="457200" indent="-457200">
+              <a:buAutoNum type="arabicPeriod"/>
+            </a:pPr>
+            <a:r>
+              <a:rPr lang="zh-CN" altLang="en-US" sz="2000" dirty="0">
+                <a:highlight>
+                  <a:srgbClr val="FFFFFF"/>
+                </a:highlight>
+                <a:latin typeface="-apple-system"/>
+              </a:rPr>
+              <a:t>方向：前后左右  左上 左下 右上 右下</a:t>
+            </a:r>
+            <a:endParaRPr lang="en-US" altLang="zh-CN" sz="2000" dirty="0">
+              <a:highlight>
+                <a:srgbClr val="FFFFFF"/>
+              </a:highlight>
+              <a:latin typeface="-apple-system"/>
+            </a:endParaRPr>
+          </a:p>
+          <a:p>
+            <a:pPr marL="457200" indent="-457200">
+              <a:buAutoNum type="arabicPeriod"/>
+            </a:pPr>
+            <a:r>
+              <a:rPr lang="zh-CN" altLang="en-US" sz="2000" dirty="0">
+                <a:highlight>
+                  <a:srgbClr val="FFFFFF"/>
+                </a:highlight>
+                <a:latin typeface="-apple-system"/>
+              </a:rPr>
+              <a:t>停止：</a:t>
+            </a:r>
+            <a:endParaRPr lang="en-US" altLang="zh-CN" sz="2000" dirty="0">
+              <a:highlight>
+                <a:srgbClr val="FFFFFF"/>
+              </a:highlight>
+              <a:latin typeface="-apple-system"/>
+            </a:endParaRPr>
+          </a:p>
+          <a:p>
+            <a:pPr marL="457200" indent="-457200">
+              <a:buAutoNum type="arabicPeriod"/>
+            </a:pPr>
+            <a:endParaRPr lang="en-US" altLang="zh-CN" sz="2000" dirty="0">
+              <a:highlight>
+                <a:srgbClr val="FFFFFF"/>
+              </a:highlight>
+              <a:latin typeface="-apple-system"/>
+            </a:endParaRPr>
+          </a:p>
+          <a:p>
+            <a:r>
+              <a:rPr lang="zh-CN" altLang="en-US" sz="2000" dirty="0"/>
+              <a:t>事件危险预警功能：</a:t>
+            </a:r>
+            <a:endParaRPr lang="en-US" altLang="zh-CN" sz="2000" dirty="0"/>
+          </a:p>
+          <a:p>
+            <a:pPr marL="457200" indent="-457200">
+              <a:buAutoNum type="arabicPeriod"/>
+            </a:pPr>
+            <a:r>
+              <a:rPr lang="zh-CN" altLang="en-US" sz="2000" dirty="0"/>
+              <a:t>移动物体（左右）</a:t>
+            </a:r>
+            <a:endParaRPr lang="en-US" altLang="zh-CN" sz="2000" dirty="0"/>
+          </a:p>
+          <a:p>
+            <a:pPr marL="457200" indent="-457200">
+              <a:buAutoNum type="arabicPeriod"/>
+            </a:pPr>
+            <a:r>
+              <a:rPr lang="zh-CN" altLang="en-US" sz="2000" dirty="0"/>
+              <a:t>路况不佳</a:t>
+            </a:r>
+            <a:endParaRPr lang="en-US" altLang="zh-CN" sz="2000" dirty="0"/>
+          </a:p>
+          <a:p>
+            <a:pPr marL="457200" indent="-457200">
+              <a:buAutoNum type="arabicPeriod"/>
+            </a:pPr>
+            <a:endParaRPr lang="en-US" altLang="zh-CN" sz="2000" dirty="0"/>
+          </a:p>
+          <a:p>
+            <a:pPr marL="457200" indent="-457200">
+              <a:buAutoNum type="arabicPeriod"/>
+            </a:pPr>
+            <a:endParaRPr lang="en-US" altLang="zh-CN" sz="2000" dirty="0"/>
+          </a:p>
+          <a:p>
+            <a:r>
+              <a:rPr lang="zh-CN" altLang="en-US" sz="2000" dirty="0"/>
+              <a:t>动作行为辅助功能：</a:t>
+            </a:r>
+            <a:endParaRPr lang="en-US" altLang="zh-CN" sz="2000" dirty="0"/>
+          </a:p>
+          <a:p>
+            <a:r>
+              <a:rPr lang="en-US" altLang="zh-CN" sz="2000" dirty="0"/>
+              <a:t>1. </a:t>
+            </a:r>
+          </a:p>
+          <a:p>
+            <a:endParaRPr lang="en-US" altLang="zh-CN" sz="2000" dirty="0">
+              <a:highlight>
+                <a:srgbClr val="FFFFFF"/>
+              </a:highlight>
+              <a:latin typeface="-apple-system"/>
+            </a:endParaRPr>
+          </a:p>
+          <a:p>
+            <a:pPr marL="457200" indent="-457200">
+              <a:buAutoNum type="arabicPeriod"/>
+            </a:pPr>
+            <a:endParaRPr lang="en-US" altLang="zh-CN" sz="2000" dirty="0"/>
+          </a:p>
+          <a:p>
+            <a:endParaRPr lang="en-US" altLang="zh-CN" sz="2000" dirty="0"/>
+          </a:p>
+          <a:p>
+            <a:endParaRPr lang="en-US" altLang="zh-CN" sz="2000" dirty="0"/>
+          </a:p>
+        </p:txBody>
+      </p:sp>
+      <p:sp>
+        <p:nvSpPr>
+          <p:cNvPr id="2" name="文本框 1">
+            <a:extLst>
+              <a:ext uri="{FF2B5EF4-FFF2-40B4-BE49-F238E27FC236}">
+                <a16:creationId xmlns:a16="http://schemas.microsoft.com/office/drawing/2014/main" id="{0F7D0A9B-401A-9893-DEF7-2C6FF8D47F90}"/>
+              </a:ext>
+            </a:extLst>
+          </p:cNvPr>
+          <p:cNvSpPr txBox="1"/>
+          <p:nvPr/>
+        </p:nvSpPr>
+        <p:spPr bwMode="auto">
+          <a:xfrm>
+            <a:off x="422882" y="1088939"/>
+            <a:ext cx="10675471" cy="523220"/>
+          </a:xfrm>
+          <a:prstGeom prst="rect">
+            <a:avLst/>
+          </a:prstGeom>
+          <a:noFill/>
+        </p:spPr>
+        <p:txBody>
+          <a:bodyPr wrap="square">
+            <a:spAutoFit/>
+            <a:scene3d>
+              <a:camera prst="orthographicFront"/>
+              <a:lightRig rig="threePt" dir="t"/>
+            </a:scene3d>
+            <a:sp3d contourW="12700"/>
+          </a:bodyPr>
+          <a:lstStyle/>
+          <a:p>
+            <a:pPr>
+              <a:defRPr/>
+            </a:pPr>
+            <a:r>
+              <a:rPr lang="zh-CN" altLang="en-US" sz="2800" b="1" dirty="0">
+                <a:solidFill>
+                  <a:srgbClr val="7F12B6"/>
+                </a:solidFill>
+                <a:latin typeface="时尚中黑简体" panose="01010104010101010101" pitchFamily="2" charset="-122"/>
+                <a:ea typeface="时尚中黑简体" panose="01010104010101010101" pitchFamily="2" charset="-122"/>
+              </a:rPr>
+              <a:t>实验设计</a:t>
+            </a:r>
+            <a:endParaRPr lang="en-US" altLang="zh-CN" sz="2800" b="1" dirty="0">
+              <a:solidFill>
+                <a:srgbClr val="7F12B6"/>
+              </a:solidFill>
+              <a:latin typeface="时尚中黑简体" panose="01010104010101010101" pitchFamily="2" charset="-122"/>
+              <a:ea typeface="时尚中黑简体" panose="01010104010101010101" pitchFamily="2" charset="-122"/>
+            </a:endParaRPr>
+          </a:p>
+        </p:txBody>
+      </p:sp>
+      <p:pic>
+        <p:nvPicPr>
+          <p:cNvPr id="3" name="图片 2">
+            <a:extLst>
+              <a:ext uri="{FF2B5EF4-FFF2-40B4-BE49-F238E27FC236}">
+                <a16:creationId xmlns:a16="http://schemas.microsoft.com/office/drawing/2014/main" id="{B8152844-0C65-6298-1114-D93445837682}"/>
+              </a:ext>
+            </a:extLst>
+          </p:cNvPr>
+          <p:cNvPicPr>
+            <a:picLocks noChangeAspect="1"/>
+          </p:cNvPicPr>
+          <p:nvPr/>
+        </p:nvPicPr>
+        <p:blipFill>
+          <a:blip r:embed="rId4"/>
+          <a:stretch>
+            <a:fillRect/>
+          </a:stretch>
+        </p:blipFill>
+        <p:spPr>
+          <a:xfrm>
+            <a:off x="8810625" y="1201113"/>
+            <a:ext cx="3152775" cy="2333625"/>
+          </a:xfrm>
+          <a:prstGeom prst="rect">
+            <a:avLst/>
+          </a:prstGeom>
+        </p:spPr>
+      </p:pic>
+      <p:pic>
+        <p:nvPicPr>
+          <p:cNvPr id="5" name="图片 4">
+            <a:extLst>
+              <a:ext uri="{FF2B5EF4-FFF2-40B4-BE49-F238E27FC236}">
+                <a16:creationId xmlns:a16="http://schemas.microsoft.com/office/drawing/2014/main" id="{AA0AB9D8-9A36-628B-7018-AAD22C19EF80}"/>
+              </a:ext>
+            </a:extLst>
+          </p:cNvPr>
+          <p:cNvPicPr>
+            <a:picLocks noChangeAspect="1"/>
+          </p:cNvPicPr>
+          <p:nvPr/>
+        </p:nvPicPr>
+        <p:blipFill>
+          <a:blip r:embed="rId5"/>
+          <a:stretch>
+            <a:fillRect/>
+          </a:stretch>
+        </p:blipFill>
+        <p:spPr>
+          <a:xfrm>
+            <a:off x="8810625" y="3534738"/>
+            <a:ext cx="2442857" cy="2404762"/>
+          </a:xfrm>
+          <a:prstGeom prst="rect">
+            <a:avLst/>
+          </a:prstGeom>
+        </p:spPr>
+      </p:pic>
+    </p:spTree>
+    <p:extLst>
+      <p:ext uri="{BB962C8B-B14F-4D97-AF65-F5344CB8AC3E}">
+        <p14:creationId xmlns:p14="http://schemas.microsoft.com/office/powerpoint/2010/main" val="3823507094"/>
+      </p:ext>
+    </p:extLst>
+  </p:cSld>
+  <p:clrMapOvr>
+    <a:masterClrMapping/>
+  </p:clrMapOvr>
+  <mc:AlternateContent xmlns:mc="http://schemas.openxmlformats.org/markup-compatibility/2006" xmlns:p14="http://schemas.microsoft.com/office/powerpoint/2010/main">
+    <mc:Choice Requires="p14">
+      <p:transition spd="slow" p14:dur="1500" advTm="0">
+        <p:random/>
+      </p:transition>
+    </mc:Choice>
+    <mc:Fallback xmlns="">
+      <p:transition spd="slow" advTm="0">
+        <p:random/>
+      </p:transition>
+    </mc:Fallback>
+  </mc:AlternateContent>
+</p:sld>
+</file>
+
+<file path=ppt/slides/slide46.xml><?xml version="1.0" encoding="utf-8"?>
+<p:sld xmlns:a="http://schemas.openxmlformats.org/drawingml/2006/main" xmlns:r="http://schemas.openxmlformats.org/officeDocument/2006/relationships" xmlns:p="http://schemas.openxmlformats.org/presentationml/2006/main">
+  <p:cSld>
+    <p:spTree>
+      <p:nvGrpSpPr>
+        <p:cNvPr id="1" name=""/>
+        <p:cNvGrpSpPr/>
+        <p:nvPr/>
+      </p:nvGrpSpPr>
+      <p:grpSpPr>
+        <a:xfrm>
+          <a:off x="0" y="0"/>
+          <a:ext cx="0" cy="0"/>
+          <a:chOff x="0" y="0"/>
+          <a:chExt cx="0" cy="0"/>
+        </a:xfrm>
+      </p:grpSpPr>
+      <p:grpSp>
+        <p:nvGrpSpPr>
+          <p:cNvPr id="21" name="组合 20"/>
+          <p:cNvGrpSpPr/>
+          <p:nvPr/>
+        </p:nvGrpSpPr>
+        <p:grpSpPr>
+          <a:xfrm>
+            <a:off x="5270500" y="510493"/>
+            <a:ext cx="7561033" cy="380555"/>
+            <a:chOff x="6997699" y="510493"/>
+            <a:chExt cx="5794625" cy="380555"/>
+          </a:xfrm>
+        </p:grpSpPr>
+        <p:sp>
+          <p:nvSpPr>
+            <p:cNvPr id="22" name="任意多边形: 形状 21"/>
+            <p:cNvSpPr/>
+            <p:nvPr userDrawn="1"/>
+          </p:nvSpPr>
+          <p:spPr>
+            <a:xfrm flipH="1">
+              <a:off x="6997699" y="764493"/>
+              <a:ext cx="5376633" cy="126555"/>
+            </a:xfrm>
+            <a:custGeom>
+              <a:avLst/>
+              <a:gdLst>
+                <a:gd name="connsiteX0" fmla="*/ 7367523 w 7367523"/>
+                <a:gd name="connsiteY0" fmla="*/ 0 h 173416"/>
+                <a:gd name="connsiteX1" fmla="*/ 6374783 w 7367523"/>
+                <a:gd name="connsiteY1" fmla="*/ 0 h 173416"/>
+                <a:gd name="connsiteX2" fmla="*/ 6240349 w 7367523"/>
+                <a:gd name="connsiteY2" fmla="*/ 0 h 173416"/>
+                <a:gd name="connsiteX3" fmla="*/ 5540227 w 7367523"/>
+                <a:gd name="connsiteY3" fmla="*/ 0 h 173416"/>
+                <a:gd name="connsiteX4" fmla="*/ 5247612 w 7367523"/>
+                <a:gd name="connsiteY4" fmla="*/ 0 h 173416"/>
+                <a:gd name="connsiteX5" fmla="*/ 4707193 w 7367523"/>
+                <a:gd name="connsiteY5" fmla="*/ 0 h 173416"/>
+                <a:gd name="connsiteX6" fmla="*/ 4413053 w 7367523"/>
+                <a:gd name="connsiteY6" fmla="*/ 0 h 173416"/>
+                <a:gd name="connsiteX7" fmla="*/ 3865356 w 7367523"/>
+                <a:gd name="connsiteY7" fmla="*/ 0 h 173416"/>
+                <a:gd name="connsiteX8" fmla="*/ 3580019 w 7367523"/>
+                <a:gd name="connsiteY8" fmla="*/ 0 h 173416"/>
+                <a:gd name="connsiteX9" fmla="*/ 2872616 w 7367523"/>
+                <a:gd name="connsiteY9" fmla="*/ 0 h 173416"/>
+                <a:gd name="connsiteX10" fmla="*/ 2738183 w 7367523"/>
+                <a:gd name="connsiteY10" fmla="*/ 0 h 173416"/>
+                <a:gd name="connsiteX11" fmla="*/ 2038060 w 7367523"/>
+                <a:gd name="connsiteY11" fmla="*/ 0 h 173416"/>
+                <a:gd name="connsiteX12" fmla="*/ 1745445 w 7367523"/>
+                <a:gd name="connsiteY12" fmla="*/ 0 h 173416"/>
+                <a:gd name="connsiteX13" fmla="*/ 1205026 w 7367523"/>
+                <a:gd name="connsiteY13" fmla="*/ 0 h 173416"/>
+                <a:gd name="connsiteX14" fmla="*/ 910887 w 7367523"/>
+                <a:gd name="connsiteY14" fmla="*/ 0 h 173416"/>
+                <a:gd name="connsiteX15" fmla="*/ 77853 w 7367523"/>
+                <a:gd name="connsiteY15" fmla="*/ 0 h 173416"/>
+                <a:gd name="connsiteX16" fmla="*/ 0 w 7367523"/>
+                <a:gd name="connsiteY16" fmla="*/ 173416 h 173416"/>
+                <a:gd name="connsiteX17" fmla="*/ 7289670 w 7367523"/>
+                <a:gd name="connsiteY17" fmla="*/ 173416 h 173416"/>
+              </a:gdLst>
+              <a:ahLst/>
+              <a:cxnLst>
+                <a:cxn ang="0">
+                  <a:pos x="connsiteX0" y="connsiteY0"/>
+                </a:cxn>
+                <a:cxn ang="0">
+                  <a:pos x="connsiteX1" y="connsiteY1"/>
+                </a:cxn>
+                <a:cxn ang="0">
+                  <a:pos x="connsiteX2" y="connsiteY2"/>
+                </a:cxn>
+                <a:cxn ang="0">
+                  <a:pos x="connsiteX3" y="connsiteY3"/>
+                </a:cxn>
+                <a:cxn ang="0">
+                  <a:pos x="connsiteX4" y="connsiteY4"/>
+                </a:cxn>
+                <a:cxn ang="0">
+                  <a:pos x="connsiteX5" y="connsiteY5"/>
+                </a:cxn>
+                <a:cxn ang="0">
+                  <a:pos x="connsiteX6" y="connsiteY6"/>
+                </a:cxn>
+                <a:cxn ang="0">
+                  <a:pos x="connsiteX7" y="connsiteY7"/>
+                </a:cxn>
+                <a:cxn ang="0">
+                  <a:pos x="connsiteX8" y="connsiteY8"/>
+                </a:cxn>
+                <a:cxn ang="0">
+                  <a:pos x="connsiteX9" y="connsiteY9"/>
+                </a:cxn>
+                <a:cxn ang="0">
+                  <a:pos x="connsiteX10" y="connsiteY10"/>
+                </a:cxn>
+                <a:cxn ang="0">
+                  <a:pos x="connsiteX11" y="connsiteY11"/>
+                </a:cxn>
+                <a:cxn ang="0">
+                  <a:pos x="connsiteX12" y="connsiteY12"/>
+                </a:cxn>
+                <a:cxn ang="0">
+                  <a:pos x="connsiteX13" y="connsiteY13"/>
+                </a:cxn>
+                <a:cxn ang="0">
+                  <a:pos x="connsiteX14" y="connsiteY14"/>
+                </a:cxn>
+                <a:cxn ang="0">
+                  <a:pos x="connsiteX15" y="connsiteY15"/>
+                </a:cxn>
+                <a:cxn ang="0">
+                  <a:pos x="connsiteX16" y="connsiteY16"/>
+                </a:cxn>
+                <a:cxn ang="0">
+                  <a:pos x="connsiteX17" y="connsiteY17"/>
+                </a:cxn>
+              </a:cxnLst>
+              <a:rect l="l" t="t" r="r" b="b"/>
+              <a:pathLst>
+                <a:path w="7367523" h="173416">
+                  <a:moveTo>
+                    <a:pt x="7367523" y="0"/>
+                  </a:moveTo>
+                  <a:lnTo>
+                    <a:pt x="6374783" y="0"/>
+                  </a:lnTo>
+                  <a:lnTo>
+                    <a:pt x="6240349" y="0"/>
+                  </a:lnTo>
+                  <a:lnTo>
+                    <a:pt x="5540227" y="0"/>
+                  </a:lnTo>
+                  <a:lnTo>
+                    <a:pt x="5247612" y="0"/>
+                  </a:lnTo>
+                  <a:lnTo>
+                    <a:pt x="4707193" y="0"/>
+                  </a:lnTo>
+                  <a:lnTo>
+                    <a:pt x="4413053" y="0"/>
+                  </a:lnTo>
+                  <a:lnTo>
+                    <a:pt x="3865356" y="0"/>
+                  </a:lnTo>
+                  <a:lnTo>
+                    <a:pt x="3580019" y="0"/>
+                  </a:lnTo>
+                  <a:lnTo>
+                    <a:pt x="2872616" y="0"/>
+                  </a:lnTo>
+                  <a:lnTo>
+                    <a:pt x="2738183" y="0"/>
+                  </a:lnTo>
+                  <a:lnTo>
+                    <a:pt x="2038060" y="0"/>
+                  </a:lnTo>
+                  <a:lnTo>
+                    <a:pt x="1745445" y="0"/>
+                  </a:lnTo>
+                  <a:lnTo>
+                    <a:pt x="1205026" y="0"/>
+                  </a:lnTo>
+                  <a:lnTo>
+                    <a:pt x="910887" y="0"/>
+                  </a:lnTo>
+                  <a:lnTo>
+                    <a:pt x="77853" y="0"/>
+                  </a:lnTo>
+                  <a:lnTo>
+                    <a:pt x="0" y="173416"/>
+                  </a:lnTo>
+                  <a:lnTo>
+                    <a:pt x="7289670" y="173416"/>
+                  </a:lnTo>
+                  <a:close/>
+                </a:path>
+              </a:pathLst>
+            </a:custGeom>
+            <a:gradFill flip="none" rotWithShape="0">
+              <a:gsLst>
+                <a:gs pos="0">
+                  <a:srgbClr val="228AF2"/>
+                </a:gs>
+                <a:gs pos="94000">
+                  <a:srgbClr val="7F12B6"/>
+                </a:gs>
+              </a:gsLst>
+              <a:lin ang="2700000" scaled="1"/>
+              <a:tileRect/>
+            </a:gradFill>
+            <a:ln>
+              <a:noFill/>
+            </a:ln>
+          </p:spPr>
+          <p:style>
+            <a:lnRef idx="2">
+              <a:schemeClr val="accent1">
+                <a:shade val="50000"/>
+              </a:schemeClr>
+            </a:lnRef>
+            <a:fillRef idx="1">
+              <a:schemeClr val="accent1"/>
+            </a:fillRef>
+            <a:effectRef idx="0">
+              <a:schemeClr val="accent1"/>
+            </a:effectRef>
+            <a:fontRef idx="minor">
+              <a:schemeClr val="lt1"/>
+            </a:fontRef>
+          </p:style>
+          <p:txBody>
+            <a:bodyPr rot="0" spcFirstLastPara="0" vertOverflow="overflow" horzOverflow="overflow" vert="horz" wrap="square" lIns="91440" tIns="45720" rIns="91440" bIns="45720" numCol="1" spcCol="0" rtlCol="0" fromWordArt="0" anchor="ctr" anchorCtr="0" forceAA="0" compatLnSpc="1">
+              <a:noAutofit/>
+            </a:bodyPr>
+            <a:lstStyle/>
+            <a:p>
+              <a:pPr algn="ctr"/>
+              <a:endParaRPr lang="zh-CN" altLang="en-US"/>
+            </a:p>
+          </p:txBody>
+        </p:sp>
+        <p:sp>
+          <p:nvSpPr>
+            <p:cNvPr id="23" name="任意多边形: 形状 22"/>
+            <p:cNvSpPr/>
+            <p:nvPr userDrawn="1"/>
+          </p:nvSpPr>
+          <p:spPr>
+            <a:xfrm flipH="1">
+              <a:off x="7415691" y="510493"/>
+              <a:ext cx="5376633" cy="126555"/>
+            </a:xfrm>
+            <a:custGeom>
+              <a:avLst/>
+              <a:gdLst>
+                <a:gd name="connsiteX0" fmla="*/ 7367523 w 7367523"/>
+                <a:gd name="connsiteY0" fmla="*/ 0 h 173416"/>
+                <a:gd name="connsiteX1" fmla="*/ 6374783 w 7367523"/>
+                <a:gd name="connsiteY1" fmla="*/ 0 h 173416"/>
+                <a:gd name="connsiteX2" fmla="*/ 6240349 w 7367523"/>
+                <a:gd name="connsiteY2" fmla="*/ 0 h 173416"/>
+                <a:gd name="connsiteX3" fmla="*/ 5540227 w 7367523"/>
+                <a:gd name="connsiteY3" fmla="*/ 0 h 173416"/>
+                <a:gd name="connsiteX4" fmla="*/ 5247612 w 7367523"/>
+                <a:gd name="connsiteY4" fmla="*/ 0 h 173416"/>
+                <a:gd name="connsiteX5" fmla="*/ 4707193 w 7367523"/>
+                <a:gd name="connsiteY5" fmla="*/ 0 h 173416"/>
+                <a:gd name="connsiteX6" fmla="*/ 4413053 w 7367523"/>
+                <a:gd name="connsiteY6" fmla="*/ 0 h 173416"/>
+                <a:gd name="connsiteX7" fmla="*/ 3865356 w 7367523"/>
+                <a:gd name="connsiteY7" fmla="*/ 0 h 173416"/>
+                <a:gd name="connsiteX8" fmla="*/ 3580019 w 7367523"/>
+                <a:gd name="connsiteY8" fmla="*/ 0 h 173416"/>
+                <a:gd name="connsiteX9" fmla="*/ 2872616 w 7367523"/>
+                <a:gd name="connsiteY9" fmla="*/ 0 h 173416"/>
+                <a:gd name="connsiteX10" fmla="*/ 2738183 w 7367523"/>
+                <a:gd name="connsiteY10" fmla="*/ 0 h 173416"/>
+                <a:gd name="connsiteX11" fmla="*/ 2038060 w 7367523"/>
+                <a:gd name="connsiteY11" fmla="*/ 0 h 173416"/>
+                <a:gd name="connsiteX12" fmla="*/ 1745445 w 7367523"/>
+                <a:gd name="connsiteY12" fmla="*/ 0 h 173416"/>
+                <a:gd name="connsiteX13" fmla="*/ 1205026 w 7367523"/>
+                <a:gd name="connsiteY13" fmla="*/ 0 h 173416"/>
+                <a:gd name="connsiteX14" fmla="*/ 910887 w 7367523"/>
+                <a:gd name="connsiteY14" fmla="*/ 0 h 173416"/>
+                <a:gd name="connsiteX15" fmla="*/ 77853 w 7367523"/>
+                <a:gd name="connsiteY15" fmla="*/ 0 h 173416"/>
+                <a:gd name="connsiteX16" fmla="*/ 0 w 7367523"/>
+                <a:gd name="connsiteY16" fmla="*/ 173416 h 173416"/>
+                <a:gd name="connsiteX17" fmla="*/ 7289670 w 7367523"/>
+                <a:gd name="connsiteY17" fmla="*/ 173416 h 173416"/>
+              </a:gdLst>
+              <a:ahLst/>
+              <a:cxnLst>
+                <a:cxn ang="0">
+                  <a:pos x="connsiteX0" y="connsiteY0"/>
+                </a:cxn>
+                <a:cxn ang="0">
+                  <a:pos x="connsiteX1" y="connsiteY1"/>
+                </a:cxn>
+                <a:cxn ang="0">
+                  <a:pos x="connsiteX2" y="connsiteY2"/>
+                </a:cxn>
+                <a:cxn ang="0">
+                  <a:pos x="connsiteX3" y="connsiteY3"/>
+                </a:cxn>
+                <a:cxn ang="0">
+                  <a:pos x="connsiteX4" y="connsiteY4"/>
+                </a:cxn>
+                <a:cxn ang="0">
+                  <a:pos x="connsiteX5" y="connsiteY5"/>
+                </a:cxn>
+                <a:cxn ang="0">
+                  <a:pos x="connsiteX6" y="connsiteY6"/>
+                </a:cxn>
+                <a:cxn ang="0">
+                  <a:pos x="connsiteX7" y="connsiteY7"/>
+                </a:cxn>
+                <a:cxn ang="0">
+                  <a:pos x="connsiteX8" y="connsiteY8"/>
+                </a:cxn>
+                <a:cxn ang="0">
+                  <a:pos x="connsiteX9" y="connsiteY9"/>
+                </a:cxn>
+                <a:cxn ang="0">
+                  <a:pos x="connsiteX10" y="connsiteY10"/>
+                </a:cxn>
+                <a:cxn ang="0">
+                  <a:pos x="connsiteX11" y="connsiteY11"/>
+                </a:cxn>
+                <a:cxn ang="0">
+                  <a:pos x="connsiteX12" y="connsiteY12"/>
+                </a:cxn>
+                <a:cxn ang="0">
+                  <a:pos x="connsiteX13" y="connsiteY13"/>
+                </a:cxn>
+                <a:cxn ang="0">
+                  <a:pos x="connsiteX14" y="connsiteY14"/>
+                </a:cxn>
+                <a:cxn ang="0">
+                  <a:pos x="connsiteX15" y="connsiteY15"/>
+                </a:cxn>
+                <a:cxn ang="0">
+                  <a:pos x="connsiteX16" y="connsiteY16"/>
+                </a:cxn>
+                <a:cxn ang="0">
+                  <a:pos x="connsiteX17" y="connsiteY17"/>
+                </a:cxn>
+              </a:cxnLst>
+              <a:rect l="l" t="t" r="r" b="b"/>
+              <a:pathLst>
+                <a:path w="7367523" h="173416">
+                  <a:moveTo>
+                    <a:pt x="7367523" y="0"/>
+                  </a:moveTo>
+                  <a:lnTo>
+                    <a:pt x="6374783" y="0"/>
+                  </a:lnTo>
+                  <a:lnTo>
+                    <a:pt x="6240349" y="0"/>
+                  </a:lnTo>
+                  <a:lnTo>
+                    <a:pt x="5540227" y="0"/>
+                  </a:lnTo>
+                  <a:lnTo>
+                    <a:pt x="5247612" y="0"/>
+                  </a:lnTo>
+                  <a:lnTo>
+                    <a:pt x="4707193" y="0"/>
+                  </a:lnTo>
+                  <a:lnTo>
+                    <a:pt x="4413053" y="0"/>
+                  </a:lnTo>
+                  <a:lnTo>
+                    <a:pt x="3865356" y="0"/>
+                  </a:lnTo>
+                  <a:lnTo>
+                    <a:pt x="3580019" y="0"/>
+                  </a:lnTo>
+                  <a:lnTo>
+                    <a:pt x="2872616" y="0"/>
+                  </a:lnTo>
+                  <a:lnTo>
+                    <a:pt x="2738183" y="0"/>
+                  </a:lnTo>
+                  <a:lnTo>
+                    <a:pt x="2038060" y="0"/>
+                  </a:lnTo>
+                  <a:lnTo>
+                    <a:pt x="1745445" y="0"/>
+                  </a:lnTo>
+                  <a:lnTo>
+                    <a:pt x="1205026" y="0"/>
+                  </a:lnTo>
+                  <a:lnTo>
+                    <a:pt x="910887" y="0"/>
+                  </a:lnTo>
+                  <a:lnTo>
+                    <a:pt x="77853" y="0"/>
+                  </a:lnTo>
+                  <a:lnTo>
+                    <a:pt x="0" y="173416"/>
+                  </a:lnTo>
+                  <a:lnTo>
+                    <a:pt x="7289670" y="173416"/>
+                  </a:lnTo>
+                  <a:close/>
+                </a:path>
+              </a:pathLst>
+            </a:custGeom>
+            <a:solidFill>
+              <a:schemeClr val="bg2"/>
+            </a:solidFill>
+            <a:ln>
+              <a:noFill/>
+            </a:ln>
+          </p:spPr>
+          <p:style>
+            <a:lnRef idx="2">
+              <a:schemeClr val="accent1">
+                <a:shade val="50000"/>
+              </a:schemeClr>
+            </a:lnRef>
+            <a:fillRef idx="1">
+              <a:schemeClr val="accent1"/>
+            </a:fillRef>
+            <a:effectRef idx="0">
+              <a:schemeClr val="accent1"/>
+            </a:effectRef>
+            <a:fontRef idx="minor">
+              <a:schemeClr val="lt1"/>
+            </a:fontRef>
+          </p:style>
+          <p:txBody>
+            <a:bodyPr rot="0" spcFirstLastPara="0" vertOverflow="overflow" horzOverflow="overflow" vert="horz" wrap="square" lIns="91440" tIns="45720" rIns="91440" bIns="45720" numCol="1" spcCol="0" rtlCol="0" fromWordArt="0" anchor="ctr" anchorCtr="0" forceAA="0" compatLnSpc="1">
+              <a:noAutofit/>
+            </a:bodyPr>
+            <a:lstStyle/>
+            <a:p>
+              <a:pPr algn="ctr"/>
+              <a:endParaRPr lang="zh-CN" altLang="en-US"/>
+            </a:p>
+          </p:txBody>
+        </p:sp>
+      </p:grpSp>
+      <p:sp>
+        <p:nvSpPr>
+          <p:cNvPr id="24" name="任意多边形: 形状 23"/>
+          <p:cNvSpPr/>
+          <p:nvPr/>
+        </p:nvSpPr>
+        <p:spPr>
+          <a:xfrm flipH="1">
+            <a:off x="129621" y="0"/>
+            <a:ext cx="586522" cy="1047087"/>
+          </a:xfrm>
+          <a:custGeom>
+            <a:avLst/>
+            <a:gdLst>
+              <a:gd name="connsiteX0" fmla="*/ 586522 w 586522"/>
+              <a:gd name="connsiteY0" fmla="*/ 0 h 1047087"/>
+              <a:gd name="connsiteX1" fmla="*/ 470079 w 586522"/>
+              <a:gd name="connsiteY1" fmla="*/ 0 h 1047087"/>
+              <a:gd name="connsiteX2" fmla="*/ 0 w 586522"/>
+              <a:gd name="connsiteY2" fmla="*/ 1047087 h 1047087"/>
+              <a:gd name="connsiteX3" fmla="*/ 116443 w 586522"/>
+              <a:gd name="connsiteY3" fmla="*/ 1047087 h 1047087"/>
+            </a:gdLst>
+            <a:ahLst/>
+            <a:cxnLst>
+              <a:cxn ang="0">
+                <a:pos x="connsiteX0" y="connsiteY0"/>
+              </a:cxn>
+              <a:cxn ang="0">
+                <a:pos x="connsiteX1" y="connsiteY1"/>
+              </a:cxn>
+              <a:cxn ang="0">
+                <a:pos x="connsiteX2" y="connsiteY2"/>
+              </a:cxn>
+              <a:cxn ang="0">
+                <a:pos x="connsiteX3" y="connsiteY3"/>
+              </a:cxn>
+            </a:cxnLst>
+            <a:rect l="l" t="t" r="r" b="b"/>
+            <a:pathLst>
+              <a:path w="586522" h="1047087">
+                <a:moveTo>
+                  <a:pt x="586522" y="0"/>
+                </a:moveTo>
+                <a:lnTo>
+                  <a:pt x="470079" y="0"/>
+                </a:lnTo>
+                <a:lnTo>
+                  <a:pt x="0" y="1047087"/>
+                </a:lnTo>
+                <a:lnTo>
+                  <a:pt x="116443" y="1047087"/>
+                </a:lnTo>
+                <a:close/>
+              </a:path>
+            </a:pathLst>
+          </a:custGeom>
+          <a:gradFill flip="none" rotWithShape="0">
+            <a:gsLst>
+              <a:gs pos="0">
+                <a:srgbClr val="53A5F5">
+                  <a:lumMod val="73000"/>
+                  <a:lumOff val="27000"/>
+                </a:srgbClr>
+              </a:gs>
+              <a:gs pos="94000">
+                <a:srgbClr val="9214CF">
+                  <a:lumMod val="73000"/>
+                  <a:lumOff val="27000"/>
+                </a:srgbClr>
+              </a:gs>
+            </a:gsLst>
+            <a:lin ang="2700000" scaled="1"/>
+            <a:tileRect/>
+          </a:gradFill>
+          <a:ln>
+            <a:noFill/>
+          </a:ln>
+        </p:spPr>
+        <p:style>
+          <a:lnRef idx="2">
+            <a:schemeClr val="accent1">
+              <a:shade val="50000"/>
+            </a:schemeClr>
+          </a:lnRef>
+          <a:fillRef idx="1">
+            <a:schemeClr val="accent1"/>
+          </a:fillRef>
+          <a:effectRef idx="0">
+            <a:schemeClr val="accent1"/>
+          </a:effectRef>
+          <a:fontRef idx="minor">
+            <a:schemeClr val="lt1"/>
+          </a:fontRef>
+        </p:style>
+        <p:txBody>
+          <a:bodyPr rot="0" spcFirstLastPara="0" vertOverflow="overflow" horzOverflow="overflow" vert="horz" wrap="square" lIns="91440" tIns="45720" rIns="91440" bIns="45720" numCol="1" spcCol="0" rtlCol="0" fromWordArt="0" anchor="ctr" anchorCtr="0" forceAA="0" compatLnSpc="1">
+            <a:noAutofit/>
+          </a:bodyPr>
+          <a:lstStyle/>
+          <a:p>
+            <a:pPr algn="ctr"/>
+            <a:endParaRPr lang="zh-CN" altLang="en-US"/>
+          </a:p>
+        </p:txBody>
+      </p:sp>
+      <p:sp>
+        <p:nvSpPr>
+          <p:cNvPr id="25" name="任意多边形: 形状 24"/>
+          <p:cNvSpPr/>
+          <p:nvPr/>
+        </p:nvSpPr>
+        <p:spPr>
+          <a:xfrm flipH="1">
+            <a:off x="581108" y="202981"/>
+            <a:ext cx="344503" cy="615023"/>
+          </a:xfrm>
+          <a:custGeom>
+            <a:avLst/>
+            <a:gdLst>
+              <a:gd name="connsiteX0" fmla="*/ 586522 w 586522"/>
+              <a:gd name="connsiteY0" fmla="*/ 0 h 1047087"/>
+              <a:gd name="connsiteX1" fmla="*/ 470079 w 586522"/>
+              <a:gd name="connsiteY1" fmla="*/ 0 h 1047087"/>
+              <a:gd name="connsiteX2" fmla="*/ 0 w 586522"/>
+              <a:gd name="connsiteY2" fmla="*/ 1047087 h 1047087"/>
+              <a:gd name="connsiteX3" fmla="*/ 116443 w 586522"/>
+              <a:gd name="connsiteY3" fmla="*/ 1047087 h 1047087"/>
+            </a:gdLst>
+            <a:ahLst/>
+            <a:cxnLst>
+              <a:cxn ang="0">
+                <a:pos x="connsiteX0" y="connsiteY0"/>
+              </a:cxn>
+              <a:cxn ang="0">
+                <a:pos x="connsiteX1" y="connsiteY1"/>
+              </a:cxn>
+              <a:cxn ang="0">
+                <a:pos x="connsiteX2" y="connsiteY2"/>
+              </a:cxn>
+              <a:cxn ang="0">
+                <a:pos x="connsiteX3" y="connsiteY3"/>
+              </a:cxn>
+            </a:cxnLst>
+            <a:rect l="l" t="t" r="r" b="b"/>
+            <a:pathLst>
+              <a:path w="586522" h="1047087">
+                <a:moveTo>
+                  <a:pt x="586522" y="0"/>
+                </a:moveTo>
+                <a:lnTo>
+                  <a:pt x="470079" y="0"/>
+                </a:lnTo>
+                <a:lnTo>
+                  <a:pt x="0" y="1047087"/>
+                </a:lnTo>
+                <a:lnTo>
+                  <a:pt x="116443" y="1047087"/>
+                </a:lnTo>
+                <a:close/>
+              </a:path>
+            </a:pathLst>
+          </a:custGeom>
+          <a:solidFill>
+            <a:schemeClr val="bg1">
+              <a:lumMod val="95000"/>
+            </a:schemeClr>
+          </a:solidFill>
+          <a:ln>
+            <a:noFill/>
+          </a:ln>
+        </p:spPr>
+        <p:style>
+          <a:lnRef idx="2">
+            <a:schemeClr val="accent1">
+              <a:shade val="50000"/>
+            </a:schemeClr>
+          </a:lnRef>
+          <a:fillRef idx="1">
+            <a:schemeClr val="accent1"/>
+          </a:fillRef>
+          <a:effectRef idx="0">
+            <a:schemeClr val="accent1"/>
+          </a:effectRef>
+          <a:fontRef idx="minor">
+            <a:schemeClr val="lt1"/>
+          </a:fontRef>
+        </p:style>
+        <p:txBody>
+          <a:bodyPr rot="0" spcFirstLastPara="0" vertOverflow="overflow" horzOverflow="overflow" vert="horz" wrap="square" lIns="91440" tIns="45720" rIns="91440" bIns="45720" numCol="1" spcCol="0" rtlCol="0" fromWordArt="0" anchor="ctr" anchorCtr="0" forceAA="0" compatLnSpc="1">
+            <a:noAutofit/>
+          </a:bodyPr>
+          <a:lstStyle/>
+          <a:p>
+            <a:pPr algn="ctr"/>
+            <a:endParaRPr lang="zh-CN" altLang="en-US"/>
+          </a:p>
+        </p:txBody>
+      </p:sp>
+      <p:sp>
+        <p:nvSpPr>
+          <p:cNvPr id="6" name="文本框 5">
+            <a:extLst>
+              <a:ext uri="{FF2B5EF4-FFF2-40B4-BE49-F238E27FC236}">
+                <a16:creationId xmlns:a16="http://schemas.microsoft.com/office/drawing/2014/main" id="{6EF55A2A-20C8-73A3-7635-D9F8FF1B0DF4}"/>
+              </a:ext>
+            </a:extLst>
+          </p:cNvPr>
+          <p:cNvSpPr txBox="1"/>
+          <p:nvPr/>
+        </p:nvSpPr>
+        <p:spPr>
+          <a:xfrm>
             <a:off x="422882" y="1858490"/>
             <a:ext cx="11540518" cy="2554545"/>
           </a:xfrm>
@@ -41897,7 +42938,7 @@
 </p:sld>
 </file>
 
-<file path=ppt/slides/slide46.xml><?xml version="1.0" encoding="utf-8"?>
+<file path=ppt/slides/slide47.xml><?xml version="1.0" encoding="utf-8"?>
 <p:sld xmlns:a="http://schemas.openxmlformats.org/drawingml/2006/main" xmlns:r="http://schemas.openxmlformats.org/officeDocument/2006/relationships" xmlns:p="http://schemas.openxmlformats.org/presentationml/2006/main">
   <p:cSld>
     <p:spTree>

--- a/总结汇报-余泳松.pptx
+++ b/总结汇报-余泳松.pptx
@@ -5,7 +5,7 @@
     <p:sldMasterId id="2147483648" r:id="rId1"/>
   </p:sldMasterIdLst>
   <p:notesMasterIdLst>
-    <p:notesMasterId r:id="rId49"/>
+    <p:notesMasterId r:id="rId53"/>
   </p:notesMasterIdLst>
   <p:sldIdLst>
     <p:sldId id="357" r:id="rId2"/>
@@ -53,13 +53,17 @@
     <p:sldId id="407" r:id="rId44"/>
     <p:sldId id="408" r:id="rId45"/>
     <p:sldId id="411" r:id="rId46"/>
-    <p:sldId id="409" r:id="rId47"/>
-    <p:sldId id="410" r:id="rId48"/>
+    <p:sldId id="412" r:id="rId47"/>
+    <p:sldId id="413" r:id="rId48"/>
+    <p:sldId id="409" r:id="rId49"/>
+    <p:sldId id="414" r:id="rId50"/>
+    <p:sldId id="415" r:id="rId51"/>
+    <p:sldId id="416" r:id="rId52"/>
   </p:sldIdLst>
   <p:sldSz cx="12192000" cy="6858000"/>
   <p:notesSz cx="6858000" cy="9144000"/>
   <p:custDataLst>
-    <p:tags r:id="rId50"/>
+    <p:tags r:id="rId54"/>
   </p:custDataLst>
   <p:defaultTextStyle>
     <a:defPPr>
@@ -254,7 +258,7 @@
           <a:p>
             <a:fld id="{5D13BBE5-0BEA-4494-9BEF-C8C2F48C9E2D}" type="datetimeFigureOut">
               <a:rPr lang="zh-CN" altLang="en-US" smtClean="0"/>
-              <a:t>2024/8/16</a:t>
+              <a:t>2024/8/18</a:t>
             </a:fld>
             <a:endParaRPr lang="zh-CN" altLang="en-US"/>
           </a:p>
@@ -4656,7 +4660,7 @@
     </p:spTree>
     <p:extLst>
       <p:ext uri="{BB962C8B-B14F-4D97-AF65-F5344CB8AC3E}">
-        <p14:creationId xmlns:p14="http://schemas.microsoft.com/office/powerpoint/2010/main" val="2273611240"/>
+        <p14:creationId xmlns:p14="http://schemas.microsoft.com/office/powerpoint/2010/main" val="3253484057"/>
       </p:ext>
     </p:extLst>
   </p:cSld>
@@ -4740,7 +4744,175 @@
     </p:spTree>
     <p:extLst>
       <p:ext uri="{BB962C8B-B14F-4D97-AF65-F5344CB8AC3E}">
-        <p14:creationId xmlns:p14="http://schemas.microsoft.com/office/powerpoint/2010/main" val="1197216387"/>
+        <p14:creationId xmlns:p14="http://schemas.microsoft.com/office/powerpoint/2010/main" val="1582425815"/>
+      </p:ext>
+    </p:extLst>
+  </p:cSld>
+  <p:clrMapOvr>
+    <a:masterClrMapping/>
+  </p:clrMapOvr>
+</p:notes>
+</file>
+
+<file path=ppt/notesSlides/notesSlide48.xml><?xml version="1.0" encoding="utf-8"?>
+<p:notes xmlns:a="http://schemas.openxmlformats.org/drawingml/2006/main" xmlns:r="http://schemas.openxmlformats.org/officeDocument/2006/relationships" xmlns:p="http://schemas.openxmlformats.org/presentationml/2006/main">
+  <p:cSld>
+    <p:spTree>
+      <p:nvGrpSpPr>
+        <p:cNvPr id="1" name=""/>
+        <p:cNvGrpSpPr/>
+        <p:nvPr/>
+      </p:nvGrpSpPr>
+      <p:grpSpPr>
+        <a:xfrm>
+          <a:off x="0" y="0"/>
+          <a:ext cx="0" cy="0"/>
+          <a:chOff x="0" y="0"/>
+          <a:chExt cx="0" cy="0"/>
+        </a:xfrm>
+      </p:grpSpPr>
+      <p:sp>
+        <p:nvSpPr>
+          <p:cNvPr id="2" name="幻灯片图像占位符 1"/>
+          <p:cNvSpPr>
+            <a:spLocks noGrp="1" noRot="1" noChangeAspect="1"/>
+          </p:cNvSpPr>
+          <p:nvPr>
+            <p:ph type="sldImg"/>
+          </p:nvPr>
+        </p:nvSpPr>
+        <p:spPr/>
+      </p:sp>
+      <p:sp>
+        <p:nvSpPr>
+          <p:cNvPr id="3" name="备注占位符 2"/>
+          <p:cNvSpPr>
+            <a:spLocks noGrp="1"/>
+          </p:cNvSpPr>
+          <p:nvPr>
+            <p:ph type="body" idx="1"/>
+          </p:nvPr>
+        </p:nvSpPr>
+        <p:spPr/>
+        <p:txBody>
+          <a:bodyPr/>
+          <a:lstStyle/>
+          <a:p>
+            <a:endParaRPr lang="zh-CN" altLang="en-US" dirty="0"/>
+          </a:p>
+        </p:txBody>
+      </p:sp>
+      <p:sp>
+        <p:nvSpPr>
+          <p:cNvPr id="4" name="灯片编号占位符 3"/>
+          <p:cNvSpPr>
+            <a:spLocks noGrp="1"/>
+          </p:cNvSpPr>
+          <p:nvPr>
+            <p:ph type="sldNum" sz="quarter" idx="5"/>
+          </p:nvPr>
+        </p:nvSpPr>
+        <p:spPr/>
+        <p:txBody>
+          <a:bodyPr/>
+          <a:lstStyle/>
+          <a:p>
+            <a:fld id="{F1CB8912-F0BA-4AD8-8415-DA1F26BCB09F}" type="slidenum">
+              <a:rPr lang="zh-CN" altLang="en-US" smtClean="0"/>
+              <a:t>48</a:t>
+            </a:fld>
+            <a:endParaRPr lang="zh-CN" altLang="en-US"/>
+          </a:p>
+        </p:txBody>
+      </p:sp>
+    </p:spTree>
+    <p:extLst>
+      <p:ext uri="{BB962C8B-B14F-4D97-AF65-F5344CB8AC3E}">
+        <p14:creationId xmlns:p14="http://schemas.microsoft.com/office/powerpoint/2010/main" val="2273611240"/>
+      </p:ext>
+    </p:extLst>
+  </p:cSld>
+  <p:clrMapOvr>
+    <a:masterClrMapping/>
+  </p:clrMapOvr>
+</p:notes>
+</file>
+
+<file path=ppt/notesSlides/notesSlide49.xml><?xml version="1.0" encoding="utf-8"?>
+<p:notes xmlns:a="http://schemas.openxmlformats.org/drawingml/2006/main" xmlns:r="http://schemas.openxmlformats.org/officeDocument/2006/relationships" xmlns:p="http://schemas.openxmlformats.org/presentationml/2006/main">
+  <p:cSld>
+    <p:spTree>
+      <p:nvGrpSpPr>
+        <p:cNvPr id="1" name=""/>
+        <p:cNvGrpSpPr/>
+        <p:nvPr/>
+      </p:nvGrpSpPr>
+      <p:grpSpPr>
+        <a:xfrm>
+          <a:off x="0" y="0"/>
+          <a:ext cx="0" cy="0"/>
+          <a:chOff x="0" y="0"/>
+          <a:chExt cx="0" cy="0"/>
+        </a:xfrm>
+      </p:grpSpPr>
+      <p:sp>
+        <p:nvSpPr>
+          <p:cNvPr id="2" name="幻灯片图像占位符 1"/>
+          <p:cNvSpPr>
+            <a:spLocks noGrp="1" noRot="1" noChangeAspect="1"/>
+          </p:cNvSpPr>
+          <p:nvPr>
+            <p:ph type="sldImg"/>
+          </p:nvPr>
+        </p:nvSpPr>
+        <p:spPr/>
+      </p:sp>
+      <p:sp>
+        <p:nvSpPr>
+          <p:cNvPr id="3" name="备注占位符 2"/>
+          <p:cNvSpPr>
+            <a:spLocks noGrp="1"/>
+          </p:cNvSpPr>
+          <p:nvPr>
+            <p:ph type="body" idx="1"/>
+          </p:nvPr>
+        </p:nvSpPr>
+        <p:spPr/>
+        <p:txBody>
+          <a:bodyPr/>
+          <a:lstStyle/>
+          <a:p>
+            <a:endParaRPr lang="zh-CN" altLang="en-US" dirty="0"/>
+          </a:p>
+        </p:txBody>
+      </p:sp>
+      <p:sp>
+        <p:nvSpPr>
+          <p:cNvPr id="4" name="灯片编号占位符 3"/>
+          <p:cNvSpPr>
+            <a:spLocks noGrp="1"/>
+          </p:cNvSpPr>
+          <p:nvPr>
+            <p:ph type="sldNum" sz="quarter" idx="5"/>
+          </p:nvPr>
+        </p:nvSpPr>
+        <p:spPr/>
+        <p:txBody>
+          <a:bodyPr/>
+          <a:lstStyle/>
+          <a:p>
+            <a:fld id="{F1CB8912-F0BA-4AD8-8415-DA1F26BCB09F}" type="slidenum">
+              <a:rPr lang="zh-CN" altLang="en-US" smtClean="0"/>
+              <a:t>49</a:t>
+            </a:fld>
+            <a:endParaRPr lang="zh-CN" altLang="en-US"/>
+          </a:p>
+        </p:txBody>
+      </p:sp>
+    </p:spTree>
+    <p:extLst>
+      <p:ext uri="{BB962C8B-B14F-4D97-AF65-F5344CB8AC3E}">
+        <p14:creationId xmlns:p14="http://schemas.microsoft.com/office/powerpoint/2010/main" val="3681134176"/>
       </p:ext>
     </p:extLst>
   </p:cSld>
@@ -4825,6 +4997,174 @@
     <p:extLst>
       <p:ext uri="{BB962C8B-B14F-4D97-AF65-F5344CB8AC3E}">
         <p14:creationId xmlns:p14="http://schemas.microsoft.com/office/powerpoint/2010/main" val="3292677637"/>
+      </p:ext>
+    </p:extLst>
+  </p:cSld>
+  <p:clrMapOvr>
+    <a:masterClrMapping/>
+  </p:clrMapOvr>
+</p:notes>
+</file>
+
+<file path=ppt/notesSlides/notesSlide50.xml><?xml version="1.0" encoding="utf-8"?>
+<p:notes xmlns:a="http://schemas.openxmlformats.org/drawingml/2006/main" xmlns:r="http://schemas.openxmlformats.org/officeDocument/2006/relationships" xmlns:p="http://schemas.openxmlformats.org/presentationml/2006/main">
+  <p:cSld>
+    <p:spTree>
+      <p:nvGrpSpPr>
+        <p:cNvPr id="1" name=""/>
+        <p:cNvGrpSpPr/>
+        <p:nvPr/>
+      </p:nvGrpSpPr>
+      <p:grpSpPr>
+        <a:xfrm>
+          <a:off x="0" y="0"/>
+          <a:ext cx="0" cy="0"/>
+          <a:chOff x="0" y="0"/>
+          <a:chExt cx="0" cy="0"/>
+        </a:xfrm>
+      </p:grpSpPr>
+      <p:sp>
+        <p:nvSpPr>
+          <p:cNvPr id="2" name="幻灯片图像占位符 1"/>
+          <p:cNvSpPr>
+            <a:spLocks noGrp="1" noRot="1" noChangeAspect="1"/>
+          </p:cNvSpPr>
+          <p:nvPr>
+            <p:ph type="sldImg"/>
+          </p:nvPr>
+        </p:nvSpPr>
+        <p:spPr/>
+      </p:sp>
+      <p:sp>
+        <p:nvSpPr>
+          <p:cNvPr id="3" name="备注占位符 2"/>
+          <p:cNvSpPr>
+            <a:spLocks noGrp="1"/>
+          </p:cNvSpPr>
+          <p:nvPr>
+            <p:ph type="body" idx="1"/>
+          </p:nvPr>
+        </p:nvSpPr>
+        <p:spPr/>
+        <p:txBody>
+          <a:bodyPr/>
+          <a:lstStyle/>
+          <a:p>
+            <a:endParaRPr lang="zh-CN" altLang="en-US" dirty="0"/>
+          </a:p>
+        </p:txBody>
+      </p:sp>
+      <p:sp>
+        <p:nvSpPr>
+          <p:cNvPr id="4" name="灯片编号占位符 3"/>
+          <p:cNvSpPr>
+            <a:spLocks noGrp="1"/>
+          </p:cNvSpPr>
+          <p:nvPr>
+            <p:ph type="sldNum" sz="quarter" idx="5"/>
+          </p:nvPr>
+        </p:nvSpPr>
+        <p:spPr/>
+        <p:txBody>
+          <a:bodyPr/>
+          <a:lstStyle/>
+          <a:p>
+            <a:fld id="{F1CB8912-F0BA-4AD8-8415-DA1F26BCB09F}" type="slidenum">
+              <a:rPr lang="zh-CN" altLang="en-US" smtClean="0"/>
+              <a:t>50</a:t>
+            </a:fld>
+            <a:endParaRPr lang="zh-CN" altLang="en-US"/>
+          </a:p>
+        </p:txBody>
+      </p:sp>
+    </p:spTree>
+    <p:extLst>
+      <p:ext uri="{BB962C8B-B14F-4D97-AF65-F5344CB8AC3E}">
+        <p14:creationId xmlns:p14="http://schemas.microsoft.com/office/powerpoint/2010/main" val="1017910753"/>
+      </p:ext>
+    </p:extLst>
+  </p:cSld>
+  <p:clrMapOvr>
+    <a:masterClrMapping/>
+  </p:clrMapOvr>
+</p:notes>
+</file>
+
+<file path=ppt/notesSlides/notesSlide51.xml><?xml version="1.0" encoding="utf-8"?>
+<p:notes xmlns:a="http://schemas.openxmlformats.org/drawingml/2006/main" xmlns:r="http://schemas.openxmlformats.org/officeDocument/2006/relationships" xmlns:p="http://schemas.openxmlformats.org/presentationml/2006/main">
+  <p:cSld>
+    <p:spTree>
+      <p:nvGrpSpPr>
+        <p:cNvPr id="1" name=""/>
+        <p:cNvGrpSpPr/>
+        <p:nvPr/>
+      </p:nvGrpSpPr>
+      <p:grpSpPr>
+        <a:xfrm>
+          <a:off x="0" y="0"/>
+          <a:ext cx="0" cy="0"/>
+          <a:chOff x="0" y="0"/>
+          <a:chExt cx="0" cy="0"/>
+        </a:xfrm>
+      </p:grpSpPr>
+      <p:sp>
+        <p:nvSpPr>
+          <p:cNvPr id="2" name="幻灯片图像占位符 1"/>
+          <p:cNvSpPr>
+            <a:spLocks noGrp="1" noRot="1" noChangeAspect="1"/>
+          </p:cNvSpPr>
+          <p:nvPr>
+            <p:ph type="sldImg"/>
+          </p:nvPr>
+        </p:nvSpPr>
+        <p:spPr/>
+      </p:sp>
+      <p:sp>
+        <p:nvSpPr>
+          <p:cNvPr id="3" name="备注占位符 2"/>
+          <p:cNvSpPr>
+            <a:spLocks noGrp="1"/>
+          </p:cNvSpPr>
+          <p:nvPr>
+            <p:ph type="body" idx="1"/>
+          </p:nvPr>
+        </p:nvSpPr>
+        <p:spPr/>
+        <p:txBody>
+          <a:bodyPr/>
+          <a:lstStyle/>
+          <a:p>
+            <a:endParaRPr lang="zh-CN" altLang="en-US" dirty="0"/>
+          </a:p>
+        </p:txBody>
+      </p:sp>
+      <p:sp>
+        <p:nvSpPr>
+          <p:cNvPr id="4" name="灯片编号占位符 3"/>
+          <p:cNvSpPr>
+            <a:spLocks noGrp="1"/>
+          </p:cNvSpPr>
+          <p:nvPr>
+            <p:ph type="sldNum" sz="quarter" idx="5"/>
+          </p:nvPr>
+        </p:nvSpPr>
+        <p:spPr/>
+        <p:txBody>
+          <a:bodyPr/>
+          <a:lstStyle/>
+          <a:p>
+            <a:fld id="{F1CB8912-F0BA-4AD8-8415-DA1F26BCB09F}" type="slidenum">
+              <a:rPr lang="zh-CN" altLang="en-US" smtClean="0"/>
+              <a:t>51</a:t>
+            </a:fld>
+            <a:endParaRPr lang="zh-CN" altLang="en-US"/>
+          </a:p>
+        </p:txBody>
+      </p:sp>
+    </p:spTree>
+    <p:extLst>
+      <p:ext uri="{BB962C8B-B14F-4D97-AF65-F5344CB8AC3E}">
+        <p14:creationId xmlns:p14="http://schemas.microsoft.com/office/powerpoint/2010/main" val="3198624126"/>
       </p:ext>
     </p:extLst>
   </p:cSld>
@@ -41787,7 +42127,7 @@
         <p:spPr>
           <a:xfrm>
             <a:off x="422882" y="1841242"/>
-            <a:ext cx="11540518" cy="4708981"/>
+            <a:ext cx="11540518" cy="2554545"/>
           </a:xfrm>
           <a:prstGeom prst="rect">
             <a:avLst/>
@@ -41800,77 +42140,40 @@
           </a:bodyPr>
           <a:lstStyle/>
           <a:p>
-            <a:r>
-              <a:rPr lang="zh-CN" altLang="en-US" sz="2000" dirty="0">
-                <a:highlight>
-                  <a:srgbClr val="FFFFFF"/>
-                </a:highlight>
-                <a:latin typeface="-apple-system"/>
-              </a:rPr>
-              <a:t>导航功能：</a:t>
-            </a:r>
-            <a:endParaRPr lang="en-US" altLang="zh-CN" sz="2000" dirty="0">
-              <a:highlight>
-                <a:srgbClr val="FFFFFF"/>
-              </a:highlight>
-              <a:latin typeface="-apple-system"/>
-            </a:endParaRPr>
-          </a:p>
-          <a:p>
             <a:pPr marL="457200" indent="-457200">
               <a:buAutoNum type="arabicPeriod"/>
             </a:pPr>
             <a:r>
-              <a:rPr lang="zh-CN" altLang="en-US" sz="2000" dirty="0">
-                <a:highlight>
-                  <a:srgbClr val="FFFFFF"/>
-                </a:highlight>
-                <a:latin typeface="-apple-system"/>
-              </a:rPr>
-              <a:t>方向：前后左右  左上 左下 右上 右下</a:t>
-            </a:r>
-            <a:endParaRPr lang="en-US" altLang="zh-CN" sz="2000" dirty="0">
-              <a:highlight>
-                <a:srgbClr val="FFFFFF"/>
-              </a:highlight>
-              <a:latin typeface="-apple-system"/>
-            </a:endParaRPr>
+              <a:rPr lang="zh-CN" altLang="en-US" sz="2000" dirty="0"/>
+              <a:t>设备：手机 </a:t>
+            </a:r>
+            <a:r>
+              <a:rPr lang="en-US" altLang="zh-CN" sz="2000" dirty="0"/>
+              <a:t>+ </a:t>
+            </a:r>
+            <a:r>
+              <a:rPr lang="zh-CN" altLang="en-US" sz="2000" dirty="0"/>
+              <a:t>手表</a:t>
+            </a:r>
+            <a:endParaRPr lang="en-US" altLang="zh-CN" sz="2000" dirty="0"/>
           </a:p>
           <a:p>
             <a:pPr marL="457200" indent="-457200">
               <a:buAutoNum type="arabicPeriod"/>
             </a:pPr>
             <a:r>
-              <a:rPr lang="zh-CN" altLang="en-US" sz="2000" dirty="0">
-                <a:highlight>
-                  <a:srgbClr val="FFFFFF"/>
-                </a:highlight>
-                <a:latin typeface="-apple-system"/>
-              </a:rPr>
-              <a:t>停止：</a:t>
-            </a:r>
-            <a:endParaRPr lang="en-US" altLang="zh-CN" sz="2000" dirty="0">
-              <a:highlight>
-                <a:srgbClr val="FFFFFF"/>
-              </a:highlight>
-              <a:latin typeface="-apple-system"/>
-            </a:endParaRPr>
+              <a:rPr lang="zh-CN" altLang="en-US" sz="2000" dirty="0"/>
+              <a:t>振动参数：振幅（强度）、振动频率、振动类型、振动时间、振动次数</a:t>
+            </a:r>
+            <a:endParaRPr lang="en-US" altLang="zh-CN" sz="2000" dirty="0"/>
           </a:p>
           <a:p>
             <a:pPr marL="457200" indent="-457200">
               <a:buAutoNum type="arabicPeriod"/>
             </a:pPr>
-            <a:endParaRPr lang="en-US" altLang="zh-CN" sz="2000" dirty="0">
-              <a:highlight>
-                <a:srgbClr val="FFFFFF"/>
-              </a:highlight>
-              <a:latin typeface="-apple-system"/>
-            </a:endParaRPr>
-          </a:p>
-          <a:p>
             <a:r>
               <a:rPr lang="zh-CN" altLang="en-US" sz="2000" dirty="0"/>
-              <a:t>事件危险预警功能：</a:t>
+              <a:t>手表：手势、水平垂直</a:t>
             </a:r>
             <a:endParaRPr lang="en-US" altLang="zh-CN" sz="2000" dirty="0"/>
           </a:p>
@@ -41880,44 +42183,9 @@
             </a:pPr>
             <a:r>
               <a:rPr lang="zh-CN" altLang="en-US" sz="2000" dirty="0"/>
-              <a:t>移动物体（左右）</a:t>
+              <a:t>手机：屏幕按键、水平垂直</a:t>
             </a:r>
             <a:endParaRPr lang="en-US" altLang="zh-CN" sz="2000" dirty="0"/>
-          </a:p>
-          <a:p>
-            <a:pPr marL="457200" indent="-457200">
-              <a:buAutoNum type="arabicPeriod"/>
-            </a:pPr>
-            <a:r>
-              <a:rPr lang="zh-CN" altLang="en-US" sz="2000" dirty="0"/>
-              <a:t>路况不佳</a:t>
-            </a:r>
-            <a:endParaRPr lang="en-US" altLang="zh-CN" sz="2000" dirty="0"/>
-          </a:p>
-          <a:p>
-            <a:pPr marL="457200" indent="-457200">
-              <a:buAutoNum type="arabicPeriod"/>
-            </a:pPr>
-            <a:endParaRPr lang="en-US" altLang="zh-CN" sz="2000" dirty="0"/>
-          </a:p>
-          <a:p>
-            <a:pPr marL="457200" indent="-457200">
-              <a:buAutoNum type="arabicPeriod"/>
-            </a:pPr>
-            <a:endParaRPr lang="en-US" altLang="zh-CN" sz="2000" dirty="0"/>
-          </a:p>
-          <a:p>
-            <a:r>
-              <a:rPr lang="zh-CN" altLang="en-US" sz="2000" dirty="0"/>
-              <a:t>动作行为辅助功能：</a:t>
-            </a:r>
-            <a:endParaRPr lang="en-US" altLang="zh-CN" sz="2000" dirty="0"/>
-          </a:p>
-          <a:p>
-            <a:r>
-              <a:rPr lang="en-US" altLang="zh-CN" sz="2000" dirty="0"/>
-              <a:t>1. </a:t>
-            </a:r>
           </a:p>
           <a:p>
             <a:endParaRPr lang="en-US" altLang="zh-CN" sz="2000" dirty="0">
@@ -41997,66 +42265,6 @@
           </a:p>
         </p:txBody>
       </p:sp>
-      <p:pic>
-        <p:nvPicPr>
-          <p:cNvPr id="3" name="图片 2">
-            <a:extLst>
-              <a:ext uri="{FF2B5EF4-FFF2-40B4-BE49-F238E27FC236}">
-                <a16:creationId xmlns:a16="http://schemas.microsoft.com/office/drawing/2014/main" id="{B8152844-0C65-6298-1114-D93445837682}"/>
-              </a:ext>
-            </a:extLst>
-          </p:cNvPr>
-          <p:cNvPicPr>
-            <a:picLocks noChangeAspect="1"/>
-          </p:cNvPicPr>
-          <p:nvPr/>
-        </p:nvPicPr>
-        <p:blipFill>
-          <a:blip r:embed="rId4"/>
-          <a:stretch>
-            <a:fillRect/>
-          </a:stretch>
-        </p:blipFill>
-        <p:spPr>
-          <a:xfrm>
-            <a:off x="8810625" y="1201113"/>
-            <a:ext cx="3152775" cy="2333625"/>
-          </a:xfrm>
-          <a:prstGeom prst="rect">
-            <a:avLst/>
-          </a:prstGeom>
-        </p:spPr>
-      </p:pic>
-      <p:pic>
-        <p:nvPicPr>
-          <p:cNvPr id="5" name="图片 4">
-            <a:extLst>
-              <a:ext uri="{FF2B5EF4-FFF2-40B4-BE49-F238E27FC236}">
-                <a16:creationId xmlns:a16="http://schemas.microsoft.com/office/drawing/2014/main" id="{AA0AB9D8-9A36-628B-7018-AAD22C19EF80}"/>
-              </a:ext>
-            </a:extLst>
-          </p:cNvPr>
-          <p:cNvPicPr>
-            <a:picLocks noChangeAspect="1"/>
-          </p:cNvPicPr>
-          <p:nvPr/>
-        </p:nvPicPr>
-        <p:blipFill>
-          <a:blip r:embed="rId5"/>
-          <a:stretch>
-            <a:fillRect/>
-          </a:stretch>
-        </p:blipFill>
-        <p:spPr>
-          <a:xfrm>
-            <a:off x="8810625" y="3534738"/>
-            <a:ext cx="2442857" cy="2404762"/>
-          </a:xfrm>
-          <a:prstGeom prst="rect">
-            <a:avLst/>
-          </a:prstGeom>
-        </p:spPr>
-      </p:pic>
     </p:spTree>
     <p:extLst>
       <p:ext uri="{BB962C8B-B14F-4D97-AF65-F5344CB8AC3E}">
@@ -42742,8 +42950,8 @@
         </p:nvSpPr>
         <p:spPr>
           <a:xfrm>
-            <a:off x="422882" y="1858490"/>
-            <a:ext cx="11540518" cy="2554545"/>
+            <a:off x="422882" y="1841242"/>
+            <a:ext cx="11540518" cy="6247864"/>
           </a:xfrm>
           <a:prstGeom prst="rect">
             <a:avLst/>
@@ -42763,10 +42971,19 @@
                 </a:highlight>
                 <a:latin typeface="-apple-system"/>
               </a:rPr>
-              <a:t>实验准备：实验者左手佩戴手表，右手携带手机</a:t>
-            </a:r>
-          </a:p>
-          <a:p>
+              <a:t>导航功能：</a:t>
+            </a:r>
+            <a:endParaRPr lang="en-US" altLang="zh-CN" sz="2000" dirty="0">
+              <a:highlight>
+                <a:srgbClr val="FFFFFF"/>
+              </a:highlight>
+              <a:latin typeface="-apple-system"/>
+            </a:endParaRPr>
+          </a:p>
+          <a:p>
+            <a:pPr marL="457200" indent="-457200">
+              <a:buAutoNum type="arabicPeriod"/>
+            </a:pPr>
             <a:r>
               <a:rPr lang="zh-CN" altLang="en-US" sz="2000" dirty="0">
                 <a:highlight>
@@ -42774,7 +42991,7 @@
                 </a:highlight>
                 <a:latin typeface="-apple-system"/>
               </a:rPr>
-              <a:t>实验条件：振动频率（快、慢）、振动类型（连续、离散）、振动时间（长、短）</a:t>
+              <a:t>方向：前后左右  左前 左后 右前 右后</a:t>
             </a:r>
             <a:endParaRPr lang="en-US" altLang="zh-CN" sz="2000" dirty="0">
               <a:highlight>
@@ -42784,6 +43001,9 @@
             </a:endParaRPr>
           </a:p>
           <a:p>
+            <a:pPr marL="457200" indent="-457200">
+              <a:buAutoNum type="arabicPeriod"/>
+            </a:pPr>
             <a:r>
               <a:rPr lang="zh-CN" altLang="en-US" sz="2000" dirty="0">
                 <a:highlight>
@@ -42791,7 +43011,7 @@
                 </a:highlight>
                 <a:latin typeface="-apple-system"/>
               </a:rPr>
-              <a:t>实验功能：导航、危险预警、行为辅助</a:t>
+              <a:t>停止</a:t>
             </a:r>
             <a:endParaRPr lang="en-US" altLang="zh-CN" sz="2000" dirty="0">
               <a:highlight>
@@ -42801,6 +43021,9 @@
             </a:endParaRPr>
           </a:p>
           <a:p>
+            <a:pPr marL="457200" indent="-457200">
+              <a:buAutoNum type="arabicPeriod"/>
+            </a:pPr>
             <a:r>
               <a:rPr lang="zh-CN" altLang="en-US" sz="2000" dirty="0">
                 <a:highlight>
@@ -42808,25 +43031,7 @@
                 </a:highlight>
                 <a:latin typeface="-apple-system"/>
               </a:rPr>
-              <a:t>实验目的：了解用户对振动反馈系统</a:t>
-            </a:r>
-            <a:r>
-              <a:rPr lang="en-US" altLang="zh-CN" sz="2000" dirty="0">
-                <a:highlight>
-                  <a:srgbClr val="FFFFFF"/>
-                </a:highlight>
-                <a:latin typeface="-apple-system"/>
-              </a:rPr>
-              <a:t>4</a:t>
-            </a:r>
-            <a:r>
-              <a:rPr lang="zh-CN" altLang="en-US" sz="2000" dirty="0">
-                <a:highlight>
-                  <a:srgbClr val="FFFFFF"/>
-                </a:highlight>
-                <a:latin typeface="-apple-system"/>
-              </a:rPr>
-              <a:t>种模式的感知，根据实验结果评估最好的模式</a:t>
+              <a:t>距离</a:t>
             </a:r>
             <a:endParaRPr lang="en-US" altLang="zh-CN" sz="2000" dirty="0">
               <a:highlight>
@@ -42834,6 +43039,109 @@
               </a:highlight>
               <a:latin typeface="-apple-system"/>
             </a:endParaRPr>
+          </a:p>
+          <a:p>
+            <a:pPr marL="457200" indent="-457200">
+              <a:buAutoNum type="arabicPeriod"/>
+            </a:pPr>
+            <a:endParaRPr lang="en-US" altLang="zh-CN" sz="2000" dirty="0">
+              <a:highlight>
+                <a:srgbClr val="FFFFFF"/>
+              </a:highlight>
+              <a:latin typeface="-apple-system"/>
+            </a:endParaRPr>
+          </a:p>
+          <a:p>
+            <a:r>
+              <a:rPr lang="zh-CN" altLang="en-US" sz="2000" dirty="0"/>
+              <a:t>事件危险预警功能：</a:t>
+            </a:r>
+            <a:endParaRPr lang="en-US" altLang="zh-CN" sz="2000" dirty="0"/>
+          </a:p>
+          <a:p>
+            <a:pPr marL="457200" indent="-457200">
+              <a:buAutoNum type="arabicPeriod"/>
+            </a:pPr>
+            <a:r>
+              <a:rPr lang="zh-CN" altLang="en-US" sz="2000" dirty="0"/>
+              <a:t>移动物体（前后左右）</a:t>
+            </a:r>
+            <a:endParaRPr lang="en-US" altLang="zh-CN" sz="2000" dirty="0"/>
+          </a:p>
+          <a:p>
+            <a:pPr marL="457200" indent="-457200">
+              <a:buAutoNum type="arabicPeriod"/>
+            </a:pPr>
+            <a:r>
+              <a:rPr lang="zh-CN" altLang="en-US" sz="2000" dirty="0"/>
+              <a:t>路况不佳</a:t>
+            </a:r>
+            <a:endParaRPr lang="en-US" altLang="zh-CN" sz="2000" dirty="0"/>
+          </a:p>
+          <a:p>
+            <a:pPr marL="457200" indent="-457200">
+              <a:buAutoNum type="arabicPeriod"/>
+            </a:pPr>
+            <a:r>
+              <a:rPr lang="zh-CN" altLang="en-US" sz="2000" dirty="0"/>
+              <a:t>天气不佳</a:t>
+            </a:r>
+            <a:endParaRPr lang="en-US" altLang="zh-CN" sz="2000" dirty="0"/>
+          </a:p>
+          <a:p>
+            <a:pPr marL="457200" indent="-457200">
+              <a:buAutoNum type="arabicPeriod"/>
+            </a:pPr>
+            <a:r>
+              <a:rPr lang="zh-CN" altLang="en-US" sz="2000" dirty="0"/>
+              <a:t>上下楼梯</a:t>
+            </a:r>
+            <a:endParaRPr lang="en-US" altLang="zh-CN" sz="2000" dirty="0"/>
+          </a:p>
+          <a:p>
+            <a:pPr marL="457200" indent="-457200">
+              <a:buAutoNum type="arabicPeriod"/>
+            </a:pPr>
+            <a:endParaRPr lang="en-US" altLang="zh-CN" sz="2000" dirty="0"/>
+          </a:p>
+          <a:p>
+            <a:pPr marL="457200" indent="-457200">
+              <a:buAutoNum type="arabicPeriod"/>
+            </a:pPr>
+            <a:endParaRPr lang="en-US" altLang="zh-CN" sz="2000" dirty="0"/>
+          </a:p>
+          <a:p>
+            <a:r>
+              <a:rPr lang="zh-CN" altLang="en-US" sz="2000" dirty="0"/>
+              <a:t>动作行为辅助功能：</a:t>
+            </a:r>
+            <a:endParaRPr lang="en-US" altLang="zh-CN" sz="2000" dirty="0"/>
+          </a:p>
+          <a:p>
+            <a:pPr marL="457200" indent="-457200">
+              <a:buAutoNum type="arabicPeriod"/>
+            </a:pPr>
+            <a:r>
+              <a:rPr lang="zh-CN" altLang="en-US" sz="2000" dirty="0"/>
+              <a:t>直线保持</a:t>
+            </a:r>
+            <a:endParaRPr lang="en-US" altLang="zh-CN" sz="2000" dirty="0"/>
+          </a:p>
+          <a:p>
+            <a:pPr marL="457200" indent="-457200">
+              <a:buAutoNum type="arabicPeriod"/>
+            </a:pPr>
+            <a:r>
+              <a:rPr lang="zh-CN" altLang="en-US" sz="2000" dirty="0"/>
+              <a:t>拍照娱乐</a:t>
+            </a:r>
+            <a:endParaRPr lang="en-US" altLang="zh-CN" sz="2000" dirty="0"/>
+          </a:p>
+          <a:p>
+            <a:pPr marL="457200" indent="-457200">
+              <a:buAutoNum type="arabicPeriod"/>
+            </a:pPr>
+            <a:endParaRPr lang="en-US" altLang="zh-CN" sz="2000" dirty="0"/>
           </a:p>
           <a:p>
             <a:endParaRPr lang="en-US" altLang="zh-CN" sz="2000" dirty="0">
@@ -42871,7 +43179,7 @@
         </p:nvSpPr>
         <p:spPr bwMode="auto">
           <a:xfrm>
-            <a:off x="581108" y="1121890"/>
+            <a:off x="422882" y="1088939"/>
             <a:ext cx="10675471" cy="523220"/>
           </a:xfrm>
           <a:prstGeom prst="rect">
@@ -42901,7 +43209,7 @@
                 <a:latin typeface="时尚中黑简体" panose="01010104010101010101" pitchFamily="2" charset="-122"/>
                 <a:ea typeface="时尚中黑简体" panose="01010104010101010101" pitchFamily="2" charset="-122"/>
               </a:rPr>
-              <a:t>实验方案 一    手机触屏</a:t>
+              <a:t>实验设计</a:t>
             </a:r>
             <a:endParaRPr lang="en-US" altLang="zh-CN" sz="2800" b="1" dirty="0">
               <a:solidFill>
@@ -42913,10 +43221,70 @@
           </a:p>
         </p:txBody>
       </p:sp>
+      <p:pic>
+        <p:nvPicPr>
+          <p:cNvPr id="3" name="图片 2">
+            <a:extLst>
+              <a:ext uri="{FF2B5EF4-FFF2-40B4-BE49-F238E27FC236}">
+                <a16:creationId xmlns:a16="http://schemas.microsoft.com/office/drawing/2014/main" id="{B8152844-0C65-6298-1114-D93445837682}"/>
+              </a:ext>
+            </a:extLst>
+          </p:cNvPr>
+          <p:cNvPicPr>
+            <a:picLocks noChangeAspect="1"/>
+          </p:cNvPicPr>
+          <p:nvPr/>
+        </p:nvPicPr>
+        <p:blipFill>
+          <a:blip r:embed="rId3"/>
+          <a:stretch>
+            <a:fillRect/>
+          </a:stretch>
+        </p:blipFill>
+        <p:spPr>
+          <a:xfrm>
+            <a:off x="8810625" y="1201113"/>
+            <a:ext cx="3152775" cy="2333625"/>
+          </a:xfrm>
+          <a:prstGeom prst="rect">
+            <a:avLst/>
+          </a:prstGeom>
+        </p:spPr>
+      </p:pic>
+      <p:pic>
+        <p:nvPicPr>
+          <p:cNvPr id="5" name="图片 4">
+            <a:extLst>
+              <a:ext uri="{FF2B5EF4-FFF2-40B4-BE49-F238E27FC236}">
+                <a16:creationId xmlns:a16="http://schemas.microsoft.com/office/drawing/2014/main" id="{AA0AB9D8-9A36-628B-7018-AAD22C19EF80}"/>
+              </a:ext>
+            </a:extLst>
+          </p:cNvPr>
+          <p:cNvPicPr>
+            <a:picLocks noChangeAspect="1"/>
+          </p:cNvPicPr>
+          <p:nvPr/>
+        </p:nvPicPr>
+        <p:blipFill>
+          <a:blip r:embed="rId4"/>
+          <a:stretch>
+            <a:fillRect/>
+          </a:stretch>
+        </p:blipFill>
+        <p:spPr>
+          <a:xfrm>
+            <a:off x="9165583" y="3534738"/>
+            <a:ext cx="2442857" cy="2404762"/>
+          </a:xfrm>
+          <a:prstGeom prst="rect">
+            <a:avLst/>
+          </a:prstGeom>
+        </p:spPr>
+      </p:pic>
     </p:spTree>
     <p:extLst>
       <p:ext uri="{BB962C8B-B14F-4D97-AF65-F5344CB8AC3E}">
-        <p14:creationId xmlns:p14="http://schemas.microsoft.com/office/powerpoint/2010/main" val="1845015254"/>
+        <p14:creationId xmlns:p14="http://schemas.microsoft.com/office/powerpoint/2010/main" val="3856736185"/>
       </p:ext>
     </p:extLst>
   </p:cSld>
@@ -43598,8 +43966,8 @@
         </p:nvSpPr>
         <p:spPr>
           <a:xfrm>
-            <a:off x="422882" y="1858490"/>
-            <a:ext cx="11540518" cy="2554545"/>
+            <a:off x="422882" y="1841242"/>
+            <a:ext cx="11540518" cy="2246769"/>
           </a:xfrm>
           <a:prstGeom prst="rect">
             <a:avLst/>
@@ -43619,8 +43987,14 @@
                 </a:highlight>
                 <a:latin typeface="-apple-system"/>
               </a:rPr>
-              <a:t>实验准备：实验者左手佩戴手表，右手携带手机</a:t>
-            </a:r>
+              <a:t>以用户为导向实现导航</a:t>
+            </a:r>
+            <a:endParaRPr lang="en-US" altLang="zh-CN" sz="2000" dirty="0">
+              <a:highlight>
+                <a:srgbClr val="FFFFFF"/>
+              </a:highlight>
+              <a:latin typeface="-apple-system"/>
+            </a:endParaRPr>
           </a:p>
           <a:p>
             <a:r>
@@ -43630,7 +44004,7 @@
                 </a:highlight>
                 <a:latin typeface="-apple-system"/>
               </a:rPr>
-              <a:t>实验条件：振动频率（快、慢）、振动类型（连续、离散）、振动时间（长、短）</a:t>
+              <a:t>注重点：易于理解、安全</a:t>
             </a:r>
             <a:endParaRPr lang="en-US" altLang="zh-CN" sz="2000" dirty="0">
               <a:highlight>
@@ -43647,49 +44021,9 @@
                 </a:highlight>
                 <a:latin typeface="-apple-system"/>
               </a:rPr>
-              <a:t>实验功能：导航、危险预警、行为辅助</a:t>
-            </a:r>
-            <a:endParaRPr lang="en-US" altLang="zh-CN" sz="2000" dirty="0">
-              <a:highlight>
-                <a:srgbClr val="FFFFFF"/>
-              </a:highlight>
-              <a:latin typeface="-apple-system"/>
-            </a:endParaRPr>
-          </a:p>
-          <a:p>
-            <a:r>
-              <a:rPr lang="zh-CN" altLang="en-US" sz="2000" dirty="0">
-                <a:highlight>
-                  <a:srgbClr val="FFFFFF"/>
-                </a:highlight>
-                <a:latin typeface="-apple-system"/>
-              </a:rPr>
-              <a:t>实验目的：了解用户对振动反馈系统</a:t>
-            </a:r>
-            <a:r>
-              <a:rPr lang="en-US" altLang="zh-CN" sz="2000" dirty="0">
-                <a:highlight>
-                  <a:srgbClr val="FFFFFF"/>
-                </a:highlight>
-                <a:latin typeface="-apple-system"/>
-              </a:rPr>
-              <a:t>4</a:t>
-            </a:r>
-            <a:r>
-              <a:rPr lang="zh-CN" altLang="en-US" sz="2000" dirty="0">
-                <a:highlight>
-                  <a:srgbClr val="FFFFFF"/>
-                </a:highlight>
-                <a:latin typeface="-apple-system"/>
-              </a:rPr>
-              <a:t>种模式的感知，根据实验结果评估最好的模式</a:t>
-            </a:r>
-            <a:endParaRPr lang="en-US" altLang="zh-CN" sz="2000" dirty="0">
-              <a:highlight>
-                <a:srgbClr val="FFFFFF"/>
-              </a:highlight>
-              <a:latin typeface="-apple-system"/>
-            </a:endParaRPr>
+              <a:t>实现基本导航和行走过程的安全</a:t>
+            </a:r>
+            <a:endParaRPr lang="en-US" altLang="zh-CN" sz="2000" dirty="0"/>
           </a:p>
           <a:p>
             <a:endParaRPr lang="en-US" altLang="zh-CN" sz="2000" dirty="0">
@@ -43727,7 +44061,7 @@
         </p:nvSpPr>
         <p:spPr bwMode="auto">
           <a:xfrm>
-            <a:off x="581108" y="1121890"/>
+            <a:off x="422882" y="1088939"/>
             <a:ext cx="10675471" cy="523220"/>
           </a:xfrm>
           <a:prstGeom prst="rect">
@@ -43757,7 +44091,7 @@
                 <a:latin typeface="时尚中黑简体" panose="01010104010101010101" pitchFamily="2" charset="-122"/>
                 <a:ea typeface="时尚中黑简体" panose="01010104010101010101" pitchFamily="2" charset="-122"/>
               </a:rPr>
-              <a:t>实验方案 一    手机触屏</a:t>
+              <a:t>实验想法</a:t>
             </a:r>
             <a:endParaRPr lang="en-US" altLang="zh-CN" sz="2800" b="1" dirty="0">
               <a:solidFill>
@@ -43772,7 +44106,7 @@
     </p:spTree>
     <p:extLst>
       <p:ext uri="{BB962C8B-B14F-4D97-AF65-F5344CB8AC3E}">
-        <p14:creationId xmlns:p14="http://schemas.microsoft.com/office/powerpoint/2010/main" val="1690668875"/>
+        <p14:creationId xmlns:p14="http://schemas.microsoft.com/office/powerpoint/2010/main" val="1200031465"/>
       </p:ext>
     </p:extLst>
   </p:cSld>
@@ -43794,7 +44128,7 @@
 </p:sld>
 </file>
 
-<file path=ppt/slides/slide5.xml><?xml version="1.0" encoding="utf-8"?>
+<file path=ppt/slides/slide48.xml><?xml version="1.0" encoding="utf-8"?>
 <p:sld xmlns:a="http://schemas.openxmlformats.org/drawingml/2006/main" xmlns:r="http://schemas.openxmlformats.org/officeDocument/2006/relationships" xmlns:p="http://schemas.openxmlformats.org/presentationml/2006/main">
   <p:cSld>
     <p:spTree>
@@ -44454,6 +44788,2510 @@
         </p:nvSpPr>
         <p:spPr>
           <a:xfrm>
+            <a:off x="581108" y="1148254"/>
+            <a:ext cx="11153692" cy="1015663"/>
+          </a:xfrm>
+          <a:prstGeom prst="rect">
+            <a:avLst/>
+          </a:prstGeom>
+          <a:noFill/>
+        </p:spPr>
+        <p:txBody>
+          <a:bodyPr wrap="square" rtlCol="0">
+            <a:spAutoFit/>
+          </a:bodyPr>
+          <a:lstStyle/>
+          <a:p>
+            <a:r>
+              <a:rPr lang="zh-CN" altLang="en-US" sz="2000" dirty="0">
+                <a:highlight>
+                  <a:srgbClr val="FFFFFF"/>
+                </a:highlight>
+                <a:latin typeface="-apple-system"/>
+              </a:rPr>
+              <a:t>实验准备：实验者单手佩戴手表并携带手机</a:t>
+            </a:r>
+          </a:p>
+          <a:p>
+            <a:r>
+              <a:rPr lang="zh-CN" altLang="en-US" sz="2000" dirty="0">
+                <a:highlight>
+                  <a:srgbClr val="FFFFFF"/>
+                </a:highlight>
+                <a:latin typeface="-apple-system"/>
+              </a:rPr>
+              <a:t>实验条件：振动频率（快、慢）、振动类型（连续、离散）、振动时间（长、短）</a:t>
+            </a:r>
+            <a:endParaRPr lang="en-US" altLang="zh-CN" sz="2000" dirty="0">
+              <a:highlight>
+                <a:srgbClr val="FFFFFF"/>
+              </a:highlight>
+              <a:latin typeface="-apple-system"/>
+            </a:endParaRPr>
+          </a:p>
+          <a:p>
+            <a:r>
+              <a:rPr lang="zh-CN" altLang="en-US" sz="2000" dirty="0">
+                <a:highlight>
+                  <a:srgbClr val="FFFFFF"/>
+                </a:highlight>
+                <a:latin typeface="-apple-system"/>
+              </a:rPr>
+              <a:t>实验功能：导航、危险预警</a:t>
+            </a:r>
+            <a:endParaRPr lang="en-US" altLang="zh-CN" sz="2000" dirty="0">
+              <a:highlight>
+                <a:srgbClr val="FFFFFF"/>
+              </a:highlight>
+              <a:latin typeface="-apple-system"/>
+            </a:endParaRPr>
+          </a:p>
+        </p:txBody>
+      </p:sp>
+      <p:sp>
+        <p:nvSpPr>
+          <p:cNvPr id="2" name="文本框 1">
+            <a:extLst>
+              <a:ext uri="{FF2B5EF4-FFF2-40B4-BE49-F238E27FC236}">
+                <a16:creationId xmlns:a16="http://schemas.microsoft.com/office/drawing/2014/main" id="{0F7D0A9B-401A-9893-DEF7-2C6FF8D47F90}"/>
+              </a:ext>
+            </a:extLst>
+          </p:cNvPr>
+          <p:cNvSpPr txBox="1"/>
+          <p:nvPr/>
+        </p:nvSpPr>
+        <p:spPr bwMode="auto">
+          <a:xfrm>
+            <a:off x="716143" y="409326"/>
+            <a:ext cx="10675471" cy="523220"/>
+          </a:xfrm>
+          <a:prstGeom prst="rect">
+            <a:avLst/>
+          </a:prstGeom>
+          <a:noFill/>
+        </p:spPr>
+        <p:txBody>
+          <a:bodyPr wrap="square">
+            <a:spAutoFit/>
+            <a:scene3d>
+              <a:camera prst="orthographicFront"/>
+              <a:lightRig rig="threePt" dir="t"/>
+            </a:scene3d>
+            <a:sp3d contourW="12700"/>
+          </a:bodyPr>
+          <a:lstStyle/>
+          <a:p>
+            <a:pPr>
+              <a:defRPr/>
+            </a:pPr>
+            <a:r>
+              <a:rPr lang="zh-CN" altLang="en-US" sz="2800" b="1" dirty="0">
+                <a:solidFill>
+                  <a:srgbClr val="7F12B6"/>
+                </a:solidFill>
+                <a:latin typeface="时尚中黑简体" panose="01010104010101010101" pitchFamily="2" charset="-122"/>
+                <a:ea typeface="时尚中黑简体" panose="01010104010101010101" pitchFamily="2" charset="-122"/>
+              </a:rPr>
+              <a:t>实验方案 一    导航与安全</a:t>
+            </a:r>
+            <a:endParaRPr lang="en-US" altLang="zh-CN" sz="2800" b="1" dirty="0">
+              <a:solidFill>
+                <a:srgbClr val="7F12B6"/>
+              </a:solidFill>
+              <a:latin typeface="时尚中黑简体" panose="01010104010101010101" pitchFamily="2" charset="-122"/>
+              <a:ea typeface="时尚中黑简体" panose="01010104010101010101" pitchFamily="2" charset="-122"/>
+            </a:endParaRPr>
+          </a:p>
+        </p:txBody>
+      </p:sp>
+      <p:pic>
+        <p:nvPicPr>
+          <p:cNvPr id="4" name="图片 3">
+            <a:extLst>
+              <a:ext uri="{FF2B5EF4-FFF2-40B4-BE49-F238E27FC236}">
+                <a16:creationId xmlns:a16="http://schemas.microsoft.com/office/drawing/2014/main" id="{716A4523-3B7B-DD58-682B-2F0A955BA09F}"/>
+              </a:ext>
+            </a:extLst>
+          </p:cNvPr>
+          <p:cNvPicPr>
+            <a:picLocks noChangeAspect="1"/>
+          </p:cNvPicPr>
+          <p:nvPr/>
+        </p:nvPicPr>
+        <p:blipFill>
+          <a:blip r:embed="rId3"/>
+          <a:stretch>
+            <a:fillRect/>
+          </a:stretch>
+        </p:blipFill>
+        <p:spPr>
+          <a:xfrm>
+            <a:off x="8321039" y="2157066"/>
+            <a:ext cx="3734221" cy="4158458"/>
+          </a:xfrm>
+          <a:prstGeom prst="rect">
+            <a:avLst/>
+          </a:prstGeom>
+        </p:spPr>
+      </p:pic>
+      <p:sp>
+        <p:nvSpPr>
+          <p:cNvPr id="5" name="文本框 4">
+            <a:extLst>
+              <a:ext uri="{FF2B5EF4-FFF2-40B4-BE49-F238E27FC236}">
+                <a16:creationId xmlns:a16="http://schemas.microsoft.com/office/drawing/2014/main" id="{34615C27-0FC5-7296-FD7C-1DBC8E0DDAE7}"/>
+              </a:ext>
+            </a:extLst>
+          </p:cNvPr>
+          <p:cNvSpPr txBox="1"/>
+          <p:nvPr/>
+        </p:nvSpPr>
+        <p:spPr>
+          <a:xfrm>
+            <a:off x="581108" y="2343469"/>
+            <a:ext cx="3830872" cy="3785652"/>
+          </a:xfrm>
+          <a:prstGeom prst="rect">
+            <a:avLst/>
+          </a:prstGeom>
+          <a:noFill/>
+        </p:spPr>
+        <p:txBody>
+          <a:bodyPr wrap="square" rtlCol="0">
+            <a:spAutoFit/>
+          </a:bodyPr>
+          <a:lstStyle/>
+          <a:p>
+            <a:r>
+              <a:rPr lang="zh-CN" altLang="en-US" sz="2000" dirty="0">
+                <a:highlight>
+                  <a:srgbClr val="FFFFFF"/>
+                </a:highlight>
+                <a:latin typeface="-apple-system"/>
+              </a:rPr>
+              <a:t>导航：</a:t>
+            </a:r>
+            <a:endParaRPr lang="en-US" altLang="zh-CN" sz="2000" dirty="0">
+              <a:highlight>
+                <a:srgbClr val="FFFFFF"/>
+              </a:highlight>
+              <a:latin typeface="-apple-system"/>
+            </a:endParaRPr>
+          </a:p>
+          <a:p>
+            <a:r>
+              <a:rPr lang="zh-CN" altLang="en-US" sz="2000" dirty="0">
+                <a:highlight>
+                  <a:srgbClr val="FFFFFF"/>
+                </a:highlight>
+                <a:latin typeface="-apple-system"/>
+              </a:rPr>
+              <a:t>方向：使用振动时间</a:t>
+            </a:r>
+            <a:endParaRPr lang="en-US" altLang="zh-CN" sz="2000" dirty="0">
+              <a:highlight>
+                <a:srgbClr val="FFFFFF"/>
+              </a:highlight>
+              <a:latin typeface="-apple-system"/>
+            </a:endParaRPr>
+          </a:p>
+          <a:p>
+            <a:r>
+              <a:rPr lang="zh-CN" altLang="en-US" sz="2000" dirty="0">
+                <a:highlight>
+                  <a:srgbClr val="FFFFFF"/>
+                </a:highlight>
+                <a:latin typeface="-apple-system"/>
+              </a:rPr>
+              <a:t>前</a:t>
+            </a:r>
+            <a:r>
+              <a:rPr lang="en-US" altLang="zh-CN" sz="2000" dirty="0">
+                <a:highlight>
+                  <a:srgbClr val="FFFFFF"/>
+                </a:highlight>
+                <a:latin typeface="-apple-system"/>
+              </a:rPr>
+              <a:t> --- </a:t>
+            </a:r>
+            <a:r>
+              <a:rPr lang="zh-CN" altLang="en-US" sz="2000" dirty="0">
+                <a:highlight>
+                  <a:srgbClr val="FFFFFF"/>
+                </a:highlight>
+                <a:latin typeface="-apple-system"/>
+              </a:rPr>
+              <a:t>手机（长） </a:t>
+            </a:r>
+            <a:endParaRPr lang="en-US" altLang="zh-CN" sz="2000" dirty="0">
+              <a:highlight>
+                <a:srgbClr val="FFFFFF"/>
+              </a:highlight>
+              <a:latin typeface="-apple-system"/>
+            </a:endParaRPr>
+          </a:p>
+          <a:p>
+            <a:r>
+              <a:rPr lang="zh-CN" altLang="en-US" sz="2000" dirty="0">
+                <a:highlight>
+                  <a:srgbClr val="FFFFFF"/>
+                </a:highlight>
+                <a:latin typeface="-apple-system"/>
+              </a:rPr>
+              <a:t>后 </a:t>
+            </a:r>
+            <a:r>
+              <a:rPr lang="en-US" altLang="zh-CN" sz="2000" dirty="0">
+                <a:highlight>
+                  <a:srgbClr val="FFFFFF"/>
+                </a:highlight>
+                <a:latin typeface="-apple-system"/>
+              </a:rPr>
+              <a:t>--- </a:t>
+            </a:r>
+            <a:r>
+              <a:rPr lang="zh-CN" altLang="en-US" sz="2000" dirty="0">
+                <a:highlight>
+                  <a:srgbClr val="FFFFFF"/>
+                </a:highlight>
+                <a:latin typeface="-apple-system"/>
+              </a:rPr>
+              <a:t>手机（短）</a:t>
+            </a:r>
+            <a:endParaRPr lang="en-US" altLang="zh-CN" sz="2000" dirty="0">
+              <a:highlight>
+                <a:srgbClr val="FFFFFF"/>
+              </a:highlight>
+              <a:latin typeface="-apple-system"/>
+            </a:endParaRPr>
+          </a:p>
+          <a:p>
+            <a:r>
+              <a:rPr lang="zh-CN" altLang="en-US" sz="2000" dirty="0">
+                <a:highlight>
+                  <a:srgbClr val="FFFFFF"/>
+                </a:highlight>
+                <a:latin typeface="-apple-system"/>
+              </a:rPr>
+              <a:t>左 </a:t>
+            </a:r>
+            <a:r>
+              <a:rPr lang="en-US" altLang="zh-CN" sz="2000" dirty="0">
+                <a:highlight>
+                  <a:srgbClr val="FFFFFF"/>
+                </a:highlight>
+                <a:latin typeface="-apple-system"/>
+              </a:rPr>
+              <a:t>--- </a:t>
+            </a:r>
+            <a:r>
+              <a:rPr lang="zh-CN" altLang="en-US" sz="2000" dirty="0">
+                <a:highlight>
+                  <a:srgbClr val="FFFFFF"/>
+                </a:highlight>
+                <a:latin typeface="-apple-system"/>
+              </a:rPr>
+              <a:t>手表（长） </a:t>
+            </a:r>
+            <a:endParaRPr lang="en-US" altLang="zh-CN" sz="2000" dirty="0">
+              <a:highlight>
+                <a:srgbClr val="FFFFFF"/>
+              </a:highlight>
+              <a:latin typeface="-apple-system"/>
+            </a:endParaRPr>
+          </a:p>
+          <a:p>
+            <a:r>
+              <a:rPr lang="zh-CN" altLang="en-US" sz="2000" dirty="0">
+                <a:highlight>
+                  <a:srgbClr val="FFFFFF"/>
+                </a:highlight>
+                <a:latin typeface="-apple-system"/>
+              </a:rPr>
+              <a:t>右 </a:t>
+            </a:r>
+            <a:r>
+              <a:rPr lang="en-US" altLang="zh-CN" sz="2000" dirty="0">
+                <a:highlight>
+                  <a:srgbClr val="FFFFFF"/>
+                </a:highlight>
+                <a:latin typeface="-apple-system"/>
+              </a:rPr>
+              <a:t>--- </a:t>
+            </a:r>
+            <a:r>
+              <a:rPr lang="zh-CN" altLang="en-US" sz="2000" dirty="0">
+                <a:highlight>
+                  <a:srgbClr val="FFFFFF"/>
+                </a:highlight>
+                <a:latin typeface="-apple-system"/>
+              </a:rPr>
+              <a:t>手表（短）</a:t>
+            </a:r>
+            <a:endParaRPr lang="en-US" altLang="zh-CN" sz="2000" dirty="0">
+              <a:highlight>
+                <a:srgbClr val="FFFFFF"/>
+              </a:highlight>
+              <a:latin typeface="-apple-system"/>
+            </a:endParaRPr>
+          </a:p>
+          <a:p>
+            <a:r>
+              <a:rPr lang="zh-CN" altLang="en-US" sz="2000" dirty="0">
+                <a:highlight>
+                  <a:srgbClr val="FFFFFF"/>
+                </a:highlight>
+                <a:latin typeface="-apple-system"/>
+              </a:rPr>
+              <a:t>左前 </a:t>
+            </a:r>
+            <a:r>
+              <a:rPr lang="en-US" altLang="zh-CN" sz="2000" dirty="0">
+                <a:highlight>
+                  <a:srgbClr val="FFFFFF"/>
+                </a:highlight>
+                <a:latin typeface="-apple-system"/>
+              </a:rPr>
+              <a:t>--- </a:t>
+            </a:r>
+            <a:r>
+              <a:rPr lang="zh-CN" altLang="en-US" sz="2000" dirty="0">
+                <a:highlight>
+                  <a:srgbClr val="FFFFFF"/>
+                </a:highlight>
+                <a:latin typeface="-apple-system"/>
+              </a:rPr>
+              <a:t>手表（长）</a:t>
+            </a:r>
+            <a:r>
+              <a:rPr lang="en-US" altLang="zh-CN" sz="2000" dirty="0">
+                <a:highlight>
+                  <a:srgbClr val="FFFFFF"/>
+                </a:highlight>
+                <a:latin typeface="-apple-system"/>
+              </a:rPr>
+              <a:t>+</a:t>
+            </a:r>
+            <a:r>
+              <a:rPr lang="zh-CN" altLang="en-US" sz="2000" dirty="0">
+                <a:highlight>
+                  <a:srgbClr val="FFFFFF"/>
+                </a:highlight>
+                <a:latin typeface="-apple-system"/>
+              </a:rPr>
+              <a:t>手机（长）</a:t>
+            </a:r>
+            <a:endParaRPr lang="en-US" altLang="zh-CN" sz="2000" dirty="0">
+              <a:highlight>
+                <a:srgbClr val="FFFFFF"/>
+              </a:highlight>
+              <a:latin typeface="-apple-system"/>
+            </a:endParaRPr>
+          </a:p>
+          <a:p>
+            <a:r>
+              <a:rPr lang="zh-CN" altLang="en-US" sz="2000" dirty="0">
+                <a:highlight>
+                  <a:srgbClr val="FFFFFF"/>
+                </a:highlight>
+                <a:latin typeface="-apple-system"/>
+              </a:rPr>
+              <a:t>左后 </a:t>
+            </a:r>
+            <a:r>
+              <a:rPr lang="en-US" altLang="zh-CN" sz="2000" dirty="0">
+                <a:highlight>
+                  <a:srgbClr val="FFFFFF"/>
+                </a:highlight>
+                <a:latin typeface="-apple-system"/>
+              </a:rPr>
+              <a:t>--- </a:t>
+            </a:r>
+            <a:r>
+              <a:rPr lang="zh-CN" altLang="en-US" sz="2000" dirty="0">
+                <a:highlight>
+                  <a:srgbClr val="FFFFFF"/>
+                </a:highlight>
+                <a:latin typeface="-apple-system"/>
+              </a:rPr>
+              <a:t>手表（长）</a:t>
+            </a:r>
+            <a:r>
+              <a:rPr lang="en-US" altLang="zh-CN" sz="2000" dirty="0">
+                <a:highlight>
+                  <a:srgbClr val="FFFFFF"/>
+                </a:highlight>
+                <a:latin typeface="-apple-system"/>
+              </a:rPr>
+              <a:t>+</a:t>
+            </a:r>
+            <a:r>
+              <a:rPr lang="zh-CN" altLang="en-US" sz="2000" dirty="0">
+                <a:highlight>
+                  <a:srgbClr val="FFFFFF"/>
+                </a:highlight>
+                <a:latin typeface="-apple-system"/>
+              </a:rPr>
+              <a:t>手机（短）</a:t>
+            </a:r>
+            <a:endParaRPr lang="en-US" altLang="zh-CN" sz="2000" dirty="0">
+              <a:highlight>
+                <a:srgbClr val="FFFFFF"/>
+              </a:highlight>
+              <a:latin typeface="-apple-system"/>
+            </a:endParaRPr>
+          </a:p>
+          <a:p>
+            <a:r>
+              <a:rPr lang="zh-CN" altLang="en-US" sz="2000" dirty="0">
+                <a:highlight>
+                  <a:srgbClr val="FFFFFF"/>
+                </a:highlight>
+                <a:latin typeface="-apple-system"/>
+              </a:rPr>
+              <a:t>右前 </a:t>
+            </a:r>
+            <a:r>
+              <a:rPr lang="en-US" altLang="zh-CN" sz="2000" dirty="0">
+                <a:highlight>
+                  <a:srgbClr val="FFFFFF"/>
+                </a:highlight>
+                <a:latin typeface="-apple-system"/>
+              </a:rPr>
+              <a:t>--- </a:t>
+            </a:r>
+            <a:r>
+              <a:rPr lang="zh-CN" altLang="en-US" sz="2000" dirty="0">
+                <a:highlight>
+                  <a:srgbClr val="FFFFFF"/>
+                </a:highlight>
+                <a:latin typeface="-apple-system"/>
+              </a:rPr>
+              <a:t>手表（短）</a:t>
+            </a:r>
+            <a:r>
+              <a:rPr lang="en-US" altLang="zh-CN" sz="2000" dirty="0">
+                <a:highlight>
+                  <a:srgbClr val="FFFFFF"/>
+                </a:highlight>
+                <a:latin typeface="-apple-system"/>
+              </a:rPr>
+              <a:t>+</a:t>
+            </a:r>
+            <a:r>
+              <a:rPr lang="zh-CN" altLang="en-US" sz="2000" dirty="0">
+                <a:highlight>
+                  <a:srgbClr val="FFFFFF"/>
+                </a:highlight>
+                <a:latin typeface="-apple-system"/>
+              </a:rPr>
+              <a:t>手机（长）</a:t>
+            </a:r>
+            <a:endParaRPr lang="en-US" altLang="zh-CN" sz="2000" dirty="0">
+              <a:highlight>
+                <a:srgbClr val="FFFFFF"/>
+              </a:highlight>
+              <a:latin typeface="-apple-system"/>
+            </a:endParaRPr>
+          </a:p>
+          <a:p>
+            <a:r>
+              <a:rPr lang="zh-CN" altLang="en-US" sz="2000" dirty="0">
+                <a:highlight>
+                  <a:srgbClr val="FFFFFF"/>
+                </a:highlight>
+                <a:latin typeface="-apple-system"/>
+              </a:rPr>
+              <a:t>右后 </a:t>
+            </a:r>
+            <a:r>
+              <a:rPr lang="en-US" altLang="zh-CN" sz="2000" dirty="0">
+                <a:highlight>
+                  <a:srgbClr val="FFFFFF"/>
+                </a:highlight>
+                <a:latin typeface="-apple-system"/>
+              </a:rPr>
+              <a:t>--- </a:t>
+            </a:r>
+            <a:r>
+              <a:rPr lang="zh-CN" altLang="en-US" sz="2000" dirty="0">
+                <a:highlight>
+                  <a:srgbClr val="FFFFFF"/>
+                </a:highlight>
+                <a:latin typeface="-apple-system"/>
+              </a:rPr>
+              <a:t>手表（短）</a:t>
+            </a:r>
+            <a:r>
+              <a:rPr lang="en-US" altLang="zh-CN" sz="2000" dirty="0">
+                <a:highlight>
+                  <a:srgbClr val="FFFFFF"/>
+                </a:highlight>
+                <a:latin typeface="-apple-system"/>
+              </a:rPr>
+              <a:t>+</a:t>
+            </a:r>
+            <a:r>
+              <a:rPr lang="zh-CN" altLang="en-US" sz="2000" dirty="0">
+                <a:highlight>
+                  <a:srgbClr val="FFFFFF"/>
+                </a:highlight>
+                <a:latin typeface="-apple-system"/>
+              </a:rPr>
+              <a:t>手机（短）</a:t>
+            </a:r>
+            <a:endParaRPr lang="en-US" altLang="zh-CN" sz="2000" dirty="0">
+              <a:highlight>
+                <a:srgbClr val="FFFFFF"/>
+              </a:highlight>
+              <a:latin typeface="-apple-system"/>
+            </a:endParaRPr>
+          </a:p>
+          <a:p>
+            <a:endParaRPr lang="en-US" altLang="zh-CN" sz="2000" dirty="0">
+              <a:highlight>
+                <a:srgbClr val="FFFFFF"/>
+              </a:highlight>
+              <a:latin typeface="-apple-system"/>
+            </a:endParaRPr>
+          </a:p>
+          <a:p>
+            <a:r>
+              <a:rPr lang="zh-CN" altLang="en-US" sz="2000" dirty="0">
+                <a:highlight>
+                  <a:srgbClr val="FFFFFF"/>
+                </a:highlight>
+                <a:latin typeface="-apple-system"/>
+              </a:rPr>
+              <a:t>停止：手机手表同时振动</a:t>
+            </a:r>
+            <a:endParaRPr lang="en-US" altLang="zh-CN" sz="2000" dirty="0">
+              <a:highlight>
+                <a:srgbClr val="FFFFFF"/>
+              </a:highlight>
+              <a:latin typeface="-apple-system"/>
+            </a:endParaRPr>
+          </a:p>
+        </p:txBody>
+      </p:sp>
+      <p:sp>
+        <p:nvSpPr>
+          <p:cNvPr id="7" name="文本框 6">
+            <a:extLst>
+              <a:ext uri="{FF2B5EF4-FFF2-40B4-BE49-F238E27FC236}">
+                <a16:creationId xmlns:a16="http://schemas.microsoft.com/office/drawing/2014/main" id="{3FA88F50-6D42-070C-9DBA-93ABAC127C49}"/>
+              </a:ext>
+            </a:extLst>
+          </p:cNvPr>
+          <p:cNvSpPr txBox="1"/>
+          <p:nvPr/>
+        </p:nvSpPr>
+        <p:spPr>
+          <a:xfrm>
+            <a:off x="4947439" y="2343469"/>
+            <a:ext cx="3091661" cy="2246769"/>
+          </a:xfrm>
+          <a:prstGeom prst="rect">
+            <a:avLst/>
+          </a:prstGeom>
+          <a:noFill/>
+        </p:spPr>
+        <p:txBody>
+          <a:bodyPr wrap="square" rtlCol="0">
+            <a:spAutoFit/>
+          </a:bodyPr>
+          <a:lstStyle/>
+          <a:p>
+            <a:r>
+              <a:rPr lang="zh-CN" altLang="en-US" sz="2000" dirty="0">
+                <a:highlight>
+                  <a:srgbClr val="FFFFFF"/>
+                </a:highlight>
+                <a:latin typeface="-apple-system"/>
+              </a:rPr>
+              <a:t>导航：</a:t>
+            </a:r>
+            <a:endParaRPr lang="en-US" altLang="zh-CN" sz="2000" dirty="0">
+              <a:highlight>
+                <a:srgbClr val="FFFFFF"/>
+              </a:highlight>
+              <a:latin typeface="-apple-system"/>
+            </a:endParaRPr>
+          </a:p>
+          <a:p>
+            <a:r>
+              <a:rPr lang="zh-CN" altLang="en-US" sz="2000" dirty="0">
+                <a:highlight>
+                  <a:srgbClr val="FFFFFF"/>
+                </a:highlight>
+                <a:latin typeface="-apple-system"/>
+              </a:rPr>
+              <a:t>距离：使用振动频率</a:t>
+            </a:r>
+            <a:endParaRPr lang="en-US" altLang="zh-CN" sz="2000" dirty="0">
+              <a:highlight>
+                <a:srgbClr val="FFFFFF"/>
+              </a:highlight>
+              <a:latin typeface="-apple-system"/>
+            </a:endParaRPr>
+          </a:p>
+          <a:p>
+            <a:r>
+              <a:rPr lang="zh-CN" altLang="en-US" sz="2000" dirty="0">
+                <a:highlight>
+                  <a:srgbClr val="FFFFFF"/>
+                </a:highlight>
+                <a:latin typeface="-apple-system"/>
+              </a:rPr>
+              <a:t>停止时，将手表水平放置，距离信息越近，手表振动频率越快。</a:t>
+            </a:r>
+            <a:endParaRPr lang="en-US" altLang="zh-CN" sz="2000" dirty="0">
+              <a:highlight>
+                <a:srgbClr val="FFFFFF"/>
+              </a:highlight>
+              <a:latin typeface="-apple-system"/>
+            </a:endParaRPr>
+          </a:p>
+          <a:p>
+            <a:endParaRPr lang="en-US" altLang="zh-CN" sz="2000" dirty="0">
+              <a:highlight>
+                <a:srgbClr val="FFFFFF"/>
+              </a:highlight>
+              <a:latin typeface="-apple-system"/>
+            </a:endParaRPr>
+          </a:p>
+          <a:p>
+            <a:r>
+              <a:rPr lang="zh-CN" altLang="en-US" sz="2000" dirty="0">
+                <a:highlight>
+                  <a:srgbClr val="FFFFFF"/>
+                </a:highlight>
+                <a:latin typeface="-apple-system"/>
+              </a:rPr>
+              <a:t>距离 </a:t>
+            </a:r>
+            <a:r>
+              <a:rPr lang="en-US" altLang="zh-CN" sz="2000" dirty="0">
+                <a:highlight>
+                  <a:srgbClr val="FFFFFF"/>
+                </a:highlight>
+                <a:latin typeface="-apple-system"/>
+              </a:rPr>
+              <a:t>--- </a:t>
+            </a:r>
+            <a:r>
+              <a:rPr lang="zh-CN" altLang="en-US" sz="2000" dirty="0">
+                <a:highlight>
+                  <a:srgbClr val="FFFFFF"/>
+                </a:highlight>
+                <a:latin typeface="-apple-system"/>
+              </a:rPr>
+              <a:t>振动频率</a:t>
+            </a:r>
+            <a:endParaRPr lang="en-US" altLang="zh-CN" sz="2000" dirty="0">
+              <a:highlight>
+                <a:srgbClr val="FFFFFF"/>
+              </a:highlight>
+              <a:latin typeface="-apple-system"/>
+            </a:endParaRPr>
+          </a:p>
+        </p:txBody>
+      </p:sp>
+    </p:spTree>
+    <p:extLst>
+      <p:ext uri="{BB962C8B-B14F-4D97-AF65-F5344CB8AC3E}">
+        <p14:creationId xmlns:p14="http://schemas.microsoft.com/office/powerpoint/2010/main" val="1845015254"/>
+      </p:ext>
+    </p:extLst>
+  </p:cSld>
+  <p:clrMapOvr>
+    <a:masterClrMapping/>
+  </p:clrMapOvr>
+  <mc:AlternateContent xmlns:mc="http://schemas.openxmlformats.org/markup-compatibility/2006" xmlns:p14="http://schemas.microsoft.com/office/powerpoint/2010/main">
+    <mc:Choice Requires="p14">
+      <p:transition spd="slow" p14:dur="1500" advTm="0">
+        <p:random/>
+      </p:transition>
+    </mc:Choice>
+    <mc:Fallback xmlns="">
+      <p:transition spd="slow" advTm="0">
+        <p:random/>
+      </p:transition>
+    </mc:Fallback>
+  </mc:AlternateContent>
+</p:sld>
+</file>
+
+<file path=ppt/slides/slide49.xml><?xml version="1.0" encoding="utf-8"?>
+<p:sld xmlns:a="http://schemas.openxmlformats.org/drawingml/2006/main" xmlns:r="http://schemas.openxmlformats.org/officeDocument/2006/relationships" xmlns:p="http://schemas.openxmlformats.org/presentationml/2006/main">
+  <p:cSld>
+    <p:spTree>
+      <p:nvGrpSpPr>
+        <p:cNvPr id="1" name=""/>
+        <p:cNvGrpSpPr/>
+        <p:nvPr/>
+      </p:nvGrpSpPr>
+      <p:grpSpPr>
+        <a:xfrm>
+          <a:off x="0" y="0"/>
+          <a:ext cx="0" cy="0"/>
+          <a:chOff x="0" y="0"/>
+          <a:chExt cx="0" cy="0"/>
+        </a:xfrm>
+      </p:grpSpPr>
+      <p:grpSp>
+        <p:nvGrpSpPr>
+          <p:cNvPr id="21" name="组合 20"/>
+          <p:cNvGrpSpPr/>
+          <p:nvPr/>
+        </p:nvGrpSpPr>
+        <p:grpSpPr>
+          <a:xfrm>
+            <a:off x="5270500" y="510493"/>
+            <a:ext cx="7561033" cy="380555"/>
+            <a:chOff x="6997699" y="510493"/>
+            <a:chExt cx="5794625" cy="380555"/>
+          </a:xfrm>
+        </p:grpSpPr>
+        <p:sp>
+          <p:nvSpPr>
+            <p:cNvPr id="22" name="任意多边形: 形状 21"/>
+            <p:cNvSpPr/>
+            <p:nvPr userDrawn="1"/>
+          </p:nvSpPr>
+          <p:spPr>
+            <a:xfrm flipH="1">
+              <a:off x="6997699" y="764493"/>
+              <a:ext cx="5376633" cy="126555"/>
+            </a:xfrm>
+            <a:custGeom>
+              <a:avLst/>
+              <a:gdLst>
+                <a:gd name="connsiteX0" fmla="*/ 7367523 w 7367523"/>
+                <a:gd name="connsiteY0" fmla="*/ 0 h 173416"/>
+                <a:gd name="connsiteX1" fmla="*/ 6374783 w 7367523"/>
+                <a:gd name="connsiteY1" fmla="*/ 0 h 173416"/>
+                <a:gd name="connsiteX2" fmla="*/ 6240349 w 7367523"/>
+                <a:gd name="connsiteY2" fmla="*/ 0 h 173416"/>
+                <a:gd name="connsiteX3" fmla="*/ 5540227 w 7367523"/>
+                <a:gd name="connsiteY3" fmla="*/ 0 h 173416"/>
+                <a:gd name="connsiteX4" fmla="*/ 5247612 w 7367523"/>
+                <a:gd name="connsiteY4" fmla="*/ 0 h 173416"/>
+                <a:gd name="connsiteX5" fmla="*/ 4707193 w 7367523"/>
+                <a:gd name="connsiteY5" fmla="*/ 0 h 173416"/>
+                <a:gd name="connsiteX6" fmla="*/ 4413053 w 7367523"/>
+                <a:gd name="connsiteY6" fmla="*/ 0 h 173416"/>
+                <a:gd name="connsiteX7" fmla="*/ 3865356 w 7367523"/>
+                <a:gd name="connsiteY7" fmla="*/ 0 h 173416"/>
+                <a:gd name="connsiteX8" fmla="*/ 3580019 w 7367523"/>
+                <a:gd name="connsiteY8" fmla="*/ 0 h 173416"/>
+                <a:gd name="connsiteX9" fmla="*/ 2872616 w 7367523"/>
+                <a:gd name="connsiteY9" fmla="*/ 0 h 173416"/>
+                <a:gd name="connsiteX10" fmla="*/ 2738183 w 7367523"/>
+                <a:gd name="connsiteY10" fmla="*/ 0 h 173416"/>
+                <a:gd name="connsiteX11" fmla="*/ 2038060 w 7367523"/>
+                <a:gd name="connsiteY11" fmla="*/ 0 h 173416"/>
+                <a:gd name="connsiteX12" fmla="*/ 1745445 w 7367523"/>
+                <a:gd name="connsiteY12" fmla="*/ 0 h 173416"/>
+                <a:gd name="connsiteX13" fmla="*/ 1205026 w 7367523"/>
+                <a:gd name="connsiteY13" fmla="*/ 0 h 173416"/>
+                <a:gd name="connsiteX14" fmla="*/ 910887 w 7367523"/>
+                <a:gd name="connsiteY14" fmla="*/ 0 h 173416"/>
+                <a:gd name="connsiteX15" fmla="*/ 77853 w 7367523"/>
+                <a:gd name="connsiteY15" fmla="*/ 0 h 173416"/>
+                <a:gd name="connsiteX16" fmla="*/ 0 w 7367523"/>
+                <a:gd name="connsiteY16" fmla="*/ 173416 h 173416"/>
+                <a:gd name="connsiteX17" fmla="*/ 7289670 w 7367523"/>
+                <a:gd name="connsiteY17" fmla="*/ 173416 h 173416"/>
+              </a:gdLst>
+              <a:ahLst/>
+              <a:cxnLst>
+                <a:cxn ang="0">
+                  <a:pos x="connsiteX0" y="connsiteY0"/>
+                </a:cxn>
+                <a:cxn ang="0">
+                  <a:pos x="connsiteX1" y="connsiteY1"/>
+                </a:cxn>
+                <a:cxn ang="0">
+                  <a:pos x="connsiteX2" y="connsiteY2"/>
+                </a:cxn>
+                <a:cxn ang="0">
+                  <a:pos x="connsiteX3" y="connsiteY3"/>
+                </a:cxn>
+                <a:cxn ang="0">
+                  <a:pos x="connsiteX4" y="connsiteY4"/>
+                </a:cxn>
+                <a:cxn ang="0">
+                  <a:pos x="connsiteX5" y="connsiteY5"/>
+                </a:cxn>
+                <a:cxn ang="0">
+                  <a:pos x="connsiteX6" y="connsiteY6"/>
+                </a:cxn>
+                <a:cxn ang="0">
+                  <a:pos x="connsiteX7" y="connsiteY7"/>
+                </a:cxn>
+                <a:cxn ang="0">
+                  <a:pos x="connsiteX8" y="connsiteY8"/>
+                </a:cxn>
+                <a:cxn ang="0">
+                  <a:pos x="connsiteX9" y="connsiteY9"/>
+                </a:cxn>
+                <a:cxn ang="0">
+                  <a:pos x="connsiteX10" y="connsiteY10"/>
+                </a:cxn>
+                <a:cxn ang="0">
+                  <a:pos x="connsiteX11" y="connsiteY11"/>
+                </a:cxn>
+                <a:cxn ang="0">
+                  <a:pos x="connsiteX12" y="connsiteY12"/>
+                </a:cxn>
+                <a:cxn ang="0">
+                  <a:pos x="connsiteX13" y="connsiteY13"/>
+                </a:cxn>
+                <a:cxn ang="0">
+                  <a:pos x="connsiteX14" y="connsiteY14"/>
+                </a:cxn>
+                <a:cxn ang="0">
+                  <a:pos x="connsiteX15" y="connsiteY15"/>
+                </a:cxn>
+                <a:cxn ang="0">
+                  <a:pos x="connsiteX16" y="connsiteY16"/>
+                </a:cxn>
+                <a:cxn ang="0">
+                  <a:pos x="connsiteX17" y="connsiteY17"/>
+                </a:cxn>
+              </a:cxnLst>
+              <a:rect l="l" t="t" r="r" b="b"/>
+              <a:pathLst>
+                <a:path w="7367523" h="173416">
+                  <a:moveTo>
+                    <a:pt x="7367523" y="0"/>
+                  </a:moveTo>
+                  <a:lnTo>
+                    <a:pt x="6374783" y="0"/>
+                  </a:lnTo>
+                  <a:lnTo>
+                    <a:pt x="6240349" y="0"/>
+                  </a:lnTo>
+                  <a:lnTo>
+                    <a:pt x="5540227" y="0"/>
+                  </a:lnTo>
+                  <a:lnTo>
+                    <a:pt x="5247612" y="0"/>
+                  </a:lnTo>
+                  <a:lnTo>
+                    <a:pt x="4707193" y="0"/>
+                  </a:lnTo>
+                  <a:lnTo>
+                    <a:pt x="4413053" y="0"/>
+                  </a:lnTo>
+                  <a:lnTo>
+                    <a:pt x="3865356" y="0"/>
+                  </a:lnTo>
+                  <a:lnTo>
+                    <a:pt x="3580019" y="0"/>
+                  </a:lnTo>
+                  <a:lnTo>
+                    <a:pt x="2872616" y="0"/>
+                  </a:lnTo>
+                  <a:lnTo>
+                    <a:pt x="2738183" y="0"/>
+                  </a:lnTo>
+                  <a:lnTo>
+                    <a:pt x="2038060" y="0"/>
+                  </a:lnTo>
+                  <a:lnTo>
+                    <a:pt x="1745445" y="0"/>
+                  </a:lnTo>
+                  <a:lnTo>
+                    <a:pt x="1205026" y="0"/>
+                  </a:lnTo>
+                  <a:lnTo>
+                    <a:pt x="910887" y="0"/>
+                  </a:lnTo>
+                  <a:lnTo>
+                    <a:pt x="77853" y="0"/>
+                  </a:lnTo>
+                  <a:lnTo>
+                    <a:pt x="0" y="173416"/>
+                  </a:lnTo>
+                  <a:lnTo>
+                    <a:pt x="7289670" y="173416"/>
+                  </a:lnTo>
+                  <a:close/>
+                </a:path>
+              </a:pathLst>
+            </a:custGeom>
+            <a:gradFill flip="none" rotWithShape="0">
+              <a:gsLst>
+                <a:gs pos="0">
+                  <a:srgbClr val="228AF2"/>
+                </a:gs>
+                <a:gs pos="94000">
+                  <a:srgbClr val="7F12B6"/>
+                </a:gs>
+              </a:gsLst>
+              <a:lin ang="2700000" scaled="1"/>
+              <a:tileRect/>
+            </a:gradFill>
+            <a:ln>
+              <a:noFill/>
+            </a:ln>
+          </p:spPr>
+          <p:style>
+            <a:lnRef idx="2">
+              <a:schemeClr val="accent1">
+                <a:shade val="50000"/>
+              </a:schemeClr>
+            </a:lnRef>
+            <a:fillRef idx="1">
+              <a:schemeClr val="accent1"/>
+            </a:fillRef>
+            <a:effectRef idx="0">
+              <a:schemeClr val="accent1"/>
+            </a:effectRef>
+            <a:fontRef idx="minor">
+              <a:schemeClr val="lt1"/>
+            </a:fontRef>
+          </p:style>
+          <p:txBody>
+            <a:bodyPr rot="0" spcFirstLastPara="0" vertOverflow="overflow" horzOverflow="overflow" vert="horz" wrap="square" lIns="91440" tIns="45720" rIns="91440" bIns="45720" numCol="1" spcCol="0" rtlCol="0" fromWordArt="0" anchor="ctr" anchorCtr="0" forceAA="0" compatLnSpc="1">
+              <a:noAutofit/>
+            </a:bodyPr>
+            <a:lstStyle/>
+            <a:p>
+              <a:pPr algn="ctr"/>
+              <a:endParaRPr lang="zh-CN" altLang="en-US"/>
+            </a:p>
+          </p:txBody>
+        </p:sp>
+        <p:sp>
+          <p:nvSpPr>
+            <p:cNvPr id="23" name="任意多边形: 形状 22"/>
+            <p:cNvSpPr/>
+            <p:nvPr userDrawn="1"/>
+          </p:nvSpPr>
+          <p:spPr>
+            <a:xfrm flipH="1">
+              <a:off x="7415691" y="510493"/>
+              <a:ext cx="5376633" cy="126555"/>
+            </a:xfrm>
+            <a:custGeom>
+              <a:avLst/>
+              <a:gdLst>
+                <a:gd name="connsiteX0" fmla="*/ 7367523 w 7367523"/>
+                <a:gd name="connsiteY0" fmla="*/ 0 h 173416"/>
+                <a:gd name="connsiteX1" fmla="*/ 6374783 w 7367523"/>
+                <a:gd name="connsiteY1" fmla="*/ 0 h 173416"/>
+                <a:gd name="connsiteX2" fmla="*/ 6240349 w 7367523"/>
+                <a:gd name="connsiteY2" fmla="*/ 0 h 173416"/>
+                <a:gd name="connsiteX3" fmla="*/ 5540227 w 7367523"/>
+                <a:gd name="connsiteY3" fmla="*/ 0 h 173416"/>
+                <a:gd name="connsiteX4" fmla="*/ 5247612 w 7367523"/>
+                <a:gd name="connsiteY4" fmla="*/ 0 h 173416"/>
+                <a:gd name="connsiteX5" fmla="*/ 4707193 w 7367523"/>
+                <a:gd name="connsiteY5" fmla="*/ 0 h 173416"/>
+                <a:gd name="connsiteX6" fmla="*/ 4413053 w 7367523"/>
+                <a:gd name="connsiteY6" fmla="*/ 0 h 173416"/>
+                <a:gd name="connsiteX7" fmla="*/ 3865356 w 7367523"/>
+                <a:gd name="connsiteY7" fmla="*/ 0 h 173416"/>
+                <a:gd name="connsiteX8" fmla="*/ 3580019 w 7367523"/>
+                <a:gd name="connsiteY8" fmla="*/ 0 h 173416"/>
+                <a:gd name="connsiteX9" fmla="*/ 2872616 w 7367523"/>
+                <a:gd name="connsiteY9" fmla="*/ 0 h 173416"/>
+                <a:gd name="connsiteX10" fmla="*/ 2738183 w 7367523"/>
+                <a:gd name="connsiteY10" fmla="*/ 0 h 173416"/>
+                <a:gd name="connsiteX11" fmla="*/ 2038060 w 7367523"/>
+                <a:gd name="connsiteY11" fmla="*/ 0 h 173416"/>
+                <a:gd name="connsiteX12" fmla="*/ 1745445 w 7367523"/>
+                <a:gd name="connsiteY12" fmla="*/ 0 h 173416"/>
+                <a:gd name="connsiteX13" fmla="*/ 1205026 w 7367523"/>
+                <a:gd name="connsiteY13" fmla="*/ 0 h 173416"/>
+                <a:gd name="connsiteX14" fmla="*/ 910887 w 7367523"/>
+                <a:gd name="connsiteY14" fmla="*/ 0 h 173416"/>
+                <a:gd name="connsiteX15" fmla="*/ 77853 w 7367523"/>
+                <a:gd name="connsiteY15" fmla="*/ 0 h 173416"/>
+                <a:gd name="connsiteX16" fmla="*/ 0 w 7367523"/>
+                <a:gd name="connsiteY16" fmla="*/ 173416 h 173416"/>
+                <a:gd name="connsiteX17" fmla="*/ 7289670 w 7367523"/>
+                <a:gd name="connsiteY17" fmla="*/ 173416 h 173416"/>
+              </a:gdLst>
+              <a:ahLst/>
+              <a:cxnLst>
+                <a:cxn ang="0">
+                  <a:pos x="connsiteX0" y="connsiteY0"/>
+                </a:cxn>
+                <a:cxn ang="0">
+                  <a:pos x="connsiteX1" y="connsiteY1"/>
+                </a:cxn>
+                <a:cxn ang="0">
+                  <a:pos x="connsiteX2" y="connsiteY2"/>
+                </a:cxn>
+                <a:cxn ang="0">
+                  <a:pos x="connsiteX3" y="connsiteY3"/>
+                </a:cxn>
+                <a:cxn ang="0">
+                  <a:pos x="connsiteX4" y="connsiteY4"/>
+                </a:cxn>
+                <a:cxn ang="0">
+                  <a:pos x="connsiteX5" y="connsiteY5"/>
+                </a:cxn>
+                <a:cxn ang="0">
+                  <a:pos x="connsiteX6" y="connsiteY6"/>
+                </a:cxn>
+                <a:cxn ang="0">
+                  <a:pos x="connsiteX7" y="connsiteY7"/>
+                </a:cxn>
+                <a:cxn ang="0">
+                  <a:pos x="connsiteX8" y="connsiteY8"/>
+                </a:cxn>
+                <a:cxn ang="0">
+                  <a:pos x="connsiteX9" y="connsiteY9"/>
+                </a:cxn>
+                <a:cxn ang="0">
+                  <a:pos x="connsiteX10" y="connsiteY10"/>
+                </a:cxn>
+                <a:cxn ang="0">
+                  <a:pos x="connsiteX11" y="connsiteY11"/>
+                </a:cxn>
+                <a:cxn ang="0">
+                  <a:pos x="connsiteX12" y="connsiteY12"/>
+                </a:cxn>
+                <a:cxn ang="0">
+                  <a:pos x="connsiteX13" y="connsiteY13"/>
+                </a:cxn>
+                <a:cxn ang="0">
+                  <a:pos x="connsiteX14" y="connsiteY14"/>
+                </a:cxn>
+                <a:cxn ang="0">
+                  <a:pos x="connsiteX15" y="connsiteY15"/>
+                </a:cxn>
+                <a:cxn ang="0">
+                  <a:pos x="connsiteX16" y="connsiteY16"/>
+                </a:cxn>
+                <a:cxn ang="0">
+                  <a:pos x="connsiteX17" y="connsiteY17"/>
+                </a:cxn>
+              </a:cxnLst>
+              <a:rect l="l" t="t" r="r" b="b"/>
+              <a:pathLst>
+                <a:path w="7367523" h="173416">
+                  <a:moveTo>
+                    <a:pt x="7367523" y="0"/>
+                  </a:moveTo>
+                  <a:lnTo>
+                    <a:pt x="6374783" y="0"/>
+                  </a:lnTo>
+                  <a:lnTo>
+                    <a:pt x="6240349" y="0"/>
+                  </a:lnTo>
+                  <a:lnTo>
+                    <a:pt x="5540227" y="0"/>
+                  </a:lnTo>
+                  <a:lnTo>
+                    <a:pt x="5247612" y="0"/>
+                  </a:lnTo>
+                  <a:lnTo>
+                    <a:pt x="4707193" y="0"/>
+                  </a:lnTo>
+                  <a:lnTo>
+                    <a:pt x="4413053" y="0"/>
+                  </a:lnTo>
+                  <a:lnTo>
+                    <a:pt x="3865356" y="0"/>
+                  </a:lnTo>
+                  <a:lnTo>
+                    <a:pt x="3580019" y="0"/>
+                  </a:lnTo>
+                  <a:lnTo>
+                    <a:pt x="2872616" y="0"/>
+                  </a:lnTo>
+                  <a:lnTo>
+                    <a:pt x="2738183" y="0"/>
+                  </a:lnTo>
+                  <a:lnTo>
+                    <a:pt x="2038060" y="0"/>
+                  </a:lnTo>
+                  <a:lnTo>
+                    <a:pt x="1745445" y="0"/>
+                  </a:lnTo>
+                  <a:lnTo>
+                    <a:pt x="1205026" y="0"/>
+                  </a:lnTo>
+                  <a:lnTo>
+                    <a:pt x="910887" y="0"/>
+                  </a:lnTo>
+                  <a:lnTo>
+                    <a:pt x="77853" y="0"/>
+                  </a:lnTo>
+                  <a:lnTo>
+                    <a:pt x="0" y="173416"/>
+                  </a:lnTo>
+                  <a:lnTo>
+                    <a:pt x="7289670" y="173416"/>
+                  </a:lnTo>
+                  <a:close/>
+                </a:path>
+              </a:pathLst>
+            </a:custGeom>
+            <a:solidFill>
+              <a:schemeClr val="bg2"/>
+            </a:solidFill>
+            <a:ln>
+              <a:noFill/>
+            </a:ln>
+          </p:spPr>
+          <p:style>
+            <a:lnRef idx="2">
+              <a:schemeClr val="accent1">
+                <a:shade val="50000"/>
+              </a:schemeClr>
+            </a:lnRef>
+            <a:fillRef idx="1">
+              <a:schemeClr val="accent1"/>
+            </a:fillRef>
+            <a:effectRef idx="0">
+              <a:schemeClr val="accent1"/>
+            </a:effectRef>
+            <a:fontRef idx="minor">
+              <a:schemeClr val="lt1"/>
+            </a:fontRef>
+          </p:style>
+          <p:txBody>
+            <a:bodyPr rot="0" spcFirstLastPara="0" vertOverflow="overflow" horzOverflow="overflow" vert="horz" wrap="square" lIns="91440" tIns="45720" rIns="91440" bIns="45720" numCol="1" spcCol="0" rtlCol="0" fromWordArt="0" anchor="ctr" anchorCtr="0" forceAA="0" compatLnSpc="1">
+              <a:noAutofit/>
+            </a:bodyPr>
+            <a:lstStyle/>
+            <a:p>
+              <a:pPr algn="ctr"/>
+              <a:endParaRPr lang="zh-CN" altLang="en-US"/>
+            </a:p>
+          </p:txBody>
+        </p:sp>
+      </p:grpSp>
+      <p:sp>
+        <p:nvSpPr>
+          <p:cNvPr id="24" name="任意多边形: 形状 23"/>
+          <p:cNvSpPr/>
+          <p:nvPr/>
+        </p:nvSpPr>
+        <p:spPr>
+          <a:xfrm flipH="1">
+            <a:off x="129621" y="0"/>
+            <a:ext cx="586522" cy="1047087"/>
+          </a:xfrm>
+          <a:custGeom>
+            <a:avLst/>
+            <a:gdLst>
+              <a:gd name="connsiteX0" fmla="*/ 586522 w 586522"/>
+              <a:gd name="connsiteY0" fmla="*/ 0 h 1047087"/>
+              <a:gd name="connsiteX1" fmla="*/ 470079 w 586522"/>
+              <a:gd name="connsiteY1" fmla="*/ 0 h 1047087"/>
+              <a:gd name="connsiteX2" fmla="*/ 0 w 586522"/>
+              <a:gd name="connsiteY2" fmla="*/ 1047087 h 1047087"/>
+              <a:gd name="connsiteX3" fmla="*/ 116443 w 586522"/>
+              <a:gd name="connsiteY3" fmla="*/ 1047087 h 1047087"/>
+            </a:gdLst>
+            <a:ahLst/>
+            <a:cxnLst>
+              <a:cxn ang="0">
+                <a:pos x="connsiteX0" y="connsiteY0"/>
+              </a:cxn>
+              <a:cxn ang="0">
+                <a:pos x="connsiteX1" y="connsiteY1"/>
+              </a:cxn>
+              <a:cxn ang="0">
+                <a:pos x="connsiteX2" y="connsiteY2"/>
+              </a:cxn>
+              <a:cxn ang="0">
+                <a:pos x="connsiteX3" y="connsiteY3"/>
+              </a:cxn>
+            </a:cxnLst>
+            <a:rect l="l" t="t" r="r" b="b"/>
+            <a:pathLst>
+              <a:path w="586522" h="1047087">
+                <a:moveTo>
+                  <a:pt x="586522" y="0"/>
+                </a:moveTo>
+                <a:lnTo>
+                  <a:pt x="470079" y="0"/>
+                </a:lnTo>
+                <a:lnTo>
+                  <a:pt x="0" y="1047087"/>
+                </a:lnTo>
+                <a:lnTo>
+                  <a:pt x="116443" y="1047087"/>
+                </a:lnTo>
+                <a:close/>
+              </a:path>
+            </a:pathLst>
+          </a:custGeom>
+          <a:gradFill flip="none" rotWithShape="0">
+            <a:gsLst>
+              <a:gs pos="0">
+                <a:srgbClr val="53A5F5">
+                  <a:lumMod val="73000"/>
+                  <a:lumOff val="27000"/>
+                </a:srgbClr>
+              </a:gs>
+              <a:gs pos="94000">
+                <a:srgbClr val="9214CF">
+                  <a:lumMod val="73000"/>
+                  <a:lumOff val="27000"/>
+                </a:srgbClr>
+              </a:gs>
+            </a:gsLst>
+            <a:lin ang="2700000" scaled="1"/>
+            <a:tileRect/>
+          </a:gradFill>
+          <a:ln>
+            <a:noFill/>
+          </a:ln>
+        </p:spPr>
+        <p:style>
+          <a:lnRef idx="2">
+            <a:schemeClr val="accent1">
+              <a:shade val="50000"/>
+            </a:schemeClr>
+          </a:lnRef>
+          <a:fillRef idx="1">
+            <a:schemeClr val="accent1"/>
+          </a:fillRef>
+          <a:effectRef idx="0">
+            <a:schemeClr val="accent1"/>
+          </a:effectRef>
+          <a:fontRef idx="minor">
+            <a:schemeClr val="lt1"/>
+          </a:fontRef>
+        </p:style>
+        <p:txBody>
+          <a:bodyPr rot="0" spcFirstLastPara="0" vertOverflow="overflow" horzOverflow="overflow" vert="horz" wrap="square" lIns="91440" tIns="45720" rIns="91440" bIns="45720" numCol="1" spcCol="0" rtlCol="0" fromWordArt="0" anchor="ctr" anchorCtr="0" forceAA="0" compatLnSpc="1">
+            <a:noAutofit/>
+          </a:bodyPr>
+          <a:lstStyle/>
+          <a:p>
+            <a:pPr algn="ctr"/>
+            <a:endParaRPr lang="zh-CN" altLang="en-US"/>
+          </a:p>
+        </p:txBody>
+      </p:sp>
+      <p:sp>
+        <p:nvSpPr>
+          <p:cNvPr id="25" name="任意多边形: 形状 24"/>
+          <p:cNvSpPr/>
+          <p:nvPr/>
+        </p:nvSpPr>
+        <p:spPr>
+          <a:xfrm flipH="1">
+            <a:off x="581108" y="202981"/>
+            <a:ext cx="344503" cy="615023"/>
+          </a:xfrm>
+          <a:custGeom>
+            <a:avLst/>
+            <a:gdLst>
+              <a:gd name="connsiteX0" fmla="*/ 586522 w 586522"/>
+              <a:gd name="connsiteY0" fmla="*/ 0 h 1047087"/>
+              <a:gd name="connsiteX1" fmla="*/ 470079 w 586522"/>
+              <a:gd name="connsiteY1" fmla="*/ 0 h 1047087"/>
+              <a:gd name="connsiteX2" fmla="*/ 0 w 586522"/>
+              <a:gd name="connsiteY2" fmla="*/ 1047087 h 1047087"/>
+              <a:gd name="connsiteX3" fmla="*/ 116443 w 586522"/>
+              <a:gd name="connsiteY3" fmla="*/ 1047087 h 1047087"/>
+            </a:gdLst>
+            <a:ahLst/>
+            <a:cxnLst>
+              <a:cxn ang="0">
+                <a:pos x="connsiteX0" y="connsiteY0"/>
+              </a:cxn>
+              <a:cxn ang="0">
+                <a:pos x="connsiteX1" y="connsiteY1"/>
+              </a:cxn>
+              <a:cxn ang="0">
+                <a:pos x="connsiteX2" y="connsiteY2"/>
+              </a:cxn>
+              <a:cxn ang="0">
+                <a:pos x="connsiteX3" y="connsiteY3"/>
+              </a:cxn>
+            </a:cxnLst>
+            <a:rect l="l" t="t" r="r" b="b"/>
+            <a:pathLst>
+              <a:path w="586522" h="1047087">
+                <a:moveTo>
+                  <a:pt x="586522" y="0"/>
+                </a:moveTo>
+                <a:lnTo>
+                  <a:pt x="470079" y="0"/>
+                </a:lnTo>
+                <a:lnTo>
+                  <a:pt x="0" y="1047087"/>
+                </a:lnTo>
+                <a:lnTo>
+                  <a:pt x="116443" y="1047087"/>
+                </a:lnTo>
+                <a:close/>
+              </a:path>
+            </a:pathLst>
+          </a:custGeom>
+          <a:solidFill>
+            <a:schemeClr val="bg1">
+              <a:lumMod val="95000"/>
+            </a:schemeClr>
+          </a:solidFill>
+          <a:ln>
+            <a:noFill/>
+          </a:ln>
+        </p:spPr>
+        <p:style>
+          <a:lnRef idx="2">
+            <a:schemeClr val="accent1">
+              <a:shade val="50000"/>
+            </a:schemeClr>
+          </a:lnRef>
+          <a:fillRef idx="1">
+            <a:schemeClr val="accent1"/>
+          </a:fillRef>
+          <a:effectRef idx="0">
+            <a:schemeClr val="accent1"/>
+          </a:effectRef>
+          <a:fontRef idx="minor">
+            <a:schemeClr val="lt1"/>
+          </a:fontRef>
+        </p:style>
+        <p:txBody>
+          <a:bodyPr rot="0" spcFirstLastPara="0" vertOverflow="overflow" horzOverflow="overflow" vert="horz" wrap="square" lIns="91440" tIns="45720" rIns="91440" bIns="45720" numCol="1" spcCol="0" rtlCol="0" fromWordArt="0" anchor="ctr" anchorCtr="0" forceAA="0" compatLnSpc="1">
+            <a:noAutofit/>
+          </a:bodyPr>
+          <a:lstStyle/>
+          <a:p>
+            <a:pPr algn="ctr"/>
+            <a:endParaRPr lang="zh-CN" altLang="en-US"/>
+          </a:p>
+        </p:txBody>
+      </p:sp>
+      <p:sp>
+        <p:nvSpPr>
+          <p:cNvPr id="2" name="文本框 1">
+            <a:extLst>
+              <a:ext uri="{FF2B5EF4-FFF2-40B4-BE49-F238E27FC236}">
+                <a16:creationId xmlns:a16="http://schemas.microsoft.com/office/drawing/2014/main" id="{0F7D0A9B-401A-9893-DEF7-2C6FF8D47F90}"/>
+              </a:ext>
+            </a:extLst>
+          </p:cNvPr>
+          <p:cNvSpPr txBox="1"/>
+          <p:nvPr/>
+        </p:nvSpPr>
+        <p:spPr bwMode="auto">
+          <a:xfrm>
+            <a:off x="716143" y="409326"/>
+            <a:ext cx="10675471" cy="523220"/>
+          </a:xfrm>
+          <a:prstGeom prst="rect">
+            <a:avLst/>
+          </a:prstGeom>
+          <a:noFill/>
+        </p:spPr>
+        <p:txBody>
+          <a:bodyPr wrap="square">
+            <a:spAutoFit/>
+            <a:scene3d>
+              <a:camera prst="orthographicFront"/>
+              <a:lightRig rig="threePt" dir="t"/>
+            </a:scene3d>
+            <a:sp3d contourW="12700"/>
+          </a:bodyPr>
+          <a:lstStyle/>
+          <a:p>
+            <a:pPr>
+              <a:defRPr/>
+            </a:pPr>
+            <a:r>
+              <a:rPr lang="zh-CN" altLang="en-US" sz="2800" b="1" dirty="0">
+                <a:solidFill>
+                  <a:srgbClr val="7F12B6"/>
+                </a:solidFill>
+                <a:latin typeface="时尚中黑简体" panose="01010104010101010101" pitchFamily="2" charset="-122"/>
+                <a:ea typeface="时尚中黑简体" panose="01010104010101010101" pitchFamily="2" charset="-122"/>
+              </a:rPr>
+              <a:t>实验方案 一    导航与安全</a:t>
+            </a:r>
+            <a:endParaRPr lang="en-US" altLang="zh-CN" sz="2800" b="1" dirty="0">
+              <a:solidFill>
+                <a:srgbClr val="7F12B6"/>
+              </a:solidFill>
+              <a:latin typeface="时尚中黑简体" panose="01010104010101010101" pitchFamily="2" charset="-122"/>
+              <a:ea typeface="时尚中黑简体" panose="01010104010101010101" pitchFamily="2" charset="-122"/>
+            </a:endParaRPr>
+          </a:p>
+        </p:txBody>
+      </p:sp>
+      <p:sp>
+        <p:nvSpPr>
+          <p:cNvPr id="5" name="文本框 4">
+            <a:extLst>
+              <a:ext uri="{FF2B5EF4-FFF2-40B4-BE49-F238E27FC236}">
+                <a16:creationId xmlns:a16="http://schemas.microsoft.com/office/drawing/2014/main" id="{34615C27-0FC5-7296-FD7C-1DBC8E0DDAE7}"/>
+              </a:ext>
+            </a:extLst>
+          </p:cNvPr>
+          <p:cNvSpPr txBox="1"/>
+          <p:nvPr/>
+        </p:nvSpPr>
+        <p:spPr>
+          <a:xfrm>
+            <a:off x="581108" y="1330009"/>
+            <a:ext cx="5438692" cy="6247864"/>
+          </a:xfrm>
+          <a:prstGeom prst="rect">
+            <a:avLst/>
+          </a:prstGeom>
+          <a:noFill/>
+        </p:spPr>
+        <p:txBody>
+          <a:bodyPr wrap="square" rtlCol="0">
+            <a:spAutoFit/>
+          </a:bodyPr>
+          <a:lstStyle/>
+          <a:p>
+            <a:r>
+              <a:rPr lang="zh-CN" altLang="en-US" sz="2000" dirty="0">
+                <a:highlight>
+                  <a:srgbClr val="FFFFFF"/>
+                </a:highlight>
+                <a:latin typeface="-apple-system"/>
+              </a:rPr>
+              <a:t>危险预警：</a:t>
+            </a:r>
+            <a:endParaRPr lang="en-US" altLang="zh-CN" sz="2000" dirty="0">
+              <a:highlight>
+                <a:srgbClr val="FFFFFF"/>
+              </a:highlight>
+              <a:latin typeface="-apple-system"/>
+            </a:endParaRPr>
+          </a:p>
+          <a:p>
+            <a:r>
+              <a:rPr lang="zh-CN" altLang="en-US" sz="2000" dirty="0"/>
+              <a:t>移动物体</a:t>
+            </a:r>
+            <a:r>
+              <a:rPr lang="zh-CN" altLang="en-US" sz="2000" dirty="0">
+                <a:highlight>
+                  <a:srgbClr val="FFFFFF"/>
+                </a:highlight>
+                <a:latin typeface="-apple-system"/>
+              </a:rPr>
+              <a:t>：使用振动类型</a:t>
+            </a:r>
+            <a:endParaRPr lang="en-US" altLang="zh-CN" sz="2000" dirty="0">
+              <a:highlight>
+                <a:srgbClr val="FFFFFF"/>
+              </a:highlight>
+              <a:latin typeface="-apple-system"/>
+            </a:endParaRPr>
+          </a:p>
+          <a:p>
+            <a:r>
+              <a:rPr lang="zh-CN" altLang="en-US" sz="2000" dirty="0">
+                <a:highlight>
+                  <a:srgbClr val="FFFFFF"/>
+                </a:highlight>
+                <a:latin typeface="-apple-system"/>
+              </a:rPr>
+              <a:t>前</a:t>
+            </a:r>
+            <a:r>
+              <a:rPr lang="en-US" altLang="zh-CN" sz="2000" dirty="0">
+                <a:highlight>
+                  <a:srgbClr val="FFFFFF"/>
+                </a:highlight>
+                <a:latin typeface="-apple-system"/>
+              </a:rPr>
+              <a:t> --- </a:t>
+            </a:r>
+            <a:r>
+              <a:rPr lang="zh-CN" altLang="en-US" sz="2000" dirty="0">
+                <a:highlight>
+                  <a:srgbClr val="FFFFFF"/>
+                </a:highlight>
+                <a:latin typeface="-apple-system"/>
+              </a:rPr>
+              <a:t>停止：手机手表同时振动</a:t>
+            </a:r>
+            <a:endParaRPr lang="en-US" altLang="zh-CN" sz="2000" dirty="0">
+              <a:highlight>
+                <a:srgbClr val="FFFFFF"/>
+              </a:highlight>
+              <a:latin typeface="-apple-system"/>
+            </a:endParaRPr>
+          </a:p>
+          <a:p>
+            <a:r>
+              <a:rPr lang="zh-CN" altLang="en-US" sz="2000" dirty="0">
+                <a:highlight>
+                  <a:srgbClr val="FFFFFF"/>
+                </a:highlight>
+                <a:latin typeface="-apple-system"/>
+              </a:rPr>
+              <a:t>后 </a:t>
+            </a:r>
+            <a:r>
+              <a:rPr lang="en-US" altLang="zh-CN" sz="2000" dirty="0">
+                <a:highlight>
+                  <a:srgbClr val="FFFFFF"/>
+                </a:highlight>
+                <a:latin typeface="-apple-system"/>
+              </a:rPr>
+              <a:t>--- </a:t>
+            </a:r>
+          </a:p>
+          <a:p>
+            <a:r>
+              <a:rPr lang="zh-CN" altLang="en-US" sz="2000" dirty="0">
+                <a:highlight>
+                  <a:srgbClr val="FFFFFF"/>
+                </a:highlight>
+                <a:latin typeface="-apple-system"/>
+              </a:rPr>
+              <a:t>左 </a:t>
+            </a:r>
+            <a:r>
+              <a:rPr lang="en-US" altLang="zh-CN" sz="2000" dirty="0">
+                <a:highlight>
+                  <a:srgbClr val="FFFFFF"/>
+                </a:highlight>
+                <a:latin typeface="-apple-system"/>
+              </a:rPr>
+              <a:t>--- </a:t>
+            </a:r>
+            <a:r>
+              <a:rPr lang="zh-CN" altLang="en-US" sz="2000" dirty="0">
+                <a:highlight>
+                  <a:srgbClr val="FFFFFF"/>
+                </a:highlight>
+                <a:latin typeface="-apple-system"/>
+              </a:rPr>
+              <a:t>手表（离散） </a:t>
+            </a:r>
+            <a:endParaRPr lang="en-US" altLang="zh-CN" sz="2000" dirty="0">
+              <a:highlight>
+                <a:srgbClr val="FFFFFF"/>
+              </a:highlight>
+              <a:latin typeface="-apple-system"/>
+            </a:endParaRPr>
+          </a:p>
+          <a:p>
+            <a:r>
+              <a:rPr lang="zh-CN" altLang="en-US" sz="2000" dirty="0">
+                <a:highlight>
+                  <a:srgbClr val="FFFFFF"/>
+                </a:highlight>
+                <a:latin typeface="-apple-system"/>
+              </a:rPr>
+              <a:t>右 </a:t>
+            </a:r>
+            <a:r>
+              <a:rPr lang="en-US" altLang="zh-CN" sz="2000" dirty="0">
+                <a:highlight>
+                  <a:srgbClr val="FFFFFF"/>
+                </a:highlight>
+                <a:latin typeface="-apple-system"/>
+              </a:rPr>
+              <a:t>--- </a:t>
+            </a:r>
+            <a:r>
+              <a:rPr lang="zh-CN" altLang="en-US" sz="2000" dirty="0">
+                <a:highlight>
+                  <a:srgbClr val="FFFFFF"/>
+                </a:highlight>
+                <a:latin typeface="-apple-system"/>
+              </a:rPr>
+              <a:t>手机（离散）</a:t>
+            </a:r>
+            <a:endParaRPr lang="en-US" altLang="zh-CN" sz="2000" dirty="0">
+              <a:highlight>
+                <a:srgbClr val="FFFFFF"/>
+              </a:highlight>
+              <a:latin typeface="-apple-system"/>
+            </a:endParaRPr>
+          </a:p>
+          <a:p>
+            <a:endParaRPr lang="en-US" altLang="zh-CN" sz="2000" dirty="0">
+              <a:highlight>
+                <a:srgbClr val="FFFFFF"/>
+              </a:highlight>
+              <a:latin typeface="-apple-system"/>
+            </a:endParaRPr>
+          </a:p>
+          <a:p>
+            <a:r>
+              <a:rPr lang="zh-CN" altLang="en-US" sz="2000" dirty="0">
+                <a:highlight>
+                  <a:srgbClr val="FFFFFF"/>
+                </a:highlight>
+                <a:latin typeface="-apple-system"/>
+              </a:rPr>
+              <a:t>路况不佳：</a:t>
+            </a:r>
+            <a:endParaRPr lang="en-US" altLang="zh-CN" sz="2000" dirty="0">
+              <a:highlight>
+                <a:srgbClr val="FFFFFF"/>
+              </a:highlight>
+              <a:latin typeface="-apple-system"/>
+            </a:endParaRPr>
+          </a:p>
+          <a:p>
+            <a:r>
+              <a:rPr lang="zh-CN" altLang="en-US" sz="2000" dirty="0">
+                <a:highlight>
+                  <a:srgbClr val="FFFFFF"/>
+                </a:highlight>
+                <a:latin typeface="-apple-system"/>
+              </a:rPr>
+              <a:t>手表（离散）</a:t>
+            </a:r>
+            <a:r>
+              <a:rPr lang="en-US" altLang="zh-CN" sz="2000" dirty="0">
+                <a:highlight>
+                  <a:srgbClr val="FFFFFF"/>
+                </a:highlight>
+                <a:latin typeface="-apple-system"/>
+              </a:rPr>
+              <a:t>* 2</a:t>
+            </a:r>
+          </a:p>
+          <a:p>
+            <a:endParaRPr lang="en-US" altLang="zh-CN" sz="2000" dirty="0">
+              <a:highlight>
+                <a:srgbClr val="FFFFFF"/>
+              </a:highlight>
+              <a:latin typeface="-apple-system"/>
+            </a:endParaRPr>
+          </a:p>
+          <a:p>
+            <a:r>
+              <a:rPr lang="zh-CN" altLang="en-US" sz="2000" dirty="0">
+                <a:highlight>
+                  <a:srgbClr val="FFFFFF"/>
+                </a:highlight>
+                <a:latin typeface="-apple-system"/>
+              </a:rPr>
+              <a:t>天气不佳 ：</a:t>
+            </a:r>
+            <a:endParaRPr lang="en-US" altLang="zh-CN" sz="2000" dirty="0">
+              <a:highlight>
+                <a:srgbClr val="FFFFFF"/>
+              </a:highlight>
+              <a:latin typeface="-apple-system"/>
+            </a:endParaRPr>
+          </a:p>
+          <a:p>
+            <a:r>
+              <a:rPr lang="zh-CN" altLang="en-US" sz="2000" dirty="0">
+                <a:highlight>
+                  <a:srgbClr val="FFFFFF"/>
+                </a:highlight>
+                <a:latin typeface="-apple-system"/>
+              </a:rPr>
+              <a:t>手机（离散）</a:t>
+            </a:r>
+            <a:r>
+              <a:rPr lang="en-US" altLang="zh-CN" sz="2000" dirty="0">
+                <a:highlight>
+                  <a:srgbClr val="FFFFFF"/>
+                </a:highlight>
+                <a:latin typeface="-apple-system"/>
+              </a:rPr>
+              <a:t>* 2</a:t>
+            </a:r>
+          </a:p>
+          <a:p>
+            <a:endParaRPr lang="en-US" altLang="zh-CN" sz="2000" dirty="0">
+              <a:highlight>
+                <a:srgbClr val="FFFFFF"/>
+              </a:highlight>
+              <a:latin typeface="-apple-system"/>
+            </a:endParaRPr>
+          </a:p>
+          <a:p>
+            <a:r>
+              <a:rPr lang="zh-CN" altLang="en-US" sz="2000" dirty="0"/>
+              <a:t>上下楼梯：</a:t>
+            </a:r>
+            <a:endParaRPr lang="en-US" altLang="zh-CN" sz="2000" dirty="0"/>
+          </a:p>
+          <a:p>
+            <a:r>
+              <a:rPr lang="zh-CN" altLang="en-US" sz="2000" dirty="0">
+                <a:highlight>
+                  <a:srgbClr val="FFFFFF"/>
+                </a:highlight>
+                <a:latin typeface="-apple-system"/>
+              </a:rPr>
+              <a:t>停止：手机手表同时振动</a:t>
+            </a:r>
+            <a:endParaRPr lang="en-US" altLang="zh-CN" sz="2000" dirty="0">
+              <a:highlight>
+                <a:srgbClr val="FFFFFF"/>
+              </a:highlight>
+              <a:latin typeface="-apple-system"/>
+            </a:endParaRPr>
+          </a:p>
+          <a:p>
+            <a:r>
+              <a:rPr lang="zh-CN" altLang="en-US" sz="2000" dirty="0">
+                <a:highlight>
+                  <a:srgbClr val="FFFFFF"/>
+                </a:highlight>
+                <a:latin typeface="-apple-system"/>
+              </a:rPr>
+              <a:t>手表与手机交替振动 （离散）</a:t>
+            </a:r>
+            <a:endParaRPr lang="en-US" altLang="zh-CN" sz="2000" dirty="0"/>
+          </a:p>
+          <a:p>
+            <a:endParaRPr lang="en-US" altLang="zh-CN" sz="2000" dirty="0"/>
+          </a:p>
+          <a:p>
+            <a:endParaRPr lang="en-US" altLang="zh-CN" sz="2000" dirty="0">
+              <a:highlight>
+                <a:srgbClr val="FFFFFF"/>
+              </a:highlight>
+              <a:latin typeface="-apple-system"/>
+            </a:endParaRPr>
+          </a:p>
+          <a:p>
+            <a:endParaRPr lang="en-US" altLang="zh-CN" sz="2000" dirty="0">
+              <a:highlight>
+                <a:srgbClr val="FFFFFF"/>
+              </a:highlight>
+              <a:latin typeface="-apple-system"/>
+            </a:endParaRPr>
+          </a:p>
+          <a:p>
+            <a:endParaRPr lang="en-US" altLang="zh-CN" sz="2000" dirty="0">
+              <a:highlight>
+                <a:srgbClr val="FFFFFF"/>
+              </a:highlight>
+              <a:latin typeface="-apple-system"/>
+            </a:endParaRPr>
+          </a:p>
+        </p:txBody>
+      </p:sp>
+      <p:pic>
+        <p:nvPicPr>
+          <p:cNvPr id="3" name="图片 2">
+            <a:extLst>
+              <a:ext uri="{FF2B5EF4-FFF2-40B4-BE49-F238E27FC236}">
+                <a16:creationId xmlns:a16="http://schemas.microsoft.com/office/drawing/2014/main" id="{7B09800B-DE6E-AE5B-1C57-82A0E0CC9E24}"/>
+              </a:ext>
+            </a:extLst>
+          </p:cNvPr>
+          <p:cNvPicPr>
+            <a:picLocks noChangeAspect="1"/>
+          </p:cNvPicPr>
+          <p:nvPr/>
+        </p:nvPicPr>
+        <p:blipFill>
+          <a:blip r:embed="rId3"/>
+          <a:stretch>
+            <a:fillRect/>
+          </a:stretch>
+        </p:blipFill>
+        <p:spPr>
+          <a:xfrm>
+            <a:off x="6880865" y="1330008"/>
+            <a:ext cx="3802375" cy="3743079"/>
+          </a:xfrm>
+          <a:prstGeom prst="rect">
+            <a:avLst/>
+          </a:prstGeom>
+        </p:spPr>
+      </p:pic>
+    </p:spTree>
+    <p:extLst>
+      <p:ext uri="{BB962C8B-B14F-4D97-AF65-F5344CB8AC3E}">
+        <p14:creationId xmlns:p14="http://schemas.microsoft.com/office/powerpoint/2010/main" val="863549677"/>
+      </p:ext>
+    </p:extLst>
+  </p:cSld>
+  <p:clrMapOvr>
+    <a:masterClrMapping/>
+  </p:clrMapOvr>
+  <mc:AlternateContent xmlns:mc="http://schemas.openxmlformats.org/markup-compatibility/2006" xmlns:p14="http://schemas.microsoft.com/office/powerpoint/2010/main">
+    <mc:Choice Requires="p14">
+      <p:transition spd="slow" p14:dur="1500" advTm="0">
+        <p:random/>
+      </p:transition>
+    </mc:Choice>
+    <mc:Fallback xmlns="">
+      <p:transition spd="slow" advTm="0">
+        <p:random/>
+      </p:transition>
+    </mc:Fallback>
+  </mc:AlternateContent>
+</p:sld>
+</file>
+
+<file path=ppt/slides/slide5.xml><?xml version="1.0" encoding="utf-8"?>
+<p:sld xmlns:a="http://schemas.openxmlformats.org/drawingml/2006/main" xmlns:r="http://schemas.openxmlformats.org/officeDocument/2006/relationships" xmlns:p="http://schemas.openxmlformats.org/presentationml/2006/main">
+  <p:cSld>
+    <p:spTree>
+      <p:nvGrpSpPr>
+        <p:cNvPr id="1" name=""/>
+        <p:cNvGrpSpPr/>
+        <p:nvPr/>
+      </p:nvGrpSpPr>
+      <p:grpSpPr>
+        <a:xfrm>
+          <a:off x="0" y="0"/>
+          <a:ext cx="0" cy="0"/>
+          <a:chOff x="0" y="0"/>
+          <a:chExt cx="0" cy="0"/>
+        </a:xfrm>
+      </p:grpSpPr>
+      <p:grpSp>
+        <p:nvGrpSpPr>
+          <p:cNvPr id="21" name="组合 20"/>
+          <p:cNvGrpSpPr/>
+          <p:nvPr/>
+        </p:nvGrpSpPr>
+        <p:grpSpPr>
+          <a:xfrm>
+            <a:off x="5270500" y="510493"/>
+            <a:ext cx="7561033" cy="380555"/>
+            <a:chOff x="6997699" y="510493"/>
+            <a:chExt cx="5794625" cy="380555"/>
+          </a:xfrm>
+        </p:grpSpPr>
+        <p:sp>
+          <p:nvSpPr>
+            <p:cNvPr id="22" name="任意多边形: 形状 21"/>
+            <p:cNvSpPr/>
+            <p:nvPr userDrawn="1"/>
+          </p:nvSpPr>
+          <p:spPr>
+            <a:xfrm flipH="1">
+              <a:off x="6997699" y="764493"/>
+              <a:ext cx="5376633" cy="126555"/>
+            </a:xfrm>
+            <a:custGeom>
+              <a:avLst/>
+              <a:gdLst>
+                <a:gd name="connsiteX0" fmla="*/ 7367523 w 7367523"/>
+                <a:gd name="connsiteY0" fmla="*/ 0 h 173416"/>
+                <a:gd name="connsiteX1" fmla="*/ 6374783 w 7367523"/>
+                <a:gd name="connsiteY1" fmla="*/ 0 h 173416"/>
+                <a:gd name="connsiteX2" fmla="*/ 6240349 w 7367523"/>
+                <a:gd name="connsiteY2" fmla="*/ 0 h 173416"/>
+                <a:gd name="connsiteX3" fmla="*/ 5540227 w 7367523"/>
+                <a:gd name="connsiteY3" fmla="*/ 0 h 173416"/>
+                <a:gd name="connsiteX4" fmla="*/ 5247612 w 7367523"/>
+                <a:gd name="connsiteY4" fmla="*/ 0 h 173416"/>
+                <a:gd name="connsiteX5" fmla="*/ 4707193 w 7367523"/>
+                <a:gd name="connsiteY5" fmla="*/ 0 h 173416"/>
+                <a:gd name="connsiteX6" fmla="*/ 4413053 w 7367523"/>
+                <a:gd name="connsiteY6" fmla="*/ 0 h 173416"/>
+                <a:gd name="connsiteX7" fmla="*/ 3865356 w 7367523"/>
+                <a:gd name="connsiteY7" fmla="*/ 0 h 173416"/>
+                <a:gd name="connsiteX8" fmla="*/ 3580019 w 7367523"/>
+                <a:gd name="connsiteY8" fmla="*/ 0 h 173416"/>
+                <a:gd name="connsiteX9" fmla="*/ 2872616 w 7367523"/>
+                <a:gd name="connsiteY9" fmla="*/ 0 h 173416"/>
+                <a:gd name="connsiteX10" fmla="*/ 2738183 w 7367523"/>
+                <a:gd name="connsiteY10" fmla="*/ 0 h 173416"/>
+                <a:gd name="connsiteX11" fmla="*/ 2038060 w 7367523"/>
+                <a:gd name="connsiteY11" fmla="*/ 0 h 173416"/>
+                <a:gd name="connsiteX12" fmla="*/ 1745445 w 7367523"/>
+                <a:gd name="connsiteY12" fmla="*/ 0 h 173416"/>
+                <a:gd name="connsiteX13" fmla="*/ 1205026 w 7367523"/>
+                <a:gd name="connsiteY13" fmla="*/ 0 h 173416"/>
+                <a:gd name="connsiteX14" fmla="*/ 910887 w 7367523"/>
+                <a:gd name="connsiteY14" fmla="*/ 0 h 173416"/>
+                <a:gd name="connsiteX15" fmla="*/ 77853 w 7367523"/>
+                <a:gd name="connsiteY15" fmla="*/ 0 h 173416"/>
+                <a:gd name="connsiteX16" fmla="*/ 0 w 7367523"/>
+                <a:gd name="connsiteY16" fmla="*/ 173416 h 173416"/>
+                <a:gd name="connsiteX17" fmla="*/ 7289670 w 7367523"/>
+                <a:gd name="connsiteY17" fmla="*/ 173416 h 173416"/>
+              </a:gdLst>
+              <a:ahLst/>
+              <a:cxnLst>
+                <a:cxn ang="0">
+                  <a:pos x="connsiteX0" y="connsiteY0"/>
+                </a:cxn>
+                <a:cxn ang="0">
+                  <a:pos x="connsiteX1" y="connsiteY1"/>
+                </a:cxn>
+                <a:cxn ang="0">
+                  <a:pos x="connsiteX2" y="connsiteY2"/>
+                </a:cxn>
+                <a:cxn ang="0">
+                  <a:pos x="connsiteX3" y="connsiteY3"/>
+                </a:cxn>
+                <a:cxn ang="0">
+                  <a:pos x="connsiteX4" y="connsiteY4"/>
+                </a:cxn>
+                <a:cxn ang="0">
+                  <a:pos x="connsiteX5" y="connsiteY5"/>
+                </a:cxn>
+                <a:cxn ang="0">
+                  <a:pos x="connsiteX6" y="connsiteY6"/>
+                </a:cxn>
+                <a:cxn ang="0">
+                  <a:pos x="connsiteX7" y="connsiteY7"/>
+                </a:cxn>
+                <a:cxn ang="0">
+                  <a:pos x="connsiteX8" y="connsiteY8"/>
+                </a:cxn>
+                <a:cxn ang="0">
+                  <a:pos x="connsiteX9" y="connsiteY9"/>
+                </a:cxn>
+                <a:cxn ang="0">
+                  <a:pos x="connsiteX10" y="connsiteY10"/>
+                </a:cxn>
+                <a:cxn ang="0">
+                  <a:pos x="connsiteX11" y="connsiteY11"/>
+                </a:cxn>
+                <a:cxn ang="0">
+                  <a:pos x="connsiteX12" y="connsiteY12"/>
+                </a:cxn>
+                <a:cxn ang="0">
+                  <a:pos x="connsiteX13" y="connsiteY13"/>
+                </a:cxn>
+                <a:cxn ang="0">
+                  <a:pos x="connsiteX14" y="connsiteY14"/>
+                </a:cxn>
+                <a:cxn ang="0">
+                  <a:pos x="connsiteX15" y="connsiteY15"/>
+                </a:cxn>
+                <a:cxn ang="0">
+                  <a:pos x="connsiteX16" y="connsiteY16"/>
+                </a:cxn>
+                <a:cxn ang="0">
+                  <a:pos x="connsiteX17" y="connsiteY17"/>
+                </a:cxn>
+              </a:cxnLst>
+              <a:rect l="l" t="t" r="r" b="b"/>
+              <a:pathLst>
+                <a:path w="7367523" h="173416">
+                  <a:moveTo>
+                    <a:pt x="7367523" y="0"/>
+                  </a:moveTo>
+                  <a:lnTo>
+                    <a:pt x="6374783" y="0"/>
+                  </a:lnTo>
+                  <a:lnTo>
+                    <a:pt x="6240349" y="0"/>
+                  </a:lnTo>
+                  <a:lnTo>
+                    <a:pt x="5540227" y="0"/>
+                  </a:lnTo>
+                  <a:lnTo>
+                    <a:pt x="5247612" y="0"/>
+                  </a:lnTo>
+                  <a:lnTo>
+                    <a:pt x="4707193" y="0"/>
+                  </a:lnTo>
+                  <a:lnTo>
+                    <a:pt x="4413053" y="0"/>
+                  </a:lnTo>
+                  <a:lnTo>
+                    <a:pt x="3865356" y="0"/>
+                  </a:lnTo>
+                  <a:lnTo>
+                    <a:pt x="3580019" y="0"/>
+                  </a:lnTo>
+                  <a:lnTo>
+                    <a:pt x="2872616" y="0"/>
+                  </a:lnTo>
+                  <a:lnTo>
+                    <a:pt x="2738183" y="0"/>
+                  </a:lnTo>
+                  <a:lnTo>
+                    <a:pt x="2038060" y="0"/>
+                  </a:lnTo>
+                  <a:lnTo>
+                    <a:pt x="1745445" y="0"/>
+                  </a:lnTo>
+                  <a:lnTo>
+                    <a:pt x="1205026" y="0"/>
+                  </a:lnTo>
+                  <a:lnTo>
+                    <a:pt x="910887" y="0"/>
+                  </a:lnTo>
+                  <a:lnTo>
+                    <a:pt x="77853" y="0"/>
+                  </a:lnTo>
+                  <a:lnTo>
+                    <a:pt x="0" y="173416"/>
+                  </a:lnTo>
+                  <a:lnTo>
+                    <a:pt x="7289670" y="173416"/>
+                  </a:lnTo>
+                  <a:close/>
+                </a:path>
+              </a:pathLst>
+            </a:custGeom>
+            <a:gradFill flip="none" rotWithShape="0">
+              <a:gsLst>
+                <a:gs pos="0">
+                  <a:srgbClr val="228AF2"/>
+                </a:gs>
+                <a:gs pos="94000">
+                  <a:srgbClr val="7F12B6"/>
+                </a:gs>
+              </a:gsLst>
+              <a:lin ang="2700000" scaled="1"/>
+              <a:tileRect/>
+            </a:gradFill>
+            <a:ln>
+              <a:noFill/>
+            </a:ln>
+          </p:spPr>
+          <p:style>
+            <a:lnRef idx="2">
+              <a:schemeClr val="accent1">
+                <a:shade val="50000"/>
+              </a:schemeClr>
+            </a:lnRef>
+            <a:fillRef idx="1">
+              <a:schemeClr val="accent1"/>
+            </a:fillRef>
+            <a:effectRef idx="0">
+              <a:schemeClr val="accent1"/>
+            </a:effectRef>
+            <a:fontRef idx="minor">
+              <a:schemeClr val="lt1"/>
+            </a:fontRef>
+          </p:style>
+          <p:txBody>
+            <a:bodyPr rot="0" spcFirstLastPara="0" vertOverflow="overflow" horzOverflow="overflow" vert="horz" wrap="square" lIns="91440" tIns="45720" rIns="91440" bIns="45720" numCol="1" spcCol="0" rtlCol="0" fromWordArt="0" anchor="ctr" anchorCtr="0" forceAA="0" compatLnSpc="1">
+              <a:noAutofit/>
+            </a:bodyPr>
+            <a:lstStyle/>
+            <a:p>
+              <a:pPr algn="ctr"/>
+              <a:endParaRPr lang="zh-CN" altLang="en-US"/>
+            </a:p>
+          </p:txBody>
+        </p:sp>
+        <p:sp>
+          <p:nvSpPr>
+            <p:cNvPr id="23" name="任意多边形: 形状 22"/>
+            <p:cNvSpPr/>
+            <p:nvPr userDrawn="1"/>
+          </p:nvSpPr>
+          <p:spPr>
+            <a:xfrm flipH="1">
+              <a:off x="7415691" y="510493"/>
+              <a:ext cx="5376633" cy="126555"/>
+            </a:xfrm>
+            <a:custGeom>
+              <a:avLst/>
+              <a:gdLst>
+                <a:gd name="connsiteX0" fmla="*/ 7367523 w 7367523"/>
+                <a:gd name="connsiteY0" fmla="*/ 0 h 173416"/>
+                <a:gd name="connsiteX1" fmla="*/ 6374783 w 7367523"/>
+                <a:gd name="connsiteY1" fmla="*/ 0 h 173416"/>
+                <a:gd name="connsiteX2" fmla="*/ 6240349 w 7367523"/>
+                <a:gd name="connsiteY2" fmla="*/ 0 h 173416"/>
+                <a:gd name="connsiteX3" fmla="*/ 5540227 w 7367523"/>
+                <a:gd name="connsiteY3" fmla="*/ 0 h 173416"/>
+                <a:gd name="connsiteX4" fmla="*/ 5247612 w 7367523"/>
+                <a:gd name="connsiteY4" fmla="*/ 0 h 173416"/>
+                <a:gd name="connsiteX5" fmla="*/ 4707193 w 7367523"/>
+                <a:gd name="connsiteY5" fmla="*/ 0 h 173416"/>
+                <a:gd name="connsiteX6" fmla="*/ 4413053 w 7367523"/>
+                <a:gd name="connsiteY6" fmla="*/ 0 h 173416"/>
+                <a:gd name="connsiteX7" fmla="*/ 3865356 w 7367523"/>
+                <a:gd name="connsiteY7" fmla="*/ 0 h 173416"/>
+                <a:gd name="connsiteX8" fmla="*/ 3580019 w 7367523"/>
+                <a:gd name="connsiteY8" fmla="*/ 0 h 173416"/>
+                <a:gd name="connsiteX9" fmla="*/ 2872616 w 7367523"/>
+                <a:gd name="connsiteY9" fmla="*/ 0 h 173416"/>
+                <a:gd name="connsiteX10" fmla="*/ 2738183 w 7367523"/>
+                <a:gd name="connsiteY10" fmla="*/ 0 h 173416"/>
+                <a:gd name="connsiteX11" fmla="*/ 2038060 w 7367523"/>
+                <a:gd name="connsiteY11" fmla="*/ 0 h 173416"/>
+                <a:gd name="connsiteX12" fmla="*/ 1745445 w 7367523"/>
+                <a:gd name="connsiteY12" fmla="*/ 0 h 173416"/>
+                <a:gd name="connsiteX13" fmla="*/ 1205026 w 7367523"/>
+                <a:gd name="connsiteY13" fmla="*/ 0 h 173416"/>
+                <a:gd name="connsiteX14" fmla="*/ 910887 w 7367523"/>
+                <a:gd name="connsiteY14" fmla="*/ 0 h 173416"/>
+                <a:gd name="connsiteX15" fmla="*/ 77853 w 7367523"/>
+                <a:gd name="connsiteY15" fmla="*/ 0 h 173416"/>
+                <a:gd name="connsiteX16" fmla="*/ 0 w 7367523"/>
+                <a:gd name="connsiteY16" fmla="*/ 173416 h 173416"/>
+                <a:gd name="connsiteX17" fmla="*/ 7289670 w 7367523"/>
+                <a:gd name="connsiteY17" fmla="*/ 173416 h 173416"/>
+              </a:gdLst>
+              <a:ahLst/>
+              <a:cxnLst>
+                <a:cxn ang="0">
+                  <a:pos x="connsiteX0" y="connsiteY0"/>
+                </a:cxn>
+                <a:cxn ang="0">
+                  <a:pos x="connsiteX1" y="connsiteY1"/>
+                </a:cxn>
+                <a:cxn ang="0">
+                  <a:pos x="connsiteX2" y="connsiteY2"/>
+                </a:cxn>
+                <a:cxn ang="0">
+                  <a:pos x="connsiteX3" y="connsiteY3"/>
+                </a:cxn>
+                <a:cxn ang="0">
+                  <a:pos x="connsiteX4" y="connsiteY4"/>
+                </a:cxn>
+                <a:cxn ang="0">
+                  <a:pos x="connsiteX5" y="connsiteY5"/>
+                </a:cxn>
+                <a:cxn ang="0">
+                  <a:pos x="connsiteX6" y="connsiteY6"/>
+                </a:cxn>
+                <a:cxn ang="0">
+                  <a:pos x="connsiteX7" y="connsiteY7"/>
+                </a:cxn>
+                <a:cxn ang="0">
+                  <a:pos x="connsiteX8" y="connsiteY8"/>
+                </a:cxn>
+                <a:cxn ang="0">
+                  <a:pos x="connsiteX9" y="connsiteY9"/>
+                </a:cxn>
+                <a:cxn ang="0">
+                  <a:pos x="connsiteX10" y="connsiteY10"/>
+                </a:cxn>
+                <a:cxn ang="0">
+                  <a:pos x="connsiteX11" y="connsiteY11"/>
+                </a:cxn>
+                <a:cxn ang="0">
+                  <a:pos x="connsiteX12" y="connsiteY12"/>
+                </a:cxn>
+                <a:cxn ang="0">
+                  <a:pos x="connsiteX13" y="connsiteY13"/>
+                </a:cxn>
+                <a:cxn ang="0">
+                  <a:pos x="connsiteX14" y="connsiteY14"/>
+                </a:cxn>
+                <a:cxn ang="0">
+                  <a:pos x="connsiteX15" y="connsiteY15"/>
+                </a:cxn>
+                <a:cxn ang="0">
+                  <a:pos x="connsiteX16" y="connsiteY16"/>
+                </a:cxn>
+                <a:cxn ang="0">
+                  <a:pos x="connsiteX17" y="connsiteY17"/>
+                </a:cxn>
+              </a:cxnLst>
+              <a:rect l="l" t="t" r="r" b="b"/>
+              <a:pathLst>
+                <a:path w="7367523" h="173416">
+                  <a:moveTo>
+                    <a:pt x="7367523" y="0"/>
+                  </a:moveTo>
+                  <a:lnTo>
+                    <a:pt x="6374783" y="0"/>
+                  </a:lnTo>
+                  <a:lnTo>
+                    <a:pt x="6240349" y="0"/>
+                  </a:lnTo>
+                  <a:lnTo>
+                    <a:pt x="5540227" y="0"/>
+                  </a:lnTo>
+                  <a:lnTo>
+                    <a:pt x="5247612" y="0"/>
+                  </a:lnTo>
+                  <a:lnTo>
+                    <a:pt x="4707193" y="0"/>
+                  </a:lnTo>
+                  <a:lnTo>
+                    <a:pt x="4413053" y="0"/>
+                  </a:lnTo>
+                  <a:lnTo>
+                    <a:pt x="3865356" y="0"/>
+                  </a:lnTo>
+                  <a:lnTo>
+                    <a:pt x="3580019" y="0"/>
+                  </a:lnTo>
+                  <a:lnTo>
+                    <a:pt x="2872616" y="0"/>
+                  </a:lnTo>
+                  <a:lnTo>
+                    <a:pt x="2738183" y="0"/>
+                  </a:lnTo>
+                  <a:lnTo>
+                    <a:pt x="2038060" y="0"/>
+                  </a:lnTo>
+                  <a:lnTo>
+                    <a:pt x="1745445" y="0"/>
+                  </a:lnTo>
+                  <a:lnTo>
+                    <a:pt x="1205026" y="0"/>
+                  </a:lnTo>
+                  <a:lnTo>
+                    <a:pt x="910887" y="0"/>
+                  </a:lnTo>
+                  <a:lnTo>
+                    <a:pt x="77853" y="0"/>
+                  </a:lnTo>
+                  <a:lnTo>
+                    <a:pt x="0" y="173416"/>
+                  </a:lnTo>
+                  <a:lnTo>
+                    <a:pt x="7289670" y="173416"/>
+                  </a:lnTo>
+                  <a:close/>
+                </a:path>
+              </a:pathLst>
+            </a:custGeom>
+            <a:solidFill>
+              <a:schemeClr val="bg2"/>
+            </a:solidFill>
+            <a:ln>
+              <a:noFill/>
+            </a:ln>
+          </p:spPr>
+          <p:style>
+            <a:lnRef idx="2">
+              <a:schemeClr val="accent1">
+                <a:shade val="50000"/>
+              </a:schemeClr>
+            </a:lnRef>
+            <a:fillRef idx="1">
+              <a:schemeClr val="accent1"/>
+            </a:fillRef>
+            <a:effectRef idx="0">
+              <a:schemeClr val="accent1"/>
+            </a:effectRef>
+            <a:fontRef idx="minor">
+              <a:schemeClr val="lt1"/>
+            </a:fontRef>
+          </p:style>
+          <p:txBody>
+            <a:bodyPr rot="0" spcFirstLastPara="0" vertOverflow="overflow" horzOverflow="overflow" vert="horz" wrap="square" lIns="91440" tIns="45720" rIns="91440" bIns="45720" numCol="1" spcCol="0" rtlCol="0" fromWordArt="0" anchor="ctr" anchorCtr="0" forceAA="0" compatLnSpc="1">
+              <a:noAutofit/>
+            </a:bodyPr>
+            <a:lstStyle/>
+            <a:p>
+              <a:pPr algn="ctr"/>
+              <a:endParaRPr lang="zh-CN" altLang="en-US"/>
+            </a:p>
+          </p:txBody>
+        </p:sp>
+      </p:grpSp>
+      <p:sp>
+        <p:nvSpPr>
+          <p:cNvPr id="24" name="任意多边形: 形状 23"/>
+          <p:cNvSpPr/>
+          <p:nvPr/>
+        </p:nvSpPr>
+        <p:spPr>
+          <a:xfrm flipH="1">
+            <a:off x="129621" y="0"/>
+            <a:ext cx="586522" cy="1047087"/>
+          </a:xfrm>
+          <a:custGeom>
+            <a:avLst/>
+            <a:gdLst>
+              <a:gd name="connsiteX0" fmla="*/ 586522 w 586522"/>
+              <a:gd name="connsiteY0" fmla="*/ 0 h 1047087"/>
+              <a:gd name="connsiteX1" fmla="*/ 470079 w 586522"/>
+              <a:gd name="connsiteY1" fmla="*/ 0 h 1047087"/>
+              <a:gd name="connsiteX2" fmla="*/ 0 w 586522"/>
+              <a:gd name="connsiteY2" fmla="*/ 1047087 h 1047087"/>
+              <a:gd name="connsiteX3" fmla="*/ 116443 w 586522"/>
+              <a:gd name="connsiteY3" fmla="*/ 1047087 h 1047087"/>
+            </a:gdLst>
+            <a:ahLst/>
+            <a:cxnLst>
+              <a:cxn ang="0">
+                <a:pos x="connsiteX0" y="connsiteY0"/>
+              </a:cxn>
+              <a:cxn ang="0">
+                <a:pos x="connsiteX1" y="connsiteY1"/>
+              </a:cxn>
+              <a:cxn ang="0">
+                <a:pos x="connsiteX2" y="connsiteY2"/>
+              </a:cxn>
+              <a:cxn ang="0">
+                <a:pos x="connsiteX3" y="connsiteY3"/>
+              </a:cxn>
+            </a:cxnLst>
+            <a:rect l="l" t="t" r="r" b="b"/>
+            <a:pathLst>
+              <a:path w="586522" h="1047087">
+                <a:moveTo>
+                  <a:pt x="586522" y="0"/>
+                </a:moveTo>
+                <a:lnTo>
+                  <a:pt x="470079" y="0"/>
+                </a:lnTo>
+                <a:lnTo>
+                  <a:pt x="0" y="1047087"/>
+                </a:lnTo>
+                <a:lnTo>
+                  <a:pt x="116443" y="1047087"/>
+                </a:lnTo>
+                <a:close/>
+              </a:path>
+            </a:pathLst>
+          </a:custGeom>
+          <a:gradFill flip="none" rotWithShape="0">
+            <a:gsLst>
+              <a:gs pos="0">
+                <a:srgbClr val="53A5F5">
+                  <a:lumMod val="73000"/>
+                  <a:lumOff val="27000"/>
+                </a:srgbClr>
+              </a:gs>
+              <a:gs pos="94000">
+                <a:srgbClr val="9214CF">
+                  <a:lumMod val="73000"/>
+                  <a:lumOff val="27000"/>
+                </a:srgbClr>
+              </a:gs>
+            </a:gsLst>
+            <a:lin ang="2700000" scaled="1"/>
+            <a:tileRect/>
+          </a:gradFill>
+          <a:ln>
+            <a:noFill/>
+          </a:ln>
+        </p:spPr>
+        <p:style>
+          <a:lnRef idx="2">
+            <a:schemeClr val="accent1">
+              <a:shade val="50000"/>
+            </a:schemeClr>
+          </a:lnRef>
+          <a:fillRef idx="1">
+            <a:schemeClr val="accent1"/>
+          </a:fillRef>
+          <a:effectRef idx="0">
+            <a:schemeClr val="accent1"/>
+          </a:effectRef>
+          <a:fontRef idx="minor">
+            <a:schemeClr val="lt1"/>
+          </a:fontRef>
+        </p:style>
+        <p:txBody>
+          <a:bodyPr rot="0" spcFirstLastPara="0" vertOverflow="overflow" horzOverflow="overflow" vert="horz" wrap="square" lIns="91440" tIns="45720" rIns="91440" bIns="45720" numCol="1" spcCol="0" rtlCol="0" fromWordArt="0" anchor="ctr" anchorCtr="0" forceAA="0" compatLnSpc="1">
+            <a:noAutofit/>
+          </a:bodyPr>
+          <a:lstStyle/>
+          <a:p>
+            <a:pPr algn="ctr"/>
+            <a:endParaRPr lang="zh-CN" altLang="en-US"/>
+          </a:p>
+        </p:txBody>
+      </p:sp>
+      <p:sp>
+        <p:nvSpPr>
+          <p:cNvPr id="25" name="任意多边形: 形状 24"/>
+          <p:cNvSpPr/>
+          <p:nvPr/>
+        </p:nvSpPr>
+        <p:spPr>
+          <a:xfrm flipH="1">
+            <a:off x="581108" y="202981"/>
+            <a:ext cx="344503" cy="615023"/>
+          </a:xfrm>
+          <a:custGeom>
+            <a:avLst/>
+            <a:gdLst>
+              <a:gd name="connsiteX0" fmla="*/ 586522 w 586522"/>
+              <a:gd name="connsiteY0" fmla="*/ 0 h 1047087"/>
+              <a:gd name="connsiteX1" fmla="*/ 470079 w 586522"/>
+              <a:gd name="connsiteY1" fmla="*/ 0 h 1047087"/>
+              <a:gd name="connsiteX2" fmla="*/ 0 w 586522"/>
+              <a:gd name="connsiteY2" fmla="*/ 1047087 h 1047087"/>
+              <a:gd name="connsiteX3" fmla="*/ 116443 w 586522"/>
+              <a:gd name="connsiteY3" fmla="*/ 1047087 h 1047087"/>
+            </a:gdLst>
+            <a:ahLst/>
+            <a:cxnLst>
+              <a:cxn ang="0">
+                <a:pos x="connsiteX0" y="connsiteY0"/>
+              </a:cxn>
+              <a:cxn ang="0">
+                <a:pos x="connsiteX1" y="connsiteY1"/>
+              </a:cxn>
+              <a:cxn ang="0">
+                <a:pos x="connsiteX2" y="connsiteY2"/>
+              </a:cxn>
+              <a:cxn ang="0">
+                <a:pos x="connsiteX3" y="connsiteY3"/>
+              </a:cxn>
+            </a:cxnLst>
+            <a:rect l="l" t="t" r="r" b="b"/>
+            <a:pathLst>
+              <a:path w="586522" h="1047087">
+                <a:moveTo>
+                  <a:pt x="586522" y="0"/>
+                </a:moveTo>
+                <a:lnTo>
+                  <a:pt x="470079" y="0"/>
+                </a:lnTo>
+                <a:lnTo>
+                  <a:pt x="0" y="1047087"/>
+                </a:lnTo>
+                <a:lnTo>
+                  <a:pt x="116443" y="1047087"/>
+                </a:lnTo>
+                <a:close/>
+              </a:path>
+            </a:pathLst>
+          </a:custGeom>
+          <a:solidFill>
+            <a:schemeClr val="bg1">
+              <a:lumMod val="95000"/>
+            </a:schemeClr>
+          </a:solidFill>
+          <a:ln>
+            <a:noFill/>
+          </a:ln>
+        </p:spPr>
+        <p:style>
+          <a:lnRef idx="2">
+            <a:schemeClr val="accent1">
+              <a:shade val="50000"/>
+            </a:schemeClr>
+          </a:lnRef>
+          <a:fillRef idx="1">
+            <a:schemeClr val="accent1"/>
+          </a:fillRef>
+          <a:effectRef idx="0">
+            <a:schemeClr val="accent1"/>
+          </a:effectRef>
+          <a:fontRef idx="minor">
+            <a:schemeClr val="lt1"/>
+          </a:fontRef>
+        </p:style>
+        <p:txBody>
+          <a:bodyPr rot="0" spcFirstLastPara="0" vertOverflow="overflow" horzOverflow="overflow" vert="horz" wrap="square" lIns="91440" tIns="45720" rIns="91440" bIns="45720" numCol="1" spcCol="0" rtlCol="0" fromWordArt="0" anchor="ctr" anchorCtr="0" forceAA="0" compatLnSpc="1">
+            <a:noAutofit/>
+          </a:bodyPr>
+          <a:lstStyle/>
+          <a:p>
+            <a:pPr algn="ctr"/>
+            <a:endParaRPr lang="zh-CN" altLang="en-US"/>
+          </a:p>
+        </p:txBody>
+      </p:sp>
+      <p:sp>
+        <p:nvSpPr>
+          <p:cNvPr id="6" name="文本框 5">
+            <a:extLst>
+              <a:ext uri="{FF2B5EF4-FFF2-40B4-BE49-F238E27FC236}">
+                <a16:creationId xmlns:a16="http://schemas.microsoft.com/office/drawing/2014/main" id="{6EF55A2A-20C8-73A3-7635-D9F8FF1B0DF4}"/>
+              </a:ext>
+            </a:extLst>
+          </p:cNvPr>
+          <p:cNvSpPr txBox="1"/>
+          <p:nvPr/>
+        </p:nvSpPr>
+        <p:spPr>
+          <a:xfrm>
             <a:off x="422882" y="1250068"/>
             <a:ext cx="7165440" cy="2308324"/>
           </a:xfrm>
@@ -44596,6 +47434,2525 @@
     <p:extLst>
       <p:ext uri="{BB962C8B-B14F-4D97-AF65-F5344CB8AC3E}">
         <p14:creationId xmlns:p14="http://schemas.microsoft.com/office/powerpoint/2010/main" val="3668361873"/>
+      </p:ext>
+    </p:extLst>
+  </p:cSld>
+  <p:clrMapOvr>
+    <a:masterClrMapping/>
+  </p:clrMapOvr>
+  <mc:AlternateContent xmlns:mc="http://schemas.openxmlformats.org/markup-compatibility/2006" xmlns:p14="http://schemas.microsoft.com/office/powerpoint/2010/main">
+    <mc:Choice Requires="p14">
+      <p:transition spd="slow" p14:dur="1500" advTm="0">
+        <p:random/>
+      </p:transition>
+    </mc:Choice>
+    <mc:Fallback xmlns="">
+      <p:transition spd="slow" advTm="0">
+        <p:random/>
+      </p:transition>
+    </mc:Fallback>
+  </mc:AlternateContent>
+</p:sld>
+</file>
+
+<file path=ppt/slides/slide50.xml><?xml version="1.0" encoding="utf-8"?>
+<p:sld xmlns:a="http://schemas.openxmlformats.org/drawingml/2006/main" xmlns:r="http://schemas.openxmlformats.org/officeDocument/2006/relationships" xmlns:p="http://schemas.openxmlformats.org/presentationml/2006/main">
+  <p:cSld>
+    <p:spTree>
+      <p:nvGrpSpPr>
+        <p:cNvPr id="1" name=""/>
+        <p:cNvGrpSpPr/>
+        <p:nvPr/>
+      </p:nvGrpSpPr>
+      <p:grpSpPr>
+        <a:xfrm>
+          <a:off x="0" y="0"/>
+          <a:ext cx="0" cy="0"/>
+          <a:chOff x="0" y="0"/>
+          <a:chExt cx="0" cy="0"/>
+        </a:xfrm>
+      </p:grpSpPr>
+      <p:grpSp>
+        <p:nvGrpSpPr>
+          <p:cNvPr id="21" name="组合 20"/>
+          <p:cNvGrpSpPr/>
+          <p:nvPr/>
+        </p:nvGrpSpPr>
+        <p:grpSpPr>
+          <a:xfrm>
+            <a:off x="5270500" y="510493"/>
+            <a:ext cx="7561033" cy="380555"/>
+            <a:chOff x="6997699" y="510493"/>
+            <a:chExt cx="5794625" cy="380555"/>
+          </a:xfrm>
+        </p:grpSpPr>
+        <p:sp>
+          <p:nvSpPr>
+            <p:cNvPr id="22" name="任意多边形: 形状 21"/>
+            <p:cNvSpPr/>
+            <p:nvPr userDrawn="1"/>
+          </p:nvSpPr>
+          <p:spPr>
+            <a:xfrm flipH="1">
+              <a:off x="6997699" y="764493"/>
+              <a:ext cx="5376633" cy="126555"/>
+            </a:xfrm>
+            <a:custGeom>
+              <a:avLst/>
+              <a:gdLst>
+                <a:gd name="connsiteX0" fmla="*/ 7367523 w 7367523"/>
+                <a:gd name="connsiteY0" fmla="*/ 0 h 173416"/>
+                <a:gd name="connsiteX1" fmla="*/ 6374783 w 7367523"/>
+                <a:gd name="connsiteY1" fmla="*/ 0 h 173416"/>
+                <a:gd name="connsiteX2" fmla="*/ 6240349 w 7367523"/>
+                <a:gd name="connsiteY2" fmla="*/ 0 h 173416"/>
+                <a:gd name="connsiteX3" fmla="*/ 5540227 w 7367523"/>
+                <a:gd name="connsiteY3" fmla="*/ 0 h 173416"/>
+                <a:gd name="connsiteX4" fmla="*/ 5247612 w 7367523"/>
+                <a:gd name="connsiteY4" fmla="*/ 0 h 173416"/>
+                <a:gd name="connsiteX5" fmla="*/ 4707193 w 7367523"/>
+                <a:gd name="connsiteY5" fmla="*/ 0 h 173416"/>
+                <a:gd name="connsiteX6" fmla="*/ 4413053 w 7367523"/>
+                <a:gd name="connsiteY6" fmla="*/ 0 h 173416"/>
+                <a:gd name="connsiteX7" fmla="*/ 3865356 w 7367523"/>
+                <a:gd name="connsiteY7" fmla="*/ 0 h 173416"/>
+                <a:gd name="connsiteX8" fmla="*/ 3580019 w 7367523"/>
+                <a:gd name="connsiteY8" fmla="*/ 0 h 173416"/>
+                <a:gd name="connsiteX9" fmla="*/ 2872616 w 7367523"/>
+                <a:gd name="connsiteY9" fmla="*/ 0 h 173416"/>
+                <a:gd name="connsiteX10" fmla="*/ 2738183 w 7367523"/>
+                <a:gd name="connsiteY10" fmla="*/ 0 h 173416"/>
+                <a:gd name="connsiteX11" fmla="*/ 2038060 w 7367523"/>
+                <a:gd name="connsiteY11" fmla="*/ 0 h 173416"/>
+                <a:gd name="connsiteX12" fmla="*/ 1745445 w 7367523"/>
+                <a:gd name="connsiteY12" fmla="*/ 0 h 173416"/>
+                <a:gd name="connsiteX13" fmla="*/ 1205026 w 7367523"/>
+                <a:gd name="connsiteY13" fmla="*/ 0 h 173416"/>
+                <a:gd name="connsiteX14" fmla="*/ 910887 w 7367523"/>
+                <a:gd name="connsiteY14" fmla="*/ 0 h 173416"/>
+                <a:gd name="connsiteX15" fmla="*/ 77853 w 7367523"/>
+                <a:gd name="connsiteY15" fmla="*/ 0 h 173416"/>
+                <a:gd name="connsiteX16" fmla="*/ 0 w 7367523"/>
+                <a:gd name="connsiteY16" fmla="*/ 173416 h 173416"/>
+                <a:gd name="connsiteX17" fmla="*/ 7289670 w 7367523"/>
+                <a:gd name="connsiteY17" fmla="*/ 173416 h 173416"/>
+              </a:gdLst>
+              <a:ahLst/>
+              <a:cxnLst>
+                <a:cxn ang="0">
+                  <a:pos x="connsiteX0" y="connsiteY0"/>
+                </a:cxn>
+                <a:cxn ang="0">
+                  <a:pos x="connsiteX1" y="connsiteY1"/>
+                </a:cxn>
+                <a:cxn ang="0">
+                  <a:pos x="connsiteX2" y="connsiteY2"/>
+                </a:cxn>
+                <a:cxn ang="0">
+                  <a:pos x="connsiteX3" y="connsiteY3"/>
+                </a:cxn>
+                <a:cxn ang="0">
+                  <a:pos x="connsiteX4" y="connsiteY4"/>
+                </a:cxn>
+                <a:cxn ang="0">
+                  <a:pos x="connsiteX5" y="connsiteY5"/>
+                </a:cxn>
+                <a:cxn ang="0">
+                  <a:pos x="connsiteX6" y="connsiteY6"/>
+                </a:cxn>
+                <a:cxn ang="0">
+                  <a:pos x="connsiteX7" y="connsiteY7"/>
+                </a:cxn>
+                <a:cxn ang="0">
+                  <a:pos x="connsiteX8" y="connsiteY8"/>
+                </a:cxn>
+                <a:cxn ang="0">
+                  <a:pos x="connsiteX9" y="connsiteY9"/>
+                </a:cxn>
+                <a:cxn ang="0">
+                  <a:pos x="connsiteX10" y="connsiteY10"/>
+                </a:cxn>
+                <a:cxn ang="0">
+                  <a:pos x="connsiteX11" y="connsiteY11"/>
+                </a:cxn>
+                <a:cxn ang="0">
+                  <a:pos x="connsiteX12" y="connsiteY12"/>
+                </a:cxn>
+                <a:cxn ang="0">
+                  <a:pos x="connsiteX13" y="connsiteY13"/>
+                </a:cxn>
+                <a:cxn ang="0">
+                  <a:pos x="connsiteX14" y="connsiteY14"/>
+                </a:cxn>
+                <a:cxn ang="0">
+                  <a:pos x="connsiteX15" y="connsiteY15"/>
+                </a:cxn>
+                <a:cxn ang="0">
+                  <a:pos x="connsiteX16" y="connsiteY16"/>
+                </a:cxn>
+                <a:cxn ang="0">
+                  <a:pos x="connsiteX17" y="connsiteY17"/>
+                </a:cxn>
+              </a:cxnLst>
+              <a:rect l="l" t="t" r="r" b="b"/>
+              <a:pathLst>
+                <a:path w="7367523" h="173416">
+                  <a:moveTo>
+                    <a:pt x="7367523" y="0"/>
+                  </a:moveTo>
+                  <a:lnTo>
+                    <a:pt x="6374783" y="0"/>
+                  </a:lnTo>
+                  <a:lnTo>
+                    <a:pt x="6240349" y="0"/>
+                  </a:lnTo>
+                  <a:lnTo>
+                    <a:pt x="5540227" y="0"/>
+                  </a:lnTo>
+                  <a:lnTo>
+                    <a:pt x="5247612" y="0"/>
+                  </a:lnTo>
+                  <a:lnTo>
+                    <a:pt x="4707193" y="0"/>
+                  </a:lnTo>
+                  <a:lnTo>
+                    <a:pt x="4413053" y="0"/>
+                  </a:lnTo>
+                  <a:lnTo>
+                    <a:pt x="3865356" y="0"/>
+                  </a:lnTo>
+                  <a:lnTo>
+                    <a:pt x="3580019" y="0"/>
+                  </a:lnTo>
+                  <a:lnTo>
+                    <a:pt x="2872616" y="0"/>
+                  </a:lnTo>
+                  <a:lnTo>
+                    <a:pt x="2738183" y="0"/>
+                  </a:lnTo>
+                  <a:lnTo>
+                    <a:pt x="2038060" y="0"/>
+                  </a:lnTo>
+                  <a:lnTo>
+                    <a:pt x="1745445" y="0"/>
+                  </a:lnTo>
+                  <a:lnTo>
+                    <a:pt x="1205026" y="0"/>
+                  </a:lnTo>
+                  <a:lnTo>
+                    <a:pt x="910887" y="0"/>
+                  </a:lnTo>
+                  <a:lnTo>
+                    <a:pt x="77853" y="0"/>
+                  </a:lnTo>
+                  <a:lnTo>
+                    <a:pt x="0" y="173416"/>
+                  </a:lnTo>
+                  <a:lnTo>
+                    <a:pt x="7289670" y="173416"/>
+                  </a:lnTo>
+                  <a:close/>
+                </a:path>
+              </a:pathLst>
+            </a:custGeom>
+            <a:gradFill flip="none" rotWithShape="0">
+              <a:gsLst>
+                <a:gs pos="0">
+                  <a:srgbClr val="228AF2"/>
+                </a:gs>
+                <a:gs pos="94000">
+                  <a:srgbClr val="7F12B6"/>
+                </a:gs>
+              </a:gsLst>
+              <a:lin ang="2700000" scaled="1"/>
+              <a:tileRect/>
+            </a:gradFill>
+            <a:ln>
+              <a:noFill/>
+            </a:ln>
+          </p:spPr>
+          <p:style>
+            <a:lnRef idx="2">
+              <a:schemeClr val="accent1">
+                <a:shade val="50000"/>
+              </a:schemeClr>
+            </a:lnRef>
+            <a:fillRef idx="1">
+              <a:schemeClr val="accent1"/>
+            </a:fillRef>
+            <a:effectRef idx="0">
+              <a:schemeClr val="accent1"/>
+            </a:effectRef>
+            <a:fontRef idx="minor">
+              <a:schemeClr val="lt1"/>
+            </a:fontRef>
+          </p:style>
+          <p:txBody>
+            <a:bodyPr rot="0" spcFirstLastPara="0" vertOverflow="overflow" horzOverflow="overflow" vert="horz" wrap="square" lIns="91440" tIns="45720" rIns="91440" bIns="45720" numCol="1" spcCol="0" rtlCol="0" fromWordArt="0" anchor="ctr" anchorCtr="0" forceAA="0" compatLnSpc="1">
+              <a:noAutofit/>
+            </a:bodyPr>
+            <a:lstStyle/>
+            <a:p>
+              <a:pPr algn="ctr"/>
+              <a:endParaRPr lang="zh-CN" altLang="en-US"/>
+            </a:p>
+          </p:txBody>
+        </p:sp>
+        <p:sp>
+          <p:nvSpPr>
+            <p:cNvPr id="23" name="任意多边形: 形状 22"/>
+            <p:cNvSpPr/>
+            <p:nvPr userDrawn="1"/>
+          </p:nvSpPr>
+          <p:spPr>
+            <a:xfrm flipH="1">
+              <a:off x="7415691" y="510493"/>
+              <a:ext cx="5376633" cy="126555"/>
+            </a:xfrm>
+            <a:custGeom>
+              <a:avLst/>
+              <a:gdLst>
+                <a:gd name="connsiteX0" fmla="*/ 7367523 w 7367523"/>
+                <a:gd name="connsiteY0" fmla="*/ 0 h 173416"/>
+                <a:gd name="connsiteX1" fmla="*/ 6374783 w 7367523"/>
+                <a:gd name="connsiteY1" fmla="*/ 0 h 173416"/>
+                <a:gd name="connsiteX2" fmla="*/ 6240349 w 7367523"/>
+                <a:gd name="connsiteY2" fmla="*/ 0 h 173416"/>
+                <a:gd name="connsiteX3" fmla="*/ 5540227 w 7367523"/>
+                <a:gd name="connsiteY3" fmla="*/ 0 h 173416"/>
+                <a:gd name="connsiteX4" fmla="*/ 5247612 w 7367523"/>
+                <a:gd name="connsiteY4" fmla="*/ 0 h 173416"/>
+                <a:gd name="connsiteX5" fmla="*/ 4707193 w 7367523"/>
+                <a:gd name="connsiteY5" fmla="*/ 0 h 173416"/>
+                <a:gd name="connsiteX6" fmla="*/ 4413053 w 7367523"/>
+                <a:gd name="connsiteY6" fmla="*/ 0 h 173416"/>
+                <a:gd name="connsiteX7" fmla="*/ 3865356 w 7367523"/>
+                <a:gd name="connsiteY7" fmla="*/ 0 h 173416"/>
+                <a:gd name="connsiteX8" fmla="*/ 3580019 w 7367523"/>
+                <a:gd name="connsiteY8" fmla="*/ 0 h 173416"/>
+                <a:gd name="connsiteX9" fmla="*/ 2872616 w 7367523"/>
+                <a:gd name="connsiteY9" fmla="*/ 0 h 173416"/>
+                <a:gd name="connsiteX10" fmla="*/ 2738183 w 7367523"/>
+                <a:gd name="connsiteY10" fmla="*/ 0 h 173416"/>
+                <a:gd name="connsiteX11" fmla="*/ 2038060 w 7367523"/>
+                <a:gd name="connsiteY11" fmla="*/ 0 h 173416"/>
+                <a:gd name="connsiteX12" fmla="*/ 1745445 w 7367523"/>
+                <a:gd name="connsiteY12" fmla="*/ 0 h 173416"/>
+                <a:gd name="connsiteX13" fmla="*/ 1205026 w 7367523"/>
+                <a:gd name="connsiteY13" fmla="*/ 0 h 173416"/>
+                <a:gd name="connsiteX14" fmla="*/ 910887 w 7367523"/>
+                <a:gd name="connsiteY14" fmla="*/ 0 h 173416"/>
+                <a:gd name="connsiteX15" fmla="*/ 77853 w 7367523"/>
+                <a:gd name="connsiteY15" fmla="*/ 0 h 173416"/>
+                <a:gd name="connsiteX16" fmla="*/ 0 w 7367523"/>
+                <a:gd name="connsiteY16" fmla="*/ 173416 h 173416"/>
+                <a:gd name="connsiteX17" fmla="*/ 7289670 w 7367523"/>
+                <a:gd name="connsiteY17" fmla="*/ 173416 h 173416"/>
+              </a:gdLst>
+              <a:ahLst/>
+              <a:cxnLst>
+                <a:cxn ang="0">
+                  <a:pos x="connsiteX0" y="connsiteY0"/>
+                </a:cxn>
+                <a:cxn ang="0">
+                  <a:pos x="connsiteX1" y="connsiteY1"/>
+                </a:cxn>
+                <a:cxn ang="0">
+                  <a:pos x="connsiteX2" y="connsiteY2"/>
+                </a:cxn>
+                <a:cxn ang="0">
+                  <a:pos x="connsiteX3" y="connsiteY3"/>
+                </a:cxn>
+                <a:cxn ang="0">
+                  <a:pos x="connsiteX4" y="connsiteY4"/>
+                </a:cxn>
+                <a:cxn ang="0">
+                  <a:pos x="connsiteX5" y="connsiteY5"/>
+                </a:cxn>
+                <a:cxn ang="0">
+                  <a:pos x="connsiteX6" y="connsiteY6"/>
+                </a:cxn>
+                <a:cxn ang="0">
+                  <a:pos x="connsiteX7" y="connsiteY7"/>
+                </a:cxn>
+                <a:cxn ang="0">
+                  <a:pos x="connsiteX8" y="connsiteY8"/>
+                </a:cxn>
+                <a:cxn ang="0">
+                  <a:pos x="connsiteX9" y="connsiteY9"/>
+                </a:cxn>
+                <a:cxn ang="0">
+                  <a:pos x="connsiteX10" y="connsiteY10"/>
+                </a:cxn>
+                <a:cxn ang="0">
+                  <a:pos x="connsiteX11" y="connsiteY11"/>
+                </a:cxn>
+                <a:cxn ang="0">
+                  <a:pos x="connsiteX12" y="connsiteY12"/>
+                </a:cxn>
+                <a:cxn ang="0">
+                  <a:pos x="connsiteX13" y="connsiteY13"/>
+                </a:cxn>
+                <a:cxn ang="0">
+                  <a:pos x="connsiteX14" y="connsiteY14"/>
+                </a:cxn>
+                <a:cxn ang="0">
+                  <a:pos x="connsiteX15" y="connsiteY15"/>
+                </a:cxn>
+                <a:cxn ang="0">
+                  <a:pos x="connsiteX16" y="connsiteY16"/>
+                </a:cxn>
+                <a:cxn ang="0">
+                  <a:pos x="connsiteX17" y="connsiteY17"/>
+                </a:cxn>
+              </a:cxnLst>
+              <a:rect l="l" t="t" r="r" b="b"/>
+              <a:pathLst>
+                <a:path w="7367523" h="173416">
+                  <a:moveTo>
+                    <a:pt x="7367523" y="0"/>
+                  </a:moveTo>
+                  <a:lnTo>
+                    <a:pt x="6374783" y="0"/>
+                  </a:lnTo>
+                  <a:lnTo>
+                    <a:pt x="6240349" y="0"/>
+                  </a:lnTo>
+                  <a:lnTo>
+                    <a:pt x="5540227" y="0"/>
+                  </a:lnTo>
+                  <a:lnTo>
+                    <a:pt x="5247612" y="0"/>
+                  </a:lnTo>
+                  <a:lnTo>
+                    <a:pt x="4707193" y="0"/>
+                  </a:lnTo>
+                  <a:lnTo>
+                    <a:pt x="4413053" y="0"/>
+                  </a:lnTo>
+                  <a:lnTo>
+                    <a:pt x="3865356" y="0"/>
+                  </a:lnTo>
+                  <a:lnTo>
+                    <a:pt x="3580019" y="0"/>
+                  </a:lnTo>
+                  <a:lnTo>
+                    <a:pt x="2872616" y="0"/>
+                  </a:lnTo>
+                  <a:lnTo>
+                    <a:pt x="2738183" y="0"/>
+                  </a:lnTo>
+                  <a:lnTo>
+                    <a:pt x="2038060" y="0"/>
+                  </a:lnTo>
+                  <a:lnTo>
+                    <a:pt x="1745445" y="0"/>
+                  </a:lnTo>
+                  <a:lnTo>
+                    <a:pt x="1205026" y="0"/>
+                  </a:lnTo>
+                  <a:lnTo>
+                    <a:pt x="910887" y="0"/>
+                  </a:lnTo>
+                  <a:lnTo>
+                    <a:pt x="77853" y="0"/>
+                  </a:lnTo>
+                  <a:lnTo>
+                    <a:pt x="0" y="173416"/>
+                  </a:lnTo>
+                  <a:lnTo>
+                    <a:pt x="7289670" y="173416"/>
+                  </a:lnTo>
+                  <a:close/>
+                </a:path>
+              </a:pathLst>
+            </a:custGeom>
+            <a:solidFill>
+              <a:schemeClr val="bg2"/>
+            </a:solidFill>
+            <a:ln>
+              <a:noFill/>
+            </a:ln>
+          </p:spPr>
+          <p:style>
+            <a:lnRef idx="2">
+              <a:schemeClr val="accent1">
+                <a:shade val="50000"/>
+              </a:schemeClr>
+            </a:lnRef>
+            <a:fillRef idx="1">
+              <a:schemeClr val="accent1"/>
+            </a:fillRef>
+            <a:effectRef idx="0">
+              <a:schemeClr val="accent1"/>
+            </a:effectRef>
+            <a:fontRef idx="minor">
+              <a:schemeClr val="lt1"/>
+            </a:fontRef>
+          </p:style>
+          <p:txBody>
+            <a:bodyPr rot="0" spcFirstLastPara="0" vertOverflow="overflow" horzOverflow="overflow" vert="horz" wrap="square" lIns="91440" tIns="45720" rIns="91440" bIns="45720" numCol="1" spcCol="0" rtlCol="0" fromWordArt="0" anchor="ctr" anchorCtr="0" forceAA="0" compatLnSpc="1">
+              <a:noAutofit/>
+            </a:bodyPr>
+            <a:lstStyle/>
+            <a:p>
+              <a:pPr algn="ctr"/>
+              <a:endParaRPr lang="zh-CN" altLang="en-US"/>
+            </a:p>
+          </p:txBody>
+        </p:sp>
+      </p:grpSp>
+      <p:sp>
+        <p:nvSpPr>
+          <p:cNvPr id="24" name="任意多边形: 形状 23"/>
+          <p:cNvSpPr/>
+          <p:nvPr/>
+        </p:nvSpPr>
+        <p:spPr>
+          <a:xfrm flipH="1">
+            <a:off x="129621" y="0"/>
+            <a:ext cx="586522" cy="1047087"/>
+          </a:xfrm>
+          <a:custGeom>
+            <a:avLst/>
+            <a:gdLst>
+              <a:gd name="connsiteX0" fmla="*/ 586522 w 586522"/>
+              <a:gd name="connsiteY0" fmla="*/ 0 h 1047087"/>
+              <a:gd name="connsiteX1" fmla="*/ 470079 w 586522"/>
+              <a:gd name="connsiteY1" fmla="*/ 0 h 1047087"/>
+              <a:gd name="connsiteX2" fmla="*/ 0 w 586522"/>
+              <a:gd name="connsiteY2" fmla="*/ 1047087 h 1047087"/>
+              <a:gd name="connsiteX3" fmla="*/ 116443 w 586522"/>
+              <a:gd name="connsiteY3" fmla="*/ 1047087 h 1047087"/>
+            </a:gdLst>
+            <a:ahLst/>
+            <a:cxnLst>
+              <a:cxn ang="0">
+                <a:pos x="connsiteX0" y="connsiteY0"/>
+              </a:cxn>
+              <a:cxn ang="0">
+                <a:pos x="connsiteX1" y="connsiteY1"/>
+              </a:cxn>
+              <a:cxn ang="0">
+                <a:pos x="connsiteX2" y="connsiteY2"/>
+              </a:cxn>
+              <a:cxn ang="0">
+                <a:pos x="connsiteX3" y="connsiteY3"/>
+              </a:cxn>
+            </a:cxnLst>
+            <a:rect l="l" t="t" r="r" b="b"/>
+            <a:pathLst>
+              <a:path w="586522" h="1047087">
+                <a:moveTo>
+                  <a:pt x="586522" y="0"/>
+                </a:moveTo>
+                <a:lnTo>
+                  <a:pt x="470079" y="0"/>
+                </a:lnTo>
+                <a:lnTo>
+                  <a:pt x="0" y="1047087"/>
+                </a:lnTo>
+                <a:lnTo>
+                  <a:pt x="116443" y="1047087"/>
+                </a:lnTo>
+                <a:close/>
+              </a:path>
+            </a:pathLst>
+          </a:custGeom>
+          <a:gradFill flip="none" rotWithShape="0">
+            <a:gsLst>
+              <a:gs pos="0">
+                <a:srgbClr val="53A5F5">
+                  <a:lumMod val="73000"/>
+                  <a:lumOff val="27000"/>
+                </a:srgbClr>
+              </a:gs>
+              <a:gs pos="94000">
+                <a:srgbClr val="9214CF">
+                  <a:lumMod val="73000"/>
+                  <a:lumOff val="27000"/>
+                </a:srgbClr>
+              </a:gs>
+            </a:gsLst>
+            <a:lin ang="2700000" scaled="1"/>
+            <a:tileRect/>
+          </a:gradFill>
+          <a:ln>
+            <a:noFill/>
+          </a:ln>
+        </p:spPr>
+        <p:style>
+          <a:lnRef idx="2">
+            <a:schemeClr val="accent1">
+              <a:shade val="50000"/>
+            </a:schemeClr>
+          </a:lnRef>
+          <a:fillRef idx="1">
+            <a:schemeClr val="accent1"/>
+          </a:fillRef>
+          <a:effectRef idx="0">
+            <a:schemeClr val="accent1"/>
+          </a:effectRef>
+          <a:fontRef idx="minor">
+            <a:schemeClr val="lt1"/>
+          </a:fontRef>
+        </p:style>
+        <p:txBody>
+          <a:bodyPr rot="0" spcFirstLastPara="0" vertOverflow="overflow" horzOverflow="overflow" vert="horz" wrap="square" lIns="91440" tIns="45720" rIns="91440" bIns="45720" numCol="1" spcCol="0" rtlCol="0" fromWordArt="0" anchor="ctr" anchorCtr="0" forceAA="0" compatLnSpc="1">
+            <a:noAutofit/>
+          </a:bodyPr>
+          <a:lstStyle/>
+          <a:p>
+            <a:pPr algn="ctr"/>
+            <a:endParaRPr lang="zh-CN" altLang="en-US"/>
+          </a:p>
+        </p:txBody>
+      </p:sp>
+      <p:sp>
+        <p:nvSpPr>
+          <p:cNvPr id="25" name="任意多边形: 形状 24"/>
+          <p:cNvSpPr/>
+          <p:nvPr/>
+        </p:nvSpPr>
+        <p:spPr>
+          <a:xfrm flipH="1">
+            <a:off x="581108" y="202981"/>
+            <a:ext cx="344503" cy="615023"/>
+          </a:xfrm>
+          <a:custGeom>
+            <a:avLst/>
+            <a:gdLst>
+              <a:gd name="connsiteX0" fmla="*/ 586522 w 586522"/>
+              <a:gd name="connsiteY0" fmla="*/ 0 h 1047087"/>
+              <a:gd name="connsiteX1" fmla="*/ 470079 w 586522"/>
+              <a:gd name="connsiteY1" fmla="*/ 0 h 1047087"/>
+              <a:gd name="connsiteX2" fmla="*/ 0 w 586522"/>
+              <a:gd name="connsiteY2" fmla="*/ 1047087 h 1047087"/>
+              <a:gd name="connsiteX3" fmla="*/ 116443 w 586522"/>
+              <a:gd name="connsiteY3" fmla="*/ 1047087 h 1047087"/>
+            </a:gdLst>
+            <a:ahLst/>
+            <a:cxnLst>
+              <a:cxn ang="0">
+                <a:pos x="connsiteX0" y="connsiteY0"/>
+              </a:cxn>
+              <a:cxn ang="0">
+                <a:pos x="connsiteX1" y="connsiteY1"/>
+              </a:cxn>
+              <a:cxn ang="0">
+                <a:pos x="connsiteX2" y="connsiteY2"/>
+              </a:cxn>
+              <a:cxn ang="0">
+                <a:pos x="connsiteX3" y="connsiteY3"/>
+              </a:cxn>
+            </a:cxnLst>
+            <a:rect l="l" t="t" r="r" b="b"/>
+            <a:pathLst>
+              <a:path w="586522" h="1047087">
+                <a:moveTo>
+                  <a:pt x="586522" y="0"/>
+                </a:moveTo>
+                <a:lnTo>
+                  <a:pt x="470079" y="0"/>
+                </a:lnTo>
+                <a:lnTo>
+                  <a:pt x="0" y="1047087"/>
+                </a:lnTo>
+                <a:lnTo>
+                  <a:pt x="116443" y="1047087"/>
+                </a:lnTo>
+                <a:close/>
+              </a:path>
+            </a:pathLst>
+          </a:custGeom>
+          <a:solidFill>
+            <a:schemeClr val="bg1">
+              <a:lumMod val="95000"/>
+            </a:schemeClr>
+          </a:solidFill>
+          <a:ln>
+            <a:noFill/>
+          </a:ln>
+        </p:spPr>
+        <p:style>
+          <a:lnRef idx="2">
+            <a:schemeClr val="accent1">
+              <a:shade val="50000"/>
+            </a:schemeClr>
+          </a:lnRef>
+          <a:fillRef idx="1">
+            <a:schemeClr val="accent1"/>
+          </a:fillRef>
+          <a:effectRef idx="0">
+            <a:schemeClr val="accent1"/>
+          </a:effectRef>
+          <a:fontRef idx="minor">
+            <a:schemeClr val="lt1"/>
+          </a:fontRef>
+        </p:style>
+        <p:txBody>
+          <a:bodyPr rot="0" spcFirstLastPara="0" vertOverflow="overflow" horzOverflow="overflow" vert="horz" wrap="square" lIns="91440" tIns="45720" rIns="91440" bIns="45720" numCol="1" spcCol="0" rtlCol="0" fromWordArt="0" anchor="ctr" anchorCtr="0" forceAA="0" compatLnSpc="1">
+            <a:noAutofit/>
+          </a:bodyPr>
+          <a:lstStyle/>
+          <a:p>
+            <a:pPr algn="ctr"/>
+            <a:endParaRPr lang="zh-CN" altLang="en-US"/>
+          </a:p>
+        </p:txBody>
+      </p:sp>
+      <p:sp>
+        <p:nvSpPr>
+          <p:cNvPr id="6" name="文本框 5">
+            <a:extLst>
+              <a:ext uri="{FF2B5EF4-FFF2-40B4-BE49-F238E27FC236}">
+                <a16:creationId xmlns:a16="http://schemas.microsoft.com/office/drawing/2014/main" id="{6EF55A2A-20C8-73A3-7635-D9F8FF1B0DF4}"/>
+              </a:ext>
+            </a:extLst>
+          </p:cNvPr>
+          <p:cNvSpPr txBox="1"/>
+          <p:nvPr/>
+        </p:nvSpPr>
+        <p:spPr>
+          <a:xfrm>
+            <a:off x="581108" y="1148254"/>
+            <a:ext cx="11153692" cy="1015663"/>
+          </a:xfrm>
+          <a:prstGeom prst="rect">
+            <a:avLst/>
+          </a:prstGeom>
+          <a:noFill/>
+        </p:spPr>
+        <p:txBody>
+          <a:bodyPr wrap="square" rtlCol="0">
+            <a:spAutoFit/>
+          </a:bodyPr>
+          <a:lstStyle/>
+          <a:p>
+            <a:r>
+              <a:rPr lang="zh-CN" altLang="en-US" sz="2000" dirty="0">
+                <a:highlight>
+                  <a:srgbClr val="FFFFFF"/>
+                </a:highlight>
+                <a:latin typeface="-apple-system"/>
+              </a:rPr>
+              <a:t>实验准备：实验者单手佩戴手表并携带手机</a:t>
+            </a:r>
+          </a:p>
+          <a:p>
+            <a:r>
+              <a:rPr lang="zh-CN" altLang="en-US" sz="2000" dirty="0">
+                <a:highlight>
+                  <a:srgbClr val="FFFFFF"/>
+                </a:highlight>
+                <a:latin typeface="-apple-system"/>
+              </a:rPr>
+              <a:t>实验条件：振动频率（快、慢）、振动类型（连续、离散）、振动时间（长、短）</a:t>
+            </a:r>
+            <a:endParaRPr lang="en-US" altLang="zh-CN" sz="2000" dirty="0">
+              <a:highlight>
+                <a:srgbClr val="FFFFFF"/>
+              </a:highlight>
+              <a:latin typeface="-apple-system"/>
+            </a:endParaRPr>
+          </a:p>
+          <a:p>
+            <a:r>
+              <a:rPr lang="zh-CN" altLang="en-US" sz="2000" dirty="0">
+                <a:highlight>
+                  <a:srgbClr val="FFFFFF"/>
+                </a:highlight>
+                <a:latin typeface="-apple-system"/>
+              </a:rPr>
+              <a:t>实验功能：导航、危险预警</a:t>
+            </a:r>
+            <a:endParaRPr lang="en-US" altLang="zh-CN" sz="2000" dirty="0">
+              <a:highlight>
+                <a:srgbClr val="FFFFFF"/>
+              </a:highlight>
+              <a:latin typeface="-apple-system"/>
+            </a:endParaRPr>
+          </a:p>
+        </p:txBody>
+      </p:sp>
+      <p:sp>
+        <p:nvSpPr>
+          <p:cNvPr id="2" name="文本框 1">
+            <a:extLst>
+              <a:ext uri="{FF2B5EF4-FFF2-40B4-BE49-F238E27FC236}">
+                <a16:creationId xmlns:a16="http://schemas.microsoft.com/office/drawing/2014/main" id="{0F7D0A9B-401A-9893-DEF7-2C6FF8D47F90}"/>
+              </a:ext>
+            </a:extLst>
+          </p:cNvPr>
+          <p:cNvSpPr txBox="1"/>
+          <p:nvPr/>
+        </p:nvSpPr>
+        <p:spPr bwMode="auto">
+          <a:xfrm>
+            <a:off x="716143" y="409326"/>
+            <a:ext cx="10675471" cy="523220"/>
+          </a:xfrm>
+          <a:prstGeom prst="rect">
+            <a:avLst/>
+          </a:prstGeom>
+          <a:noFill/>
+        </p:spPr>
+        <p:txBody>
+          <a:bodyPr wrap="square">
+            <a:spAutoFit/>
+            <a:scene3d>
+              <a:camera prst="orthographicFront"/>
+              <a:lightRig rig="threePt" dir="t"/>
+            </a:scene3d>
+            <a:sp3d contourW="12700"/>
+          </a:bodyPr>
+          <a:lstStyle/>
+          <a:p>
+            <a:pPr>
+              <a:defRPr/>
+            </a:pPr>
+            <a:r>
+              <a:rPr lang="zh-CN" altLang="en-US" sz="2800" b="1" dirty="0">
+                <a:solidFill>
+                  <a:srgbClr val="7F12B6"/>
+                </a:solidFill>
+                <a:latin typeface="时尚中黑简体" panose="01010104010101010101" pitchFamily="2" charset="-122"/>
+                <a:ea typeface="时尚中黑简体" panose="01010104010101010101" pitchFamily="2" charset="-122"/>
+              </a:rPr>
+              <a:t>实验方案 二    导航与安全</a:t>
+            </a:r>
+            <a:endParaRPr lang="en-US" altLang="zh-CN" sz="2800" b="1" dirty="0">
+              <a:solidFill>
+                <a:srgbClr val="7F12B6"/>
+              </a:solidFill>
+              <a:latin typeface="时尚中黑简体" panose="01010104010101010101" pitchFamily="2" charset="-122"/>
+              <a:ea typeface="时尚中黑简体" panose="01010104010101010101" pitchFamily="2" charset="-122"/>
+            </a:endParaRPr>
+          </a:p>
+        </p:txBody>
+      </p:sp>
+      <p:pic>
+        <p:nvPicPr>
+          <p:cNvPr id="4" name="图片 3">
+            <a:extLst>
+              <a:ext uri="{FF2B5EF4-FFF2-40B4-BE49-F238E27FC236}">
+                <a16:creationId xmlns:a16="http://schemas.microsoft.com/office/drawing/2014/main" id="{716A4523-3B7B-DD58-682B-2F0A955BA09F}"/>
+              </a:ext>
+            </a:extLst>
+          </p:cNvPr>
+          <p:cNvPicPr>
+            <a:picLocks noChangeAspect="1"/>
+          </p:cNvPicPr>
+          <p:nvPr/>
+        </p:nvPicPr>
+        <p:blipFill>
+          <a:blip r:embed="rId3"/>
+          <a:stretch>
+            <a:fillRect/>
+          </a:stretch>
+        </p:blipFill>
+        <p:spPr>
+          <a:xfrm>
+            <a:off x="8321039" y="2157066"/>
+            <a:ext cx="3734221" cy="4158458"/>
+          </a:xfrm>
+          <a:prstGeom prst="rect">
+            <a:avLst/>
+          </a:prstGeom>
+        </p:spPr>
+      </p:pic>
+      <p:sp>
+        <p:nvSpPr>
+          <p:cNvPr id="5" name="文本框 4">
+            <a:extLst>
+              <a:ext uri="{FF2B5EF4-FFF2-40B4-BE49-F238E27FC236}">
+                <a16:creationId xmlns:a16="http://schemas.microsoft.com/office/drawing/2014/main" id="{34615C27-0FC5-7296-FD7C-1DBC8E0DDAE7}"/>
+              </a:ext>
+            </a:extLst>
+          </p:cNvPr>
+          <p:cNvSpPr txBox="1"/>
+          <p:nvPr/>
+        </p:nvSpPr>
+        <p:spPr>
+          <a:xfrm>
+            <a:off x="596348" y="2351089"/>
+            <a:ext cx="4069152" cy="3785652"/>
+          </a:xfrm>
+          <a:prstGeom prst="rect">
+            <a:avLst/>
+          </a:prstGeom>
+          <a:noFill/>
+        </p:spPr>
+        <p:txBody>
+          <a:bodyPr wrap="square" rtlCol="0">
+            <a:spAutoFit/>
+          </a:bodyPr>
+          <a:lstStyle/>
+          <a:p>
+            <a:r>
+              <a:rPr lang="zh-CN" altLang="en-US" sz="2000" dirty="0">
+                <a:highlight>
+                  <a:srgbClr val="FFFFFF"/>
+                </a:highlight>
+                <a:latin typeface="-apple-system"/>
+              </a:rPr>
+              <a:t>导航：</a:t>
+            </a:r>
+            <a:endParaRPr lang="en-US" altLang="zh-CN" sz="2000" dirty="0">
+              <a:highlight>
+                <a:srgbClr val="FFFFFF"/>
+              </a:highlight>
+              <a:latin typeface="-apple-system"/>
+            </a:endParaRPr>
+          </a:p>
+          <a:p>
+            <a:r>
+              <a:rPr lang="zh-CN" altLang="en-US" sz="2000" dirty="0">
+                <a:highlight>
+                  <a:srgbClr val="FFFFFF"/>
+                </a:highlight>
+                <a:latin typeface="-apple-system"/>
+              </a:rPr>
+              <a:t>方向：使用振动时间，类型，长短</a:t>
+            </a:r>
+            <a:endParaRPr lang="en-US" altLang="zh-CN" sz="2000" dirty="0">
+              <a:highlight>
+                <a:srgbClr val="FFFFFF"/>
+              </a:highlight>
+              <a:latin typeface="-apple-system"/>
+            </a:endParaRPr>
+          </a:p>
+          <a:p>
+            <a:r>
+              <a:rPr lang="zh-CN" altLang="en-US" sz="2000" dirty="0">
+                <a:highlight>
+                  <a:srgbClr val="FFFFFF"/>
+                </a:highlight>
+                <a:latin typeface="-apple-system"/>
+              </a:rPr>
+              <a:t>前</a:t>
+            </a:r>
+            <a:r>
+              <a:rPr lang="en-US" altLang="zh-CN" sz="2000" dirty="0">
+                <a:highlight>
+                  <a:srgbClr val="FFFFFF"/>
+                </a:highlight>
+                <a:latin typeface="-apple-system"/>
+              </a:rPr>
+              <a:t> --- </a:t>
+            </a:r>
+            <a:r>
+              <a:rPr lang="zh-CN" altLang="en-US" sz="2000" dirty="0">
+                <a:highlight>
+                  <a:srgbClr val="FFFFFF"/>
+                </a:highlight>
+                <a:latin typeface="-apple-system"/>
+              </a:rPr>
+              <a:t>手机（慢，连续，短） </a:t>
+            </a:r>
+            <a:endParaRPr lang="en-US" altLang="zh-CN" sz="2000" dirty="0">
+              <a:highlight>
+                <a:srgbClr val="FFFFFF"/>
+              </a:highlight>
+              <a:latin typeface="-apple-system"/>
+            </a:endParaRPr>
+          </a:p>
+          <a:p>
+            <a:r>
+              <a:rPr lang="zh-CN" altLang="en-US" sz="2000" dirty="0">
+                <a:highlight>
+                  <a:srgbClr val="FFFFFF"/>
+                </a:highlight>
+                <a:latin typeface="-apple-system"/>
+              </a:rPr>
+              <a:t>后 </a:t>
+            </a:r>
+            <a:r>
+              <a:rPr lang="en-US" altLang="zh-CN" sz="2000" dirty="0">
+                <a:highlight>
+                  <a:srgbClr val="FFFFFF"/>
+                </a:highlight>
+                <a:latin typeface="-apple-system"/>
+              </a:rPr>
+              <a:t>--- </a:t>
+            </a:r>
+            <a:r>
+              <a:rPr lang="zh-CN" altLang="en-US" sz="2000" dirty="0">
+                <a:highlight>
+                  <a:srgbClr val="FFFFFF"/>
+                </a:highlight>
+                <a:latin typeface="-apple-system"/>
+              </a:rPr>
+              <a:t>手机（快，连续，短）</a:t>
+            </a:r>
+            <a:endParaRPr lang="en-US" altLang="zh-CN" sz="2000" dirty="0">
+              <a:highlight>
+                <a:srgbClr val="FFFFFF"/>
+              </a:highlight>
+              <a:latin typeface="-apple-system"/>
+            </a:endParaRPr>
+          </a:p>
+          <a:p>
+            <a:r>
+              <a:rPr lang="zh-CN" altLang="en-US" sz="2000" dirty="0">
+                <a:highlight>
+                  <a:srgbClr val="FFFFFF"/>
+                </a:highlight>
+                <a:latin typeface="-apple-system"/>
+              </a:rPr>
+              <a:t>左 </a:t>
+            </a:r>
+            <a:r>
+              <a:rPr lang="en-US" altLang="zh-CN" sz="2000" dirty="0">
+                <a:highlight>
+                  <a:srgbClr val="FFFFFF"/>
+                </a:highlight>
+                <a:latin typeface="-apple-system"/>
+              </a:rPr>
+              <a:t>--- </a:t>
+            </a:r>
+            <a:r>
+              <a:rPr lang="zh-CN" altLang="en-US" sz="2000" dirty="0">
+                <a:highlight>
+                  <a:srgbClr val="FFFFFF"/>
+                </a:highlight>
+                <a:latin typeface="-apple-system"/>
+              </a:rPr>
+              <a:t>手机（慢，离散，短） </a:t>
+            </a:r>
+            <a:endParaRPr lang="en-US" altLang="zh-CN" sz="2000" dirty="0">
+              <a:highlight>
+                <a:srgbClr val="FFFFFF"/>
+              </a:highlight>
+              <a:latin typeface="-apple-system"/>
+            </a:endParaRPr>
+          </a:p>
+          <a:p>
+            <a:r>
+              <a:rPr lang="zh-CN" altLang="en-US" sz="2000" dirty="0">
+                <a:highlight>
+                  <a:srgbClr val="FFFFFF"/>
+                </a:highlight>
+                <a:latin typeface="-apple-system"/>
+              </a:rPr>
+              <a:t>右 </a:t>
+            </a:r>
+            <a:r>
+              <a:rPr lang="en-US" altLang="zh-CN" sz="2000" dirty="0">
+                <a:highlight>
+                  <a:srgbClr val="FFFFFF"/>
+                </a:highlight>
+                <a:latin typeface="-apple-system"/>
+              </a:rPr>
+              <a:t>--- </a:t>
+            </a:r>
+            <a:r>
+              <a:rPr lang="zh-CN" altLang="en-US" sz="2000" dirty="0">
+                <a:highlight>
+                  <a:srgbClr val="FFFFFF"/>
+                </a:highlight>
+                <a:latin typeface="-apple-system"/>
+              </a:rPr>
+              <a:t>手机（慢，连续，长）</a:t>
+            </a:r>
+            <a:endParaRPr lang="en-US" altLang="zh-CN" sz="2000" dirty="0">
+              <a:highlight>
+                <a:srgbClr val="FFFFFF"/>
+              </a:highlight>
+              <a:latin typeface="-apple-system"/>
+            </a:endParaRPr>
+          </a:p>
+          <a:p>
+            <a:r>
+              <a:rPr lang="zh-CN" altLang="en-US" sz="2000" dirty="0">
+                <a:highlight>
+                  <a:srgbClr val="FFFFFF"/>
+                </a:highlight>
+                <a:latin typeface="-apple-system"/>
+              </a:rPr>
+              <a:t>左前 </a:t>
+            </a:r>
+            <a:r>
+              <a:rPr lang="en-US" altLang="zh-CN" sz="2000" dirty="0">
+                <a:highlight>
+                  <a:srgbClr val="FFFFFF"/>
+                </a:highlight>
+                <a:latin typeface="-apple-system"/>
+              </a:rPr>
+              <a:t>--- </a:t>
+            </a:r>
+            <a:r>
+              <a:rPr lang="zh-CN" altLang="en-US" sz="2000" dirty="0">
+                <a:highlight>
+                  <a:srgbClr val="FFFFFF"/>
+                </a:highlight>
+                <a:latin typeface="-apple-system"/>
+              </a:rPr>
+              <a:t>左</a:t>
+            </a:r>
+            <a:r>
+              <a:rPr lang="en-US" altLang="zh-CN" sz="2000" dirty="0">
+                <a:highlight>
+                  <a:srgbClr val="FFFFFF"/>
+                </a:highlight>
+                <a:latin typeface="-apple-system"/>
+              </a:rPr>
+              <a:t>+</a:t>
+            </a:r>
+            <a:r>
+              <a:rPr lang="zh-CN" altLang="en-US" sz="2000" dirty="0">
+                <a:highlight>
+                  <a:srgbClr val="FFFFFF"/>
+                </a:highlight>
+                <a:latin typeface="-apple-system"/>
+              </a:rPr>
+              <a:t>前</a:t>
+            </a:r>
+            <a:endParaRPr lang="en-US" altLang="zh-CN" sz="2000" dirty="0">
+              <a:highlight>
+                <a:srgbClr val="FFFFFF"/>
+              </a:highlight>
+              <a:latin typeface="-apple-system"/>
+            </a:endParaRPr>
+          </a:p>
+          <a:p>
+            <a:r>
+              <a:rPr lang="zh-CN" altLang="en-US" sz="2000" dirty="0">
+                <a:highlight>
+                  <a:srgbClr val="FFFFFF"/>
+                </a:highlight>
+                <a:latin typeface="-apple-system"/>
+              </a:rPr>
+              <a:t>左后 </a:t>
+            </a:r>
+            <a:r>
+              <a:rPr lang="en-US" altLang="zh-CN" sz="2000" dirty="0">
+                <a:highlight>
+                  <a:srgbClr val="FFFFFF"/>
+                </a:highlight>
+                <a:latin typeface="-apple-system"/>
+              </a:rPr>
+              <a:t>--- </a:t>
+            </a:r>
+            <a:r>
+              <a:rPr lang="zh-CN" altLang="en-US" sz="2000" dirty="0">
+                <a:highlight>
+                  <a:srgbClr val="FFFFFF"/>
+                </a:highlight>
+                <a:latin typeface="-apple-system"/>
+              </a:rPr>
+              <a:t>后</a:t>
+            </a:r>
+            <a:r>
+              <a:rPr lang="en-US" altLang="zh-CN" sz="2000" dirty="0">
+                <a:highlight>
+                  <a:srgbClr val="FFFFFF"/>
+                </a:highlight>
+                <a:latin typeface="-apple-system"/>
+              </a:rPr>
+              <a:t>+</a:t>
+            </a:r>
+            <a:r>
+              <a:rPr lang="zh-CN" altLang="en-US" sz="2000" dirty="0">
+                <a:highlight>
+                  <a:srgbClr val="FFFFFF"/>
+                </a:highlight>
+                <a:latin typeface="-apple-system"/>
+              </a:rPr>
+              <a:t>前</a:t>
+            </a:r>
+            <a:endParaRPr lang="en-US" altLang="zh-CN" sz="2000" dirty="0">
+              <a:highlight>
+                <a:srgbClr val="FFFFFF"/>
+              </a:highlight>
+              <a:latin typeface="-apple-system"/>
+            </a:endParaRPr>
+          </a:p>
+          <a:p>
+            <a:r>
+              <a:rPr lang="zh-CN" altLang="en-US" sz="2000" dirty="0">
+                <a:highlight>
+                  <a:srgbClr val="FFFFFF"/>
+                </a:highlight>
+                <a:latin typeface="-apple-system"/>
+              </a:rPr>
+              <a:t>右前 </a:t>
+            </a:r>
+            <a:r>
+              <a:rPr lang="en-US" altLang="zh-CN" sz="2000" dirty="0">
+                <a:highlight>
+                  <a:srgbClr val="FFFFFF"/>
+                </a:highlight>
+                <a:latin typeface="-apple-system"/>
+              </a:rPr>
+              <a:t>--- </a:t>
+            </a:r>
+            <a:r>
+              <a:rPr lang="zh-CN" altLang="en-US" sz="2000" dirty="0">
+                <a:highlight>
+                  <a:srgbClr val="FFFFFF"/>
+                </a:highlight>
+                <a:latin typeface="-apple-system"/>
+              </a:rPr>
+              <a:t>前</a:t>
+            </a:r>
+            <a:r>
+              <a:rPr lang="en-US" altLang="zh-CN" sz="2000" dirty="0">
+                <a:highlight>
+                  <a:srgbClr val="FFFFFF"/>
+                </a:highlight>
+                <a:latin typeface="-apple-system"/>
+              </a:rPr>
+              <a:t>+</a:t>
+            </a:r>
+            <a:r>
+              <a:rPr lang="zh-CN" altLang="en-US" sz="2000" dirty="0">
+                <a:highlight>
+                  <a:srgbClr val="FFFFFF"/>
+                </a:highlight>
+                <a:latin typeface="-apple-system"/>
+              </a:rPr>
+              <a:t>前</a:t>
+            </a:r>
+            <a:endParaRPr lang="en-US" altLang="zh-CN" sz="2000" dirty="0">
+              <a:highlight>
+                <a:srgbClr val="FFFFFF"/>
+              </a:highlight>
+              <a:latin typeface="-apple-system"/>
+            </a:endParaRPr>
+          </a:p>
+          <a:p>
+            <a:r>
+              <a:rPr lang="zh-CN" altLang="en-US" sz="2000" dirty="0">
+                <a:highlight>
+                  <a:srgbClr val="FFFFFF"/>
+                </a:highlight>
+                <a:latin typeface="-apple-system"/>
+              </a:rPr>
+              <a:t>右后 </a:t>
+            </a:r>
+            <a:r>
+              <a:rPr lang="en-US" altLang="zh-CN" sz="2000" dirty="0">
+                <a:highlight>
+                  <a:srgbClr val="FFFFFF"/>
+                </a:highlight>
+                <a:latin typeface="-apple-system"/>
+              </a:rPr>
+              <a:t>--- </a:t>
+            </a:r>
+            <a:r>
+              <a:rPr lang="zh-CN" altLang="en-US" sz="2000" dirty="0">
+                <a:highlight>
+                  <a:srgbClr val="FFFFFF"/>
+                </a:highlight>
+                <a:latin typeface="-apple-system"/>
+              </a:rPr>
+              <a:t>右</a:t>
+            </a:r>
+            <a:r>
+              <a:rPr lang="en-US" altLang="zh-CN" sz="2000" dirty="0">
+                <a:highlight>
+                  <a:srgbClr val="FFFFFF"/>
+                </a:highlight>
+                <a:latin typeface="-apple-system"/>
+              </a:rPr>
+              <a:t>+</a:t>
+            </a:r>
+            <a:r>
+              <a:rPr lang="zh-CN" altLang="en-US" sz="2000" dirty="0">
+                <a:highlight>
+                  <a:srgbClr val="FFFFFF"/>
+                </a:highlight>
+                <a:latin typeface="-apple-system"/>
+              </a:rPr>
+              <a:t>前</a:t>
+            </a:r>
+            <a:endParaRPr lang="en-US" altLang="zh-CN" sz="2000" dirty="0">
+              <a:highlight>
+                <a:srgbClr val="FFFFFF"/>
+              </a:highlight>
+              <a:latin typeface="-apple-system"/>
+            </a:endParaRPr>
+          </a:p>
+          <a:p>
+            <a:endParaRPr lang="en-US" altLang="zh-CN" sz="2000" dirty="0">
+              <a:highlight>
+                <a:srgbClr val="FFFFFF"/>
+              </a:highlight>
+              <a:latin typeface="-apple-system"/>
+            </a:endParaRPr>
+          </a:p>
+          <a:p>
+            <a:r>
+              <a:rPr lang="zh-CN" altLang="en-US" sz="2000" dirty="0">
+                <a:highlight>
+                  <a:srgbClr val="FFFFFF"/>
+                </a:highlight>
+                <a:latin typeface="-apple-system"/>
+              </a:rPr>
+              <a:t>停止：手机手表同时振动</a:t>
+            </a:r>
+            <a:endParaRPr lang="en-US" altLang="zh-CN" sz="2000" dirty="0">
+              <a:highlight>
+                <a:srgbClr val="FFFFFF"/>
+              </a:highlight>
+              <a:latin typeface="-apple-system"/>
+            </a:endParaRPr>
+          </a:p>
+        </p:txBody>
+      </p:sp>
+      <p:sp>
+        <p:nvSpPr>
+          <p:cNvPr id="7" name="文本框 6">
+            <a:extLst>
+              <a:ext uri="{FF2B5EF4-FFF2-40B4-BE49-F238E27FC236}">
+                <a16:creationId xmlns:a16="http://schemas.microsoft.com/office/drawing/2014/main" id="{3FA88F50-6D42-070C-9DBA-93ABAC127C49}"/>
+              </a:ext>
+            </a:extLst>
+          </p:cNvPr>
+          <p:cNvSpPr txBox="1"/>
+          <p:nvPr/>
+        </p:nvSpPr>
+        <p:spPr>
+          <a:xfrm>
+            <a:off x="5214138" y="2351089"/>
+            <a:ext cx="3091661" cy="2246769"/>
+          </a:xfrm>
+          <a:prstGeom prst="rect">
+            <a:avLst/>
+          </a:prstGeom>
+          <a:noFill/>
+        </p:spPr>
+        <p:txBody>
+          <a:bodyPr wrap="square" rtlCol="0">
+            <a:spAutoFit/>
+          </a:bodyPr>
+          <a:lstStyle/>
+          <a:p>
+            <a:r>
+              <a:rPr lang="zh-CN" altLang="en-US" sz="2000" dirty="0">
+                <a:highlight>
+                  <a:srgbClr val="FFFFFF"/>
+                </a:highlight>
+                <a:latin typeface="-apple-system"/>
+              </a:rPr>
+              <a:t>导航：</a:t>
+            </a:r>
+            <a:endParaRPr lang="en-US" altLang="zh-CN" sz="2000" dirty="0">
+              <a:highlight>
+                <a:srgbClr val="FFFFFF"/>
+              </a:highlight>
+              <a:latin typeface="-apple-system"/>
+            </a:endParaRPr>
+          </a:p>
+          <a:p>
+            <a:r>
+              <a:rPr lang="zh-CN" altLang="en-US" sz="2000" dirty="0">
+                <a:highlight>
+                  <a:srgbClr val="FFFFFF"/>
+                </a:highlight>
+                <a:latin typeface="-apple-system"/>
+              </a:rPr>
+              <a:t>距离：使用振动频率</a:t>
+            </a:r>
+            <a:endParaRPr lang="en-US" altLang="zh-CN" sz="2000" dirty="0">
+              <a:highlight>
+                <a:srgbClr val="FFFFFF"/>
+              </a:highlight>
+              <a:latin typeface="-apple-system"/>
+            </a:endParaRPr>
+          </a:p>
+          <a:p>
+            <a:r>
+              <a:rPr lang="zh-CN" altLang="en-US" sz="2000" dirty="0">
+                <a:highlight>
+                  <a:srgbClr val="FFFFFF"/>
+                </a:highlight>
+                <a:latin typeface="-apple-system"/>
+              </a:rPr>
+              <a:t>停止时，将手表水平放置，距离信息越近，手表振动次数越少。</a:t>
+            </a:r>
+            <a:endParaRPr lang="en-US" altLang="zh-CN" sz="2000" dirty="0">
+              <a:highlight>
+                <a:srgbClr val="FFFFFF"/>
+              </a:highlight>
+              <a:latin typeface="-apple-system"/>
+            </a:endParaRPr>
+          </a:p>
+          <a:p>
+            <a:endParaRPr lang="en-US" altLang="zh-CN" sz="2000" dirty="0">
+              <a:highlight>
+                <a:srgbClr val="FFFFFF"/>
+              </a:highlight>
+              <a:latin typeface="-apple-system"/>
+            </a:endParaRPr>
+          </a:p>
+          <a:p>
+            <a:r>
+              <a:rPr lang="zh-CN" altLang="en-US" sz="2000" dirty="0">
+                <a:highlight>
+                  <a:srgbClr val="FFFFFF"/>
+                </a:highlight>
+                <a:latin typeface="-apple-system"/>
+              </a:rPr>
+              <a:t>距离 </a:t>
+            </a:r>
+            <a:r>
+              <a:rPr lang="en-US" altLang="zh-CN" sz="2000" dirty="0">
+                <a:highlight>
+                  <a:srgbClr val="FFFFFF"/>
+                </a:highlight>
+                <a:latin typeface="-apple-system"/>
+              </a:rPr>
+              <a:t>--- </a:t>
+            </a:r>
+            <a:r>
+              <a:rPr lang="zh-CN" altLang="en-US" sz="2000" dirty="0">
+                <a:highlight>
+                  <a:srgbClr val="FFFFFF"/>
+                </a:highlight>
+                <a:latin typeface="-apple-system"/>
+              </a:rPr>
+              <a:t>振动次数</a:t>
+            </a:r>
+            <a:endParaRPr lang="en-US" altLang="zh-CN" sz="2000" dirty="0">
+              <a:highlight>
+                <a:srgbClr val="FFFFFF"/>
+              </a:highlight>
+              <a:latin typeface="-apple-system"/>
+            </a:endParaRPr>
+          </a:p>
+        </p:txBody>
+      </p:sp>
+    </p:spTree>
+    <p:extLst>
+      <p:ext uri="{BB962C8B-B14F-4D97-AF65-F5344CB8AC3E}">
+        <p14:creationId xmlns:p14="http://schemas.microsoft.com/office/powerpoint/2010/main" val="4130644914"/>
+      </p:ext>
+    </p:extLst>
+  </p:cSld>
+  <p:clrMapOvr>
+    <a:masterClrMapping/>
+  </p:clrMapOvr>
+  <mc:AlternateContent xmlns:mc="http://schemas.openxmlformats.org/markup-compatibility/2006" xmlns:p14="http://schemas.microsoft.com/office/powerpoint/2010/main">
+    <mc:Choice Requires="p14">
+      <p:transition spd="slow" p14:dur="1500" advTm="0">
+        <p:random/>
+      </p:transition>
+    </mc:Choice>
+    <mc:Fallback xmlns="">
+      <p:transition spd="slow" advTm="0">
+        <p:random/>
+      </p:transition>
+    </mc:Fallback>
+  </mc:AlternateContent>
+</p:sld>
+</file>
+
+<file path=ppt/slides/slide51.xml><?xml version="1.0" encoding="utf-8"?>
+<p:sld xmlns:a="http://schemas.openxmlformats.org/drawingml/2006/main" xmlns:r="http://schemas.openxmlformats.org/officeDocument/2006/relationships" xmlns:p="http://schemas.openxmlformats.org/presentationml/2006/main">
+  <p:cSld>
+    <p:spTree>
+      <p:nvGrpSpPr>
+        <p:cNvPr id="1" name=""/>
+        <p:cNvGrpSpPr/>
+        <p:nvPr/>
+      </p:nvGrpSpPr>
+      <p:grpSpPr>
+        <a:xfrm>
+          <a:off x="0" y="0"/>
+          <a:ext cx="0" cy="0"/>
+          <a:chOff x="0" y="0"/>
+          <a:chExt cx="0" cy="0"/>
+        </a:xfrm>
+      </p:grpSpPr>
+      <p:grpSp>
+        <p:nvGrpSpPr>
+          <p:cNvPr id="21" name="组合 20"/>
+          <p:cNvGrpSpPr/>
+          <p:nvPr/>
+        </p:nvGrpSpPr>
+        <p:grpSpPr>
+          <a:xfrm>
+            <a:off x="5270500" y="510493"/>
+            <a:ext cx="7561033" cy="380555"/>
+            <a:chOff x="6997699" y="510493"/>
+            <a:chExt cx="5794625" cy="380555"/>
+          </a:xfrm>
+        </p:grpSpPr>
+        <p:sp>
+          <p:nvSpPr>
+            <p:cNvPr id="22" name="任意多边形: 形状 21"/>
+            <p:cNvSpPr/>
+            <p:nvPr userDrawn="1"/>
+          </p:nvSpPr>
+          <p:spPr>
+            <a:xfrm flipH="1">
+              <a:off x="6997699" y="764493"/>
+              <a:ext cx="5376633" cy="126555"/>
+            </a:xfrm>
+            <a:custGeom>
+              <a:avLst/>
+              <a:gdLst>
+                <a:gd name="connsiteX0" fmla="*/ 7367523 w 7367523"/>
+                <a:gd name="connsiteY0" fmla="*/ 0 h 173416"/>
+                <a:gd name="connsiteX1" fmla="*/ 6374783 w 7367523"/>
+                <a:gd name="connsiteY1" fmla="*/ 0 h 173416"/>
+                <a:gd name="connsiteX2" fmla="*/ 6240349 w 7367523"/>
+                <a:gd name="connsiteY2" fmla="*/ 0 h 173416"/>
+                <a:gd name="connsiteX3" fmla="*/ 5540227 w 7367523"/>
+                <a:gd name="connsiteY3" fmla="*/ 0 h 173416"/>
+                <a:gd name="connsiteX4" fmla="*/ 5247612 w 7367523"/>
+                <a:gd name="connsiteY4" fmla="*/ 0 h 173416"/>
+                <a:gd name="connsiteX5" fmla="*/ 4707193 w 7367523"/>
+                <a:gd name="connsiteY5" fmla="*/ 0 h 173416"/>
+                <a:gd name="connsiteX6" fmla="*/ 4413053 w 7367523"/>
+                <a:gd name="connsiteY6" fmla="*/ 0 h 173416"/>
+                <a:gd name="connsiteX7" fmla="*/ 3865356 w 7367523"/>
+                <a:gd name="connsiteY7" fmla="*/ 0 h 173416"/>
+                <a:gd name="connsiteX8" fmla="*/ 3580019 w 7367523"/>
+                <a:gd name="connsiteY8" fmla="*/ 0 h 173416"/>
+                <a:gd name="connsiteX9" fmla="*/ 2872616 w 7367523"/>
+                <a:gd name="connsiteY9" fmla="*/ 0 h 173416"/>
+                <a:gd name="connsiteX10" fmla="*/ 2738183 w 7367523"/>
+                <a:gd name="connsiteY10" fmla="*/ 0 h 173416"/>
+                <a:gd name="connsiteX11" fmla="*/ 2038060 w 7367523"/>
+                <a:gd name="connsiteY11" fmla="*/ 0 h 173416"/>
+                <a:gd name="connsiteX12" fmla="*/ 1745445 w 7367523"/>
+                <a:gd name="connsiteY12" fmla="*/ 0 h 173416"/>
+                <a:gd name="connsiteX13" fmla="*/ 1205026 w 7367523"/>
+                <a:gd name="connsiteY13" fmla="*/ 0 h 173416"/>
+                <a:gd name="connsiteX14" fmla="*/ 910887 w 7367523"/>
+                <a:gd name="connsiteY14" fmla="*/ 0 h 173416"/>
+                <a:gd name="connsiteX15" fmla="*/ 77853 w 7367523"/>
+                <a:gd name="connsiteY15" fmla="*/ 0 h 173416"/>
+                <a:gd name="connsiteX16" fmla="*/ 0 w 7367523"/>
+                <a:gd name="connsiteY16" fmla="*/ 173416 h 173416"/>
+                <a:gd name="connsiteX17" fmla="*/ 7289670 w 7367523"/>
+                <a:gd name="connsiteY17" fmla="*/ 173416 h 173416"/>
+              </a:gdLst>
+              <a:ahLst/>
+              <a:cxnLst>
+                <a:cxn ang="0">
+                  <a:pos x="connsiteX0" y="connsiteY0"/>
+                </a:cxn>
+                <a:cxn ang="0">
+                  <a:pos x="connsiteX1" y="connsiteY1"/>
+                </a:cxn>
+                <a:cxn ang="0">
+                  <a:pos x="connsiteX2" y="connsiteY2"/>
+                </a:cxn>
+                <a:cxn ang="0">
+                  <a:pos x="connsiteX3" y="connsiteY3"/>
+                </a:cxn>
+                <a:cxn ang="0">
+                  <a:pos x="connsiteX4" y="connsiteY4"/>
+                </a:cxn>
+                <a:cxn ang="0">
+                  <a:pos x="connsiteX5" y="connsiteY5"/>
+                </a:cxn>
+                <a:cxn ang="0">
+                  <a:pos x="connsiteX6" y="connsiteY6"/>
+                </a:cxn>
+                <a:cxn ang="0">
+                  <a:pos x="connsiteX7" y="connsiteY7"/>
+                </a:cxn>
+                <a:cxn ang="0">
+                  <a:pos x="connsiteX8" y="connsiteY8"/>
+                </a:cxn>
+                <a:cxn ang="0">
+                  <a:pos x="connsiteX9" y="connsiteY9"/>
+                </a:cxn>
+                <a:cxn ang="0">
+                  <a:pos x="connsiteX10" y="connsiteY10"/>
+                </a:cxn>
+                <a:cxn ang="0">
+                  <a:pos x="connsiteX11" y="connsiteY11"/>
+                </a:cxn>
+                <a:cxn ang="0">
+                  <a:pos x="connsiteX12" y="connsiteY12"/>
+                </a:cxn>
+                <a:cxn ang="0">
+                  <a:pos x="connsiteX13" y="connsiteY13"/>
+                </a:cxn>
+                <a:cxn ang="0">
+                  <a:pos x="connsiteX14" y="connsiteY14"/>
+                </a:cxn>
+                <a:cxn ang="0">
+                  <a:pos x="connsiteX15" y="connsiteY15"/>
+                </a:cxn>
+                <a:cxn ang="0">
+                  <a:pos x="connsiteX16" y="connsiteY16"/>
+                </a:cxn>
+                <a:cxn ang="0">
+                  <a:pos x="connsiteX17" y="connsiteY17"/>
+                </a:cxn>
+              </a:cxnLst>
+              <a:rect l="l" t="t" r="r" b="b"/>
+              <a:pathLst>
+                <a:path w="7367523" h="173416">
+                  <a:moveTo>
+                    <a:pt x="7367523" y="0"/>
+                  </a:moveTo>
+                  <a:lnTo>
+                    <a:pt x="6374783" y="0"/>
+                  </a:lnTo>
+                  <a:lnTo>
+                    <a:pt x="6240349" y="0"/>
+                  </a:lnTo>
+                  <a:lnTo>
+                    <a:pt x="5540227" y="0"/>
+                  </a:lnTo>
+                  <a:lnTo>
+                    <a:pt x="5247612" y="0"/>
+                  </a:lnTo>
+                  <a:lnTo>
+                    <a:pt x="4707193" y="0"/>
+                  </a:lnTo>
+                  <a:lnTo>
+                    <a:pt x="4413053" y="0"/>
+                  </a:lnTo>
+                  <a:lnTo>
+                    <a:pt x="3865356" y="0"/>
+                  </a:lnTo>
+                  <a:lnTo>
+                    <a:pt x="3580019" y="0"/>
+                  </a:lnTo>
+                  <a:lnTo>
+                    <a:pt x="2872616" y="0"/>
+                  </a:lnTo>
+                  <a:lnTo>
+                    <a:pt x="2738183" y="0"/>
+                  </a:lnTo>
+                  <a:lnTo>
+                    <a:pt x="2038060" y="0"/>
+                  </a:lnTo>
+                  <a:lnTo>
+                    <a:pt x="1745445" y="0"/>
+                  </a:lnTo>
+                  <a:lnTo>
+                    <a:pt x="1205026" y="0"/>
+                  </a:lnTo>
+                  <a:lnTo>
+                    <a:pt x="910887" y="0"/>
+                  </a:lnTo>
+                  <a:lnTo>
+                    <a:pt x="77853" y="0"/>
+                  </a:lnTo>
+                  <a:lnTo>
+                    <a:pt x="0" y="173416"/>
+                  </a:lnTo>
+                  <a:lnTo>
+                    <a:pt x="7289670" y="173416"/>
+                  </a:lnTo>
+                  <a:close/>
+                </a:path>
+              </a:pathLst>
+            </a:custGeom>
+            <a:gradFill flip="none" rotWithShape="0">
+              <a:gsLst>
+                <a:gs pos="0">
+                  <a:srgbClr val="228AF2"/>
+                </a:gs>
+                <a:gs pos="94000">
+                  <a:srgbClr val="7F12B6"/>
+                </a:gs>
+              </a:gsLst>
+              <a:lin ang="2700000" scaled="1"/>
+              <a:tileRect/>
+            </a:gradFill>
+            <a:ln>
+              <a:noFill/>
+            </a:ln>
+          </p:spPr>
+          <p:style>
+            <a:lnRef idx="2">
+              <a:schemeClr val="accent1">
+                <a:shade val="50000"/>
+              </a:schemeClr>
+            </a:lnRef>
+            <a:fillRef idx="1">
+              <a:schemeClr val="accent1"/>
+            </a:fillRef>
+            <a:effectRef idx="0">
+              <a:schemeClr val="accent1"/>
+            </a:effectRef>
+            <a:fontRef idx="minor">
+              <a:schemeClr val="lt1"/>
+            </a:fontRef>
+          </p:style>
+          <p:txBody>
+            <a:bodyPr rot="0" spcFirstLastPara="0" vertOverflow="overflow" horzOverflow="overflow" vert="horz" wrap="square" lIns="91440" tIns="45720" rIns="91440" bIns="45720" numCol="1" spcCol="0" rtlCol="0" fromWordArt="0" anchor="ctr" anchorCtr="0" forceAA="0" compatLnSpc="1">
+              <a:noAutofit/>
+            </a:bodyPr>
+            <a:lstStyle/>
+            <a:p>
+              <a:pPr algn="ctr"/>
+              <a:endParaRPr lang="zh-CN" altLang="en-US"/>
+            </a:p>
+          </p:txBody>
+        </p:sp>
+        <p:sp>
+          <p:nvSpPr>
+            <p:cNvPr id="23" name="任意多边形: 形状 22"/>
+            <p:cNvSpPr/>
+            <p:nvPr userDrawn="1"/>
+          </p:nvSpPr>
+          <p:spPr>
+            <a:xfrm flipH="1">
+              <a:off x="7415691" y="510493"/>
+              <a:ext cx="5376633" cy="126555"/>
+            </a:xfrm>
+            <a:custGeom>
+              <a:avLst/>
+              <a:gdLst>
+                <a:gd name="connsiteX0" fmla="*/ 7367523 w 7367523"/>
+                <a:gd name="connsiteY0" fmla="*/ 0 h 173416"/>
+                <a:gd name="connsiteX1" fmla="*/ 6374783 w 7367523"/>
+                <a:gd name="connsiteY1" fmla="*/ 0 h 173416"/>
+                <a:gd name="connsiteX2" fmla="*/ 6240349 w 7367523"/>
+                <a:gd name="connsiteY2" fmla="*/ 0 h 173416"/>
+                <a:gd name="connsiteX3" fmla="*/ 5540227 w 7367523"/>
+                <a:gd name="connsiteY3" fmla="*/ 0 h 173416"/>
+                <a:gd name="connsiteX4" fmla="*/ 5247612 w 7367523"/>
+                <a:gd name="connsiteY4" fmla="*/ 0 h 173416"/>
+                <a:gd name="connsiteX5" fmla="*/ 4707193 w 7367523"/>
+                <a:gd name="connsiteY5" fmla="*/ 0 h 173416"/>
+                <a:gd name="connsiteX6" fmla="*/ 4413053 w 7367523"/>
+                <a:gd name="connsiteY6" fmla="*/ 0 h 173416"/>
+                <a:gd name="connsiteX7" fmla="*/ 3865356 w 7367523"/>
+                <a:gd name="connsiteY7" fmla="*/ 0 h 173416"/>
+                <a:gd name="connsiteX8" fmla="*/ 3580019 w 7367523"/>
+                <a:gd name="connsiteY8" fmla="*/ 0 h 173416"/>
+                <a:gd name="connsiteX9" fmla="*/ 2872616 w 7367523"/>
+                <a:gd name="connsiteY9" fmla="*/ 0 h 173416"/>
+                <a:gd name="connsiteX10" fmla="*/ 2738183 w 7367523"/>
+                <a:gd name="connsiteY10" fmla="*/ 0 h 173416"/>
+                <a:gd name="connsiteX11" fmla="*/ 2038060 w 7367523"/>
+                <a:gd name="connsiteY11" fmla="*/ 0 h 173416"/>
+                <a:gd name="connsiteX12" fmla="*/ 1745445 w 7367523"/>
+                <a:gd name="connsiteY12" fmla="*/ 0 h 173416"/>
+                <a:gd name="connsiteX13" fmla="*/ 1205026 w 7367523"/>
+                <a:gd name="connsiteY13" fmla="*/ 0 h 173416"/>
+                <a:gd name="connsiteX14" fmla="*/ 910887 w 7367523"/>
+                <a:gd name="connsiteY14" fmla="*/ 0 h 173416"/>
+                <a:gd name="connsiteX15" fmla="*/ 77853 w 7367523"/>
+                <a:gd name="connsiteY15" fmla="*/ 0 h 173416"/>
+                <a:gd name="connsiteX16" fmla="*/ 0 w 7367523"/>
+                <a:gd name="connsiteY16" fmla="*/ 173416 h 173416"/>
+                <a:gd name="connsiteX17" fmla="*/ 7289670 w 7367523"/>
+                <a:gd name="connsiteY17" fmla="*/ 173416 h 173416"/>
+              </a:gdLst>
+              <a:ahLst/>
+              <a:cxnLst>
+                <a:cxn ang="0">
+                  <a:pos x="connsiteX0" y="connsiteY0"/>
+                </a:cxn>
+                <a:cxn ang="0">
+                  <a:pos x="connsiteX1" y="connsiteY1"/>
+                </a:cxn>
+                <a:cxn ang="0">
+                  <a:pos x="connsiteX2" y="connsiteY2"/>
+                </a:cxn>
+                <a:cxn ang="0">
+                  <a:pos x="connsiteX3" y="connsiteY3"/>
+                </a:cxn>
+                <a:cxn ang="0">
+                  <a:pos x="connsiteX4" y="connsiteY4"/>
+                </a:cxn>
+                <a:cxn ang="0">
+                  <a:pos x="connsiteX5" y="connsiteY5"/>
+                </a:cxn>
+                <a:cxn ang="0">
+                  <a:pos x="connsiteX6" y="connsiteY6"/>
+                </a:cxn>
+                <a:cxn ang="0">
+                  <a:pos x="connsiteX7" y="connsiteY7"/>
+                </a:cxn>
+                <a:cxn ang="0">
+                  <a:pos x="connsiteX8" y="connsiteY8"/>
+                </a:cxn>
+                <a:cxn ang="0">
+                  <a:pos x="connsiteX9" y="connsiteY9"/>
+                </a:cxn>
+                <a:cxn ang="0">
+                  <a:pos x="connsiteX10" y="connsiteY10"/>
+                </a:cxn>
+                <a:cxn ang="0">
+                  <a:pos x="connsiteX11" y="connsiteY11"/>
+                </a:cxn>
+                <a:cxn ang="0">
+                  <a:pos x="connsiteX12" y="connsiteY12"/>
+                </a:cxn>
+                <a:cxn ang="0">
+                  <a:pos x="connsiteX13" y="connsiteY13"/>
+                </a:cxn>
+                <a:cxn ang="0">
+                  <a:pos x="connsiteX14" y="connsiteY14"/>
+                </a:cxn>
+                <a:cxn ang="0">
+                  <a:pos x="connsiteX15" y="connsiteY15"/>
+                </a:cxn>
+                <a:cxn ang="0">
+                  <a:pos x="connsiteX16" y="connsiteY16"/>
+                </a:cxn>
+                <a:cxn ang="0">
+                  <a:pos x="connsiteX17" y="connsiteY17"/>
+                </a:cxn>
+              </a:cxnLst>
+              <a:rect l="l" t="t" r="r" b="b"/>
+              <a:pathLst>
+                <a:path w="7367523" h="173416">
+                  <a:moveTo>
+                    <a:pt x="7367523" y="0"/>
+                  </a:moveTo>
+                  <a:lnTo>
+                    <a:pt x="6374783" y="0"/>
+                  </a:lnTo>
+                  <a:lnTo>
+                    <a:pt x="6240349" y="0"/>
+                  </a:lnTo>
+                  <a:lnTo>
+                    <a:pt x="5540227" y="0"/>
+                  </a:lnTo>
+                  <a:lnTo>
+                    <a:pt x="5247612" y="0"/>
+                  </a:lnTo>
+                  <a:lnTo>
+                    <a:pt x="4707193" y="0"/>
+                  </a:lnTo>
+                  <a:lnTo>
+                    <a:pt x="4413053" y="0"/>
+                  </a:lnTo>
+                  <a:lnTo>
+                    <a:pt x="3865356" y="0"/>
+                  </a:lnTo>
+                  <a:lnTo>
+                    <a:pt x="3580019" y="0"/>
+                  </a:lnTo>
+                  <a:lnTo>
+                    <a:pt x="2872616" y="0"/>
+                  </a:lnTo>
+                  <a:lnTo>
+                    <a:pt x="2738183" y="0"/>
+                  </a:lnTo>
+                  <a:lnTo>
+                    <a:pt x="2038060" y="0"/>
+                  </a:lnTo>
+                  <a:lnTo>
+                    <a:pt x="1745445" y="0"/>
+                  </a:lnTo>
+                  <a:lnTo>
+                    <a:pt x="1205026" y="0"/>
+                  </a:lnTo>
+                  <a:lnTo>
+                    <a:pt x="910887" y="0"/>
+                  </a:lnTo>
+                  <a:lnTo>
+                    <a:pt x="77853" y="0"/>
+                  </a:lnTo>
+                  <a:lnTo>
+                    <a:pt x="0" y="173416"/>
+                  </a:lnTo>
+                  <a:lnTo>
+                    <a:pt x="7289670" y="173416"/>
+                  </a:lnTo>
+                  <a:close/>
+                </a:path>
+              </a:pathLst>
+            </a:custGeom>
+            <a:solidFill>
+              <a:schemeClr val="bg2"/>
+            </a:solidFill>
+            <a:ln>
+              <a:noFill/>
+            </a:ln>
+          </p:spPr>
+          <p:style>
+            <a:lnRef idx="2">
+              <a:schemeClr val="accent1">
+                <a:shade val="50000"/>
+              </a:schemeClr>
+            </a:lnRef>
+            <a:fillRef idx="1">
+              <a:schemeClr val="accent1"/>
+            </a:fillRef>
+            <a:effectRef idx="0">
+              <a:schemeClr val="accent1"/>
+            </a:effectRef>
+            <a:fontRef idx="minor">
+              <a:schemeClr val="lt1"/>
+            </a:fontRef>
+          </p:style>
+          <p:txBody>
+            <a:bodyPr rot="0" spcFirstLastPara="0" vertOverflow="overflow" horzOverflow="overflow" vert="horz" wrap="square" lIns="91440" tIns="45720" rIns="91440" bIns="45720" numCol="1" spcCol="0" rtlCol="0" fromWordArt="0" anchor="ctr" anchorCtr="0" forceAA="0" compatLnSpc="1">
+              <a:noAutofit/>
+            </a:bodyPr>
+            <a:lstStyle/>
+            <a:p>
+              <a:pPr algn="ctr"/>
+              <a:endParaRPr lang="zh-CN" altLang="en-US"/>
+            </a:p>
+          </p:txBody>
+        </p:sp>
+      </p:grpSp>
+      <p:sp>
+        <p:nvSpPr>
+          <p:cNvPr id="24" name="任意多边形: 形状 23"/>
+          <p:cNvSpPr/>
+          <p:nvPr/>
+        </p:nvSpPr>
+        <p:spPr>
+          <a:xfrm flipH="1">
+            <a:off x="129621" y="0"/>
+            <a:ext cx="586522" cy="1047087"/>
+          </a:xfrm>
+          <a:custGeom>
+            <a:avLst/>
+            <a:gdLst>
+              <a:gd name="connsiteX0" fmla="*/ 586522 w 586522"/>
+              <a:gd name="connsiteY0" fmla="*/ 0 h 1047087"/>
+              <a:gd name="connsiteX1" fmla="*/ 470079 w 586522"/>
+              <a:gd name="connsiteY1" fmla="*/ 0 h 1047087"/>
+              <a:gd name="connsiteX2" fmla="*/ 0 w 586522"/>
+              <a:gd name="connsiteY2" fmla="*/ 1047087 h 1047087"/>
+              <a:gd name="connsiteX3" fmla="*/ 116443 w 586522"/>
+              <a:gd name="connsiteY3" fmla="*/ 1047087 h 1047087"/>
+            </a:gdLst>
+            <a:ahLst/>
+            <a:cxnLst>
+              <a:cxn ang="0">
+                <a:pos x="connsiteX0" y="connsiteY0"/>
+              </a:cxn>
+              <a:cxn ang="0">
+                <a:pos x="connsiteX1" y="connsiteY1"/>
+              </a:cxn>
+              <a:cxn ang="0">
+                <a:pos x="connsiteX2" y="connsiteY2"/>
+              </a:cxn>
+              <a:cxn ang="0">
+                <a:pos x="connsiteX3" y="connsiteY3"/>
+              </a:cxn>
+            </a:cxnLst>
+            <a:rect l="l" t="t" r="r" b="b"/>
+            <a:pathLst>
+              <a:path w="586522" h="1047087">
+                <a:moveTo>
+                  <a:pt x="586522" y="0"/>
+                </a:moveTo>
+                <a:lnTo>
+                  <a:pt x="470079" y="0"/>
+                </a:lnTo>
+                <a:lnTo>
+                  <a:pt x="0" y="1047087"/>
+                </a:lnTo>
+                <a:lnTo>
+                  <a:pt x="116443" y="1047087"/>
+                </a:lnTo>
+                <a:close/>
+              </a:path>
+            </a:pathLst>
+          </a:custGeom>
+          <a:gradFill flip="none" rotWithShape="0">
+            <a:gsLst>
+              <a:gs pos="0">
+                <a:srgbClr val="53A5F5">
+                  <a:lumMod val="73000"/>
+                  <a:lumOff val="27000"/>
+                </a:srgbClr>
+              </a:gs>
+              <a:gs pos="94000">
+                <a:srgbClr val="9214CF">
+                  <a:lumMod val="73000"/>
+                  <a:lumOff val="27000"/>
+                </a:srgbClr>
+              </a:gs>
+            </a:gsLst>
+            <a:lin ang="2700000" scaled="1"/>
+            <a:tileRect/>
+          </a:gradFill>
+          <a:ln>
+            <a:noFill/>
+          </a:ln>
+        </p:spPr>
+        <p:style>
+          <a:lnRef idx="2">
+            <a:schemeClr val="accent1">
+              <a:shade val="50000"/>
+            </a:schemeClr>
+          </a:lnRef>
+          <a:fillRef idx="1">
+            <a:schemeClr val="accent1"/>
+          </a:fillRef>
+          <a:effectRef idx="0">
+            <a:schemeClr val="accent1"/>
+          </a:effectRef>
+          <a:fontRef idx="minor">
+            <a:schemeClr val="lt1"/>
+          </a:fontRef>
+        </p:style>
+        <p:txBody>
+          <a:bodyPr rot="0" spcFirstLastPara="0" vertOverflow="overflow" horzOverflow="overflow" vert="horz" wrap="square" lIns="91440" tIns="45720" rIns="91440" bIns="45720" numCol="1" spcCol="0" rtlCol="0" fromWordArt="0" anchor="ctr" anchorCtr="0" forceAA="0" compatLnSpc="1">
+            <a:noAutofit/>
+          </a:bodyPr>
+          <a:lstStyle/>
+          <a:p>
+            <a:pPr algn="ctr"/>
+            <a:endParaRPr lang="zh-CN" altLang="en-US"/>
+          </a:p>
+        </p:txBody>
+      </p:sp>
+      <p:sp>
+        <p:nvSpPr>
+          <p:cNvPr id="25" name="任意多边形: 形状 24"/>
+          <p:cNvSpPr/>
+          <p:nvPr/>
+        </p:nvSpPr>
+        <p:spPr>
+          <a:xfrm flipH="1">
+            <a:off x="581108" y="202981"/>
+            <a:ext cx="344503" cy="615023"/>
+          </a:xfrm>
+          <a:custGeom>
+            <a:avLst/>
+            <a:gdLst>
+              <a:gd name="connsiteX0" fmla="*/ 586522 w 586522"/>
+              <a:gd name="connsiteY0" fmla="*/ 0 h 1047087"/>
+              <a:gd name="connsiteX1" fmla="*/ 470079 w 586522"/>
+              <a:gd name="connsiteY1" fmla="*/ 0 h 1047087"/>
+              <a:gd name="connsiteX2" fmla="*/ 0 w 586522"/>
+              <a:gd name="connsiteY2" fmla="*/ 1047087 h 1047087"/>
+              <a:gd name="connsiteX3" fmla="*/ 116443 w 586522"/>
+              <a:gd name="connsiteY3" fmla="*/ 1047087 h 1047087"/>
+            </a:gdLst>
+            <a:ahLst/>
+            <a:cxnLst>
+              <a:cxn ang="0">
+                <a:pos x="connsiteX0" y="connsiteY0"/>
+              </a:cxn>
+              <a:cxn ang="0">
+                <a:pos x="connsiteX1" y="connsiteY1"/>
+              </a:cxn>
+              <a:cxn ang="0">
+                <a:pos x="connsiteX2" y="connsiteY2"/>
+              </a:cxn>
+              <a:cxn ang="0">
+                <a:pos x="connsiteX3" y="connsiteY3"/>
+              </a:cxn>
+            </a:cxnLst>
+            <a:rect l="l" t="t" r="r" b="b"/>
+            <a:pathLst>
+              <a:path w="586522" h="1047087">
+                <a:moveTo>
+                  <a:pt x="586522" y="0"/>
+                </a:moveTo>
+                <a:lnTo>
+                  <a:pt x="470079" y="0"/>
+                </a:lnTo>
+                <a:lnTo>
+                  <a:pt x="0" y="1047087"/>
+                </a:lnTo>
+                <a:lnTo>
+                  <a:pt x="116443" y="1047087"/>
+                </a:lnTo>
+                <a:close/>
+              </a:path>
+            </a:pathLst>
+          </a:custGeom>
+          <a:solidFill>
+            <a:schemeClr val="bg1">
+              <a:lumMod val="95000"/>
+            </a:schemeClr>
+          </a:solidFill>
+          <a:ln>
+            <a:noFill/>
+          </a:ln>
+        </p:spPr>
+        <p:style>
+          <a:lnRef idx="2">
+            <a:schemeClr val="accent1">
+              <a:shade val="50000"/>
+            </a:schemeClr>
+          </a:lnRef>
+          <a:fillRef idx="1">
+            <a:schemeClr val="accent1"/>
+          </a:fillRef>
+          <a:effectRef idx="0">
+            <a:schemeClr val="accent1"/>
+          </a:effectRef>
+          <a:fontRef idx="minor">
+            <a:schemeClr val="lt1"/>
+          </a:fontRef>
+        </p:style>
+        <p:txBody>
+          <a:bodyPr rot="0" spcFirstLastPara="0" vertOverflow="overflow" horzOverflow="overflow" vert="horz" wrap="square" lIns="91440" tIns="45720" rIns="91440" bIns="45720" numCol="1" spcCol="0" rtlCol="0" fromWordArt="0" anchor="ctr" anchorCtr="0" forceAA="0" compatLnSpc="1">
+            <a:noAutofit/>
+          </a:bodyPr>
+          <a:lstStyle/>
+          <a:p>
+            <a:pPr algn="ctr"/>
+            <a:endParaRPr lang="zh-CN" altLang="en-US"/>
+          </a:p>
+        </p:txBody>
+      </p:sp>
+      <p:sp>
+        <p:nvSpPr>
+          <p:cNvPr id="2" name="文本框 1">
+            <a:extLst>
+              <a:ext uri="{FF2B5EF4-FFF2-40B4-BE49-F238E27FC236}">
+                <a16:creationId xmlns:a16="http://schemas.microsoft.com/office/drawing/2014/main" id="{0F7D0A9B-401A-9893-DEF7-2C6FF8D47F90}"/>
+              </a:ext>
+            </a:extLst>
+          </p:cNvPr>
+          <p:cNvSpPr txBox="1"/>
+          <p:nvPr/>
+        </p:nvSpPr>
+        <p:spPr bwMode="auto">
+          <a:xfrm>
+            <a:off x="716143" y="409326"/>
+            <a:ext cx="10675471" cy="523220"/>
+          </a:xfrm>
+          <a:prstGeom prst="rect">
+            <a:avLst/>
+          </a:prstGeom>
+          <a:noFill/>
+        </p:spPr>
+        <p:txBody>
+          <a:bodyPr wrap="square">
+            <a:spAutoFit/>
+            <a:scene3d>
+              <a:camera prst="orthographicFront"/>
+              <a:lightRig rig="threePt" dir="t"/>
+            </a:scene3d>
+            <a:sp3d contourW="12700"/>
+          </a:bodyPr>
+          <a:lstStyle/>
+          <a:p>
+            <a:pPr>
+              <a:defRPr/>
+            </a:pPr>
+            <a:r>
+              <a:rPr lang="zh-CN" altLang="en-US" sz="2800" b="1" dirty="0">
+                <a:solidFill>
+                  <a:srgbClr val="7F12B6"/>
+                </a:solidFill>
+                <a:latin typeface="时尚中黑简体" panose="01010104010101010101" pitchFamily="2" charset="-122"/>
+                <a:ea typeface="时尚中黑简体" panose="01010104010101010101" pitchFamily="2" charset="-122"/>
+              </a:rPr>
+              <a:t>实验方案 二    导航与安全</a:t>
+            </a:r>
+            <a:endParaRPr lang="en-US" altLang="zh-CN" sz="2800" b="1" dirty="0">
+              <a:solidFill>
+                <a:srgbClr val="7F12B6"/>
+              </a:solidFill>
+              <a:latin typeface="时尚中黑简体" panose="01010104010101010101" pitchFamily="2" charset="-122"/>
+              <a:ea typeface="时尚中黑简体" panose="01010104010101010101" pitchFamily="2" charset="-122"/>
+            </a:endParaRPr>
+          </a:p>
+        </p:txBody>
+      </p:sp>
+      <p:sp>
+        <p:nvSpPr>
+          <p:cNvPr id="5" name="文本框 4">
+            <a:extLst>
+              <a:ext uri="{FF2B5EF4-FFF2-40B4-BE49-F238E27FC236}">
+                <a16:creationId xmlns:a16="http://schemas.microsoft.com/office/drawing/2014/main" id="{34615C27-0FC5-7296-FD7C-1DBC8E0DDAE7}"/>
+              </a:ext>
+            </a:extLst>
+          </p:cNvPr>
+          <p:cNvSpPr txBox="1"/>
+          <p:nvPr/>
+        </p:nvSpPr>
+        <p:spPr>
+          <a:xfrm>
+            <a:off x="581108" y="1330009"/>
+            <a:ext cx="5438692" cy="5324535"/>
+          </a:xfrm>
+          <a:prstGeom prst="rect">
+            <a:avLst/>
+          </a:prstGeom>
+          <a:noFill/>
+        </p:spPr>
+        <p:txBody>
+          <a:bodyPr wrap="square" rtlCol="0">
+            <a:spAutoFit/>
+          </a:bodyPr>
+          <a:lstStyle/>
+          <a:p>
+            <a:r>
+              <a:rPr lang="zh-CN" altLang="en-US" sz="2000" dirty="0">
+                <a:highlight>
+                  <a:srgbClr val="FFFFFF"/>
+                </a:highlight>
+                <a:latin typeface="-apple-system"/>
+              </a:rPr>
+              <a:t>危险预警：</a:t>
+            </a:r>
+            <a:endParaRPr lang="en-US" altLang="zh-CN" sz="2000" dirty="0">
+              <a:highlight>
+                <a:srgbClr val="FFFFFF"/>
+              </a:highlight>
+              <a:latin typeface="-apple-system"/>
+            </a:endParaRPr>
+          </a:p>
+          <a:p>
+            <a:r>
+              <a:rPr lang="zh-CN" altLang="en-US" sz="2000" dirty="0"/>
+              <a:t>移动物体</a:t>
+            </a:r>
+            <a:r>
+              <a:rPr lang="zh-CN" altLang="en-US" sz="2000" dirty="0">
+                <a:highlight>
+                  <a:srgbClr val="FFFFFF"/>
+                </a:highlight>
+                <a:latin typeface="-apple-system"/>
+              </a:rPr>
+              <a:t>：使用振动类型</a:t>
+            </a:r>
+            <a:endParaRPr lang="en-US" altLang="zh-CN" sz="2000" dirty="0">
+              <a:highlight>
+                <a:srgbClr val="FFFFFF"/>
+              </a:highlight>
+              <a:latin typeface="-apple-system"/>
+            </a:endParaRPr>
+          </a:p>
+          <a:p>
+            <a:r>
+              <a:rPr lang="zh-CN" altLang="en-US" sz="2000" dirty="0">
+                <a:highlight>
+                  <a:srgbClr val="FFFFFF"/>
+                </a:highlight>
+                <a:latin typeface="-apple-system"/>
+              </a:rPr>
+              <a:t>前</a:t>
+            </a:r>
+            <a:r>
+              <a:rPr lang="en-US" altLang="zh-CN" sz="2000" dirty="0">
+                <a:highlight>
+                  <a:srgbClr val="FFFFFF"/>
+                </a:highlight>
+                <a:latin typeface="-apple-system"/>
+              </a:rPr>
+              <a:t> --- </a:t>
+            </a:r>
+            <a:r>
+              <a:rPr lang="zh-CN" altLang="en-US" sz="2000" dirty="0">
+                <a:highlight>
+                  <a:srgbClr val="FFFFFF"/>
+                </a:highlight>
+                <a:latin typeface="-apple-system"/>
+              </a:rPr>
+              <a:t>停止：手机手表同时振动</a:t>
+            </a:r>
+            <a:endParaRPr lang="en-US" altLang="zh-CN" sz="2000" dirty="0">
+              <a:highlight>
+                <a:srgbClr val="FFFFFF"/>
+              </a:highlight>
+              <a:latin typeface="-apple-system"/>
+            </a:endParaRPr>
+          </a:p>
+          <a:p>
+            <a:r>
+              <a:rPr lang="zh-CN" altLang="en-US" sz="2000" dirty="0">
+                <a:highlight>
+                  <a:srgbClr val="FFFFFF"/>
+                </a:highlight>
+                <a:latin typeface="-apple-system"/>
+              </a:rPr>
+              <a:t>后 </a:t>
+            </a:r>
+            <a:r>
+              <a:rPr lang="en-US" altLang="zh-CN" sz="2000" dirty="0">
+                <a:highlight>
+                  <a:srgbClr val="FFFFFF"/>
+                </a:highlight>
+                <a:latin typeface="-apple-system"/>
+              </a:rPr>
+              <a:t>--- </a:t>
+            </a:r>
+          </a:p>
+          <a:p>
+            <a:r>
+              <a:rPr lang="zh-CN" altLang="en-US" sz="2000" dirty="0">
+                <a:highlight>
+                  <a:srgbClr val="FFFFFF"/>
+                </a:highlight>
+                <a:latin typeface="-apple-system"/>
+              </a:rPr>
+              <a:t>左 </a:t>
+            </a:r>
+            <a:r>
+              <a:rPr lang="en-US" altLang="zh-CN" sz="2000" dirty="0">
+                <a:highlight>
+                  <a:srgbClr val="FFFFFF"/>
+                </a:highlight>
+                <a:latin typeface="-apple-system"/>
+              </a:rPr>
+              <a:t>--- </a:t>
+            </a:r>
+            <a:r>
+              <a:rPr lang="zh-CN" altLang="en-US" sz="2000" dirty="0">
+                <a:highlight>
+                  <a:srgbClr val="FFFFFF"/>
+                </a:highlight>
+                <a:latin typeface="-apple-system"/>
+              </a:rPr>
+              <a:t>手表 连续振动</a:t>
+            </a:r>
+            <a:endParaRPr lang="en-US" altLang="zh-CN" sz="2000" dirty="0">
+              <a:highlight>
+                <a:srgbClr val="FFFFFF"/>
+              </a:highlight>
+              <a:latin typeface="-apple-system"/>
+            </a:endParaRPr>
+          </a:p>
+          <a:p>
+            <a:r>
+              <a:rPr lang="zh-CN" altLang="en-US" sz="2000" dirty="0">
+                <a:highlight>
+                  <a:srgbClr val="FFFFFF"/>
+                </a:highlight>
+                <a:latin typeface="-apple-system"/>
+              </a:rPr>
+              <a:t>右 </a:t>
+            </a:r>
+            <a:r>
+              <a:rPr lang="en-US" altLang="zh-CN" sz="2000" dirty="0">
+                <a:highlight>
+                  <a:srgbClr val="FFFFFF"/>
+                </a:highlight>
+                <a:latin typeface="-apple-system"/>
+              </a:rPr>
+              <a:t>--- </a:t>
+            </a:r>
+            <a:r>
+              <a:rPr lang="zh-CN" altLang="en-US" sz="2000" dirty="0">
+                <a:highlight>
+                  <a:srgbClr val="FFFFFF"/>
+                </a:highlight>
+                <a:latin typeface="-apple-system"/>
+              </a:rPr>
+              <a:t>手机 连续振动</a:t>
+            </a:r>
+            <a:endParaRPr lang="en-US" altLang="zh-CN" sz="2000" dirty="0">
+              <a:highlight>
+                <a:srgbClr val="FFFFFF"/>
+              </a:highlight>
+              <a:latin typeface="-apple-system"/>
+            </a:endParaRPr>
+          </a:p>
+          <a:p>
+            <a:endParaRPr lang="en-US" altLang="zh-CN" sz="2000" dirty="0">
+              <a:highlight>
+                <a:srgbClr val="FFFFFF"/>
+              </a:highlight>
+              <a:latin typeface="-apple-system"/>
+            </a:endParaRPr>
+          </a:p>
+          <a:p>
+            <a:r>
+              <a:rPr lang="zh-CN" altLang="en-US" sz="2000" dirty="0">
+                <a:highlight>
+                  <a:srgbClr val="FFFFFF"/>
+                </a:highlight>
+                <a:latin typeface="-apple-system"/>
+              </a:rPr>
+              <a:t>路况不佳 </a:t>
+            </a:r>
+            <a:r>
+              <a:rPr lang="en-US" altLang="zh-CN" sz="2000" dirty="0">
+                <a:highlight>
+                  <a:srgbClr val="FFFFFF"/>
+                </a:highlight>
+                <a:latin typeface="-apple-system"/>
+              </a:rPr>
+              <a:t>--- </a:t>
+            </a:r>
+            <a:r>
+              <a:rPr lang="zh-CN" altLang="en-US" sz="2000" dirty="0">
+                <a:highlight>
+                  <a:srgbClr val="FFFFFF"/>
+                </a:highlight>
+                <a:latin typeface="-apple-system"/>
+              </a:rPr>
+              <a:t>手表振动（离散）</a:t>
+            </a:r>
+            <a:endParaRPr lang="en-US" altLang="zh-CN" sz="2000" dirty="0">
+              <a:highlight>
+                <a:srgbClr val="FFFFFF"/>
+              </a:highlight>
+              <a:latin typeface="-apple-system"/>
+            </a:endParaRPr>
+          </a:p>
+          <a:p>
+            <a:endParaRPr lang="en-US" altLang="zh-CN" sz="2000" dirty="0">
+              <a:highlight>
+                <a:srgbClr val="FFFFFF"/>
+              </a:highlight>
+              <a:latin typeface="-apple-system"/>
+            </a:endParaRPr>
+          </a:p>
+          <a:p>
+            <a:r>
+              <a:rPr lang="zh-CN" altLang="en-US" sz="2000" dirty="0">
+                <a:highlight>
+                  <a:srgbClr val="FFFFFF"/>
+                </a:highlight>
+                <a:latin typeface="-apple-system"/>
+              </a:rPr>
+              <a:t>天气不佳 </a:t>
+            </a:r>
+            <a:r>
+              <a:rPr lang="en-US" altLang="zh-CN" sz="2000" dirty="0">
+                <a:highlight>
+                  <a:srgbClr val="FFFFFF"/>
+                </a:highlight>
+                <a:latin typeface="-apple-system"/>
+              </a:rPr>
+              <a:t>---</a:t>
+            </a:r>
+            <a:r>
+              <a:rPr lang="zh-CN" altLang="en-US" sz="2000" dirty="0">
+                <a:highlight>
+                  <a:srgbClr val="FFFFFF"/>
+                </a:highlight>
+                <a:latin typeface="-apple-system"/>
+              </a:rPr>
+              <a:t>手表振动（长）</a:t>
+            </a:r>
+            <a:endParaRPr lang="en-US" altLang="zh-CN" sz="2000" dirty="0">
+              <a:highlight>
+                <a:srgbClr val="FFFFFF"/>
+              </a:highlight>
+              <a:latin typeface="-apple-system"/>
+            </a:endParaRPr>
+          </a:p>
+          <a:p>
+            <a:endParaRPr lang="en-US" altLang="zh-CN" sz="2000" dirty="0">
+              <a:highlight>
+                <a:srgbClr val="FFFFFF"/>
+              </a:highlight>
+              <a:latin typeface="-apple-system"/>
+            </a:endParaRPr>
+          </a:p>
+          <a:p>
+            <a:r>
+              <a:rPr lang="zh-CN" altLang="en-US" sz="2000" dirty="0"/>
+              <a:t>上下楼梯：</a:t>
+            </a:r>
+            <a:endParaRPr lang="en-US" altLang="zh-CN" sz="2000" dirty="0"/>
+          </a:p>
+          <a:p>
+            <a:r>
+              <a:rPr lang="zh-CN" altLang="en-US" sz="2000" dirty="0">
+                <a:highlight>
+                  <a:srgbClr val="FFFFFF"/>
+                </a:highlight>
+                <a:latin typeface="-apple-system"/>
+              </a:rPr>
+              <a:t>停止：手机手表同时振动</a:t>
+            </a:r>
+            <a:endParaRPr lang="en-US" altLang="zh-CN" sz="2000" dirty="0">
+              <a:highlight>
+                <a:srgbClr val="FFFFFF"/>
+              </a:highlight>
+              <a:latin typeface="-apple-system"/>
+            </a:endParaRPr>
+          </a:p>
+          <a:p>
+            <a:r>
+              <a:rPr lang="zh-CN" altLang="en-US" sz="2000" dirty="0">
+                <a:highlight>
+                  <a:srgbClr val="FFFFFF"/>
+                </a:highlight>
+                <a:latin typeface="-apple-system"/>
+              </a:rPr>
+              <a:t>手表与手机交替振动</a:t>
+            </a:r>
+            <a:endParaRPr lang="en-US" altLang="zh-CN" sz="2000" dirty="0"/>
+          </a:p>
+          <a:p>
+            <a:endParaRPr lang="en-US" altLang="zh-CN" sz="2000" dirty="0">
+              <a:highlight>
+                <a:srgbClr val="FFFFFF"/>
+              </a:highlight>
+              <a:latin typeface="-apple-system"/>
+            </a:endParaRPr>
+          </a:p>
+          <a:p>
+            <a:r>
+              <a:rPr lang="zh-CN" altLang="en-US" sz="2000" dirty="0">
+                <a:highlight>
+                  <a:srgbClr val="FFFFFF"/>
+                </a:highlight>
+                <a:latin typeface="-apple-system"/>
+              </a:rPr>
+              <a:t>直线保持</a:t>
+            </a:r>
+            <a:r>
+              <a:rPr lang="en-US" altLang="zh-CN" sz="2000" dirty="0">
+                <a:highlight>
+                  <a:srgbClr val="FFFFFF"/>
+                </a:highlight>
+                <a:latin typeface="-apple-system"/>
+              </a:rPr>
+              <a:t> ---</a:t>
+            </a:r>
+            <a:r>
+              <a:rPr lang="zh-CN" altLang="en-US" sz="2000" dirty="0">
+                <a:highlight>
+                  <a:srgbClr val="FFFFFF"/>
+                </a:highlight>
+                <a:latin typeface="-apple-system"/>
+              </a:rPr>
+              <a:t>手表与手机交替振动（频率）</a:t>
+            </a:r>
+            <a:endParaRPr lang="en-US" altLang="zh-CN" sz="2000" dirty="0"/>
+          </a:p>
+          <a:p>
+            <a:endParaRPr lang="en-US" altLang="zh-CN" sz="2000" dirty="0">
+              <a:highlight>
+                <a:srgbClr val="FFFFFF"/>
+              </a:highlight>
+              <a:latin typeface="-apple-system"/>
+            </a:endParaRPr>
+          </a:p>
+        </p:txBody>
+      </p:sp>
+      <p:pic>
+        <p:nvPicPr>
+          <p:cNvPr id="3" name="图片 2">
+            <a:extLst>
+              <a:ext uri="{FF2B5EF4-FFF2-40B4-BE49-F238E27FC236}">
+                <a16:creationId xmlns:a16="http://schemas.microsoft.com/office/drawing/2014/main" id="{7B09800B-DE6E-AE5B-1C57-82A0E0CC9E24}"/>
+              </a:ext>
+            </a:extLst>
+          </p:cNvPr>
+          <p:cNvPicPr>
+            <a:picLocks noChangeAspect="1"/>
+          </p:cNvPicPr>
+          <p:nvPr/>
+        </p:nvPicPr>
+        <p:blipFill>
+          <a:blip r:embed="rId3"/>
+          <a:stretch>
+            <a:fillRect/>
+          </a:stretch>
+        </p:blipFill>
+        <p:spPr>
+          <a:xfrm>
+            <a:off x="6880865" y="1330008"/>
+            <a:ext cx="3802375" cy="3743079"/>
+          </a:xfrm>
+          <a:prstGeom prst="rect">
+            <a:avLst/>
+          </a:prstGeom>
+        </p:spPr>
+      </p:pic>
+    </p:spTree>
+    <p:extLst>
+      <p:ext uri="{BB962C8B-B14F-4D97-AF65-F5344CB8AC3E}">
+        <p14:creationId xmlns:p14="http://schemas.microsoft.com/office/powerpoint/2010/main" val="1567194021"/>
       </p:ext>
     </p:extLst>
   </p:cSld>
